--- a/percolation.pptx
+++ b/percolation.pptx
@@ -20,6 +20,8 @@
     <p:sldId id="268" r:id="rId14"/>
     <p:sldId id="269" r:id="rId15"/>
     <p:sldId id="270" r:id="rId16"/>
+    <p:sldId id="271" r:id="rId17"/>
+    <p:sldId id="272" r:id="rId18"/>
   </p:sldIdLst>
   <p:sldSz cx="12192000" cy="6858000"/>
   <p:notesSz cx="6858000" cy="9144000"/>
@@ -3355,8 +3357,8 @@
           </a:p>
         </p:txBody>
       </p:sp>
-      <mc:AlternateContent xmlns:mc="http://schemas.openxmlformats.org/markup-compatibility/2006">
-        <mc:Choice xmlns:a14="http://schemas.microsoft.com/office/drawing/2010/main" Requires="a14">
+      <mc:AlternateContent xmlns:mc="http://schemas.openxmlformats.org/markup-compatibility/2006" xmlns:a14="http://schemas.microsoft.com/office/drawing/2010/main">
+        <mc:Choice Requires="a14">
           <p:sp>
             <p:nvSpPr>
               <p:cNvPr id="3" name="내용 개체 틀 2">
@@ -3730,7 +3732,7 @@
             </p:txBody>
           </p:sp>
         </mc:Choice>
-        <mc:Fallback>
+        <mc:Fallback xmlns="">
           <p:sp>
             <p:nvSpPr>
               <p:cNvPr id="3" name="내용 개체 틀 2">
@@ -3815,8 +3817,8 @@
           </a:fontRef>
         </p:style>
       </p:cxnSp>
-      <mc:AlternateContent xmlns:mc="http://schemas.openxmlformats.org/markup-compatibility/2006">
-        <mc:Choice xmlns:a14="http://schemas.microsoft.com/office/drawing/2010/main" Requires="a14">
+      <mc:AlternateContent xmlns:mc="http://schemas.openxmlformats.org/markup-compatibility/2006" xmlns:a14="http://schemas.microsoft.com/office/drawing/2010/main">
+        <mc:Choice Requires="a14">
           <p:sp>
             <p:nvSpPr>
               <p:cNvPr id="8" name="TextBox 7">
@@ -3845,6 +3847,7 @@
               </a:bodyPr>
               <a:lstStyle/>
               <a:p>
+                <a:pPr/>
                 <a14:m>
                   <m:oMathPara xmlns:m="http://schemas.openxmlformats.org/officeDocument/2006/math">
                     <m:oMathParaPr>
@@ -3871,7 +3874,7 @@
             </p:txBody>
           </p:sp>
         </mc:Choice>
-        <mc:Fallback>
+        <mc:Fallback xmlns="">
           <p:sp>
             <p:nvSpPr>
               <p:cNvPr id="8" name="TextBox 7">
@@ -3916,8 +3919,8 @@
           </p:sp>
         </mc:Fallback>
       </mc:AlternateContent>
-      <mc:AlternateContent xmlns:mc="http://schemas.openxmlformats.org/markup-compatibility/2006">
-        <mc:Choice xmlns:a14="http://schemas.microsoft.com/office/drawing/2010/main" Requires="a14">
+      <mc:AlternateContent xmlns:mc="http://schemas.openxmlformats.org/markup-compatibility/2006" xmlns:a14="http://schemas.microsoft.com/office/drawing/2010/main">
+        <mc:Choice Requires="a14">
           <p:sp>
             <p:nvSpPr>
               <p:cNvPr id="9" name="TextBox 8">
@@ -3946,6 +3949,7 @@
               </a:bodyPr>
               <a:lstStyle/>
               <a:p>
+                <a:pPr/>
                 <a14:m>
                   <m:oMathPara xmlns:m="http://schemas.openxmlformats.org/officeDocument/2006/math">
                     <m:oMathParaPr>
@@ -3972,7 +3976,7 @@
             </p:txBody>
           </p:sp>
         </mc:Choice>
-        <mc:Fallback>
+        <mc:Fallback xmlns="">
           <p:sp>
             <p:nvSpPr>
               <p:cNvPr id="9" name="TextBox 8">
@@ -4177,8 +4181,8 @@
           </a:p>
         </p:txBody>
       </p:sp>
-      <mc:AlternateContent xmlns:mc="http://schemas.openxmlformats.org/markup-compatibility/2006">
-        <mc:Choice xmlns:a14="http://schemas.microsoft.com/office/drawing/2010/main" Requires="a14">
+      <mc:AlternateContent xmlns:mc="http://schemas.openxmlformats.org/markup-compatibility/2006" xmlns:a14="http://schemas.microsoft.com/office/drawing/2010/main">
+        <mc:Choice Requires="a14">
           <p:sp>
             <p:nvSpPr>
               <p:cNvPr id="19" name="TextBox 18">
@@ -4207,6 +4211,7 @@
               </a:bodyPr>
               <a:lstStyle/>
               <a:p>
+                <a:pPr/>
                 <a14:m>
                   <m:oMathPara xmlns:m="http://schemas.openxmlformats.org/officeDocument/2006/math">
                     <m:oMathParaPr>
@@ -4246,7 +4251,7 @@
             </p:txBody>
           </p:sp>
         </mc:Choice>
-        <mc:Fallback>
+        <mc:Fallback xmlns="">
           <p:sp>
             <p:nvSpPr>
               <p:cNvPr id="19" name="TextBox 18">
@@ -4321,8 +4326,8 @@
           <a:chExt cx="0" cy="0"/>
         </a:xfrm>
       </p:grpSpPr>
-      <mc:AlternateContent xmlns:mc="http://schemas.openxmlformats.org/markup-compatibility/2006">
-        <mc:Choice xmlns:a14="http://schemas.microsoft.com/office/drawing/2010/main" Requires="a14">
+      <mc:AlternateContent xmlns:mc="http://schemas.openxmlformats.org/markup-compatibility/2006" xmlns:a14="http://schemas.microsoft.com/office/drawing/2010/main">
+        <mc:Choice Requires="a14">
           <p:sp>
             <p:nvSpPr>
               <p:cNvPr id="2" name="제목 1">
@@ -4392,7 +4397,7 @@
             </p:txBody>
           </p:sp>
         </mc:Choice>
-        <mc:Fallback>
+        <mc:Fallback xmlns="">
           <p:sp>
             <p:nvSpPr>
               <p:cNvPr id="2" name="제목 1">
@@ -4432,8 +4437,8 @@
           </p:sp>
         </mc:Fallback>
       </mc:AlternateContent>
-      <mc:AlternateContent xmlns:mc="http://schemas.openxmlformats.org/markup-compatibility/2006">
-        <mc:Choice xmlns:a14="http://schemas.microsoft.com/office/drawing/2010/main" Requires="a14">
+      <mc:AlternateContent xmlns:mc="http://schemas.openxmlformats.org/markup-compatibility/2006" xmlns:a14="http://schemas.microsoft.com/office/drawing/2010/main">
+        <mc:Choice Requires="a14">
           <p:sp>
             <p:nvSpPr>
               <p:cNvPr id="3" name="내용 개체 틀 2">
@@ -4535,7 +4540,7 @@
             </p:txBody>
           </p:sp>
         </mc:Choice>
-        <mc:Fallback>
+        <mc:Fallback xmlns="">
           <p:sp>
             <p:nvSpPr>
               <p:cNvPr id="3" name="내용 개체 틀 2">
@@ -4845,8 +4850,8 @@
           </a:p>
         </p:txBody>
       </p:sp>
-      <mc:AlternateContent xmlns:mc="http://schemas.openxmlformats.org/markup-compatibility/2006">
-        <mc:Choice xmlns:a14="http://schemas.microsoft.com/office/drawing/2010/main" Requires="a14">
+      <mc:AlternateContent xmlns:mc="http://schemas.openxmlformats.org/markup-compatibility/2006" xmlns:a14="http://schemas.microsoft.com/office/drawing/2010/main">
+        <mc:Choice Requires="a14">
           <p:sp>
             <p:nvSpPr>
               <p:cNvPr id="3" name="내용 개체 틀 2">
@@ -4967,7 +4972,7 @@
             </p:txBody>
           </p:sp>
         </mc:Choice>
-        <mc:Fallback>
+        <mc:Fallback xmlns="">
           <p:sp>
             <p:nvSpPr>
               <p:cNvPr id="3" name="내용 개체 틀 2">
@@ -5140,73 +5145,435 @@
           </a:p>
         </p:txBody>
       </p:sp>
-      <p:sp>
-        <p:nvSpPr>
-          <p:cNvPr id="3" name="내용 개체 틀 2">
-            <a:extLst>
-              <a:ext uri="{FF2B5EF4-FFF2-40B4-BE49-F238E27FC236}">
-                <a16:creationId xmlns:a16="http://schemas.microsoft.com/office/drawing/2014/main" id="{57B4BAC2-8F81-BCF0-0065-5931B575AB84}"/>
-              </a:ext>
-            </a:extLst>
-          </p:cNvPr>
-          <p:cNvSpPr>
-            <a:spLocks noGrp="1"/>
-          </p:cNvSpPr>
-          <p:nvPr>
-            <p:ph idx="1"/>
-          </p:nvPr>
-        </p:nvSpPr>
-        <p:spPr/>
-        <p:txBody>
-          <a:bodyPr/>
-          <a:lstStyle/>
-          <a:p>
-            <a:r>
-              <a:rPr lang="en-US" altLang="ko-KR"/>
-              <a:t>3</a:t>
-            </a:r>
-            <a:r>
-              <a:rPr lang="ko-KR" altLang="en-US"/>
-              <a:t>차원에서도 </a:t>
-            </a:r>
-            <a:r>
-              <a:rPr lang="en-US" altLang="ko-KR"/>
-              <a:t>“3</a:t>
-            </a:r>
-            <a:r>
-              <a:rPr lang="ko-KR" altLang="en-US"/>
-              <a:t>차원 격자 그래프</a:t>
-            </a:r>
-            <a:r>
-              <a:rPr lang="en-US" altLang="ko-KR"/>
-              <a:t>”</a:t>
-            </a:r>
-            <a:r>
-              <a:rPr lang="ko-KR" altLang="en-US"/>
-              <a:t>를 통해 퍼콜레이션 모델을 만들 수 있다</a:t>
-            </a:r>
-            <a:r>
-              <a:rPr lang="en-US" altLang="ko-KR"/>
-              <a:t>.</a:t>
-            </a:r>
-          </a:p>
-          <a:p>
-            <a:r>
-              <a:rPr lang="ko-KR" altLang="en-US"/>
-              <a:t>이 경우에도 동일하게 상 전이 현상이 발생한다는 것을 알 수 있다</a:t>
-            </a:r>
-            <a:r>
-              <a:rPr lang="en-US" altLang="ko-KR"/>
-              <a:t>.</a:t>
-            </a:r>
-            <a:endParaRPr lang="ko-KR" altLang="en-US"/>
-          </a:p>
-        </p:txBody>
-      </p:sp>
+      <mc:AlternateContent xmlns:mc="http://schemas.openxmlformats.org/markup-compatibility/2006">
+        <mc:Choice xmlns:a14="http://schemas.microsoft.com/office/drawing/2010/main" Requires="a14">
+          <p:sp>
+            <p:nvSpPr>
+              <p:cNvPr id="3" name="내용 개체 틀 2">
+                <a:extLst>
+                  <a:ext uri="{FF2B5EF4-FFF2-40B4-BE49-F238E27FC236}">
+                    <a16:creationId xmlns:a16="http://schemas.microsoft.com/office/drawing/2014/main" id="{57B4BAC2-8F81-BCF0-0065-5931B575AB84}"/>
+                  </a:ext>
+                </a:extLst>
+              </p:cNvPr>
+              <p:cNvSpPr>
+                <a:spLocks noGrp="1"/>
+              </p:cNvSpPr>
+              <p:nvPr>
+                <p:ph idx="1"/>
+              </p:nvPr>
+            </p:nvSpPr>
+            <p:spPr/>
+            <p:txBody>
+              <a:bodyPr/>
+              <a:lstStyle/>
+              <a:p>
+                <a:r>
+                  <a:rPr lang="en-US" altLang="ko-KR"/>
+                  <a:t>3</a:t>
+                </a:r>
+                <a:r>
+                  <a:rPr lang="ko-KR" altLang="en-US"/>
+                  <a:t>차원에서도 </a:t>
+                </a:r>
+                <a:r>
+                  <a:rPr lang="en-US" altLang="ko-KR"/>
+                  <a:t>“3</a:t>
+                </a:r>
+                <a:r>
+                  <a:rPr lang="ko-KR" altLang="en-US"/>
+                  <a:t>차원 격자 그래프</a:t>
+                </a:r>
+                <a:r>
+                  <a:rPr lang="en-US" altLang="ko-KR"/>
+                  <a:t>”</a:t>
+                </a:r>
+                <a:r>
+                  <a:rPr lang="ko-KR" altLang="en-US"/>
+                  <a:t>를 통해 퍼콜레이션 모델을 만들 수 있다</a:t>
+                </a:r>
+                <a:r>
+                  <a:rPr lang="en-US" altLang="ko-KR"/>
+                  <a:t>.</a:t>
+                </a:r>
+              </a:p>
+              <a:p>
+                <a:r>
+                  <a:rPr lang="ko-KR" altLang="en-US"/>
+                  <a:t>이 경우에도 동일하게 상 전이 현상이 발생한다는 것을 알 수 있다</a:t>
+                </a:r>
+                <a:r>
+                  <a:rPr lang="en-US" altLang="ko-KR"/>
+                  <a:t>.</a:t>
+                </a:r>
+              </a:p>
+              <a:p>
+                <a:r>
+                  <a:rPr lang="en-US" altLang="ko-KR"/>
+                  <a:t>3</a:t>
+                </a:r>
+                <a:r>
+                  <a:rPr lang="ko-KR" altLang="en-US"/>
+                  <a:t>차원일 때 임계점 </a:t>
+                </a:r>
+                <a14:m>
+                  <m:oMath xmlns:m="http://schemas.openxmlformats.org/officeDocument/2006/math">
+                    <m:sSub>
+                      <m:sSubPr>
+                        <m:ctrlPr>
+                          <a:rPr lang="en-US" altLang="ko-KR" b="0" i="1" smtClean="0">
+                            <a:latin typeface="Cambria Math" panose="02040503050406030204" pitchFamily="18" charset="0"/>
+                          </a:rPr>
+                        </m:ctrlPr>
+                      </m:sSubPr>
+                      <m:e>
+                        <m:r>
+                          <a:rPr lang="en-US" altLang="ko-KR" b="0" i="1" smtClean="0">
+                            <a:latin typeface="Cambria Math" panose="02040503050406030204" pitchFamily="18" charset="0"/>
+                          </a:rPr>
+                          <m:t>𝑝</m:t>
+                        </m:r>
+                      </m:e>
+                      <m:sub>
+                        <m:r>
+                          <a:rPr lang="en-US" altLang="ko-KR" b="0" i="1" smtClean="0">
+                            <a:latin typeface="Cambria Math" panose="02040503050406030204" pitchFamily="18" charset="0"/>
+                          </a:rPr>
+                          <m:t>𝑐</m:t>
+                        </m:r>
+                      </m:sub>
+                    </m:sSub>
+                  </m:oMath>
+                </a14:m>
+                <a:r>
+                  <a:rPr lang="ko-KR" altLang="en-US"/>
+                  <a:t>를 구해보자</a:t>
+                </a:r>
+                <a:r>
+                  <a:rPr lang="en-US" altLang="ko-KR"/>
+                  <a:t>.</a:t>
+                </a:r>
+                <a:endParaRPr lang="ko-KR" altLang="en-US"/>
+              </a:p>
+            </p:txBody>
+          </p:sp>
+        </mc:Choice>
+        <mc:Fallback>
+          <p:sp>
+            <p:nvSpPr>
+              <p:cNvPr id="3" name="내용 개체 틀 2">
+                <a:extLst>
+                  <a:ext uri="{FF2B5EF4-FFF2-40B4-BE49-F238E27FC236}">
+                    <a16:creationId xmlns:a16="http://schemas.microsoft.com/office/drawing/2014/main" id="{57B4BAC2-8F81-BCF0-0065-5931B575AB84}"/>
+                  </a:ext>
+                </a:extLst>
+              </p:cNvPr>
+              <p:cNvSpPr>
+                <a:spLocks noGrp="1" noRot="1" noChangeAspect="1" noMove="1" noResize="1" noEditPoints="1" noAdjustHandles="1" noChangeArrowheads="1" noChangeShapeType="1" noTextEdit="1"/>
+              </p:cNvSpPr>
+              <p:nvPr>
+                <p:ph idx="1"/>
+              </p:nvPr>
+            </p:nvSpPr>
+            <p:spPr>
+              <a:blipFill>
+                <a:blip r:embed="rId2"/>
+                <a:stretch>
+                  <a:fillRect l="-1043" t="-2661" r="-986"/>
+                </a:stretch>
+              </a:blipFill>
+            </p:spPr>
+            <p:txBody>
+              <a:bodyPr/>
+              <a:lstStyle/>
+              <a:p>
+                <a:r>
+                  <a:rPr lang="ko-KR" altLang="en-US">
+                    <a:noFill/>
+                  </a:rPr>
+                  <a:t> </a:t>
+                </a:r>
+              </a:p>
+            </p:txBody>
+          </p:sp>
+        </mc:Fallback>
+      </mc:AlternateContent>
     </p:spTree>
     <p:extLst>
       <p:ext uri="{BB962C8B-B14F-4D97-AF65-F5344CB8AC3E}">
         <p14:creationId xmlns:p14="http://schemas.microsoft.com/office/powerpoint/2010/main" val="4278192209"/>
+      </p:ext>
+    </p:extLst>
+  </p:cSld>
+  <p:clrMapOvr>
+    <a:masterClrMapping/>
+  </p:clrMapOvr>
+</p:sld>
+</file>
+
+<file path=ppt/slides/slide16.xml><?xml version="1.0" encoding="utf-8"?>
+<p:sld xmlns:a="http://schemas.openxmlformats.org/drawingml/2006/main" xmlns:r="http://schemas.openxmlformats.org/officeDocument/2006/relationships" xmlns:p="http://schemas.openxmlformats.org/presentationml/2006/main">
+  <p:cSld>
+    <p:spTree>
+      <p:nvGrpSpPr>
+        <p:cNvPr id="1" name=""/>
+        <p:cNvGrpSpPr/>
+        <p:nvPr/>
+      </p:nvGrpSpPr>
+      <p:grpSpPr>
+        <a:xfrm>
+          <a:off x="0" y="0"/>
+          <a:ext cx="0" cy="0"/>
+          <a:chOff x="0" y="0"/>
+          <a:chExt cx="0" cy="0"/>
+        </a:xfrm>
+      </p:grpSpPr>
+      <p:sp>
+        <p:nvSpPr>
+          <p:cNvPr id="4" name="TextBox 3">
+            <a:extLst>
+              <a:ext uri="{FF2B5EF4-FFF2-40B4-BE49-F238E27FC236}">
+                <a16:creationId xmlns:a16="http://schemas.microsoft.com/office/drawing/2014/main" id="{6E913DC3-DB1A-AA38-B548-02C9C435D55B}"/>
+              </a:ext>
+            </a:extLst>
+          </p:cNvPr>
+          <p:cNvSpPr txBox="1"/>
+          <p:nvPr/>
+        </p:nvSpPr>
+        <p:spPr>
+          <a:xfrm>
+            <a:off x="6676845" y="2547668"/>
+            <a:ext cx="5060831" cy="1477328"/>
+          </a:xfrm>
+          <a:prstGeom prst="rect">
+            <a:avLst/>
+          </a:prstGeom>
+          <a:noFill/>
+        </p:spPr>
+        <p:txBody>
+          <a:bodyPr wrap="square" rtlCol="0">
+            <a:spAutoFit/>
+          </a:bodyPr>
+          <a:lstStyle/>
+          <a:p>
+            <a:r>
+              <a:rPr lang="ko-KR" altLang="en-US"/>
+              <a:t>위와같이 </a:t>
+            </a:r>
+            <a:r>
+              <a:rPr lang="en-US" altLang="ko-KR"/>
+              <a:t>2.4</a:t>
+            </a:r>
+            <a:r>
+              <a:rPr lang="ko-KR" altLang="en-US"/>
+              <a:t>일 때까지는 </a:t>
+            </a:r>
+            <a:r>
+              <a:rPr lang="en-US" altLang="ko-KR"/>
+              <a:t>0</a:t>
+            </a:r>
+            <a:r>
+              <a:rPr lang="ko-KR" altLang="en-US"/>
+              <a:t>에 가까운 값을 가졌다가</a:t>
+            </a:r>
+            <a:r>
+              <a:rPr lang="en-US" altLang="ko-KR"/>
+              <a:t>, 2.25</a:t>
+            </a:r>
+            <a:r>
+              <a:rPr lang="ko-KR" altLang="en-US"/>
+              <a:t>일 때 갑자기 커지는 걸 보면 임계값은 </a:t>
+            </a:r>
+            <a:r>
+              <a:rPr lang="en-US" altLang="ko-KR"/>
+              <a:t>0.24~0.25 </a:t>
+            </a:r>
+            <a:r>
+              <a:rPr lang="ko-KR" altLang="en-US"/>
+              <a:t>임을 알 수 있다</a:t>
+            </a:r>
+            <a:r>
+              <a:rPr lang="en-US" altLang="ko-KR"/>
+              <a:t>.</a:t>
+            </a:r>
+          </a:p>
+          <a:p>
+            <a:endParaRPr lang="en-US" altLang="ko-KR"/>
+          </a:p>
+          <a:p>
+            <a:r>
+              <a:rPr lang="ko-KR" altLang="en-US"/>
+              <a:t>이 임계값의 정확한 값은 미해결 문제이다</a:t>
+            </a:r>
+            <a:r>
+              <a:rPr lang="en-US" altLang="ko-KR"/>
+              <a:t>.</a:t>
+            </a:r>
+            <a:r>
+              <a:rPr lang="ko-KR" altLang="en-US"/>
+              <a:t> </a:t>
+            </a:r>
+          </a:p>
+        </p:txBody>
+      </p:sp>
+      <mc:AlternateContent xmlns:mc="http://schemas.openxmlformats.org/markup-compatibility/2006">
+        <mc:Choice xmlns:a14="http://schemas.microsoft.com/office/drawing/2010/main" Requires="a14">
+          <p:sp>
+            <p:nvSpPr>
+              <p:cNvPr id="8" name="TextBox 7">
+                <a:extLst>
+                  <a:ext uri="{FF2B5EF4-FFF2-40B4-BE49-F238E27FC236}">
+                    <a16:creationId xmlns:a16="http://schemas.microsoft.com/office/drawing/2014/main" id="{C399CC68-4396-B02E-0CB1-EC011DACD0D3}"/>
+                  </a:ext>
+                </a:extLst>
+              </p:cNvPr>
+              <p:cNvSpPr txBox="1"/>
+              <p:nvPr/>
+            </p:nvSpPr>
+            <p:spPr>
+              <a:xfrm>
+                <a:off x="1926566" y="655607"/>
+                <a:ext cx="3831113" cy="369332"/>
+              </a:xfrm>
+              <a:prstGeom prst="rect">
+                <a:avLst/>
+              </a:prstGeom>
+              <a:noFill/>
+            </p:spPr>
+            <p:txBody>
+              <a:bodyPr wrap="none" rtlCol="0">
+                <a:spAutoFit/>
+              </a:bodyPr>
+              <a:lstStyle/>
+              <a:p>
+                <a14:m>
+                  <m:oMath xmlns:m="http://schemas.openxmlformats.org/officeDocument/2006/math">
+                    <m:r>
+                      <a:rPr lang="en-US" altLang="ko-KR" b="0" i="1" smtClean="0">
+                        <a:latin typeface="Cambria Math" panose="02040503050406030204" pitchFamily="18" charset="0"/>
+                      </a:rPr>
+                      <m:t>𝑝</m:t>
+                    </m:r>
+                  </m:oMath>
+                </a14:m>
+                <a:r>
+                  <a:rPr lang="ko-KR" altLang="en-US"/>
+                  <a:t>에 따른 최대 클러스터 크기 그래프</a:t>
+                </a:r>
+              </a:p>
+            </p:txBody>
+          </p:sp>
+        </mc:Choice>
+        <mc:Fallback>
+          <p:sp>
+            <p:nvSpPr>
+              <p:cNvPr id="8" name="TextBox 7">
+                <a:extLst>
+                  <a:ext uri="{FF2B5EF4-FFF2-40B4-BE49-F238E27FC236}">
+                    <a16:creationId xmlns:a16="http://schemas.microsoft.com/office/drawing/2014/main" id="{C399CC68-4396-B02E-0CB1-EC011DACD0D3}"/>
+                  </a:ext>
+                </a:extLst>
+              </p:cNvPr>
+              <p:cNvSpPr txBox="1">
+                <a:spLocks noRot="1" noChangeAspect="1" noMove="1" noResize="1" noEditPoints="1" noAdjustHandles="1" noChangeArrowheads="1" noChangeShapeType="1" noTextEdit="1"/>
+              </p:cNvSpPr>
+              <p:nvPr/>
+            </p:nvSpPr>
+            <p:spPr>
+              <a:xfrm>
+                <a:off x="1926566" y="655607"/>
+                <a:ext cx="3831113" cy="369332"/>
+              </a:xfrm>
+              <a:prstGeom prst="rect">
+                <a:avLst/>
+              </a:prstGeom>
+              <a:blipFill>
+                <a:blip r:embed="rId2"/>
+                <a:stretch>
+                  <a:fillRect t="-13333" b="-23333"/>
+                </a:stretch>
+              </a:blipFill>
+            </p:spPr>
+            <p:txBody>
+              <a:bodyPr/>
+              <a:lstStyle/>
+              <a:p>
+                <a:r>
+                  <a:rPr lang="ko-KR" altLang="en-US">
+                    <a:noFill/>
+                  </a:rPr>
+                  <a:t> </a:t>
+                </a:r>
+              </a:p>
+            </p:txBody>
+          </p:sp>
+        </mc:Fallback>
+      </mc:AlternateContent>
+      <p:pic>
+        <p:nvPicPr>
+          <p:cNvPr id="12" name="그림 11">
+            <a:extLst>
+              <a:ext uri="{FF2B5EF4-FFF2-40B4-BE49-F238E27FC236}">
+                <a16:creationId xmlns:a16="http://schemas.microsoft.com/office/drawing/2014/main" id="{D9AFC953-8AF0-8D94-692E-AABECCABCCD1}"/>
+              </a:ext>
+            </a:extLst>
+          </p:cNvPr>
+          <p:cNvPicPr>
+            <a:picLocks noChangeAspect="1"/>
+          </p:cNvPicPr>
+          <p:nvPr/>
+        </p:nvPicPr>
+        <p:blipFill>
+          <a:blip r:embed="rId3"/>
+          <a:srcRect l="46840"/>
+          <a:stretch>
+            <a:fillRect/>
+          </a:stretch>
+        </p:blipFill>
+        <p:spPr>
+          <a:xfrm>
+            <a:off x="851139" y="1288210"/>
+            <a:ext cx="5337181" cy="5055080"/>
+          </a:xfrm>
+          <a:prstGeom prst="rect">
+            <a:avLst/>
+          </a:prstGeom>
+        </p:spPr>
+      </p:pic>
+    </p:spTree>
+    <p:extLst>
+      <p:ext uri="{BB962C8B-B14F-4D97-AF65-F5344CB8AC3E}">
+        <p14:creationId xmlns:p14="http://schemas.microsoft.com/office/powerpoint/2010/main" val="3839737087"/>
+      </p:ext>
+    </p:extLst>
+  </p:cSld>
+  <p:clrMapOvr>
+    <a:masterClrMapping/>
+  </p:clrMapOvr>
+</p:sld>
+</file>
+
+<file path=ppt/slides/slide17.xml><?xml version="1.0" encoding="utf-8"?>
+<p:sld xmlns:a="http://schemas.openxmlformats.org/drawingml/2006/main" xmlns:r="http://schemas.openxmlformats.org/officeDocument/2006/relationships" xmlns:p="http://schemas.openxmlformats.org/presentationml/2006/main">
+  <p:cSld>
+    <p:spTree>
+      <p:nvGrpSpPr>
+        <p:cNvPr id="1" name=""/>
+        <p:cNvGrpSpPr/>
+        <p:nvPr/>
+      </p:nvGrpSpPr>
+      <p:grpSpPr>
+        <a:xfrm>
+          <a:off x="0" y="0"/>
+          <a:ext cx="0" cy="0"/>
+          <a:chOff x="0" y="0"/>
+          <a:chExt cx="0" cy="0"/>
+        </a:xfrm>
+      </p:grpSpPr>
+    </p:spTree>
+    <p:extLst>
+      <p:ext uri="{BB962C8B-B14F-4D97-AF65-F5344CB8AC3E}">
+        <p14:creationId xmlns:p14="http://schemas.microsoft.com/office/powerpoint/2010/main" val="3525921051"/>
       </p:ext>
     </p:extLst>
   </p:cSld>
@@ -5633,8 +6000,8 @@
         </p:nvSpPr>
         <p:spPr>
           <a:xfrm>
-            <a:off x="2944483" y="5308121"/>
-            <a:ext cx="1893467" cy="369332"/>
+            <a:off x="1138207" y="5451323"/>
+            <a:ext cx="9225474" cy="523220"/>
           </a:xfrm>
           <a:prstGeom prst="rect">
             <a:avLst/>
@@ -5648,9 +6015,26 @@
           <a:lstStyle/>
           <a:p>
             <a:r>
-              <a:rPr lang="ko-KR" altLang="en-US"/>
-              <a:t>무한 격자 그래프</a:t>
-            </a:r>
+              <a:rPr lang="en-US" altLang="ko-KR" sz="2800"/>
+              <a:t>Percolation</a:t>
+            </a:r>
+            <a:r>
+              <a:rPr lang="ko-KR" altLang="en-US" sz="2800"/>
+              <a:t> </a:t>
+            </a:r>
+            <a:r>
+              <a:rPr lang="en-US" altLang="ko-KR" sz="2800"/>
+              <a:t>theory</a:t>
+            </a:r>
+            <a:r>
+              <a:rPr lang="ko-KR" altLang="en-US" sz="2800"/>
+              <a:t>는 무한한 크기의 격자 그래프를 다룬다</a:t>
+            </a:r>
+            <a:r>
+              <a:rPr lang="en-US" altLang="ko-KR" sz="2800"/>
+              <a:t>.</a:t>
+            </a:r>
+            <a:endParaRPr lang="ko-KR" altLang="en-US" sz="2800"/>
           </a:p>
         </p:txBody>
       </p:sp>
@@ -7276,8 +7660,8 @@
           </a:prstGeom>
         </p:spPr>
       </p:pic>
-      <mc:AlternateContent xmlns:mc="http://schemas.openxmlformats.org/markup-compatibility/2006">
-        <mc:Choice xmlns:a14="http://schemas.microsoft.com/office/drawing/2010/main" Requires="a14">
+      <mc:AlternateContent xmlns:mc="http://schemas.openxmlformats.org/markup-compatibility/2006" xmlns:a14="http://schemas.microsoft.com/office/drawing/2010/main">
+        <mc:Choice Requires="a14">
           <p:sp>
             <p:nvSpPr>
               <p:cNvPr id="8" name="TextBox 7">
@@ -7360,7 +7744,7 @@
             </p:txBody>
           </p:sp>
         </mc:Choice>
-        <mc:Fallback>
+        <mc:Fallback xmlns="">
           <p:sp>
             <p:nvSpPr>
               <p:cNvPr id="8" name="TextBox 7">
@@ -7446,8 +7830,8 @@
           </a:fontRef>
         </p:style>
       </p:cxnSp>
-      <mc:AlternateContent xmlns:mc="http://schemas.openxmlformats.org/markup-compatibility/2006">
-        <mc:Choice xmlns:a14="http://schemas.microsoft.com/office/drawing/2010/main" Requires="a14">
+      <mc:AlternateContent xmlns:mc="http://schemas.openxmlformats.org/markup-compatibility/2006" xmlns:a14="http://schemas.microsoft.com/office/drawing/2010/main">
+        <mc:Choice Requires="a14">
           <p:sp>
             <p:nvSpPr>
               <p:cNvPr id="11" name="TextBox 10">
@@ -7476,6 +7860,7 @@
               </a:bodyPr>
               <a:lstStyle/>
               <a:p>
+                <a:pPr/>
                 <a14:m>
                   <m:oMathPara xmlns:m="http://schemas.openxmlformats.org/officeDocument/2006/math">
                     <m:oMathParaPr>
@@ -7502,7 +7887,7 @@
             </p:txBody>
           </p:sp>
         </mc:Choice>
-        <mc:Fallback>
+        <mc:Fallback xmlns="">
           <p:sp>
             <p:nvSpPr>
               <p:cNvPr id="11" name="TextBox 10">
@@ -7547,8 +7932,8 @@
           </p:sp>
         </mc:Fallback>
       </mc:AlternateContent>
-      <mc:AlternateContent xmlns:mc="http://schemas.openxmlformats.org/markup-compatibility/2006">
-        <mc:Choice xmlns:a14="http://schemas.microsoft.com/office/drawing/2010/main" Requires="a14">
+      <mc:AlternateContent xmlns:mc="http://schemas.openxmlformats.org/markup-compatibility/2006" xmlns:a14="http://schemas.microsoft.com/office/drawing/2010/main">
+        <mc:Choice Requires="a14">
           <p:sp>
             <p:nvSpPr>
               <p:cNvPr id="12" name="TextBox 11">
@@ -7596,7 +7981,7 @@
             </p:txBody>
           </p:sp>
         </mc:Choice>
-        <mc:Fallback>
+        <mc:Fallback xmlns="">
           <p:sp>
             <p:nvSpPr>
               <p:cNvPr id="12" name="TextBox 11">
@@ -7743,8 +8128,8 @@
           </a:p>
         </p:txBody>
       </p:sp>
-      <mc:AlternateContent xmlns:mc="http://schemas.openxmlformats.org/markup-compatibility/2006">
-        <mc:Choice xmlns:a14="http://schemas.microsoft.com/office/drawing/2010/main" Requires="a14">
+      <mc:AlternateContent xmlns:mc="http://schemas.openxmlformats.org/markup-compatibility/2006" xmlns:a14="http://schemas.microsoft.com/office/drawing/2010/main">
+        <mc:Choice Requires="a14">
           <p:sp>
             <p:nvSpPr>
               <p:cNvPr id="3" name="내용 개체 틀 2">
@@ -8053,7 +8438,7 @@
             </p:txBody>
           </p:sp>
         </mc:Choice>
-        <mc:Fallback>
+        <mc:Fallback xmlns="">
           <p:sp>
             <p:nvSpPr>
               <p:cNvPr id="3" name="내용 개체 틀 2">

--- a/percolation.pptx
+++ b/percolation.pptx
@@ -4,6 +4,9 @@
   <p:sldMasterIdLst>
     <p:sldMasterId id="2147483672" r:id="rId1"/>
   </p:sldMasterIdLst>
+  <p:notesMasterIdLst>
+    <p:notesMasterId r:id="rId24"/>
+  </p:notesMasterIdLst>
   <p:sldIdLst>
     <p:sldId id="256" r:id="rId2"/>
     <p:sldId id="259" r:id="rId3"/>
@@ -17,11 +20,16 @@
     <p:sldId id="266" r:id="rId11"/>
     <p:sldId id="267" r:id="rId12"/>
     <p:sldId id="264" r:id="rId13"/>
-    <p:sldId id="268" r:id="rId14"/>
-    <p:sldId id="269" r:id="rId15"/>
-    <p:sldId id="270" r:id="rId16"/>
-    <p:sldId id="271" r:id="rId17"/>
-    <p:sldId id="272" r:id="rId18"/>
+    <p:sldId id="274" r:id="rId14"/>
+    <p:sldId id="273" r:id="rId15"/>
+    <p:sldId id="275" r:id="rId16"/>
+    <p:sldId id="276" r:id="rId17"/>
+    <p:sldId id="277" r:id="rId18"/>
+    <p:sldId id="268" r:id="rId19"/>
+    <p:sldId id="269" r:id="rId20"/>
+    <p:sldId id="270" r:id="rId21"/>
+    <p:sldId id="271" r:id="rId22"/>
+    <p:sldId id="278" r:id="rId23"/>
   </p:sldIdLst>
   <p:sldSz cx="12192000" cy="6858000"/>
   <p:notesSz cx="6858000" cy="9144000"/>
@@ -128,6 +136,439 @@
 </p:presentation>
 </file>
 
+<file path=ppt/notesMasters/notesMaster1.xml><?xml version="1.0" encoding="utf-8"?>
+<p:notesMaster xmlns:a="http://schemas.openxmlformats.org/drawingml/2006/main" xmlns:r="http://schemas.openxmlformats.org/officeDocument/2006/relationships" xmlns:p="http://schemas.openxmlformats.org/presentationml/2006/main">
+  <p:cSld>
+    <p:bg>
+      <p:bgRef idx="1001">
+        <a:schemeClr val="bg1"/>
+      </p:bgRef>
+    </p:bg>
+    <p:spTree>
+      <p:nvGrpSpPr>
+        <p:cNvPr id="1" name=""/>
+        <p:cNvGrpSpPr/>
+        <p:nvPr/>
+      </p:nvGrpSpPr>
+      <p:grpSpPr>
+        <a:xfrm>
+          <a:off x="0" y="0"/>
+          <a:ext cx="0" cy="0"/>
+          <a:chOff x="0" y="0"/>
+          <a:chExt cx="0" cy="0"/>
+        </a:xfrm>
+      </p:grpSpPr>
+      <p:sp>
+        <p:nvSpPr>
+          <p:cNvPr id="2" name="머리글 개체 틀 1"/>
+          <p:cNvSpPr>
+            <a:spLocks noGrp="1"/>
+          </p:cNvSpPr>
+          <p:nvPr>
+            <p:ph type="hdr" sz="quarter"/>
+          </p:nvPr>
+        </p:nvSpPr>
+        <p:spPr>
+          <a:xfrm>
+            <a:off x="0" y="0"/>
+            <a:ext cx="2971800" cy="458788"/>
+          </a:xfrm>
+          <a:prstGeom prst="rect">
+            <a:avLst/>
+          </a:prstGeom>
+        </p:spPr>
+        <p:txBody>
+          <a:bodyPr vert="horz" lIns="91440" tIns="45720" rIns="91440" bIns="45720" rtlCol="0"/>
+          <a:lstStyle>
+            <a:lvl1pPr algn="l">
+              <a:defRPr sz="1200"/>
+            </a:lvl1pPr>
+          </a:lstStyle>
+          <a:p>
+            <a:endParaRPr lang="ko-KR" altLang="en-US"/>
+          </a:p>
+        </p:txBody>
+      </p:sp>
+      <p:sp>
+        <p:nvSpPr>
+          <p:cNvPr id="3" name="날짜 개체 틀 2"/>
+          <p:cNvSpPr>
+            <a:spLocks noGrp="1"/>
+          </p:cNvSpPr>
+          <p:nvPr>
+            <p:ph type="dt" idx="1"/>
+          </p:nvPr>
+        </p:nvSpPr>
+        <p:spPr>
+          <a:xfrm>
+            <a:off x="3884613" y="0"/>
+            <a:ext cx="2971800" cy="458788"/>
+          </a:xfrm>
+          <a:prstGeom prst="rect">
+            <a:avLst/>
+          </a:prstGeom>
+        </p:spPr>
+        <p:txBody>
+          <a:bodyPr vert="horz" lIns="91440" tIns="45720" rIns="91440" bIns="45720" rtlCol="0"/>
+          <a:lstStyle>
+            <a:lvl1pPr algn="r">
+              <a:defRPr sz="1200"/>
+            </a:lvl1pPr>
+          </a:lstStyle>
+          <a:p>
+            <a:fld id="{1EA6493F-1E59-4702-B0CC-C366A1B914E0}" type="datetimeFigureOut">
+              <a:rPr lang="ko-KR" altLang="en-US" smtClean="0"/>
+              <a:t>2025-11-18</a:t>
+            </a:fld>
+            <a:endParaRPr lang="ko-KR" altLang="en-US"/>
+          </a:p>
+        </p:txBody>
+      </p:sp>
+      <p:sp>
+        <p:nvSpPr>
+          <p:cNvPr id="4" name="슬라이드 이미지 개체 틀 3"/>
+          <p:cNvSpPr>
+            <a:spLocks noGrp="1" noRot="1" noChangeAspect="1"/>
+          </p:cNvSpPr>
+          <p:nvPr>
+            <p:ph type="sldImg" idx="2"/>
+          </p:nvPr>
+        </p:nvSpPr>
+        <p:spPr>
+          <a:xfrm>
+            <a:off x="685800" y="1143000"/>
+            <a:ext cx="5486400" cy="3086100"/>
+          </a:xfrm>
+          <a:prstGeom prst="rect">
+            <a:avLst/>
+          </a:prstGeom>
+          <a:noFill/>
+          <a:ln w="12700">
+            <a:solidFill>
+              <a:prstClr val="black"/>
+            </a:solidFill>
+          </a:ln>
+        </p:spPr>
+        <p:txBody>
+          <a:bodyPr vert="horz" lIns="91440" tIns="45720" rIns="91440" bIns="45720" rtlCol="0" anchor="ctr"/>
+          <a:lstStyle/>
+          <a:p>
+            <a:endParaRPr lang="ko-KR" altLang="en-US"/>
+          </a:p>
+        </p:txBody>
+      </p:sp>
+      <p:sp>
+        <p:nvSpPr>
+          <p:cNvPr id="5" name="슬라이드 노트 개체 틀 4"/>
+          <p:cNvSpPr>
+            <a:spLocks noGrp="1"/>
+          </p:cNvSpPr>
+          <p:nvPr>
+            <p:ph type="body" sz="quarter" idx="3"/>
+          </p:nvPr>
+        </p:nvSpPr>
+        <p:spPr>
+          <a:xfrm>
+            <a:off x="685800" y="4400550"/>
+            <a:ext cx="5486400" cy="3600450"/>
+          </a:xfrm>
+          <a:prstGeom prst="rect">
+            <a:avLst/>
+          </a:prstGeom>
+        </p:spPr>
+        <p:txBody>
+          <a:bodyPr vert="horz" lIns="91440" tIns="45720" rIns="91440" bIns="45720" rtlCol="0"/>
+          <a:lstStyle/>
+          <a:p>
+            <a:pPr lvl="0"/>
+            <a:r>
+              <a:rPr lang="ko-KR" altLang="en-US"/>
+              <a:t>마스터 텍스트 스타일을 편집하려면 클릭</a:t>
+            </a:r>
+          </a:p>
+          <a:p>
+            <a:pPr lvl="1"/>
+            <a:r>
+              <a:rPr lang="ko-KR" altLang="en-US"/>
+              <a:t>두 번째 수준</a:t>
+            </a:r>
+          </a:p>
+          <a:p>
+            <a:pPr lvl="2"/>
+            <a:r>
+              <a:rPr lang="ko-KR" altLang="en-US"/>
+              <a:t>세 번째 수준</a:t>
+            </a:r>
+          </a:p>
+          <a:p>
+            <a:pPr lvl="3"/>
+            <a:r>
+              <a:rPr lang="ko-KR" altLang="en-US"/>
+              <a:t>네 번째 수준</a:t>
+            </a:r>
+          </a:p>
+          <a:p>
+            <a:pPr lvl="4"/>
+            <a:r>
+              <a:rPr lang="ko-KR" altLang="en-US"/>
+              <a:t>다섯 번째 수준</a:t>
+            </a:r>
+          </a:p>
+        </p:txBody>
+      </p:sp>
+      <p:sp>
+        <p:nvSpPr>
+          <p:cNvPr id="6" name="바닥글 개체 틀 5"/>
+          <p:cNvSpPr>
+            <a:spLocks noGrp="1"/>
+          </p:cNvSpPr>
+          <p:nvPr>
+            <p:ph type="ftr" sz="quarter" idx="4"/>
+          </p:nvPr>
+        </p:nvSpPr>
+        <p:spPr>
+          <a:xfrm>
+            <a:off x="0" y="8685213"/>
+            <a:ext cx="2971800" cy="458787"/>
+          </a:xfrm>
+          <a:prstGeom prst="rect">
+            <a:avLst/>
+          </a:prstGeom>
+        </p:spPr>
+        <p:txBody>
+          <a:bodyPr vert="horz" lIns="91440" tIns="45720" rIns="91440" bIns="45720" rtlCol="0" anchor="b"/>
+          <a:lstStyle>
+            <a:lvl1pPr algn="l">
+              <a:defRPr sz="1200"/>
+            </a:lvl1pPr>
+          </a:lstStyle>
+          <a:p>
+            <a:endParaRPr lang="ko-KR" altLang="en-US"/>
+          </a:p>
+        </p:txBody>
+      </p:sp>
+      <p:sp>
+        <p:nvSpPr>
+          <p:cNvPr id="7" name="슬라이드 번호 개체 틀 6"/>
+          <p:cNvSpPr>
+            <a:spLocks noGrp="1"/>
+          </p:cNvSpPr>
+          <p:nvPr>
+            <p:ph type="sldNum" sz="quarter" idx="5"/>
+          </p:nvPr>
+        </p:nvSpPr>
+        <p:spPr>
+          <a:xfrm>
+            <a:off x="3884613" y="8685213"/>
+            <a:ext cx="2971800" cy="458787"/>
+          </a:xfrm>
+          <a:prstGeom prst="rect">
+            <a:avLst/>
+          </a:prstGeom>
+        </p:spPr>
+        <p:txBody>
+          <a:bodyPr vert="horz" lIns="91440" tIns="45720" rIns="91440" bIns="45720" rtlCol="0" anchor="b"/>
+          <a:lstStyle>
+            <a:lvl1pPr algn="r">
+              <a:defRPr sz="1200"/>
+            </a:lvl1pPr>
+          </a:lstStyle>
+          <a:p>
+            <a:fld id="{A2EC85FE-98C0-4CB2-9782-5C8FEDF6FDA6}" type="slidenum">
+              <a:rPr lang="ko-KR" altLang="en-US" smtClean="0"/>
+              <a:t>‹#›</a:t>
+            </a:fld>
+            <a:endParaRPr lang="ko-KR" altLang="en-US"/>
+          </a:p>
+        </p:txBody>
+      </p:sp>
+    </p:spTree>
+    <p:extLst>
+      <p:ext uri="{BB962C8B-B14F-4D97-AF65-F5344CB8AC3E}">
+        <p14:creationId xmlns:p14="http://schemas.microsoft.com/office/powerpoint/2010/main" val="4202870022"/>
+      </p:ext>
+    </p:extLst>
+  </p:cSld>
+  <p:clrMap bg1="lt1" tx1="dk1" bg2="lt2" tx2="dk2" accent1="accent1" accent2="accent2" accent3="accent3" accent4="accent4" accent5="accent5" accent6="accent6" hlink="hlink" folHlink="folHlink"/>
+  <p:notesStyle>
+    <a:lvl1pPr marL="0" algn="l" defTabSz="914400" rtl="0" eaLnBrk="1" latinLnBrk="1" hangingPunct="1">
+      <a:defRPr sz="1200" kern="1200">
+        <a:solidFill>
+          <a:schemeClr val="tx1"/>
+        </a:solidFill>
+        <a:latin typeface="+mn-lt"/>
+        <a:ea typeface="+mn-ea"/>
+        <a:cs typeface="+mn-cs"/>
+      </a:defRPr>
+    </a:lvl1pPr>
+    <a:lvl2pPr marL="457200" algn="l" defTabSz="914400" rtl="0" eaLnBrk="1" latinLnBrk="1" hangingPunct="1">
+      <a:defRPr sz="1200" kern="1200">
+        <a:solidFill>
+          <a:schemeClr val="tx1"/>
+        </a:solidFill>
+        <a:latin typeface="+mn-lt"/>
+        <a:ea typeface="+mn-ea"/>
+        <a:cs typeface="+mn-cs"/>
+      </a:defRPr>
+    </a:lvl2pPr>
+    <a:lvl3pPr marL="914400" algn="l" defTabSz="914400" rtl="0" eaLnBrk="1" latinLnBrk="1" hangingPunct="1">
+      <a:defRPr sz="1200" kern="1200">
+        <a:solidFill>
+          <a:schemeClr val="tx1"/>
+        </a:solidFill>
+        <a:latin typeface="+mn-lt"/>
+        <a:ea typeface="+mn-ea"/>
+        <a:cs typeface="+mn-cs"/>
+      </a:defRPr>
+    </a:lvl3pPr>
+    <a:lvl4pPr marL="1371600" algn="l" defTabSz="914400" rtl="0" eaLnBrk="1" latinLnBrk="1" hangingPunct="1">
+      <a:defRPr sz="1200" kern="1200">
+        <a:solidFill>
+          <a:schemeClr val="tx1"/>
+        </a:solidFill>
+        <a:latin typeface="+mn-lt"/>
+        <a:ea typeface="+mn-ea"/>
+        <a:cs typeface="+mn-cs"/>
+      </a:defRPr>
+    </a:lvl4pPr>
+    <a:lvl5pPr marL="1828800" algn="l" defTabSz="914400" rtl="0" eaLnBrk="1" latinLnBrk="1" hangingPunct="1">
+      <a:defRPr sz="1200" kern="1200">
+        <a:solidFill>
+          <a:schemeClr val="tx1"/>
+        </a:solidFill>
+        <a:latin typeface="+mn-lt"/>
+        <a:ea typeface="+mn-ea"/>
+        <a:cs typeface="+mn-cs"/>
+      </a:defRPr>
+    </a:lvl5pPr>
+    <a:lvl6pPr marL="2286000" algn="l" defTabSz="914400" rtl="0" eaLnBrk="1" latinLnBrk="1" hangingPunct="1">
+      <a:defRPr sz="1200" kern="1200">
+        <a:solidFill>
+          <a:schemeClr val="tx1"/>
+        </a:solidFill>
+        <a:latin typeface="+mn-lt"/>
+        <a:ea typeface="+mn-ea"/>
+        <a:cs typeface="+mn-cs"/>
+      </a:defRPr>
+    </a:lvl6pPr>
+    <a:lvl7pPr marL="2743200" algn="l" defTabSz="914400" rtl="0" eaLnBrk="1" latinLnBrk="1" hangingPunct="1">
+      <a:defRPr sz="1200" kern="1200">
+        <a:solidFill>
+          <a:schemeClr val="tx1"/>
+        </a:solidFill>
+        <a:latin typeface="+mn-lt"/>
+        <a:ea typeface="+mn-ea"/>
+        <a:cs typeface="+mn-cs"/>
+      </a:defRPr>
+    </a:lvl7pPr>
+    <a:lvl8pPr marL="3200400" algn="l" defTabSz="914400" rtl="0" eaLnBrk="1" latinLnBrk="1" hangingPunct="1">
+      <a:defRPr sz="1200" kern="1200">
+        <a:solidFill>
+          <a:schemeClr val="tx1"/>
+        </a:solidFill>
+        <a:latin typeface="+mn-lt"/>
+        <a:ea typeface="+mn-ea"/>
+        <a:cs typeface="+mn-cs"/>
+      </a:defRPr>
+    </a:lvl8pPr>
+    <a:lvl9pPr marL="3657600" algn="l" defTabSz="914400" rtl="0" eaLnBrk="1" latinLnBrk="1" hangingPunct="1">
+      <a:defRPr sz="1200" kern="1200">
+        <a:solidFill>
+          <a:schemeClr val="tx1"/>
+        </a:solidFill>
+        <a:latin typeface="+mn-lt"/>
+        <a:ea typeface="+mn-ea"/>
+        <a:cs typeface="+mn-cs"/>
+      </a:defRPr>
+    </a:lvl9pPr>
+  </p:notesStyle>
+</p:notesMaster>
+</file>
+
+<file path=ppt/notesSlides/notesSlide1.xml><?xml version="1.0" encoding="utf-8"?>
+<p:notes xmlns:a="http://schemas.openxmlformats.org/drawingml/2006/main" xmlns:r="http://schemas.openxmlformats.org/officeDocument/2006/relationships" xmlns:p="http://schemas.openxmlformats.org/presentationml/2006/main">
+  <p:cSld>
+    <p:spTree>
+      <p:nvGrpSpPr>
+        <p:cNvPr id="1" name=""/>
+        <p:cNvGrpSpPr/>
+        <p:nvPr/>
+      </p:nvGrpSpPr>
+      <p:grpSpPr>
+        <a:xfrm>
+          <a:off x="0" y="0"/>
+          <a:ext cx="0" cy="0"/>
+          <a:chOff x="0" y="0"/>
+          <a:chExt cx="0" cy="0"/>
+        </a:xfrm>
+      </p:grpSpPr>
+      <p:sp>
+        <p:nvSpPr>
+          <p:cNvPr id="2" name="슬라이드 이미지 개체 틀 1"/>
+          <p:cNvSpPr>
+            <a:spLocks noGrp="1" noRot="1" noChangeAspect="1"/>
+          </p:cNvSpPr>
+          <p:nvPr>
+            <p:ph type="sldImg"/>
+          </p:nvPr>
+        </p:nvSpPr>
+        <p:spPr/>
+      </p:sp>
+      <p:sp>
+        <p:nvSpPr>
+          <p:cNvPr id="3" name="슬라이드 노트 개체 틀 2"/>
+          <p:cNvSpPr>
+            <a:spLocks noGrp="1"/>
+          </p:cNvSpPr>
+          <p:nvPr>
+            <p:ph type="body" idx="1"/>
+          </p:nvPr>
+        </p:nvSpPr>
+        <p:spPr/>
+        <p:txBody>
+          <a:bodyPr/>
+          <a:lstStyle/>
+          <a:p>
+            <a:endParaRPr lang="ko-KR" altLang="en-US"/>
+          </a:p>
+        </p:txBody>
+      </p:sp>
+      <p:sp>
+        <p:nvSpPr>
+          <p:cNvPr id="4" name="슬라이드 번호 개체 틀 3"/>
+          <p:cNvSpPr>
+            <a:spLocks noGrp="1"/>
+          </p:cNvSpPr>
+          <p:nvPr>
+            <p:ph type="sldNum" sz="quarter" idx="5"/>
+          </p:nvPr>
+        </p:nvSpPr>
+        <p:spPr/>
+        <p:txBody>
+          <a:bodyPr/>
+          <a:lstStyle/>
+          <a:p>
+            <a:fld id="{A2EC85FE-98C0-4CB2-9782-5C8FEDF6FDA6}" type="slidenum">
+              <a:rPr lang="ko-KR" altLang="en-US" smtClean="0"/>
+              <a:t>22</a:t>
+            </a:fld>
+            <a:endParaRPr lang="ko-KR" altLang="en-US"/>
+          </a:p>
+        </p:txBody>
+      </p:sp>
+    </p:spTree>
+    <p:extLst>
+      <p:ext uri="{BB962C8B-B14F-4D97-AF65-F5344CB8AC3E}">
+        <p14:creationId xmlns:p14="http://schemas.microsoft.com/office/powerpoint/2010/main" val="3995643201"/>
+      </p:ext>
+    </p:extLst>
+  </p:cSld>
+  <p:clrMapOvr>
+    <a:masterClrMapping/>
+  </p:clrMapOvr>
+</p:notes>
+</file>
+
 <file path=ppt/slideLayouts/slideLayout1.xml><?xml version="1.0" encoding="utf-8"?>
 <p:sldLayout xmlns:a="http://schemas.openxmlformats.org/drawingml/2006/main" xmlns:r="http://schemas.openxmlformats.org/officeDocument/2006/relationships" xmlns:p="http://schemas.openxmlformats.org/presentationml/2006/main" type="title" preserve="1">
   <p:cSld name="제목 슬라이드">
@@ -259,7 +700,7 @@
           <a:p>
             <a:fld id="{4D6668BB-5AA0-4DD2-8735-45AC13F760A9}" type="datetimeFigureOut">
               <a:rPr lang="ko-KR" altLang="en-US" smtClean="0"/>
-              <a:t>2025-11-17</a:t>
+              <a:t>2025-11-18</a:t>
             </a:fld>
             <a:endParaRPr lang="ko-KR" altLang="en-US"/>
           </a:p>
@@ -429,7 +870,7 @@
           <a:p>
             <a:fld id="{4D6668BB-5AA0-4DD2-8735-45AC13F760A9}" type="datetimeFigureOut">
               <a:rPr lang="ko-KR" altLang="en-US" smtClean="0"/>
-              <a:t>2025-11-17</a:t>
+              <a:t>2025-11-18</a:t>
             </a:fld>
             <a:endParaRPr lang="ko-KR" altLang="en-US"/>
           </a:p>
@@ -609,7 +1050,7 @@
           <a:p>
             <a:fld id="{4D6668BB-5AA0-4DD2-8735-45AC13F760A9}" type="datetimeFigureOut">
               <a:rPr lang="ko-KR" altLang="en-US" smtClean="0"/>
-              <a:t>2025-11-17</a:t>
+              <a:t>2025-11-18</a:t>
             </a:fld>
             <a:endParaRPr lang="ko-KR" altLang="en-US"/>
           </a:p>
@@ -779,7 +1220,7 @@
           <a:p>
             <a:fld id="{4D6668BB-5AA0-4DD2-8735-45AC13F760A9}" type="datetimeFigureOut">
               <a:rPr lang="ko-KR" altLang="en-US" smtClean="0"/>
-              <a:t>2025-11-17</a:t>
+              <a:t>2025-11-18</a:t>
             </a:fld>
             <a:endParaRPr lang="ko-KR" altLang="en-US"/>
           </a:p>
@@ -1025,7 +1466,7 @@
           <a:p>
             <a:fld id="{4D6668BB-5AA0-4DD2-8735-45AC13F760A9}" type="datetimeFigureOut">
               <a:rPr lang="ko-KR" altLang="en-US" smtClean="0"/>
-              <a:t>2025-11-17</a:t>
+              <a:t>2025-11-18</a:t>
             </a:fld>
             <a:endParaRPr lang="ko-KR" altLang="en-US"/>
           </a:p>
@@ -1257,7 +1698,7 @@
           <a:p>
             <a:fld id="{4D6668BB-5AA0-4DD2-8735-45AC13F760A9}" type="datetimeFigureOut">
               <a:rPr lang="ko-KR" altLang="en-US" smtClean="0"/>
-              <a:t>2025-11-17</a:t>
+              <a:t>2025-11-18</a:t>
             </a:fld>
             <a:endParaRPr lang="ko-KR" altLang="en-US"/>
           </a:p>
@@ -1624,7 +2065,7 @@
           <a:p>
             <a:fld id="{4D6668BB-5AA0-4DD2-8735-45AC13F760A9}" type="datetimeFigureOut">
               <a:rPr lang="ko-KR" altLang="en-US" smtClean="0"/>
-              <a:t>2025-11-17</a:t>
+              <a:t>2025-11-18</a:t>
             </a:fld>
             <a:endParaRPr lang="ko-KR" altLang="en-US"/>
           </a:p>
@@ -1742,7 +2183,7 @@
           <a:p>
             <a:fld id="{4D6668BB-5AA0-4DD2-8735-45AC13F760A9}" type="datetimeFigureOut">
               <a:rPr lang="ko-KR" altLang="en-US" smtClean="0"/>
-              <a:t>2025-11-17</a:t>
+              <a:t>2025-11-18</a:t>
             </a:fld>
             <a:endParaRPr lang="ko-KR" altLang="en-US"/>
           </a:p>
@@ -1837,7 +2278,7 @@
           <a:p>
             <a:fld id="{4D6668BB-5AA0-4DD2-8735-45AC13F760A9}" type="datetimeFigureOut">
               <a:rPr lang="ko-KR" altLang="en-US" smtClean="0"/>
-              <a:t>2025-11-17</a:t>
+              <a:t>2025-11-18</a:t>
             </a:fld>
             <a:endParaRPr lang="ko-KR" altLang="en-US"/>
           </a:p>
@@ -2114,7 +2555,7 @@
           <a:p>
             <a:fld id="{4D6668BB-5AA0-4DD2-8735-45AC13F760A9}" type="datetimeFigureOut">
               <a:rPr lang="ko-KR" altLang="en-US" smtClean="0"/>
-              <a:t>2025-11-17</a:t>
+              <a:t>2025-11-18</a:t>
             </a:fld>
             <a:endParaRPr lang="ko-KR" altLang="en-US"/>
           </a:p>
@@ -2371,7 +2812,7 @@
           <a:p>
             <a:fld id="{4D6668BB-5AA0-4DD2-8735-45AC13F760A9}" type="datetimeFigureOut">
               <a:rPr lang="ko-KR" altLang="en-US" smtClean="0"/>
-              <a:t>2025-11-17</a:t>
+              <a:t>2025-11-18</a:t>
             </a:fld>
             <a:endParaRPr lang="ko-KR" altLang="en-US"/>
           </a:p>
@@ -2584,7 +3025,7 @@
           <a:p>
             <a:fld id="{4D6668BB-5AA0-4DD2-8735-45AC13F760A9}" type="datetimeFigureOut">
               <a:rPr lang="ko-KR" altLang="en-US" smtClean="0"/>
-              <a:t>2025-11-17</a:t>
+              <a:t>2025-11-18</a:t>
             </a:fld>
             <a:endParaRPr lang="ko-KR" altLang="en-US"/>
           </a:p>
@@ -4326,8 +4767,8 @@
           <a:chExt cx="0" cy="0"/>
         </a:xfrm>
       </p:grpSpPr>
-      <mc:AlternateContent xmlns:mc="http://schemas.openxmlformats.org/markup-compatibility/2006" xmlns:a14="http://schemas.microsoft.com/office/drawing/2010/main">
-        <mc:Choice Requires="a14">
+      <mc:AlternateContent xmlns:mc="http://schemas.openxmlformats.org/markup-compatibility/2006">
+        <mc:Choice xmlns:a14="http://schemas.microsoft.com/office/drawing/2010/main" Requires="a14">
           <p:sp>
             <p:nvSpPr>
               <p:cNvPr id="2" name="제목 1">
@@ -4392,12 +4833,15 @@
                     </m:r>
                   </m:oMath>
                 </a14:m>
-                <a:endParaRPr lang="ko-KR" altLang="en-US"/>
+                <a:r>
+                  <a:rPr lang="ko-KR" altLang="en-US"/>
+                  <a:t>의 의미</a:t>
+                </a:r>
               </a:p>
             </p:txBody>
           </p:sp>
         </mc:Choice>
-        <mc:Fallback xmlns="">
+        <mc:Fallback>
           <p:sp>
             <p:nvSpPr>
               <p:cNvPr id="2" name="제목 1">
@@ -4437,8 +4881,8 @@
           </p:sp>
         </mc:Fallback>
       </mc:AlternateContent>
-      <mc:AlternateContent xmlns:mc="http://schemas.openxmlformats.org/markup-compatibility/2006" xmlns:a14="http://schemas.microsoft.com/office/drawing/2010/main">
-        <mc:Choice Requires="a14">
+      <mc:AlternateContent xmlns:mc="http://schemas.openxmlformats.org/markup-compatibility/2006">
+        <mc:Choice xmlns:a14="http://schemas.microsoft.com/office/drawing/2010/main" Requires="a14">
           <p:sp>
             <p:nvSpPr>
               <p:cNvPr id="3" name="내용 개체 틀 2">
@@ -4457,12 +4901,14 @@
             </p:nvSpPr>
             <p:spPr>
               <a:xfrm>
-                <a:off x="838200" y="1825625"/>
-                <a:ext cx="10515600" cy="1475417"/>
+                <a:off x="838200" y="1825624"/>
+                <a:ext cx="10515600" cy="2974975"/>
               </a:xfrm>
             </p:spPr>
             <p:txBody>
-              <a:bodyPr/>
+              <a:bodyPr>
+                <a:normAutofit/>
+              </a:bodyPr>
               <a:lstStyle/>
               <a:p>
                 <a:r>
@@ -4497,21 +4943,63 @@
                 </a:r>
               </a:p>
               <a:p>
+                <a14:m>
+                  <m:oMath xmlns:m="http://schemas.openxmlformats.org/officeDocument/2006/math">
+                    <m:sSub>
+                      <m:sSubPr>
+                        <m:ctrlPr>
+                          <a:rPr lang="en-US" altLang="ko-KR" b="0" i="1" smtClean="0">
+                            <a:latin typeface="Cambria Math" panose="02040503050406030204" pitchFamily="18" charset="0"/>
+                          </a:rPr>
+                        </m:ctrlPr>
+                      </m:sSubPr>
+                      <m:e>
+                        <m:r>
+                          <a:rPr lang="en-US" altLang="ko-KR" b="0" i="1" smtClean="0">
+                            <a:latin typeface="Cambria Math" panose="02040503050406030204" pitchFamily="18" charset="0"/>
+                          </a:rPr>
+                          <m:t>𝑝</m:t>
+                        </m:r>
+                      </m:e>
+                      <m:sub>
+                        <m:r>
+                          <a:rPr lang="en-US" altLang="ko-KR" b="0" i="1" smtClean="0">
+                            <a:latin typeface="Cambria Math" panose="02040503050406030204" pitchFamily="18" charset="0"/>
+                          </a:rPr>
+                          <m:t>𝑐</m:t>
+                        </m:r>
+                      </m:sub>
+                    </m:sSub>
+                    <m:r>
+                      <a:rPr lang="en-US" altLang="ko-KR" b="0" i="1" smtClean="0">
+                        <a:latin typeface="Cambria Math" panose="02040503050406030204" pitchFamily="18" charset="0"/>
+                      </a:rPr>
+                      <m:t>=0.5</m:t>
+                    </m:r>
+                  </m:oMath>
+                </a14:m>
+                <a:r>
+                  <a:rPr lang="ko-KR" altLang="en-US"/>
+                  <a:t>라는 사실에 의해 무한 클러스터의 형태에 대해 다음을 알 수 있다</a:t>
+                </a:r>
                 <a:r>
                   <a:rPr lang="en-US" altLang="ko-KR"/>
-                  <a:t>Ising</a:t>
-                </a:r>
+                  <a:t>.</a:t>
+                </a:r>
+              </a:p>
+              <a:p>
+                <a:pPr lvl="1"/>
                 <a:r>
                   <a:rPr lang="ko-KR" altLang="en-US"/>
-                  <a:t> </a:t>
+                  <a:t>무한 클러스터는 모든 점을 감싼다</a:t>
                 </a:r>
                 <a:r>
                   <a:rPr lang="en-US" altLang="ko-KR"/>
-                  <a:t>model</a:t>
+                  <a:t>. (</a:t>
                 </a:r>
                 <a:r>
                   <a:rPr lang="ko-KR" altLang="en-US"/>
-                  <a:t> 과 마찬가지로</a:t>
+                  <a:t>즉</a:t>
                 </a:r>
                 <a:r>
                   <a:rPr lang="en-US" altLang="ko-KR"/>
@@ -4519,19 +5007,30 @@
                 </a:r>
                 <a:r>
                   <a:rPr lang="ko-KR" altLang="en-US"/>
-                  <a:t>임계점에서 프랙탈이 나타나는 것으로 알려져있다</a:t>
+                  <a:t>격자 내의 모든 부분에 무한 클러스터가 퍼져있다</a:t>
                 </a:r>
                 <a:r>
                   <a:rPr lang="en-US" altLang="ko-KR"/>
-                  <a:t>.(</a:t>
-                </a:r>
+                  <a:t>.</a:t>
+                </a:r>
+              </a:p>
+              <a:p>
+                <a:pPr lvl="1"/>
                 <a:r>
                   <a:rPr lang="ko-KR" altLang="en-US"/>
-                  <a:t>미해결 문제</a:t>
+                  <a:t>무한 클러스터는 유일하다</a:t>
                 </a:r>
                 <a:r>
                   <a:rPr lang="en-US" altLang="ko-KR"/>
-                  <a:t>)</a:t>
+                  <a:t>. (</a:t>
+                </a:r>
+                <a:r>
+                  <a:rPr lang="ko-KR" altLang="en-US"/>
+                  <a:t>두 개 이상의 무한 클러스터가 존재하지 않는다</a:t>
+                </a:r>
+                <a:r>
+                  <a:rPr lang="en-US" altLang="ko-KR"/>
+                  <a:t>.)</a:t>
                 </a:r>
               </a:p>
               <a:p>
@@ -4540,7 +5039,7 @@
             </p:txBody>
           </p:sp>
         </mc:Choice>
-        <mc:Fallback xmlns="">
+        <mc:Fallback>
           <p:sp>
             <p:nvSpPr>
               <p:cNvPr id="3" name="내용 개체 틀 2">
@@ -4559,13 +5058,308 @@
             </p:nvSpPr>
             <p:spPr>
               <a:xfrm>
-                <a:off x="838200" y="1825625"/>
-                <a:ext cx="10515600" cy="1475417"/>
+                <a:off x="838200" y="1825624"/>
+                <a:ext cx="10515600" cy="2974975"/>
               </a:xfrm>
               <a:blipFill>
                 <a:blip r:embed="rId3"/>
                 <a:stretch>
-                  <a:fillRect l="-1043" t="-7819" b="-4115"/>
+                  <a:fillRect l="-1043" t="-3893" r="-464"/>
+                </a:stretch>
+              </a:blipFill>
+            </p:spPr>
+            <p:txBody>
+              <a:bodyPr/>
+              <a:lstStyle/>
+              <a:p>
+                <a:r>
+                  <a:rPr lang="ko-KR" altLang="en-US">
+                    <a:noFill/>
+                  </a:rPr>
+                  <a:t> </a:t>
+                </a:r>
+              </a:p>
+            </p:txBody>
+          </p:sp>
+        </mc:Fallback>
+      </mc:AlternateContent>
+      <mc:AlternateContent xmlns:mc="http://schemas.openxmlformats.org/markup-compatibility/2006">
+        <mc:Choice xmlns:a14="http://schemas.microsoft.com/office/drawing/2010/main" Requires="a14">
+          <p:sp>
+            <p:nvSpPr>
+              <p:cNvPr id="5" name="내용 개체 틀 2">
+                <a:extLst>
+                  <a:ext uri="{FF2B5EF4-FFF2-40B4-BE49-F238E27FC236}">
+                    <a16:creationId xmlns:a16="http://schemas.microsoft.com/office/drawing/2014/main" id="{13419D95-D6FE-7D7F-F033-60A405A59025}"/>
+                  </a:ext>
+                </a:extLst>
+              </p:cNvPr>
+              <p:cNvSpPr txBox="1">
+                <a:spLocks/>
+              </p:cNvSpPr>
+              <p:nvPr/>
+            </p:nvSpPr>
+            <p:spPr>
+              <a:xfrm>
+                <a:off x="838200" y="4800599"/>
+                <a:ext cx="10515600" cy="1285876"/>
+              </a:xfrm>
+              <a:prstGeom prst="rect">
+                <a:avLst/>
+              </a:prstGeom>
+            </p:spPr>
+            <p:txBody>
+              <a:bodyPr vert="horz" lIns="91440" tIns="45720" rIns="91440" bIns="45720" rtlCol="0">
+                <a:normAutofit/>
+              </a:bodyPr>
+              <a:lstStyle>
+                <a:lvl1pPr marL="228600" indent="-228600" algn="l" defTabSz="914400" rtl="0" eaLnBrk="1" latinLnBrk="1" hangingPunct="1">
+                  <a:lnSpc>
+                    <a:spcPct val="90000"/>
+                  </a:lnSpc>
+                  <a:spcBef>
+                    <a:spcPts val="1000"/>
+                  </a:spcBef>
+                  <a:buFont typeface="Arial" panose="020B0604020202020204" pitchFamily="34" charset="0"/>
+                  <a:buChar char="•"/>
+                  <a:defRPr sz="2800" kern="1200">
+                    <a:solidFill>
+                      <a:schemeClr val="tx1"/>
+                    </a:solidFill>
+                    <a:latin typeface="+mn-lt"/>
+                    <a:ea typeface="+mn-ea"/>
+                    <a:cs typeface="+mn-cs"/>
+                  </a:defRPr>
+                </a:lvl1pPr>
+                <a:lvl2pPr marL="685800" indent="-228600" algn="l" defTabSz="914400" rtl="0" eaLnBrk="1" latinLnBrk="1" hangingPunct="1">
+                  <a:lnSpc>
+                    <a:spcPct val="90000"/>
+                  </a:lnSpc>
+                  <a:spcBef>
+                    <a:spcPts val="500"/>
+                  </a:spcBef>
+                  <a:buFont typeface="Arial" panose="020B0604020202020204" pitchFamily="34" charset="0"/>
+                  <a:buChar char="•"/>
+                  <a:defRPr sz="2400" kern="1200">
+                    <a:solidFill>
+                      <a:schemeClr val="tx1"/>
+                    </a:solidFill>
+                    <a:latin typeface="+mn-lt"/>
+                    <a:ea typeface="+mn-ea"/>
+                    <a:cs typeface="+mn-cs"/>
+                  </a:defRPr>
+                </a:lvl2pPr>
+                <a:lvl3pPr marL="1143000" indent="-228600" algn="l" defTabSz="914400" rtl="0" eaLnBrk="1" latinLnBrk="1" hangingPunct="1">
+                  <a:lnSpc>
+                    <a:spcPct val="90000"/>
+                  </a:lnSpc>
+                  <a:spcBef>
+                    <a:spcPts val="500"/>
+                  </a:spcBef>
+                  <a:buFont typeface="Arial" panose="020B0604020202020204" pitchFamily="34" charset="0"/>
+                  <a:buChar char="•"/>
+                  <a:defRPr sz="2000" kern="1200">
+                    <a:solidFill>
+                      <a:schemeClr val="tx1"/>
+                    </a:solidFill>
+                    <a:latin typeface="+mn-lt"/>
+                    <a:ea typeface="+mn-ea"/>
+                    <a:cs typeface="+mn-cs"/>
+                  </a:defRPr>
+                </a:lvl3pPr>
+                <a:lvl4pPr marL="1600200" indent="-228600" algn="l" defTabSz="914400" rtl="0" eaLnBrk="1" latinLnBrk="1" hangingPunct="1">
+                  <a:lnSpc>
+                    <a:spcPct val="90000"/>
+                  </a:lnSpc>
+                  <a:spcBef>
+                    <a:spcPts val="500"/>
+                  </a:spcBef>
+                  <a:buFont typeface="Arial" panose="020B0604020202020204" pitchFamily="34" charset="0"/>
+                  <a:buChar char="•"/>
+                  <a:defRPr sz="1800" kern="1200">
+                    <a:solidFill>
+                      <a:schemeClr val="tx1"/>
+                    </a:solidFill>
+                    <a:latin typeface="+mn-lt"/>
+                    <a:ea typeface="+mn-ea"/>
+                    <a:cs typeface="+mn-cs"/>
+                  </a:defRPr>
+                </a:lvl4pPr>
+                <a:lvl5pPr marL="2057400" indent="-228600" algn="l" defTabSz="914400" rtl="0" eaLnBrk="1" latinLnBrk="1" hangingPunct="1">
+                  <a:lnSpc>
+                    <a:spcPct val="90000"/>
+                  </a:lnSpc>
+                  <a:spcBef>
+                    <a:spcPts val="500"/>
+                  </a:spcBef>
+                  <a:buFont typeface="Arial" panose="020B0604020202020204" pitchFamily="34" charset="0"/>
+                  <a:buChar char="•"/>
+                  <a:defRPr sz="1800" kern="1200">
+                    <a:solidFill>
+                      <a:schemeClr val="tx1"/>
+                    </a:solidFill>
+                    <a:latin typeface="+mn-lt"/>
+                    <a:ea typeface="+mn-ea"/>
+                    <a:cs typeface="+mn-cs"/>
+                  </a:defRPr>
+                </a:lvl5pPr>
+                <a:lvl6pPr marL="2514600" indent="-228600" algn="l" defTabSz="914400" rtl="0" eaLnBrk="1" latinLnBrk="1" hangingPunct="1">
+                  <a:lnSpc>
+                    <a:spcPct val="90000"/>
+                  </a:lnSpc>
+                  <a:spcBef>
+                    <a:spcPts val="500"/>
+                  </a:spcBef>
+                  <a:buFont typeface="Arial" panose="020B0604020202020204" pitchFamily="34" charset="0"/>
+                  <a:buChar char="•"/>
+                  <a:defRPr sz="1800" kern="1200">
+                    <a:solidFill>
+                      <a:schemeClr val="tx1"/>
+                    </a:solidFill>
+                    <a:latin typeface="+mn-lt"/>
+                    <a:ea typeface="+mn-ea"/>
+                    <a:cs typeface="+mn-cs"/>
+                  </a:defRPr>
+                </a:lvl6pPr>
+                <a:lvl7pPr marL="2971800" indent="-228600" algn="l" defTabSz="914400" rtl="0" eaLnBrk="1" latinLnBrk="1" hangingPunct="1">
+                  <a:lnSpc>
+                    <a:spcPct val="90000"/>
+                  </a:lnSpc>
+                  <a:spcBef>
+                    <a:spcPts val="500"/>
+                  </a:spcBef>
+                  <a:buFont typeface="Arial" panose="020B0604020202020204" pitchFamily="34" charset="0"/>
+                  <a:buChar char="•"/>
+                  <a:defRPr sz="1800" kern="1200">
+                    <a:solidFill>
+                      <a:schemeClr val="tx1"/>
+                    </a:solidFill>
+                    <a:latin typeface="+mn-lt"/>
+                    <a:ea typeface="+mn-ea"/>
+                    <a:cs typeface="+mn-cs"/>
+                  </a:defRPr>
+                </a:lvl7pPr>
+                <a:lvl8pPr marL="3429000" indent="-228600" algn="l" defTabSz="914400" rtl="0" eaLnBrk="1" latinLnBrk="1" hangingPunct="1">
+                  <a:lnSpc>
+                    <a:spcPct val="90000"/>
+                  </a:lnSpc>
+                  <a:spcBef>
+                    <a:spcPts val="500"/>
+                  </a:spcBef>
+                  <a:buFont typeface="Arial" panose="020B0604020202020204" pitchFamily="34" charset="0"/>
+                  <a:buChar char="•"/>
+                  <a:defRPr sz="1800" kern="1200">
+                    <a:solidFill>
+                      <a:schemeClr val="tx1"/>
+                    </a:solidFill>
+                    <a:latin typeface="+mn-lt"/>
+                    <a:ea typeface="+mn-ea"/>
+                    <a:cs typeface="+mn-cs"/>
+                  </a:defRPr>
+                </a:lvl8pPr>
+                <a:lvl9pPr marL="3886200" indent="-228600" algn="l" defTabSz="914400" rtl="0" eaLnBrk="1" latinLnBrk="1" hangingPunct="1">
+                  <a:lnSpc>
+                    <a:spcPct val="90000"/>
+                  </a:lnSpc>
+                  <a:spcBef>
+                    <a:spcPts val="500"/>
+                  </a:spcBef>
+                  <a:buFont typeface="Arial" panose="020B0604020202020204" pitchFamily="34" charset="0"/>
+                  <a:buChar char="•"/>
+                  <a:defRPr sz="1800" kern="1200">
+                    <a:solidFill>
+                      <a:schemeClr val="tx1"/>
+                    </a:solidFill>
+                    <a:latin typeface="+mn-lt"/>
+                    <a:ea typeface="+mn-ea"/>
+                    <a:cs typeface="+mn-cs"/>
+                  </a:defRPr>
+                </a:lvl9pPr>
+              </a:lstStyle>
+              <a:p>
+                <a14:m>
+                  <m:oMath xmlns:m="http://schemas.openxmlformats.org/officeDocument/2006/math">
+                    <m:sSub>
+                      <m:sSubPr>
+                        <m:ctrlPr>
+                          <a:rPr lang="en-US" altLang="ko-KR" i="1">
+                            <a:latin typeface="Cambria Math" panose="02040503050406030204" pitchFamily="18" charset="0"/>
+                          </a:rPr>
+                        </m:ctrlPr>
+                      </m:sSubPr>
+                      <m:e>
+                        <m:r>
+                          <a:rPr lang="en-US" altLang="ko-KR" i="1">
+                            <a:latin typeface="Cambria Math" panose="02040503050406030204" pitchFamily="18" charset="0"/>
+                          </a:rPr>
+                          <m:t>𝑝</m:t>
+                        </m:r>
+                      </m:e>
+                      <m:sub>
+                        <m:r>
+                          <a:rPr lang="en-US" altLang="ko-KR" i="1">
+                            <a:latin typeface="Cambria Math" panose="02040503050406030204" pitchFamily="18" charset="0"/>
+                          </a:rPr>
+                          <m:t>𝑐</m:t>
+                        </m:r>
+                      </m:sub>
+                    </m:sSub>
+                  </m:oMath>
+                </a14:m>
+                <a:r>
+                  <a:rPr lang="ko-KR" altLang="en-US"/>
+                  <a:t>가 </a:t>
+                </a:r>
+                <a:r>
+                  <a:rPr lang="en-US" altLang="ko-KR"/>
+                  <a:t>0.5</a:t>
+                </a:r>
+                <a:r>
+                  <a:rPr lang="ko-KR" altLang="en-US"/>
+                  <a:t>임을 가정한 뒤 아래 두 문장을 증명해보자</a:t>
+                </a:r>
+                <a:r>
+                  <a:rPr lang="en-US" altLang="ko-KR"/>
+                  <a:t>.</a:t>
+                </a:r>
+              </a:p>
+              <a:p>
+                <a:pPr lvl="1"/>
+                <a:endParaRPr lang="en-US" altLang="ko-KR"/>
+              </a:p>
+              <a:p>
+                <a:endParaRPr lang="en-US" altLang="ko-KR"/>
+              </a:p>
+            </p:txBody>
+          </p:sp>
+        </mc:Choice>
+        <mc:Fallback>
+          <p:sp>
+            <p:nvSpPr>
+              <p:cNvPr id="5" name="내용 개체 틀 2">
+                <a:extLst>
+                  <a:ext uri="{FF2B5EF4-FFF2-40B4-BE49-F238E27FC236}">
+                    <a16:creationId xmlns:a16="http://schemas.microsoft.com/office/drawing/2014/main" id="{13419D95-D6FE-7D7F-F033-60A405A59025}"/>
+                  </a:ext>
+                </a:extLst>
+              </p:cNvPr>
+              <p:cNvSpPr txBox="1">
+                <a:spLocks noRot="1" noChangeAspect="1" noMove="1" noResize="1" noEditPoints="1" noAdjustHandles="1" noChangeArrowheads="1" noChangeShapeType="1" noTextEdit="1"/>
+              </p:cNvSpPr>
+              <p:nvPr/>
+            </p:nvSpPr>
+            <p:spPr>
+              <a:xfrm>
+                <a:off x="838200" y="4800599"/>
+                <a:ext cx="10515600" cy="1285876"/>
+              </a:xfrm>
+              <a:prstGeom prst="rect">
+                <a:avLst/>
+              </a:prstGeom>
+              <a:blipFill>
+                <a:blip r:embed="rId4"/>
+                <a:stretch>
+                  <a:fillRect t="-9005"/>
                 </a:stretch>
               </a:blipFill>
             </p:spPr>
@@ -4598,6 +5392,4794 @@
 </file>
 
 <file path=ppt/slides/slide13.xml><?xml version="1.0" encoding="utf-8"?>
+<p:sld xmlns:a="http://schemas.openxmlformats.org/drawingml/2006/main" xmlns:r="http://schemas.openxmlformats.org/officeDocument/2006/relationships" xmlns:p="http://schemas.openxmlformats.org/presentationml/2006/main">
+  <p:cSld>
+    <p:spTree>
+      <p:nvGrpSpPr>
+        <p:cNvPr id="1" name="">
+          <a:extLst>
+            <a:ext uri="{FF2B5EF4-FFF2-40B4-BE49-F238E27FC236}">
+              <a16:creationId xmlns:a16="http://schemas.microsoft.com/office/drawing/2014/main" id="{3139A5B6-D3D9-D375-3D43-21A4974D920B}"/>
+            </a:ext>
+          </a:extLst>
+        </p:cNvPr>
+        <p:cNvGrpSpPr/>
+        <p:nvPr/>
+      </p:nvGrpSpPr>
+      <p:grpSpPr>
+        <a:xfrm>
+          <a:off x="0" y="0"/>
+          <a:ext cx="0" cy="0"/>
+          <a:chOff x="0" y="0"/>
+          <a:chExt cx="0" cy="0"/>
+        </a:xfrm>
+      </p:grpSpPr>
+      <p:sp>
+        <p:nvSpPr>
+          <p:cNvPr id="2" name="제목 1">
+            <a:extLst>
+              <a:ext uri="{FF2B5EF4-FFF2-40B4-BE49-F238E27FC236}">
+                <a16:creationId xmlns:a16="http://schemas.microsoft.com/office/drawing/2014/main" id="{945634F9-AD37-2E0C-7138-F6176589E1D6}"/>
+              </a:ext>
+            </a:extLst>
+          </p:cNvPr>
+          <p:cNvSpPr>
+            <a:spLocks noGrp="1"/>
+          </p:cNvSpPr>
+          <p:nvPr>
+            <p:ph type="title"/>
+          </p:nvPr>
+        </p:nvSpPr>
+        <p:spPr/>
+        <p:txBody>
+          <a:bodyPr/>
+          <a:lstStyle/>
+          <a:p>
+            <a:r>
+              <a:rPr lang="ko-KR" altLang="en-US"/>
+              <a:t>듀얼 그래프 커플링</a:t>
+            </a:r>
+          </a:p>
+        </p:txBody>
+      </p:sp>
+      <mc:AlternateContent xmlns:mc="http://schemas.openxmlformats.org/markup-compatibility/2006">
+        <mc:Choice xmlns:a14="http://schemas.microsoft.com/office/drawing/2010/main" Requires="a14">
+          <p:sp>
+            <p:nvSpPr>
+              <p:cNvPr id="3" name="내용 개체 틀 2">
+                <a:extLst>
+                  <a:ext uri="{FF2B5EF4-FFF2-40B4-BE49-F238E27FC236}">
+                    <a16:creationId xmlns:a16="http://schemas.microsoft.com/office/drawing/2014/main" id="{E198A4A5-7E09-5D7E-5FE7-D589EF53D9EE}"/>
+                  </a:ext>
+                </a:extLst>
+              </p:cNvPr>
+              <p:cNvSpPr>
+                <a:spLocks noGrp="1"/>
+              </p:cNvSpPr>
+              <p:nvPr>
+                <p:ph idx="1"/>
+              </p:nvPr>
+            </p:nvSpPr>
+            <p:spPr/>
+            <p:txBody>
+              <a:bodyPr/>
+              <a:lstStyle/>
+              <a:p>
+                <a:r>
+                  <a:rPr lang="ko-KR" altLang="en-US"/>
+                  <a:t>이 무한 클러스터 성질을 증명하기 위해서</a:t>
+                </a:r>
+                <a:r>
+                  <a:rPr lang="en-US" altLang="ko-KR"/>
+                  <a:t>, </a:t>
+                </a:r>
+                <a:r>
+                  <a:rPr lang="ko-KR" altLang="en-US"/>
+                  <a:t>우선 기존 그래프에 대한 </a:t>
+                </a:r>
+                <a:r>
+                  <a:rPr lang="en-US" altLang="ko-KR"/>
+                  <a:t>“</a:t>
+                </a:r>
+                <a:r>
+                  <a:rPr lang="ko-KR" altLang="en-US"/>
+                  <a:t>듀얼 그래프</a:t>
+                </a:r>
+                <a:r>
+                  <a:rPr lang="en-US" altLang="ko-KR"/>
+                  <a:t>”</a:t>
+                </a:r>
+                <a:r>
+                  <a:rPr lang="ko-KR" altLang="en-US"/>
+                  <a:t>를 만들 것이다</a:t>
+                </a:r>
+                <a:r>
+                  <a:rPr lang="en-US" altLang="ko-KR"/>
+                  <a:t>.</a:t>
+                </a:r>
+              </a:p>
+              <a:p>
+                <a:r>
+                  <a:rPr lang="ko-KR" altLang="en-US"/>
+                  <a:t>듀얼 그래프 </a:t>
+                </a:r>
+                <a:r>
+                  <a:rPr lang="en-US" altLang="ko-KR"/>
+                  <a:t>: </a:t>
+                </a:r>
+                <a:r>
+                  <a:rPr lang="ko-KR" altLang="en-US"/>
+                  <a:t>기존 그래프의 각 격자면을 정점에 대응시키고</a:t>
+                </a:r>
+                <a:r>
+                  <a:rPr lang="en-US" altLang="ko-KR"/>
+                  <a:t> </a:t>
+                </a:r>
+                <a:r>
+                  <a:rPr lang="ko-KR" altLang="en-US"/>
+                  <a:t>인접한 면 사이에 간선이 없으면 그 면에 해당하는 정점 사이에 간선을 추가한 그래프</a:t>
+                </a:r>
+                <a:endParaRPr lang="en-US" altLang="ko-KR"/>
+              </a:p>
+              <a:p>
+                <a:r>
+                  <a:rPr lang="ko-KR" altLang="en-US"/>
+                  <a:t>원래 그래프에서 가중치가 </a:t>
+                </a:r>
+                <a14:m>
+                  <m:oMath xmlns:m="http://schemas.openxmlformats.org/officeDocument/2006/math">
+                    <m:r>
+                      <a:rPr lang="en-US" altLang="ko-KR" b="0" i="1" smtClean="0">
+                        <a:latin typeface="Cambria Math" panose="02040503050406030204" pitchFamily="18" charset="0"/>
+                      </a:rPr>
+                      <m:t>𝑥</m:t>
+                    </m:r>
+                    <m:r>
+                      <a:rPr lang="ko-KR" altLang="en-US" i="1">
+                        <a:latin typeface="Cambria Math" panose="02040503050406030204" pitchFamily="18" charset="0"/>
+                      </a:rPr>
+                      <m:t>인</m:t>
+                    </m:r>
+                  </m:oMath>
+                </a14:m>
+                <a:r>
+                  <a:rPr lang="ko-KR" altLang="en-US"/>
+                  <a:t> 간선에 대응되는</a:t>
+                </a:r>
+                <a:r>
+                  <a:rPr lang="en-US" altLang="ko-KR"/>
+                  <a:t> </a:t>
+                </a:r>
+                <a:r>
+                  <a:rPr lang="ko-KR" altLang="en-US"/>
+                  <a:t>듀얼 그래프의 간선에는 </a:t>
+                </a:r>
+                <a14:m>
+                  <m:oMath xmlns:m="http://schemas.openxmlformats.org/officeDocument/2006/math">
+                    <m:r>
+                      <a:rPr lang="en-US" altLang="ko-KR" b="0" i="1" smtClean="0">
+                        <a:latin typeface="Cambria Math" panose="02040503050406030204" pitchFamily="18" charset="0"/>
+                      </a:rPr>
+                      <m:t>1−</m:t>
+                    </m:r>
+                    <m:r>
+                      <a:rPr lang="en-US" altLang="ko-KR" b="0" i="1" smtClean="0">
+                        <a:latin typeface="Cambria Math" panose="02040503050406030204" pitchFamily="18" charset="0"/>
+                      </a:rPr>
+                      <m:t>𝑥</m:t>
+                    </m:r>
+                  </m:oMath>
+                </a14:m>
+                <a:r>
+                  <a:rPr lang="ko-KR" altLang="en-US"/>
+                  <a:t>를 할당한다</a:t>
+                </a:r>
+                <a:r>
+                  <a:rPr lang="en-US" altLang="ko-KR"/>
+                  <a:t>.</a:t>
+                </a:r>
+              </a:p>
+              <a:p>
+                <a:pPr marL="0" indent="0">
+                  <a:buNone/>
+                </a:pPr>
+                <a:endParaRPr lang="ko-KR" altLang="en-US"/>
+              </a:p>
+            </p:txBody>
+          </p:sp>
+        </mc:Choice>
+        <mc:Fallback>
+          <p:sp>
+            <p:nvSpPr>
+              <p:cNvPr id="3" name="내용 개체 틀 2">
+                <a:extLst>
+                  <a:ext uri="{FF2B5EF4-FFF2-40B4-BE49-F238E27FC236}">
+                    <a16:creationId xmlns:a16="http://schemas.microsoft.com/office/drawing/2014/main" id="{E198A4A5-7E09-5D7E-5FE7-D589EF53D9EE}"/>
+                  </a:ext>
+                </a:extLst>
+              </p:cNvPr>
+              <p:cNvSpPr>
+                <a:spLocks noGrp="1" noRot="1" noChangeAspect="1" noMove="1" noResize="1" noEditPoints="1" noAdjustHandles="1" noChangeArrowheads="1" noChangeShapeType="1" noTextEdit="1"/>
+              </p:cNvSpPr>
+              <p:nvPr>
+                <p:ph idx="1"/>
+              </p:nvPr>
+            </p:nvSpPr>
+            <p:spPr>
+              <a:blipFill>
+                <a:blip r:embed="rId2"/>
+                <a:stretch>
+                  <a:fillRect l="-1043" t="-2661" r="-348"/>
+                </a:stretch>
+              </a:blipFill>
+            </p:spPr>
+            <p:txBody>
+              <a:bodyPr/>
+              <a:lstStyle/>
+              <a:p>
+                <a:r>
+                  <a:rPr lang="ko-KR" altLang="en-US">
+                    <a:noFill/>
+                  </a:rPr>
+                  <a:t> </a:t>
+                </a:r>
+              </a:p>
+            </p:txBody>
+          </p:sp>
+        </mc:Fallback>
+      </mc:AlternateContent>
+    </p:spTree>
+    <p:extLst>
+      <p:ext uri="{BB962C8B-B14F-4D97-AF65-F5344CB8AC3E}">
+        <p14:creationId xmlns:p14="http://schemas.microsoft.com/office/powerpoint/2010/main" val="1279633284"/>
+      </p:ext>
+    </p:extLst>
+  </p:cSld>
+  <p:clrMapOvr>
+    <a:masterClrMapping/>
+  </p:clrMapOvr>
+</p:sld>
+</file>
+
+<file path=ppt/slides/slide14.xml><?xml version="1.0" encoding="utf-8"?>
+<p:sld xmlns:a="http://schemas.openxmlformats.org/drawingml/2006/main" xmlns:r="http://schemas.openxmlformats.org/officeDocument/2006/relationships" xmlns:p="http://schemas.openxmlformats.org/presentationml/2006/main">
+  <p:cSld>
+    <p:spTree>
+      <p:nvGrpSpPr>
+        <p:cNvPr id="1" name=""/>
+        <p:cNvGrpSpPr/>
+        <p:nvPr/>
+      </p:nvGrpSpPr>
+      <p:grpSpPr>
+        <a:xfrm>
+          <a:off x="0" y="0"/>
+          <a:ext cx="0" cy="0"/>
+          <a:chOff x="0" y="0"/>
+          <a:chExt cx="0" cy="0"/>
+        </a:xfrm>
+      </p:grpSpPr>
+      <p:grpSp>
+        <p:nvGrpSpPr>
+          <p:cNvPr id="59" name="그룹 58">
+            <a:extLst>
+              <a:ext uri="{FF2B5EF4-FFF2-40B4-BE49-F238E27FC236}">
+                <a16:creationId xmlns:a16="http://schemas.microsoft.com/office/drawing/2014/main" id="{EEA1043D-6A27-D891-D7E6-99D7C2FACE6A}"/>
+              </a:ext>
+            </a:extLst>
+          </p:cNvPr>
+          <p:cNvGrpSpPr/>
+          <p:nvPr/>
+        </p:nvGrpSpPr>
+        <p:grpSpPr>
+          <a:xfrm>
+            <a:off x="1466546" y="1940445"/>
+            <a:ext cx="3404105" cy="3417350"/>
+            <a:chOff x="1548384" y="2894550"/>
+            <a:chExt cx="3404105" cy="3417350"/>
+          </a:xfrm>
+        </p:grpSpPr>
+        <p:sp>
+          <p:nvSpPr>
+            <p:cNvPr id="60" name="직사각형 59">
+              <a:extLst>
+                <a:ext uri="{FF2B5EF4-FFF2-40B4-BE49-F238E27FC236}">
+                  <a16:creationId xmlns:a16="http://schemas.microsoft.com/office/drawing/2014/main" id="{914B2721-9683-C98A-E862-EF78C588A561}"/>
+                </a:ext>
+              </a:extLst>
+            </p:cNvPr>
+            <p:cNvSpPr/>
+            <p:nvPr/>
+          </p:nvSpPr>
+          <p:spPr>
+            <a:xfrm>
+              <a:off x="2160270" y="3394710"/>
+              <a:ext cx="171450" cy="975360"/>
+            </a:xfrm>
+            <a:prstGeom prst="rect">
+              <a:avLst/>
+            </a:prstGeom>
+            <a:solidFill>
+              <a:srgbClr val="FFFFFF"/>
+            </a:solidFill>
+            <a:ln>
+              <a:noFill/>
+            </a:ln>
+          </p:spPr>
+          <p:style>
+            <a:lnRef idx="2">
+              <a:schemeClr val="accent1">
+                <a:shade val="15000"/>
+              </a:schemeClr>
+            </a:lnRef>
+            <a:fillRef idx="1">
+              <a:schemeClr val="accent1"/>
+            </a:fillRef>
+            <a:effectRef idx="0">
+              <a:schemeClr val="accent1"/>
+            </a:effectRef>
+            <a:fontRef idx="minor">
+              <a:schemeClr val="lt1"/>
+            </a:fontRef>
+          </p:style>
+          <p:txBody>
+            <a:bodyPr rtlCol="0" anchor="ctr"/>
+            <a:lstStyle/>
+            <a:p>
+              <a:pPr algn="ctr"/>
+              <a:endParaRPr lang="ko-KR" altLang="en-US"/>
+            </a:p>
+          </p:txBody>
+        </p:sp>
+        <p:sp>
+          <p:nvSpPr>
+            <p:cNvPr id="61" name="직사각형 60">
+              <a:extLst>
+                <a:ext uri="{FF2B5EF4-FFF2-40B4-BE49-F238E27FC236}">
+                  <a16:creationId xmlns:a16="http://schemas.microsoft.com/office/drawing/2014/main" id="{2BA798F3-C21B-5E51-DA20-829550C7B877}"/>
+                </a:ext>
+              </a:extLst>
+            </p:cNvPr>
+            <p:cNvSpPr/>
+            <p:nvPr/>
+          </p:nvSpPr>
+          <p:spPr>
+            <a:xfrm>
+              <a:off x="2160270" y="4735830"/>
+              <a:ext cx="171450" cy="975360"/>
+            </a:xfrm>
+            <a:prstGeom prst="rect">
+              <a:avLst/>
+            </a:prstGeom>
+            <a:solidFill>
+              <a:srgbClr val="FFFFFF"/>
+            </a:solidFill>
+            <a:ln>
+              <a:noFill/>
+            </a:ln>
+          </p:spPr>
+          <p:style>
+            <a:lnRef idx="2">
+              <a:schemeClr val="accent1">
+                <a:shade val="15000"/>
+              </a:schemeClr>
+            </a:lnRef>
+            <a:fillRef idx="1">
+              <a:schemeClr val="accent1"/>
+            </a:fillRef>
+            <a:effectRef idx="0">
+              <a:schemeClr val="accent1"/>
+            </a:effectRef>
+            <a:fontRef idx="minor">
+              <a:schemeClr val="lt1"/>
+            </a:fontRef>
+          </p:style>
+          <p:txBody>
+            <a:bodyPr rtlCol="0" anchor="ctr"/>
+            <a:lstStyle/>
+            <a:p>
+              <a:pPr algn="ctr"/>
+              <a:endParaRPr lang="ko-KR" altLang="en-US"/>
+            </a:p>
+          </p:txBody>
+        </p:sp>
+        <p:sp>
+          <p:nvSpPr>
+            <p:cNvPr id="62" name="직사각형 61">
+              <a:extLst>
+                <a:ext uri="{FF2B5EF4-FFF2-40B4-BE49-F238E27FC236}">
+                  <a16:creationId xmlns:a16="http://schemas.microsoft.com/office/drawing/2014/main" id="{231653BF-9381-24D9-F65B-3483271EAA6F}"/>
+                </a:ext>
+              </a:extLst>
+            </p:cNvPr>
+            <p:cNvSpPr/>
+            <p:nvPr/>
+          </p:nvSpPr>
+          <p:spPr>
+            <a:xfrm>
+              <a:off x="2160270" y="4065270"/>
+              <a:ext cx="171450" cy="975360"/>
+            </a:xfrm>
+            <a:prstGeom prst="rect">
+              <a:avLst/>
+            </a:prstGeom>
+            <a:solidFill>
+              <a:srgbClr val="FFFFFF"/>
+            </a:solidFill>
+            <a:ln>
+              <a:noFill/>
+            </a:ln>
+          </p:spPr>
+          <p:style>
+            <a:lnRef idx="2">
+              <a:schemeClr val="accent1">
+                <a:shade val="15000"/>
+              </a:schemeClr>
+            </a:lnRef>
+            <a:fillRef idx="1">
+              <a:schemeClr val="accent1"/>
+            </a:fillRef>
+            <a:effectRef idx="0">
+              <a:schemeClr val="accent1"/>
+            </a:effectRef>
+            <a:fontRef idx="minor">
+              <a:schemeClr val="lt1"/>
+            </a:fontRef>
+          </p:style>
+          <p:txBody>
+            <a:bodyPr rtlCol="0" anchor="ctr"/>
+            <a:lstStyle/>
+            <a:p>
+              <a:pPr algn="ctr"/>
+              <a:endParaRPr lang="ko-KR" altLang="en-US"/>
+            </a:p>
+          </p:txBody>
+        </p:sp>
+        <p:sp>
+          <p:nvSpPr>
+            <p:cNvPr id="63" name="직사각형 62">
+              <a:extLst>
+                <a:ext uri="{FF2B5EF4-FFF2-40B4-BE49-F238E27FC236}">
+                  <a16:creationId xmlns:a16="http://schemas.microsoft.com/office/drawing/2014/main" id="{08E422BA-5214-F64A-F7F1-F248A0D92989}"/>
+                </a:ext>
+              </a:extLst>
+            </p:cNvPr>
+            <p:cNvSpPr/>
+            <p:nvPr/>
+          </p:nvSpPr>
+          <p:spPr>
+            <a:xfrm rot="16200000">
+              <a:off x="2533835" y="3774599"/>
+              <a:ext cx="171450" cy="975360"/>
+            </a:xfrm>
+            <a:prstGeom prst="rect">
+              <a:avLst/>
+            </a:prstGeom>
+            <a:solidFill>
+              <a:srgbClr val="FFFFFF"/>
+            </a:solidFill>
+            <a:ln>
+              <a:noFill/>
+            </a:ln>
+          </p:spPr>
+          <p:style>
+            <a:lnRef idx="2">
+              <a:schemeClr val="accent1">
+                <a:shade val="15000"/>
+              </a:schemeClr>
+            </a:lnRef>
+            <a:fillRef idx="1">
+              <a:schemeClr val="accent1"/>
+            </a:fillRef>
+            <a:effectRef idx="0">
+              <a:schemeClr val="accent1"/>
+            </a:effectRef>
+            <a:fontRef idx="minor">
+              <a:schemeClr val="lt1"/>
+            </a:fontRef>
+          </p:style>
+          <p:txBody>
+            <a:bodyPr rtlCol="0" anchor="ctr"/>
+            <a:lstStyle/>
+            <a:p>
+              <a:pPr algn="ctr"/>
+              <a:endParaRPr lang="ko-KR" altLang="en-US"/>
+            </a:p>
+          </p:txBody>
+        </p:sp>
+        <p:sp>
+          <p:nvSpPr>
+            <p:cNvPr id="64" name="직사각형 63">
+              <a:extLst>
+                <a:ext uri="{FF2B5EF4-FFF2-40B4-BE49-F238E27FC236}">
+                  <a16:creationId xmlns:a16="http://schemas.microsoft.com/office/drawing/2014/main" id="{7B6638A7-4080-ADB2-C243-ED2BC127215E}"/>
+                </a:ext>
+              </a:extLst>
+            </p:cNvPr>
+            <p:cNvSpPr/>
+            <p:nvPr/>
+          </p:nvSpPr>
+          <p:spPr>
+            <a:xfrm rot="16200000">
+              <a:off x="3177725" y="3774599"/>
+              <a:ext cx="171450" cy="975360"/>
+            </a:xfrm>
+            <a:prstGeom prst="rect">
+              <a:avLst/>
+            </a:prstGeom>
+            <a:solidFill>
+              <a:srgbClr val="FFFFFF"/>
+            </a:solidFill>
+            <a:ln>
+              <a:noFill/>
+            </a:ln>
+          </p:spPr>
+          <p:style>
+            <a:lnRef idx="2">
+              <a:schemeClr val="accent1">
+                <a:shade val="15000"/>
+              </a:schemeClr>
+            </a:lnRef>
+            <a:fillRef idx="1">
+              <a:schemeClr val="accent1"/>
+            </a:fillRef>
+            <a:effectRef idx="0">
+              <a:schemeClr val="accent1"/>
+            </a:effectRef>
+            <a:fontRef idx="minor">
+              <a:schemeClr val="lt1"/>
+            </a:fontRef>
+          </p:style>
+          <p:txBody>
+            <a:bodyPr rtlCol="0" anchor="ctr"/>
+            <a:lstStyle/>
+            <a:p>
+              <a:pPr algn="ctr"/>
+              <a:endParaRPr lang="ko-KR" altLang="en-US"/>
+            </a:p>
+          </p:txBody>
+        </p:sp>
+        <p:sp>
+          <p:nvSpPr>
+            <p:cNvPr id="65" name="직사각형 64">
+              <a:extLst>
+                <a:ext uri="{FF2B5EF4-FFF2-40B4-BE49-F238E27FC236}">
+                  <a16:creationId xmlns:a16="http://schemas.microsoft.com/office/drawing/2014/main" id="{DD47C3EC-5752-B563-6F34-6C2BEFAE197C}"/>
+                </a:ext>
+              </a:extLst>
+            </p:cNvPr>
+            <p:cNvSpPr/>
+            <p:nvPr/>
+          </p:nvSpPr>
+          <p:spPr>
+            <a:xfrm rot="16200000">
+              <a:off x="3974015" y="2992755"/>
+              <a:ext cx="171450" cy="975360"/>
+            </a:xfrm>
+            <a:prstGeom prst="rect">
+              <a:avLst/>
+            </a:prstGeom>
+            <a:solidFill>
+              <a:srgbClr val="FFFFFF"/>
+            </a:solidFill>
+            <a:ln>
+              <a:noFill/>
+            </a:ln>
+          </p:spPr>
+          <p:style>
+            <a:lnRef idx="2">
+              <a:schemeClr val="accent1">
+                <a:shade val="15000"/>
+              </a:schemeClr>
+            </a:lnRef>
+            <a:fillRef idx="1">
+              <a:schemeClr val="accent1"/>
+            </a:fillRef>
+            <a:effectRef idx="0">
+              <a:schemeClr val="accent1"/>
+            </a:effectRef>
+            <a:fontRef idx="minor">
+              <a:schemeClr val="lt1"/>
+            </a:fontRef>
+          </p:style>
+          <p:txBody>
+            <a:bodyPr rtlCol="0" anchor="ctr"/>
+            <a:lstStyle/>
+            <a:p>
+              <a:pPr algn="ctr"/>
+              <a:endParaRPr lang="ko-KR" altLang="en-US"/>
+            </a:p>
+          </p:txBody>
+        </p:sp>
+        <p:sp>
+          <p:nvSpPr>
+            <p:cNvPr id="66" name="직사각형 65">
+              <a:extLst>
+                <a:ext uri="{FF2B5EF4-FFF2-40B4-BE49-F238E27FC236}">
+                  <a16:creationId xmlns:a16="http://schemas.microsoft.com/office/drawing/2014/main" id="{073FF8A5-DC29-92FC-3519-771BFA864306}"/>
+                </a:ext>
+              </a:extLst>
+            </p:cNvPr>
+            <p:cNvSpPr/>
+            <p:nvPr/>
+          </p:nvSpPr>
+          <p:spPr>
+            <a:xfrm>
+              <a:off x="4300127" y="3427571"/>
+              <a:ext cx="171450" cy="975360"/>
+            </a:xfrm>
+            <a:prstGeom prst="rect">
+              <a:avLst/>
+            </a:prstGeom>
+            <a:solidFill>
+              <a:srgbClr val="FFFFFF"/>
+            </a:solidFill>
+            <a:ln>
+              <a:noFill/>
+            </a:ln>
+          </p:spPr>
+          <p:style>
+            <a:lnRef idx="2">
+              <a:schemeClr val="accent1">
+                <a:shade val="15000"/>
+              </a:schemeClr>
+            </a:lnRef>
+            <a:fillRef idx="1">
+              <a:schemeClr val="accent1"/>
+            </a:fillRef>
+            <a:effectRef idx="0">
+              <a:schemeClr val="accent1"/>
+            </a:effectRef>
+            <a:fontRef idx="minor">
+              <a:schemeClr val="lt1"/>
+            </a:fontRef>
+          </p:style>
+          <p:txBody>
+            <a:bodyPr rtlCol="0" anchor="ctr"/>
+            <a:lstStyle/>
+            <a:p>
+              <a:pPr algn="ctr"/>
+              <a:endParaRPr lang="ko-KR" altLang="en-US"/>
+            </a:p>
+          </p:txBody>
+        </p:sp>
+        <p:sp>
+          <p:nvSpPr>
+            <p:cNvPr id="67" name="직사각형 66">
+              <a:extLst>
+                <a:ext uri="{FF2B5EF4-FFF2-40B4-BE49-F238E27FC236}">
+                  <a16:creationId xmlns:a16="http://schemas.microsoft.com/office/drawing/2014/main" id="{278BCCC5-3D6E-C7F9-5FAA-D86D357416C1}"/>
+                </a:ext>
+              </a:extLst>
+            </p:cNvPr>
+            <p:cNvSpPr/>
+            <p:nvPr/>
+          </p:nvSpPr>
+          <p:spPr>
+            <a:xfrm>
+              <a:off x="4300127" y="4147661"/>
+              <a:ext cx="171450" cy="975360"/>
+            </a:xfrm>
+            <a:prstGeom prst="rect">
+              <a:avLst/>
+            </a:prstGeom>
+            <a:solidFill>
+              <a:srgbClr val="FFFFFF"/>
+            </a:solidFill>
+            <a:ln>
+              <a:noFill/>
+            </a:ln>
+          </p:spPr>
+          <p:style>
+            <a:lnRef idx="2">
+              <a:schemeClr val="accent1">
+                <a:shade val="15000"/>
+              </a:schemeClr>
+            </a:lnRef>
+            <a:fillRef idx="1">
+              <a:schemeClr val="accent1"/>
+            </a:fillRef>
+            <a:effectRef idx="0">
+              <a:schemeClr val="accent1"/>
+            </a:effectRef>
+            <a:fontRef idx="minor">
+              <a:schemeClr val="lt1"/>
+            </a:fontRef>
+          </p:style>
+          <p:txBody>
+            <a:bodyPr rtlCol="0" anchor="ctr"/>
+            <a:lstStyle/>
+            <a:p>
+              <a:pPr algn="ctr"/>
+              <a:endParaRPr lang="ko-KR" altLang="en-US"/>
+            </a:p>
+          </p:txBody>
+        </p:sp>
+        <p:sp>
+          <p:nvSpPr>
+            <p:cNvPr id="68" name="직사각형 67">
+              <a:extLst>
+                <a:ext uri="{FF2B5EF4-FFF2-40B4-BE49-F238E27FC236}">
+                  <a16:creationId xmlns:a16="http://schemas.microsoft.com/office/drawing/2014/main" id="{D1F0C64B-305E-1481-E284-AE9F4D8F023C}"/>
+                </a:ext>
+              </a:extLst>
+            </p:cNvPr>
+            <p:cNvSpPr/>
+            <p:nvPr/>
+          </p:nvSpPr>
+          <p:spPr>
+            <a:xfrm>
+              <a:off x="3579680" y="4833461"/>
+              <a:ext cx="171450" cy="975360"/>
+            </a:xfrm>
+            <a:prstGeom prst="rect">
+              <a:avLst/>
+            </a:prstGeom>
+            <a:solidFill>
+              <a:srgbClr val="FFFFFF"/>
+            </a:solidFill>
+            <a:ln>
+              <a:noFill/>
+            </a:ln>
+          </p:spPr>
+          <p:style>
+            <a:lnRef idx="2">
+              <a:schemeClr val="accent1">
+                <a:shade val="15000"/>
+              </a:schemeClr>
+            </a:lnRef>
+            <a:fillRef idx="1">
+              <a:schemeClr val="accent1"/>
+            </a:fillRef>
+            <a:effectRef idx="0">
+              <a:schemeClr val="accent1"/>
+            </a:effectRef>
+            <a:fontRef idx="minor">
+              <a:schemeClr val="lt1"/>
+            </a:fontRef>
+          </p:style>
+          <p:txBody>
+            <a:bodyPr rtlCol="0" anchor="ctr"/>
+            <a:lstStyle/>
+            <a:p>
+              <a:pPr algn="ctr"/>
+              <a:endParaRPr lang="ko-KR" altLang="en-US"/>
+            </a:p>
+          </p:txBody>
+        </p:sp>
+        <p:sp>
+          <p:nvSpPr>
+            <p:cNvPr id="69" name="직사각형 68">
+              <a:extLst>
+                <a:ext uri="{FF2B5EF4-FFF2-40B4-BE49-F238E27FC236}">
+                  <a16:creationId xmlns:a16="http://schemas.microsoft.com/office/drawing/2014/main" id="{3C12B961-67C4-0C27-A9A7-40C5C57C783C}"/>
+                </a:ext>
+              </a:extLst>
+            </p:cNvPr>
+            <p:cNvSpPr/>
+            <p:nvPr/>
+          </p:nvSpPr>
+          <p:spPr>
+            <a:xfrm>
+              <a:off x="2880717" y="4833461"/>
+              <a:ext cx="171450" cy="975360"/>
+            </a:xfrm>
+            <a:prstGeom prst="rect">
+              <a:avLst/>
+            </a:prstGeom>
+            <a:solidFill>
+              <a:srgbClr val="FFFFFF"/>
+            </a:solidFill>
+            <a:ln>
+              <a:noFill/>
+            </a:ln>
+          </p:spPr>
+          <p:style>
+            <a:lnRef idx="2">
+              <a:schemeClr val="accent1">
+                <a:shade val="15000"/>
+              </a:schemeClr>
+            </a:lnRef>
+            <a:fillRef idx="1">
+              <a:schemeClr val="accent1"/>
+            </a:fillRef>
+            <a:effectRef idx="0">
+              <a:schemeClr val="accent1"/>
+            </a:effectRef>
+            <a:fontRef idx="minor">
+              <a:schemeClr val="lt1"/>
+            </a:fontRef>
+          </p:style>
+          <p:txBody>
+            <a:bodyPr rtlCol="0" anchor="ctr"/>
+            <a:lstStyle/>
+            <a:p>
+              <a:pPr algn="ctr"/>
+              <a:endParaRPr lang="ko-KR" altLang="en-US"/>
+            </a:p>
+          </p:txBody>
+        </p:sp>
+        <p:sp>
+          <p:nvSpPr>
+            <p:cNvPr id="70" name="직사각형 69">
+              <a:extLst>
+                <a:ext uri="{FF2B5EF4-FFF2-40B4-BE49-F238E27FC236}">
+                  <a16:creationId xmlns:a16="http://schemas.microsoft.com/office/drawing/2014/main" id="{44056C82-F45F-9300-3B2E-DC3081CE815C}"/>
+                </a:ext>
+              </a:extLst>
+            </p:cNvPr>
+            <p:cNvSpPr/>
+            <p:nvPr/>
+          </p:nvSpPr>
+          <p:spPr>
+            <a:xfrm rot="16200000">
+              <a:off x="2484477" y="5117611"/>
+              <a:ext cx="171450" cy="975360"/>
+            </a:xfrm>
+            <a:prstGeom prst="rect">
+              <a:avLst/>
+            </a:prstGeom>
+            <a:solidFill>
+              <a:srgbClr val="FFFFFF"/>
+            </a:solidFill>
+            <a:ln>
+              <a:noFill/>
+            </a:ln>
+          </p:spPr>
+          <p:style>
+            <a:lnRef idx="2">
+              <a:schemeClr val="accent1">
+                <a:shade val="15000"/>
+              </a:schemeClr>
+            </a:lnRef>
+            <a:fillRef idx="1">
+              <a:schemeClr val="accent1"/>
+            </a:fillRef>
+            <a:effectRef idx="0">
+              <a:schemeClr val="accent1"/>
+            </a:effectRef>
+            <a:fontRef idx="minor">
+              <a:schemeClr val="lt1"/>
+            </a:fontRef>
+          </p:style>
+          <p:txBody>
+            <a:bodyPr rtlCol="0" anchor="ctr"/>
+            <a:lstStyle/>
+            <a:p>
+              <a:pPr algn="ctr"/>
+              <a:endParaRPr lang="ko-KR" altLang="en-US"/>
+            </a:p>
+          </p:txBody>
+        </p:sp>
+        <p:sp>
+          <p:nvSpPr>
+            <p:cNvPr id="71" name="직사각형 70">
+              <a:extLst>
+                <a:ext uri="{FF2B5EF4-FFF2-40B4-BE49-F238E27FC236}">
+                  <a16:creationId xmlns:a16="http://schemas.microsoft.com/office/drawing/2014/main" id="{426B0C6D-1F5B-1DE1-9A52-99AE40F38050}"/>
+                </a:ext>
+              </a:extLst>
+            </p:cNvPr>
+            <p:cNvSpPr/>
+            <p:nvPr/>
+          </p:nvSpPr>
+          <p:spPr>
+            <a:xfrm rot="16200000">
+              <a:off x="3177725" y="5117611"/>
+              <a:ext cx="171450" cy="975360"/>
+            </a:xfrm>
+            <a:prstGeom prst="rect">
+              <a:avLst/>
+            </a:prstGeom>
+            <a:solidFill>
+              <a:srgbClr val="FFFFFF"/>
+            </a:solidFill>
+            <a:ln>
+              <a:noFill/>
+            </a:ln>
+          </p:spPr>
+          <p:style>
+            <a:lnRef idx="2">
+              <a:schemeClr val="accent1">
+                <a:shade val="15000"/>
+              </a:schemeClr>
+            </a:lnRef>
+            <a:fillRef idx="1">
+              <a:schemeClr val="accent1"/>
+            </a:fillRef>
+            <a:effectRef idx="0">
+              <a:schemeClr val="accent1"/>
+            </a:effectRef>
+            <a:fontRef idx="minor">
+              <a:schemeClr val="lt1"/>
+            </a:fontRef>
+          </p:style>
+          <p:txBody>
+            <a:bodyPr rtlCol="0" anchor="ctr"/>
+            <a:lstStyle/>
+            <a:p>
+              <a:pPr algn="ctr"/>
+              <a:endParaRPr lang="ko-KR" altLang="en-US"/>
+            </a:p>
+          </p:txBody>
+        </p:sp>
+        <p:sp>
+          <p:nvSpPr>
+            <p:cNvPr id="72" name="직사각형 71">
+              <a:extLst>
+                <a:ext uri="{FF2B5EF4-FFF2-40B4-BE49-F238E27FC236}">
+                  <a16:creationId xmlns:a16="http://schemas.microsoft.com/office/drawing/2014/main" id="{464E18E9-5DD2-149B-9CE3-045FE8CB3F4E}"/>
+                </a:ext>
+              </a:extLst>
+            </p:cNvPr>
+            <p:cNvSpPr/>
+            <p:nvPr/>
+          </p:nvSpPr>
+          <p:spPr>
+            <a:xfrm rot="16200000">
+              <a:off x="3177725" y="4399426"/>
+              <a:ext cx="171450" cy="975360"/>
+            </a:xfrm>
+            <a:prstGeom prst="rect">
+              <a:avLst/>
+            </a:prstGeom>
+            <a:solidFill>
+              <a:srgbClr val="FFFFFF"/>
+            </a:solidFill>
+            <a:ln>
+              <a:noFill/>
+            </a:ln>
+          </p:spPr>
+          <p:style>
+            <a:lnRef idx="2">
+              <a:schemeClr val="accent1">
+                <a:shade val="15000"/>
+              </a:schemeClr>
+            </a:lnRef>
+            <a:fillRef idx="1">
+              <a:schemeClr val="accent1"/>
+            </a:fillRef>
+            <a:effectRef idx="0">
+              <a:schemeClr val="accent1"/>
+            </a:effectRef>
+            <a:fontRef idx="minor">
+              <a:schemeClr val="lt1"/>
+            </a:fontRef>
+          </p:style>
+          <p:txBody>
+            <a:bodyPr rtlCol="0" anchor="ctr"/>
+            <a:lstStyle/>
+            <a:p>
+              <a:pPr algn="ctr"/>
+              <a:endParaRPr lang="ko-KR" altLang="en-US"/>
+            </a:p>
+          </p:txBody>
+        </p:sp>
+        <p:sp>
+          <p:nvSpPr>
+            <p:cNvPr id="73" name="직사각형 72">
+              <a:extLst>
+                <a:ext uri="{FF2B5EF4-FFF2-40B4-BE49-F238E27FC236}">
+                  <a16:creationId xmlns:a16="http://schemas.microsoft.com/office/drawing/2014/main" id="{2F7DC8BF-653E-CD3B-F924-EF2A83A1C806}"/>
+                </a:ext>
+              </a:extLst>
+            </p:cNvPr>
+            <p:cNvSpPr/>
+            <p:nvPr/>
+          </p:nvSpPr>
+          <p:spPr>
+            <a:xfrm rot="16200000">
+              <a:off x="4230239" y="5504681"/>
+              <a:ext cx="217170" cy="287287"/>
+            </a:xfrm>
+            <a:prstGeom prst="rect">
+              <a:avLst/>
+            </a:prstGeom>
+            <a:solidFill>
+              <a:srgbClr val="FFFFFF"/>
+            </a:solidFill>
+            <a:ln>
+              <a:noFill/>
+            </a:ln>
+          </p:spPr>
+          <p:style>
+            <a:lnRef idx="2">
+              <a:schemeClr val="accent1">
+                <a:shade val="15000"/>
+              </a:schemeClr>
+            </a:lnRef>
+            <a:fillRef idx="1">
+              <a:schemeClr val="accent1"/>
+            </a:fillRef>
+            <a:effectRef idx="0">
+              <a:schemeClr val="accent1"/>
+            </a:effectRef>
+            <a:fontRef idx="minor">
+              <a:schemeClr val="lt1"/>
+            </a:fontRef>
+          </p:style>
+          <p:txBody>
+            <a:bodyPr rtlCol="0" anchor="ctr"/>
+            <a:lstStyle/>
+            <a:p>
+              <a:pPr algn="ctr"/>
+              <a:endParaRPr lang="ko-KR" altLang="en-US"/>
+            </a:p>
+          </p:txBody>
+        </p:sp>
+        <p:sp>
+          <p:nvSpPr>
+            <p:cNvPr id="74" name="직사각형 73">
+              <a:extLst>
+                <a:ext uri="{FF2B5EF4-FFF2-40B4-BE49-F238E27FC236}">
+                  <a16:creationId xmlns:a16="http://schemas.microsoft.com/office/drawing/2014/main" id="{45426CAA-7D7E-F277-D99F-EC1CF5F51B5F}"/>
+                </a:ext>
+              </a:extLst>
+            </p:cNvPr>
+            <p:cNvSpPr/>
+            <p:nvPr/>
+          </p:nvSpPr>
+          <p:spPr>
+            <a:xfrm rot="16200000">
+              <a:off x="2799939" y="3336790"/>
+              <a:ext cx="217170" cy="287287"/>
+            </a:xfrm>
+            <a:prstGeom prst="rect">
+              <a:avLst/>
+            </a:prstGeom>
+            <a:solidFill>
+              <a:srgbClr val="FFFFFF"/>
+            </a:solidFill>
+            <a:ln>
+              <a:noFill/>
+            </a:ln>
+          </p:spPr>
+          <p:style>
+            <a:lnRef idx="2">
+              <a:schemeClr val="accent1">
+                <a:shade val="15000"/>
+              </a:schemeClr>
+            </a:lnRef>
+            <a:fillRef idx="1">
+              <a:schemeClr val="accent1"/>
+            </a:fillRef>
+            <a:effectRef idx="0">
+              <a:schemeClr val="accent1"/>
+            </a:effectRef>
+            <a:fontRef idx="minor">
+              <a:schemeClr val="lt1"/>
+            </a:fontRef>
+          </p:style>
+          <p:txBody>
+            <a:bodyPr rtlCol="0" anchor="ctr"/>
+            <a:lstStyle/>
+            <a:p>
+              <a:pPr algn="ctr"/>
+              <a:endParaRPr lang="ko-KR" altLang="en-US"/>
+            </a:p>
+          </p:txBody>
+        </p:sp>
+        <p:pic>
+          <p:nvPicPr>
+            <p:cNvPr id="75" name="그림 74">
+              <a:extLst>
+                <a:ext uri="{FF2B5EF4-FFF2-40B4-BE49-F238E27FC236}">
+                  <a16:creationId xmlns:a16="http://schemas.microsoft.com/office/drawing/2014/main" id="{06465076-5661-F4E4-5868-6B358C593FB9}"/>
+                </a:ext>
+              </a:extLst>
+            </p:cNvPr>
+            <p:cNvPicPr>
+              <a:picLocks noChangeAspect="1"/>
+            </p:cNvPicPr>
+            <p:nvPr/>
+          </p:nvPicPr>
+          <p:blipFill>
+            <a:blip r:embed="rId2"/>
+            <a:stretch>
+              <a:fillRect/>
+            </a:stretch>
+          </p:blipFill>
+          <p:spPr>
+            <a:xfrm>
+              <a:off x="1548384" y="2894550"/>
+              <a:ext cx="3404105" cy="3417350"/>
+            </a:xfrm>
+            <a:prstGeom prst="rect">
+              <a:avLst/>
+            </a:prstGeom>
+          </p:spPr>
+        </p:pic>
+        <p:sp>
+          <p:nvSpPr>
+            <p:cNvPr id="76" name="직사각형 75">
+              <a:extLst>
+                <a:ext uri="{FF2B5EF4-FFF2-40B4-BE49-F238E27FC236}">
+                  <a16:creationId xmlns:a16="http://schemas.microsoft.com/office/drawing/2014/main" id="{39DD1FDB-22D2-A1C1-DEA9-9B2A48D86CA3}"/>
+                </a:ext>
+              </a:extLst>
+            </p:cNvPr>
+            <p:cNvSpPr/>
+            <p:nvPr/>
+          </p:nvSpPr>
+          <p:spPr>
+            <a:xfrm>
+              <a:off x="2082522" y="3427571"/>
+              <a:ext cx="925221" cy="269557"/>
+            </a:xfrm>
+            <a:prstGeom prst="rect">
+              <a:avLst/>
+            </a:prstGeom>
+            <a:solidFill>
+              <a:srgbClr val="FFFFFF"/>
+            </a:solidFill>
+            <a:ln>
+              <a:noFill/>
+            </a:ln>
+          </p:spPr>
+          <p:style>
+            <a:lnRef idx="2">
+              <a:schemeClr val="accent1">
+                <a:shade val="15000"/>
+              </a:schemeClr>
+            </a:lnRef>
+            <a:fillRef idx="1">
+              <a:schemeClr val="accent1"/>
+            </a:fillRef>
+            <a:effectRef idx="0">
+              <a:schemeClr val="accent1"/>
+            </a:effectRef>
+            <a:fontRef idx="minor">
+              <a:schemeClr val="lt1"/>
+            </a:fontRef>
+          </p:style>
+          <p:txBody>
+            <a:bodyPr rtlCol="0" anchor="ctr"/>
+            <a:lstStyle/>
+            <a:p>
+              <a:pPr algn="ctr"/>
+              <a:endParaRPr lang="ko-KR" altLang="en-US"/>
+            </a:p>
+          </p:txBody>
+        </p:sp>
+        <p:sp>
+          <p:nvSpPr>
+            <p:cNvPr id="77" name="직사각형 76">
+              <a:extLst>
+                <a:ext uri="{FF2B5EF4-FFF2-40B4-BE49-F238E27FC236}">
+                  <a16:creationId xmlns:a16="http://schemas.microsoft.com/office/drawing/2014/main" id="{7D2F1244-4B64-4CDA-3FCB-6601B3102ECD}"/>
+                </a:ext>
+              </a:extLst>
+            </p:cNvPr>
+            <p:cNvSpPr/>
+            <p:nvPr/>
+          </p:nvSpPr>
+          <p:spPr>
+            <a:xfrm>
+              <a:off x="2082523" y="4119868"/>
+              <a:ext cx="249198" cy="269557"/>
+            </a:xfrm>
+            <a:prstGeom prst="rect">
+              <a:avLst/>
+            </a:prstGeom>
+            <a:solidFill>
+              <a:srgbClr val="FFFFFF"/>
+            </a:solidFill>
+            <a:ln>
+              <a:noFill/>
+            </a:ln>
+          </p:spPr>
+          <p:style>
+            <a:lnRef idx="2">
+              <a:schemeClr val="accent1">
+                <a:shade val="15000"/>
+              </a:schemeClr>
+            </a:lnRef>
+            <a:fillRef idx="1">
+              <a:schemeClr val="accent1"/>
+            </a:fillRef>
+            <a:effectRef idx="0">
+              <a:schemeClr val="accent1"/>
+            </a:effectRef>
+            <a:fontRef idx="minor">
+              <a:schemeClr val="lt1"/>
+            </a:fontRef>
+          </p:style>
+          <p:txBody>
+            <a:bodyPr rtlCol="0" anchor="ctr"/>
+            <a:lstStyle/>
+            <a:p>
+              <a:pPr algn="ctr"/>
+              <a:endParaRPr lang="ko-KR" altLang="en-US"/>
+            </a:p>
+          </p:txBody>
+        </p:sp>
+        <p:sp>
+          <p:nvSpPr>
+            <p:cNvPr id="78" name="직사각형 77">
+              <a:extLst>
+                <a:ext uri="{FF2B5EF4-FFF2-40B4-BE49-F238E27FC236}">
+                  <a16:creationId xmlns:a16="http://schemas.microsoft.com/office/drawing/2014/main" id="{3B949C99-4AA5-1E4E-68B8-C5EA5B162F7F}"/>
+                </a:ext>
+              </a:extLst>
+            </p:cNvPr>
+            <p:cNvSpPr/>
+            <p:nvPr/>
+          </p:nvSpPr>
+          <p:spPr>
+            <a:xfrm>
+              <a:off x="2082523" y="4800362"/>
+              <a:ext cx="249198" cy="956548"/>
+            </a:xfrm>
+            <a:prstGeom prst="rect">
+              <a:avLst/>
+            </a:prstGeom>
+            <a:solidFill>
+              <a:srgbClr val="FFFFFF"/>
+            </a:solidFill>
+            <a:ln>
+              <a:noFill/>
+            </a:ln>
+          </p:spPr>
+          <p:style>
+            <a:lnRef idx="2">
+              <a:schemeClr val="accent1">
+                <a:shade val="15000"/>
+              </a:schemeClr>
+            </a:lnRef>
+            <a:fillRef idx="1">
+              <a:schemeClr val="accent1"/>
+            </a:fillRef>
+            <a:effectRef idx="0">
+              <a:schemeClr val="accent1"/>
+            </a:effectRef>
+            <a:fontRef idx="minor">
+              <a:schemeClr val="lt1"/>
+            </a:fontRef>
+          </p:style>
+          <p:txBody>
+            <a:bodyPr rtlCol="0" anchor="ctr"/>
+            <a:lstStyle/>
+            <a:p>
+              <a:pPr algn="ctr"/>
+              <a:endParaRPr lang="ko-KR" altLang="en-US"/>
+            </a:p>
+          </p:txBody>
+        </p:sp>
+        <p:sp>
+          <p:nvSpPr>
+            <p:cNvPr id="79" name="직사각형 78">
+              <a:extLst>
+                <a:ext uri="{FF2B5EF4-FFF2-40B4-BE49-F238E27FC236}">
+                  <a16:creationId xmlns:a16="http://schemas.microsoft.com/office/drawing/2014/main" id="{2D92FAD8-329B-CEAF-58BD-F8CC48193F67}"/>
+                </a:ext>
+              </a:extLst>
+            </p:cNvPr>
+            <p:cNvSpPr/>
+            <p:nvPr/>
+          </p:nvSpPr>
+          <p:spPr>
+            <a:xfrm>
+              <a:off x="2792706" y="4800362"/>
+              <a:ext cx="249198" cy="956548"/>
+            </a:xfrm>
+            <a:prstGeom prst="rect">
+              <a:avLst/>
+            </a:prstGeom>
+            <a:solidFill>
+              <a:srgbClr val="FFFFFF"/>
+            </a:solidFill>
+            <a:ln>
+              <a:noFill/>
+            </a:ln>
+          </p:spPr>
+          <p:style>
+            <a:lnRef idx="2">
+              <a:schemeClr val="accent1">
+                <a:shade val="15000"/>
+              </a:schemeClr>
+            </a:lnRef>
+            <a:fillRef idx="1">
+              <a:schemeClr val="accent1"/>
+            </a:fillRef>
+            <a:effectRef idx="0">
+              <a:schemeClr val="accent1"/>
+            </a:effectRef>
+            <a:fontRef idx="minor">
+              <a:schemeClr val="lt1"/>
+            </a:fontRef>
+          </p:style>
+          <p:txBody>
+            <a:bodyPr rtlCol="0" anchor="ctr"/>
+            <a:lstStyle/>
+            <a:p>
+              <a:pPr algn="ctr"/>
+              <a:endParaRPr lang="ko-KR" altLang="en-US"/>
+            </a:p>
+          </p:txBody>
+        </p:sp>
+        <p:sp>
+          <p:nvSpPr>
+            <p:cNvPr id="80" name="직사각형 79">
+              <a:extLst>
+                <a:ext uri="{FF2B5EF4-FFF2-40B4-BE49-F238E27FC236}">
+                  <a16:creationId xmlns:a16="http://schemas.microsoft.com/office/drawing/2014/main" id="{A2721F2A-1F11-09B1-7973-DD84B758756A}"/>
+                </a:ext>
+              </a:extLst>
+            </p:cNvPr>
+            <p:cNvSpPr/>
+            <p:nvPr/>
+          </p:nvSpPr>
+          <p:spPr>
+            <a:xfrm>
+              <a:off x="2823334" y="4124951"/>
+              <a:ext cx="249198" cy="956548"/>
+            </a:xfrm>
+            <a:prstGeom prst="rect">
+              <a:avLst/>
+            </a:prstGeom>
+            <a:solidFill>
+              <a:srgbClr val="FFFFFF"/>
+            </a:solidFill>
+            <a:ln>
+              <a:noFill/>
+            </a:ln>
+          </p:spPr>
+          <p:style>
+            <a:lnRef idx="2">
+              <a:schemeClr val="accent1">
+                <a:shade val="15000"/>
+              </a:schemeClr>
+            </a:lnRef>
+            <a:fillRef idx="1">
+              <a:schemeClr val="accent1"/>
+            </a:fillRef>
+            <a:effectRef idx="0">
+              <a:schemeClr val="accent1"/>
+            </a:effectRef>
+            <a:fontRef idx="minor">
+              <a:schemeClr val="lt1"/>
+            </a:fontRef>
+          </p:style>
+          <p:txBody>
+            <a:bodyPr rtlCol="0" anchor="ctr"/>
+            <a:lstStyle/>
+            <a:p>
+              <a:pPr algn="ctr"/>
+              <a:endParaRPr lang="ko-KR" altLang="en-US"/>
+            </a:p>
+          </p:txBody>
+        </p:sp>
+        <p:sp>
+          <p:nvSpPr>
+            <p:cNvPr id="81" name="직사각형 80">
+              <a:extLst>
+                <a:ext uri="{FF2B5EF4-FFF2-40B4-BE49-F238E27FC236}">
+                  <a16:creationId xmlns:a16="http://schemas.microsoft.com/office/drawing/2014/main" id="{29C3EB5F-52B7-A6A6-3CD0-3954ED82D63D}"/>
+                </a:ext>
+              </a:extLst>
+            </p:cNvPr>
+            <p:cNvSpPr/>
+            <p:nvPr/>
+          </p:nvSpPr>
+          <p:spPr>
+            <a:xfrm>
+              <a:off x="4079176" y="3480433"/>
+              <a:ext cx="249198" cy="956548"/>
+            </a:xfrm>
+            <a:prstGeom prst="rect">
+              <a:avLst/>
+            </a:prstGeom>
+            <a:solidFill>
+              <a:srgbClr val="FFFFFF"/>
+            </a:solidFill>
+            <a:ln>
+              <a:noFill/>
+            </a:ln>
+          </p:spPr>
+          <p:style>
+            <a:lnRef idx="2">
+              <a:schemeClr val="accent1">
+                <a:shade val="15000"/>
+              </a:schemeClr>
+            </a:lnRef>
+            <a:fillRef idx="1">
+              <a:schemeClr val="accent1"/>
+            </a:fillRef>
+            <a:effectRef idx="0">
+              <a:schemeClr val="accent1"/>
+            </a:effectRef>
+            <a:fontRef idx="minor">
+              <a:schemeClr val="lt1"/>
+            </a:fontRef>
+          </p:style>
+          <p:txBody>
+            <a:bodyPr rtlCol="0" anchor="ctr"/>
+            <a:lstStyle/>
+            <a:p>
+              <a:pPr algn="ctr"/>
+              <a:endParaRPr lang="ko-KR" altLang="en-US"/>
+            </a:p>
+          </p:txBody>
+        </p:sp>
+        <p:sp>
+          <p:nvSpPr>
+            <p:cNvPr id="82" name="직사각형 81">
+              <a:extLst>
+                <a:ext uri="{FF2B5EF4-FFF2-40B4-BE49-F238E27FC236}">
+                  <a16:creationId xmlns:a16="http://schemas.microsoft.com/office/drawing/2014/main" id="{29383177-494B-C552-B5B7-3BCDF349A258}"/>
+                </a:ext>
+              </a:extLst>
+            </p:cNvPr>
+            <p:cNvSpPr/>
+            <p:nvPr/>
+          </p:nvSpPr>
+          <p:spPr>
+            <a:xfrm rot="16200000">
+              <a:off x="2436196" y="5170050"/>
+              <a:ext cx="249198" cy="956548"/>
+            </a:xfrm>
+            <a:prstGeom prst="rect">
+              <a:avLst/>
+            </a:prstGeom>
+            <a:solidFill>
+              <a:srgbClr val="FFFFFF"/>
+            </a:solidFill>
+            <a:ln>
+              <a:noFill/>
+            </a:ln>
+          </p:spPr>
+          <p:style>
+            <a:lnRef idx="2">
+              <a:schemeClr val="accent1">
+                <a:shade val="15000"/>
+              </a:schemeClr>
+            </a:lnRef>
+            <a:fillRef idx="1">
+              <a:schemeClr val="accent1"/>
+            </a:fillRef>
+            <a:effectRef idx="0">
+              <a:schemeClr val="accent1"/>
+            </a:effectRef>
+            <a:fontRef idx="minor">
+              <a:schemeClr val="lt1"/>
+            </a:fontRef>
+          </p:style>
+          <p:txBody>
+            <a:bodyPr rtlCol="0" anchor="ctr"/>
+            <a:lstStyle/>
+            <a:p>
+              <a:pPr algn="ctr"/>
+              <a:endParaRPr lang="ko-KR" altLang="en-US"/>
+            </a:p>
+          </p:txBody>
+        </p:sp>
+        <p:sp>
+          <p:nvSpPr>
+            <p:cNvPr id="83" name="직사각형 82">
+              <a:extLst>
+                <a:ext uri="{FF2B5EF4-FFF2-40B4-BE49-F238E27FC236}">
+                  <a16:creationId xmlns:a16="http://schemas.microsoft.com/office/drawing/2014/main" id="{097552C8-28B0-BC42-537B-C637545C72F6}"/>
+                </a:ext>
+              </a:extLst>
+            </p:cNvPr>
+            <p:cNvSpPr/>
+            <p:nvPr/>
+          </p:nvSpPr>
+          <p:spPr>
+            <a:xfrm rot="16200000">
+              <a:off x="3208840" y="5170050"/>
+              <a:ext cx="249198" cy="956548"/>
+            </a:xfrm>
+            <a:prstGeom prst="rect">
+              <a:avLst/>
+            </a:prstGeom>
+            <a:solidFill>
+              <a:srgbClr val="FFFFFF"/>
+            </a:solidFill>
+            <a:ln>
+              <a:noFill/>
+            </a:ln>
+          </p:spPr>
+          <p:style>
+            <a:lnRef idx="2">
+              <a:schemeClr val="accent1">
+                <a:shade val="15000"/>
+              </a:schemeClr>
+            </a:lnRef>
+            <a:fillRef idx="1">
+              <a:schemeClr val="accent1"/>
+            </a:fillRef>
+            <a:effectRef idx="0">
+              <a:schemeClr val="accent1"/>
+            </a:effectRef>
+            <a:fontRef idx="minor">
+              <a:schemeClr val="lt1"/>
+            </a:fontRef>
+          </p:style>
+          <p:txBody>
+            <a:bodyPr rtlCol="0" anchor="ctr"/>
+            <a:lstStyle/>
+            <a:p>
+              <a:pPr algn="ctr"/>
+              <a:endParaRPr lang="ko-KR" altLang="en-US"/>
+            </a:p>
+          </p:txBody>
+        </p:sp>
+        <p:sp>
+          <p:nvSpPr>
+            <p:cNvPr id="84" name="직사각형 83">
+              <a:extLst>
+                <a:ext uri="{FF2B5EF4-FFF2-40B4-BE49-F238E27FC236}">
+                  <a16:creationId xmlns:a16="http://schemas.microsoft.com/office/drawing/2014/main" id="{45DD0F9B-0238-5FD8-ED75-98838A26AE17}"/>
+                </a:ext>
+              </a:extLst>
+            </p:cNvPr>
+            <p:cNvSpPr/>
+            <p:nvPr/>
+          </p:nvSpPr>
+          <p:spPr>
+            <a:xfrm rot="16200000">
+              <a:off x="3782509" y="5170050"/>
+              <a:ext cx="249198" cy="956548"/>
+            </a:xfrm>
+            <a:prstGeom prst="rect">
+              <a:avLst/>
+            </a:prstGeom>
+            <a:solidFill>
+              <a:srgbClr val="FFFFFF"/>
+            </a:solidFill>
+            <a:ln>
+              <a:noFill/>
+            </a:ln>
+          </p:spPr>
+          <p:style>
+            <a:lnRef idx="2">
+              <a:schemeClr val="accent1">
+                <a:shade val="15000"/>
+              </a:schemeClr>
+            </a:lnRef>
+            <a:fillRef idx="1">
+              <a:schemeClr val="accent1"/>
+            </a:fillRef>
+            <a:effectRef idx="0">
+              <a:schemeClr val="accent1"/>
+            </a:effectRef>
+            <a:fontRef idx="minor">
+              <a:schemeClr val="lt1"/>
+            </a:fontRef>
+          </p:style>
+          <p:txBody>
+            <a:bodyPr rtlCol="0" anchor="ctr"/>
+            <a:lstStyle/>
+            <a:p>
+              <a:pPr algn="ctr"/>
+              <a:endParaRPr lang="ko-KR" altLang="en-US"/>
+            </a:p>
+          </p:txBody>
+        </p:sp>
+        <p:sp>
+          <p:nvSpPr>
+            <p:cNvPr id="85" name="직사각형 84">
+              <a:extLst>
+                <a:ext uri="{FF2B5EF4-FFF2-40B4-BE49-F238E27FC236}">
+                  <a16:creationId xmlns:a16="http://schemas.microsoft.com/office/drawing/2014/main" id="{CF021F4F-9341-4380-69F4-A353B0FBF410}"/>
+                </a:ext>
+              </a:extLst>
+            </p:cNvPr>
+            <p:cNvSpPr/>
+            <p:nvPr/>
+          </p:nvSpPr>
+          <p:spPr>
+            <a:xfrm rot="16200000">
+              <a:off x="3447518" y="3388472"/>
+              <a:ext cx="249198" cy="310666"/>
+            </a:xfrm>
+            <a:prstGeom prst="rect">
+              <a:avLst/>
+            </a:prstGeom>
+            <a:solidFill>
+              <a:srgbClr val="FFFFFF"/>
+            </a:solidFill>
+            <a:ln>
+              <a:noFill/>
+            </a:ln>
+          </p:spPr>
+          <p:style>
+            <a:lnRef idx="2">
+              <a:schemeClr val="accent1">
+                <a:shade val="15000"/>
+              </a:schemeClr>
+            </a:lnRef>
+            <a:fillRef idx="1">
+              <a:schemeClr val="accent1"/>
+            </a:fillRef>
+            <a:effectRef idx="0">
+              <a:schemeClr val="accent1"/>
+            </a:effectRef>
+            <a:fontRef idx="minor">
+              <a:schemeClr val="lt1"/>
+            </a:fontRef>
+          </p:style>
+          <p:txBody>
+            <a:bodyPr rtlCol="0" anchor="ctr"/>
+            <a:lstStyle/>
+            <a:p>
+              <a:pPr algn="ctr"/>
+              <a:endParaRPr lang="ko-KR" altLang="en-US"/>
+            </a:p>
+          </p:txBody>
+        </p:sp>
+        <p:sp>
+          <p:nvSpPr>
+            <p:cNvPr id="86" name="직사각형 85">
+              <a:extLst>
+                <a:ext uri="{FF2B5EF4-FFF2-40B4-BE49-F238E27FC236}">
+                  <a16:creationId xmlns:a16="http://schemas.microsoft.com/office/drawing/2014/main" id="{9469CC8F-9C52-C9E1-36EC-ED523E815AFA}"/>
+                </a:ext>
+              </a:extLst>
+            </p:cNvPr>
+            <p:cNvSpPr/>
+            <p:nvPr/>
+          </p:nvSpPr>
+          <p:spPr>
+            <a:xfrm rot="16200000">
+              <a:off x="3447518" y="4095495"/>
+              <a:ext cx="249198" cy="310666"/>
+            </a:xfrm>
+            <a:prstGeom prst="rect">
+              <a:avLst/>
+            </a:prstGeom>
+            <a:solidFill>
+              <a:srgbClr val="FFFFFF"/>
+            </a:solidFill>
+            <a:ln>
+              <a:noFill/>
+            </a:ln>
+          </p:spPr>
+          <p:style>
+            <a:lnRef idx="2">
+              <a:schemeClr val="accent1">
+                <a:shade val="15000"/>
+              </a:schemeClr>
+            </a:lnRef>
+            <a:fillRef idx="1">
+              <a:schemeClr val="accent1"/>
+            </a:fillRef>
+            <a:effectRef idx="0">
+              <a:schemeClr val="accent1"/>
+            </a:effectRef>
+            <a:fontRef idx="minor">
+              <a:schemeClr val="lt1"/>
+            </a:fontRef>
+          </p:style>
+          <p:txBody>
+            <a:bodyPr rtlCol="0" anchor="ctr"/>
+            <a:lstStyle/>
+            <a:p>
+              <a:pPr algn="ctr"/>
+              <a:endParaRPr lang="ko-KR" altLang="en-US"/>
+            </a:p>
+          </p:txBody>
+        </p:sp>
+        <p:sp>
+          <p:nvSpPr>
+            <p:cNvPr id="87" name="직사각형 86">
+              <a:extLst>
+                <a:ext uri="{FF2B5EF4-FFF2-40B4-BE49-F238E27FC236}">
+                  <a16:creationId xmlns:a16="http://schemas.microsoft.com/office/drawing/2014/main" id="{E4A39D01-7D4D-89B0-D270-5AA7702A828C}"/>
+                </a:ext>
+              </a:extLst>
+            </p:cNvPr>
+            <p:cNvSpPr/>
+            <p:nvPr/>
+          </p:nvSpPr>
+          <p:spPr>
+            <a:xfrm rot="16200000">
+              <a:off x="3447518" y="4813390"/>
+              <a:ext cx="249198" cy="310666"/>
+            </a:xfrm>
+            <a:prstGeom prst="rect">
+              <a:avLst/>
+            </a:prstGeom>
+            <a:solidFill>
+              <a:srgbClr val="FFFFFF"/>
+            </a:solidFill>
+            <a:ln>
+              <a:noFill/>
+            </a:ln>
+          </p:spPr>
+          <p:style>
+            <a:lnRef idx="2">
+              <a:schemeClr val="accent1">
+                <a:shade val="15000"/>
+              </a:schemeClr>
+            </a:lnRef>
+            <a:fillRef idx="1">
+              <a:schemeClr val="accent1"/>
+            </a:fillRef>
+            <a:effectRef idx="0">
+              <a:schemeClr val="accent1"/>
+            </a:effectRef>
+            <a:fontRef idx="minor">
+              <a:schemeClr val="lt1"/>
+            </a:fontRef>
+          </p:style>
+          <p:txBody>
+            <a:bodyPr rtlCol="0" anchor="ctr"/>
+            <a:lstStyle/>
+            <a:p>
+              <a:pPr algn="ctr"/>
+              <a:endParaRPr lang="ko-KR" altLang="en-US"/>
+            </a:p>
+          </p:txBody>
+        </p:sp>
+        <p:sp>
+          <p:nvSpPr>
+            <p:cNvPr id="88" name="직사각형 87">
+              <a:extLst>
+                <a:ext uri="{FF2B5EF4-FFF2-40B4-BE49-F238E27FC236}">
+                  <a16:creationId xmlns:a16="http://schemas.microsoft.com/office/drawing/2014/main" id="{D983462D-9983-3A70-A43C-7B79D4AA7FDD}"/>
+                </a:ext>
+              </a:extLst>
+            </p:cNvPr>
+            <p:cNvSpPr/>
+            <p:nvPr/>
+          </p:nvSpPr>
+          <p:spPr>
+            <a:xfrm rot="16200000">
+              <a:off x="4175528" y="4813390"/>
+              <a:ext cx="249198" cy="310666"/>
+            </a:xfrm>
+            <a:prstGeom prst="rect">
+              <a:avLst/>
+            </a:prstGeom>
+            <a:solidFill>
+              <a:srgbClr val="FFFFFF"/>
+            </a:solidFill>
+            <a:ln>
+              <a:noFill/>
+            </a:ln>
+          </p:spPr>
+          <p:style>
+            <a:lnRef idx="2">
+              <a:schemeClr val="accent1">
+                <a:shade val="15000"/>
+              </a:schemeClr>
+            </a:lnRef>
+            <a:fillRef idx="1">
+              <a:schemeClr val="accent1"/>
+            </a:fillRef>
+            <a:effectRef idx="0">
+              <a:schemeClr val="accent1"/>
+            </a:effectRef>
+            <a:fontRef idx="minor">
+              <a:schemeClr val="lt1"/>
+            </a:fontRef>
+          </p:style>
+          <p:txBody>
+            <a:bodyPr rtlCol="0" anchor="ctr"/>
+            <a:lstStyle/>
+            <a:p>
+              <a:pPr algn="ctr"/>
+              <a:endParaRPr lang="ko-KR" altLang="en-US"/>
+            </a:p>
+          </p:txBody>
+        </p:sp>
+      </p:grpSp>
+      <p:grpSp>
+        <p:nvGrpSpPr>
+          <p:cNvPr id="108" name="그룹 107">
+            <a:extLst>
+              <a:ext uri="{FF2B5EF4-FFF2-40B4-BE49-F238E27FC236}">
+                <a16:creationId xmlns:a16="http://schemas.microsoft.com/office/drawing/2014/main" id="{80570624-D1D1-8670-071B-666E67FFE06A}"/>
+              </a:ext>
+            </a:extLst>
+          </p:cNvPr>
+          <p:cNvGrpSpPr/>
+          <p:nvPr/>
+        </p:nvGrpSpPr>
+        <p:grpSpPr>
+          <a:xfrm>
+            <a:off x="1945344" y="2440014"/>
+            <a:ext cx="2395726" cy="2361111"/>
+            <a:chOff x="4993765" y="2317945"/>
+            <a:chExt cx="2395726" cy="2361111"/>
+          </a:xfrm>
+        </p:grpSpPr>
+        <p:sp>
+          <p:nvSpPr>
+            <p:cNvPr id="89" name="직사각형 88">
+              <a:extLst>
+                <a:ext uri="{FF2B5EF4-FFF2-40B4-BE49-F238E27FC236}">
+                  <a16:creationId xmlns:a16="http://schemas.microsoft.com/office/drawing/2014/main" id="{F18A0AAA-EEDE-4001-AF50-65B51E10557C}"/>
+                </a:ext>
+              </a:extLst>
+            </p:cNvPr>
+            <p:cNvSpPr/>
+            <p:nvPr/>
+          </p:nvSpPr>
+          <p:spPr>
+            <a:xfrm>
+              <a:off x="5014584" y="2317945"/>
+              <a:ext cx="343732" cy="306586"/>
+            </a:xfrm>
+            <a:prstGeom prst="rect">
+              <a:avLst/>
+            </a:prstGeom>
+          </p:spPr>
+          <p:style>
+            <a:lnRef idx="2">
+              <a:schemeClr val="accent1">
+                <a:shade val="15000"/>
+              </a:schemeClr>
+            </a:lnRef>
+            <a:fillRef idx="1">
+              <a:schemeClr val="accent1"/>
+            </a:fillRef>
+            <a:effectRef idx="0">
+              <a:schemeClr val="accent1"/>
+            </a:effectRef>
+            <a:fontRef idx="minor">
+              <a:schemeClr val="lt1"/>
+            </a:fontRef>
+          </p:style>
+          <p:txBody>
+            <a:bodyPr rtlCol="0" anchor="ctr"/>
+            <a:lstStyle/>
+            <a:p>
+              <a:pPr algn="ctr"/>
+              <a:endParaRPr lang="ko-KR" altLang="en-US"/>
+            </a:p>
+          </p:txBody>
+        </p:sp>
+        <p:sp>
+          <p:nvSpPr>
+            <p:cNvPr id="90" name="직사각형 89">
+              <a:extLst>
+                <a:ext uri="{FF2B5EF4-FFF2-40B4-BE49-F238E27FC236}">
+                  <a16:creationId xmlns:a16="http://schemas.microsoft.com/office/drawing/2014/main" id="{CF5B67E3-25BB-3833-1C17-209A30A178FB}"/>
+                </a:ext>
+              </a:extLst>
+            </p:cNvPr>
+            <p:cNvSpPr/>
+            <p:nvPr/>
+          </p:nvSpPr>
+          <p:spPr>
+            <a:xfrm>
+              <a:off x="5689188" y="2317945"/>
+              <a:ext cx="343732" cy="306586"/>
+            </a:xfrm>
+            <a:prstGeom prst="rect">
+              <a:avLst/>
+            </a:prstGeom>
+          </p:spPr>
+          <p:style>
+            <a:lnRef idx="2">
+              <a:schemeClr val="accent1">
+                <a:shade val="15000"/>
+              </a:schemeClr>
+            </a:lnRef>
+            <a:fillRef idx="1">
+              <a:schemeClr val="accent1"/>
+            </a:fillRef>
+            <a:effectRef idx="0">
+              <a:schemeClr val="accent1"/>
+            </a:effectRef>
+            <a:fontRef idx="minor">
+              <a:schemeClr val="lt1"/>
+            </a:fontRef>
+          </p:style>
+          <p:txBody>
+            <a:bodyPr rtlCol="0" anchor="ctr"/>
+            <a:lstStyle/>
+            <a:p>
+              <a:pPr algn="ctr"/>
+              <a:endParaRPr lang="ko-KR" altLang="en-US"/>
+            </a:p>
+          </p:txBody>
+        </p:sp>
+        <p:sp>
+          <p:nvSpPr>
+            <p:cNvPr id="91" name="직사각형 90">
+              <a:extLst>
+                <a:ext uri="{FF2B5EF4-FFF2-40B4-BE49-F238E27FC236}">
+                  <a16:creationId xmlns:a16="http://schemas.microsoft.com/office/drawing/2014/main" id="{E2874460-E2A9-2AF3-7ABD-FF44ABD55040}"/>
+                </a:ext>
+              </a:extLst>
+            </p:cNvPr>
+            <p:cNvSpPr/>
+            <p:nvPr/>
+          </p:nvSpPr>
+          <p:spPr>
+            <a:xfrm>
+              <a:off x="6395449" y="2317945"/>
+              <a:ext cx="343732" cy="306586"/>
+            </a:xfrm>
+            <a:prstGeom prst="rect">
+              <a:avLst/>
+            </a:prstGeom>
+          </p:spPr>
+          <p:style>
+            <a:lnRef idx="2">
+              <a:schemeClr val="accent1">
+                <a:shade val="15000"/>
+              </a:schemeClr>
+            </a:lnRef>
+            <a:fillRef idx="1">
+              <a:schemeClr val="accent1"/>
+            </a:fillRef>
+            <a:effectRef idx="0">
+              <a:schemeClr val="accent1"/>
+            </a:effectRef>
+            <a:fontRef idx="minor">
+              <a:schemeClr val="lt1"/>
+            </a:fontRef>
+          </p:style>
+          <p:txBody>
+            <a:bodyPr rtlCol="0" anchor="ctr"/>
+            <a:lstStyle/>
+            <a:p>
+              <a:pPr algn="ctr"/>
+              <a:endParaRPr lang="ko-KR" altLang="en-US"/>
+            </a:p>
+          </p:txBody>
+        </p:sp>
+        <p:sp>
+          <p:nvSpPr>
+            <p:cNvPr id="92" name="직사각형 91">
+              <a:extLst>
+                <a:ext uri="{FF2B5EF4-FFF2-40B4-BE49-F238E27FC236}">
+                  <a16:creationId xmlns:a16="http://schemas.microsoft.com/office/drawing/2014/main" id="{D0DE734F-7399-2B79-FEEA-BDCFDEFC9A29}"/>
+                </a:ext>
+              </a:extLst>
+            </p:cNvPr>
+            <p:cNvSpPr/>
+            <p:nvPr/>
+          </p:nvSpPr>
+          <p:spPr>
+            <a:xfrm>
+              <a:off x="7045759" y="2317945"/>
+              <a:ext cx="343732" cy="306586"/>
+            </a:xfrm>
+            <a:prstGeom prst="rect">
+              <a:avLst/>
+            </a:prstGeom>
+          </p:spPr>
+          <p:style>
+            <a:lnRef idx="2">
+              <a:schemeClr val="accent1">
+                <a:shade val="15000"/>
+              </a:schemeClr>
+            </a:lnRef>
+            <a:fillRef idx="1">
+              <a:schemeClr val="accent1"/>
+            </a:fillRef>
+            <a:effectRef idx="0">
+              <a:schemeClr val="accent1"/>
+            </a:effectRef>
+            <a:fontRef idx="minor">
+              <a:schemeClr val="lt1"/>
+            </a:fontRef>
+          </p:style>
+          <p:txBody>
+            <a:bodyPr rtlCol="0" anchor="ctr"/>
+            <a:lstStyle/>
+            <a:p>
+              <a:pPr algn="ctr"/>
+              <a:endParaRPr lang="ko-KR" altLang="en-US"/>
+            </a:p>
+          </p:txBody>
+        </p:sp>
+        <p:sp>
+          <p:nvSpPr>
+            <p:cNvPr id="93" name="직사각형 92">
+              <a:extLst>
+                <a:ext uri="{FF2B5EF4-FFF2-40B4-BE49-F238E27FC236}">
+                  <a16:creationId xmlns:a16="http://schemas.microsoft.com/office/drawing/2014/main" id="{A016B778-DE4D-7BE0-1B7C-38444E8F3D2B}"/>
+                </a:ext>
+              </a:extLst>
+            </p:cNvPr>
+            <p:cNvSpPr/>
+            <p:nvPr/>
+          </p:nvSpPr>
+          <p:spPr>
+            <a:xfrm>
+              <a:off x="7045759" y="3018007"/>
+              <a:ext cx="343732" cy="306586"/>
+            </a:xfrm>
+            <a:prstGeom prst="rect">
+              <a:avLst/>
+            </a:prstGeom>
+          </p:spPr>
+          <p:style>
+            <a:lnRef idx="2">
+              <a:schemeClr val="accent1">
+                <a:shade val="15000"/>
+              </a:schemeClr>
+            </a:lnRef>
+            <a:fillRef idx="1">
+              <a:schemeClr val="accent1"/>
+            </a:fillRef>
+            <a:effectRef idx="0">
+              <a:schemeClr val="accent1"/>
+            </a:effectRef>
+            <a:fontRef idx="minor">
+              <a:schemeClr val="lt1"/>
+            </a:fontRef>
+          </p:style>
+          <p:txBody>
+            <a:bodyPr rtlCol="0" anchor="ctr"/>
+            <a:lstStyle/>
+            <a:p>
+              <a:pPr algn="ctr"/>
+              <a:endParaRPr lang="ko-KR" altLang="en-US"/>
+            </a:p>
+          </p:txBody>
+        </p:sp>
+        <p:sp>
+          <p:nvSpPr>
+            <p:cNvPr id="94" name="직사각형 93">
+              <a:extLst>
+                <a:ext uri="{FF2B5EF4-FFF2-40B4-BE49-F238E27FC236}">
+                  <a16:creationId xmlns:a16="http://schemas.microsoft.com/office/drawing/2014/main" id="{B618A817-46FF-E62A-BA07-3DDD4FAD6667}"/>
+                </a:ext>
+              </a:extLst>
+            </p:cNvPr>
+            <p:cNvSpPr/>
+            <p:nvPr/>
+          </p:nvSpPr>
+          <p:spPr>
+            <a:xfrm>
+              <a:off x="7045759" y="3724188"/>
+              <a:ext cx="343732" cy="306586"/>
+            </a:xfrm>
+            <a:prstGeom prst="rect">
+              <a:avLst/>
+            </a:prstGeom>
+          </p:spPr>
+          <p:style>
+            <a:lnRef idx="2">
+              <a:schemeClr val="accent1">
+                <a:shade val="15000"/>
+              </a:schemeClr>
+            </a:lnRef>
+            <a:fillRef idx="1">
+              <a:schemeClr val="accent1"/>
+            </a:fillRef>
+            <a:effectRef idx="0">
+              <a:schemeClr val="accent1"/>
+            </a:effectRef>
+            <a:fontRef idx="minor">
+              <a:schemeClr val="lt1"/>
+            </a:fontRef>
+          </p:style>
+          <p:txBody>
+            <a:bodyPr rtlCol="0" anchor="ctr"/>
+            <a:lstStyle/>
+            <a:p>
+              <a:pPr algn="ctr"/>
+              <a:endParaRPr lang="ko-KR" altLang="en-US"/>
+            </a:p>
+          </p:txBody>
+        </p:sp>
+        <p:sp>
+          <p:nvSpPr>
+            <p:cNvPr id="95" name="직사각형 94">
+              <a:extLst>
+                <a:ext uri="{FF2B5EF4-FFF2-40B4-BE49-F238E27FC236}">
+                  <a16:creationId xmlns:a16="http://schemas.microsoft.com/office/drawing/2014/main" id="{34D56871-0208-8D7A-64C3-F0E39FB20D40}"/>
+                </a:ext>
+              </a:extLst>
+            </p:cNvPr>
+            <p:cNvSpPr/>
+            <p:nvPr/>
+          </p:nvSpPr>
+          <p:spPr>
+            <a:xfrm>
+              <a:off x="7045759" y="4372470"/>
+              <a:ext cx="343732" cy="306586"/>
+            </a:xfrm>
+            <a:prstGeom prst="rect">
+              <a:avLst/>
+            </a:prstGeom>
+          </p:spPr>
+          <p:style>
+            <a:lnRef idx="2">
+              <a:schemeClr val="accent1">
+                <a:shade val="15000"/>
+              </a:schemeClr>
+            </a:lnRef>
+            <a:fillRef idx="1">
+              <a:schemeClr val="accent1"/>
+            </a:fillRef>
+            <a:effectRef idx="0">
+              <a:schemeClr val="accent1"/>
+            </a:effectRef>
+            <a:fontRef idx="minor">
+              <a:schemeClr val="lt1"/>
+            </a:fontRef>
+          </p:style>
+          <p:txBody>
+            <a:bodyPr rtlCol="0" anchor="ctr"/>
+            <a:lstStyle/>
+            <a:p>
+              <a:pPr algn="ctr"/>
+              <a:endParaRPr lang="ko-KR" altLang="en-US"/>
+            </a:p>
+          </p:txBody>
+        </p:sp>
+        <p:sp>
+          <p:nvSpPr>
+            <p:cNvPr id="96" name="직사각형 95">
+              <a:extLst>
+                <a:ext uri="{FF2B5EF4-FFF2-40B4-BE49-F238E27FC236}">
+                  <a16:creationId xmlns:a16="http://schemas.microsoft.com/office/drawing/2014/main" id="{61482ED7-F874-B30D-5969-A974CA6B66EB}"/>
+                </a:ext>
+              </a:extLst>
+            </p:cNvPr>
+            <p:cNvSpPr/>
+            <p:nvPr/>
+          </p:nvSpPr>
+          <p:spPr>
+            <a:xfrm>
+              <a:off x="6407014" y="4372470"/>
+              <a:ext cx="343732" cy="306586"/>
+            </a:xfrm>
+            <a:prstGeom prst="rect">
+              <a:avLst/>
+            </a:prstGeom>
+          </p:spPr>
+          <p:style>
+            <a:lnRef idx="2">
+              <a:schemeClr val="accent1">
+                <a:shade val="15000"/>
+              </a:schemeClr>
+            </a:lnRef>
+            <a:fillRef idx="1">
+              <a:schemeClr val="accent1"/>
+            </a:fillRef>
+            <a:effectRef idx="0">
+              <a:schemeClr val="accent1"/>
+            </a:effectRef>
+            <a:fontRef idx="minor">
+              <a:schemeClr val="lt1"/>
+            </a:fontRef>
+          </p:style>
+          <p:txBody>
+            <a:bodyPr rtlCol="0" anchor="ctr"/>
+            <a:lstStyle/>
+            <a:p>
+              <a:pPr algn="ctr"/>
+              <a:endParaRPr lang="ko-KR" altLang="en-US"/>
+            </a:p>
+          </p:txBody>
+        </p:sp>
+        <p:sp>
+          <p:nvSpPr>
+            <p:cNvPr id="97" name="직사각형 96">
+              <a:extLst>
+                <a:ext uri="{FF2B5EF4-FFF2-40B4-BE49-F238E27FC236}">
+                  <a16:creationId xmlns:a16="http://schemas.microsoft.com/office/drawing/2014/main" id="{84DDC45D-4CE7-2AF9-0C4F-6C9159C4160D}"/>
+                </a:ext>
+              </a:extLst>
+            </p:cNvPr>
+            <p:cNvSpPr/>
+            <p:nvPr/>
+          </p:nvSpPr>
+          <p:spPr>
+            <a:xfrm>
+              <a:off x="5725776" y="4372470"/>
+              <a:ext cx="343732" cy="306586"/>
+            </a:xfrm>
+            <a:prstGeom prst="rect">
+              <a:avLst/>
+            </a:prstGeom>
+          </p:spPr>
+          <p:style>
+            <a:lnRef idx="2">
+              <a:schemeClr val="accent1">
+                <a:shade val="15000"/>
+              </a:schemeClr>
+            </a:lnRef>
+            <a:fillRef idx="1">
+              <a:schemeClr val="accent1"/>
+            </a:fillRef>
+            <a:effectRef idx="0">
+              <a:schemeClr val="accent1"/>
+            </a:effectRef>
+            <a:fontRef idx="minor">
+              <a:schemeClr val="lt1"/>
+            </a:fontRef>
+          </p:style>
+          <p:txBody>
+            <a:bodyPr rtlCol="0" anchor="ctr"/>
+            <a:lstStyle/>
+            <a:p>
+              <a:pPr algn="ctr"/>
+              <a:endParaRPr lang="ko-KR" altLang="en-US"/>
+            </a:p>
+          </p:txBody>
+        </p:sp>
+        <p:sp>
+          <p:nvSpPr>
+            <p:cNvPr id="98" name="직사각형 97">
+              <a:extLst>
+                <a:ext uri="{FF2B5EF4-FFF2-40B4-BE49-F238E27FC236}">
+                  <a16:creationId xmlns:a16="http://schemas.microsoft.com/office/drawing/2014/main" id="{10892C6F-DE3B-D65F-76FB-1BDEE11B2725}"/>
+                </a:ext>
+              </a:extLst>
+            </p:cNvPr>
+            <p:cNvSpPr/>
+            <p:nvPr/>
+          </p:nvSpPr>
+          <p:spPr>
+            <a:xfrm>
+              <a:off x="4993765" y="4372470"/>
+              <a:ext cx="343732" cy="306586"/>
+            </a:xfrm>
+            <a:prstGeom prst="rect">
+              <a:avLst/>
+            </a:prstGeom>
+          </p:spPr>
+          <p:style>
+            <a:lnRef idx="2">
+              <a:schemeClr val="accent1">
+                <a:shade val="15000"/>
+              </a:schemeClr>
+            </a:lnRef>
+            <a:fillRef idx="1">
+              <a:schemeClr val="accent1"/>
+            </a:fillRef>
+            <a:effectRef idx="0">
+              <a:schemeClr val="accent1"/>
+            </a:effectRef>
+            <a:fontRef idx="minor">
+              <a:schemeClr val="lt1"/>
+            </a:fontRef>
+          </p:style>
+          <p:txBody>
+            <a:bodyPr rtlCol="0" anchor="ctr"/>
+            <a:lstStyle/>
+            <a:p>
+              <a:pPr algn="ctr"/>
+              <a:endParaRPr lang="ko-KR" altLang="en-US"/>
+            </a:p>
+          </p:txBody>
+        </p:sp>
+        <p:sp>
+          <p:nvSpPr>
+            <p:cNvPr id="99" name="직사각형 98">
+              <a:extLst>
+                <a:ext uri="{FF2B5EF4-FFF2-40B4-BE49-F238E27FC236}">
+                  <a16:creationId xmlns:a16="http://schemas.microsoft.com/office/drawing/2014/main" id="{3A73A2E1-75D1-B7A2-F210-2FA1DA30F3B5}"/>
+                </a:ext>
+              </a:extLst>
+            </p:cNvPr>
+            <p:cNvSpPr/>
+            <p:nvPr/>
+          </p:nvSpPr>
+          <p:spPr>
+            <a:xfrm>
+              <a:off x="4993765" y="3732623"/>
+              <a:ext cx="343732" cy="306586"/>
+            </a:xfrm>
+            <a:prstGeom prst="rect">
+              <a:avLst/>
+            </a:prstGeom>
+          </p:spPr>
+          <p:style>
+            <a:lnRef idx="2">
+              <a:schemeClr val="accent1">
+                <a:shade val="15000"/>
+              </a:schemeClr>
+            </a:lnRef>
+            <a:fillRef idx="1">
+              <a:schemeClr val="accent1"/>
+            </a:fillRef>
+            <a:effectRef idx="0">
+              <a:schemeClr val="accent1"/>
+            </a:effectRef>
+            <a:fontRef idx="minor">
+              <a:schemeClr val="lt1"/>
+            </a:fontRef>
+          </p:style>
+          <p:txBody>
+            <a:bodyPr rtlCol="0" anchor="ctr"/>
+            <a:lstStyle/>
+            <a:p>
+              <a:pPr algn="ctr"/>
+              <a:endParaRPr lang="ko-KR" altLang="en-US"/>
+            </a:p>
+          </p:txBody>
+        </p:sp>
+        <p:sp>
+          <p:nvSpPr>
+            <p:cNvPr id="100" name="직사각형 99">
+              <a:extLst>
+                <a:ext uri="{FF2B5EF4-FFF2-40B4-BE49-F238E27FC236}">
+                  <a16:creationId xmlns:a16="http://schemas.microsoft.com/office/drawing/2014/main" id="{4AFD57D1-6915-B3C8-B3EA-9F8987B69E0A}"/>
+                </a:ext>
+              </a:extLst>
+            </p:cNvPr>
+            <p:cNvSpPr/>
+            <p:nvPr/>
+          </p:nvSpPr>
+          <p:spPr>
+            <a:xfrm>
+              <a:off x="4993765" y="3034119"/>
+              <a:ext cx="343732" cy="306586"/>
+            </a:xfrm>
+            <a:prstGeom prst="rect">
+              <a:avLst/>
+            </a:prstGeom>
+          </p:spPr>
+          <p:style>
+            <a:lnRef idx="2">
+              <a:schemeClr val="accent1">
+                <a:shade val="15000"/>
+              </a:schemeClr>
+            </a:lnRef>
+            <a:fillRef idx="1">
+              <a:schemeClr val="accent1"/>
+            </a:fillRef>
+            <a:effectRef idx="0">
+              <a:schemeClr val="accent1"/>
+            </a:effectRef>
+            <a:fontRef idx="minor">
+              <a:schemeClr val="lt1"/>
+            </a:fontRef>
+          </p:style>
+          <p:txBody>
+            <a:bodyPr rtlCol="0" anchor="ctr"/>
+            <a:lstStyle/>
+            <a:p>
+              <a:pPr algn="ctr"/>
+              <a:endParaRPr lang="ko-KR" altLang="en-US"/>
+            </a:p>
+          </p:txBody>
+        </p:sp>
+        <p:sp>
+          <p:nvSpPr>
+            <p:cNvPr id="101" name="직사각형 100">
+              <a:extLst>
+                <a:ext uri="{FF2B5EF4-FFF2-40B4-BE49-F238E27FC236}">
+                  <a16:creationId xmlns:a16="http://schemas.microsoft.com/office/drawing/2014/main" id="{F8345ECE-2054-A993-5B72-CC702D1A4D71}"/>
+                </a:ext>
+              </a:extLst>
+            </p:cNvPr>
+            <p:cNvSpPr/>
+            <p:nvPr/>
+          </p:nvSpPr>
+          <p:spPr>
+            <a:xfrm>
+              <a:off x="5715353" y="3034119"/>
+              <a:ext cx="343732" cy="306586"/>
+            </a:xfrm>
+            <a:prstGeom prst="rect">
+              <a:avLst/>
+            </a:prstGeom>
+          </p:spPr>
+          <p:style>
+            <a:lnRef idx="2">
+              <a:schemeClr val="accent1">
+                <a:shade val="15000"/>
+              </a:schemeClr>
+            </a:lnRef>
+            <a:fillRef idx="1">
+              <a:schemeClr val="accent1"/>
+            </a:fillRef>
+            <a:effectRef idx="0">
+              <a:schemeClr val="accent1"/>
+            </a:effectRef>
+            <a:fontRef idx="minor">
+              <a:schemeClr val="lt1"/>
+            </a:fontRef>
+          </p:style>
+          <p:txBody>
+            <a:bodyPr rtlCol="0" anchor="ctr"/>
+            <a:lstStyle/>
+            <a:p>
+              <a:pPr algn="ctr"/>
+              <a:endParaRPr lang="ko-KR" altLang="en-US"/>
+            </a:p>
+          </p:txBody>
+        </p:sp>
+        <p:sp>
+          <p:nvSpPr>
+            <p:cNvPr id="102" name="직사각형 101">
+              <a:extLst>
+                <a:ext uri="{FF2B5EF4-FFF2-40B4-BE49-F238E27FC236}">
+                  <a16:creationId xmlns:a16="http://schemas.microsoft.com/office/drawing/2014/main" id="{FA2DACC1-DB37-133D-B746-5B104154C6C8}"/>
+                </a:ext>
+              </a:extLst>
+            </p:cNvPr>
+            <p:cNvSpPr/>
+            <p:nvPr/>
+          </p:nvSpPr>
+          <p:spPr>
+            <a:xfrm>
+              <a:off x="5715353" y="3758541"/>
+              <a:ext cx="343732" cy="306586"/>
+            </a:xfrm>
+            <a:prstGeom prst="rect">
+              <a:avLst/>
+            </a:prstGeom>
+          </p:spPr>
+          <p:style>
+            <a:lnRef idx="2">
+              <a:schemeClr val="accent1">
+                <a:shade val="15000"/>
+              </a:schemeClr>
+            </a:lnRef>
+            <a:fillRef idx="1">
+              <a:schemeClr val="accent1"/>
+            </a:fillRef>
+            <a:effectRef idx="0">
+              <a:schemeClr val="accent1"/>
+            </a:effectRef>
+            <a:fontRef idx="minor">
+              <a:schemeClr val="lt1"/>
+            </a:fontRef>
+          </p:style>
+          <p:txBody>
+            <a:bodyPr rtlCol="0" anchor="ctr"/>
+            <a:lstStyle/>
+            <a:p>
+              <a:pPr algn="ctr"/>
+              <a:endParaRPr lang="ko-KR" altLang="en-US"/>
+            </a:p>
+          </p:txBody>
+        </p:sp>
+        <p:sp>
+          <p:nvSpPr>
+            <p:cNvPr id="103" name="직사각형 102">
+              <a:extLst>
+                <a:ext uri="{FF2B5EF4-FFF2-40B4-BE49-F238E27FC236}">
+                  <a16:creationId xmlns:a16="http://schemas.microsoft.com/office/drawing/2014/main" id="{E92E565B-E6F1-091F-FFCE-1A76166AE380}"/>
+                </a:ext>
+              </a:extLst>
+            </p:cNvPr>
+            <p:cNvSpPr/>
+            <p:nvPr/>
+          </p:nvSpPr>
+          <p:spPr>
+            <a:xfrm>
+              <a:off x="6414435" y="3758541"/>
+              <a:ext cx="343732" cy="306586"/>
+            </a:xfrm>
+            <a:prstGeom prst="rect">
+              <a:avLst/>
+            </a:prstGeom>
+          </p:spPr>
+          <p:style>
+            <a:lnRef idx="2">
+              <a:schemeClr val="accent1">
+                <a:shade val="15000"/>
+              </a:schemeClr>
+            </a:lnRef>
+            <a:fillRef idx="1">
+              <a:schemeClr val="accent1"/>
+            </a:fillRef>
+            <a:effectRef idx="0">
+              <a:schemeClr val="accent1"/>
+            </a:effectRef>
+            <a:fontRef idx="minor">
+              <a:schemeClr val="lt1"/>
+            </a:fontRef>
+          </p:style>
+          <p:txBody>
+            <a:bodyPr rtlCol="0" anchor="ctr"/>
+            <a:lstStyle/>
+            <a:p>
+              <a:pPr algn="ctr"/>
+              <a:endParaRPr lang="ko-KR" altLang="en-US"/>
+            </a:p>
+          </p:txBody>
+        </p:sp>
+        <p:sp>
+          <p:nvSpPr>
+            <p:cNvPr id="104" name="직사각형 103">
+              <a:extLst>
+                <a:ext uri="{FF2B5EF4-FFF2-40B4-BE49-F238E27FC236}">
+                  <a16:creationId xmlns:a16="http://schemas.microsoft.com/office/drawing/2014/main" id="{2995F018-A102-DC8B-F1DE-37388EAD9260}"/>
+                </a:ext>
+              </a:extLst>
+            </p:cNvPr>
+            <p:cNvSpPr/>
+            <p:nvPr/>
+          </p:nvSpPr>
+          <p:spPr>
+            <a:xfrm>
+              <a:off x="6414435" y="3061664"/>
+              <a:ext cx="343732" cy="306586"/>
+            </a:xfrm>
+            <a:prstGeom prst="rect">
+              <a:avLst/>
+            </a:prstGeom>
+          </p:spPr>
+          <p:style>
+            <a:lnRef idx="2">
+              <a:schemeClr val="accent1">
+                <a:shade val="15000"/>
+              </a:schemeClr>
+            </a:lnRef>
+            <a:fillRef idx="1">
+              <a:schemeClr val="accent1"/>
+            </a:fillRef>
+            <a:effectRef idx="0">
+              <a:schemeClr val="accent1"/>
+            </a:effectRef>
+            <a:fontRef idx="minor">
+              <a:schemeClr val="lt1"/>
+            </a:fontRef>
+          </p:style>
+          <p:txBody>
+            <a:bodyPr rtlCol="0" anchor="ctr"/>
+            <a:lstStyle/>
+            <a:p>
+              <a:pPr algn="ctr"/>
+              <a:endParaRPr lang="ko-KR" altLang="en-US"/>
+            </a:p>
+          </p:txBody>
+        </p:sp>
+      </p:grpSp>
+      <p:grpSp>
+        <p:nvGrpSpPr>
+          <p:cNvPr id="132" name="그룹 131">
+            <a:extLst>
+              <a:ext uri="{FF2B5EF4-FFF2-40B4-BE49-F238E27FC236}">
+                <a16:creationId xmlns:a16="http://schemas.microsoft.com/office/drawing/2014/main" id="{FF26F5ED-B279-AD4E-D84D-5FAD059591E0}"/>
+              </a:ext>
+            </a:extLst>
+          </p:cNvPr>
+          <p:cNvGrpSpPr/>
+          <p:nvPr/>
+        </p:nvGrpSpPr>
+        <p:grpSpPr>
+          <a:xfrm>
+            <a:off x="2117210" y="2593307"/>
+            <a:ext cx="2051994" cy="2054525"/>
+            <a:chOff x="2117210" y="2593307"/>
+            <a:chExt cx="2051994" cy="2054525"/>
+          </a:xfrm>
+        </p:grpSpPr>
+        <p:cxnSp>
+          <p:nvCxnSpPr>
+            <p:cNvPr id="112" name="직선 연결선 111">
+              <a:extLst>
+                <a:ext uri="{FF2B5EF4-FFF2-40B4-BE49-F238E27FC236}">
+                  <a16:creationId xmlns:a16="http://schemas.microsoft.com/office/drawing/2014/main" id="{541DB300-9E5E-CD1A-A995-ED8152EA9599}"/>
+                </a:ext>
+              </a:extLst>
+            </p:cNvPr>
+            <p:cNvCxnSpPr>
+              <a:cxnSpLocks/>
+              <a:stCxn id="89" idx="3"/>
+              <a:endCxn id="90" idx="1"/>
+            </p:cNvCxnSpPr>
+            <p:nvPr/>
+          </p:nvCxnSpPr>
+          <p:spPr>
+            <a:xfrm>
+              <a:off x="2309895" y="2593307"/>
+              <a:ext cx="330872" cy="0"/>
+            </a:xfrm>
+            <a:prstGeom prst="line">
+              <a:avLst/>
+            </a:prstGeom>
+            <a:ln w="57150"/>
+          </p:spPr>
+          <p:style>
+            <a:lnRef idx="2">
+              <a:schemeClr val="accent1"/>
+            </a:lnRef>
+            <a:fillRef idx="0">
+              <a:schemeClr val="accent1"/>
+            </a:fillRef>
+            <a:effectRef idx="1">
+              <a:schemeClr val="accent1"/>
+            </a:effectRef>
+            <a:fontRef idx="minor">
+              <a:schemeClr val="tx1"/>
+            </a:fontRef>
+          </p:style>
+        </p:cxnSp>
+        <p:cxnSp>
+          <p:nvCxnSpPr>
+            <p:cNvPr id="118" name="직선 연결선 117">
+              <a:extLst>
+                <a:ext uri="{FF2B5EF4-FFF2-40B4-BE49-F238E27FC236}">
+                  <a16:creationId xmlns:a16="http://schemas.microsoft.com/office/drawing/2014/main" id="{45DE5C15-5F96-109A-894A-08A9DF3EA3D5}"/>
+                </a:ext>
+              </a:extLst>
+            </p:cNvPr>
+            <p:cNvCxnSpPr>
+              <a:stCxn id="101" idx="2"/>
+              <a:endCxn id="102" idx="0"/>
+            </p:cNvCxnSpPr>
+            <p:nvPr/>
+          </p:nvCxnSpPr>
+          <p:spPr>
+            <a:xfrm>
+              <a:off x="2838798" y="3462774"/>
+              <a:ext cx="0" cy="417836"/>
+            </a:xfrm>
+            <a:prstGeom prst="line">
+              <a:avLst/>
+            </a:prstGeom>
+            <a:ln w="57150"/>
+          </p:spPr>
+          <p:style>
+            <a:lnRef idx="2">
+              <a:schemeClr val="accent1"/>
+            </a:lnRef>
+            <a:fillRef idx="0">
+              <a:schemeClr val="accent1"/>
+            </a:fillRef>
+            <a:effectRef idx="1">
+              <a:schemeClr val="accent1"/>
+            </a:effectRef>
+            <a:fontRef idx="minor">
+              <a:schemeClr val="tx1"/>
+            </a:fontRef>
+          </p:style>
+        </p:cxnSp>
+        <p:cxnSp>
+          <p:nvCxnSpPr>
+            <p:cNvPr id="120" name="직선 연결선 119">
+              <a:extLst>
+                <a:ext uri="{FF2B5EF4-FFF2-40B4-BE49-F238E27FC236}">
+                  <a16:creationId xmlns:a16="http://schemas.microsoft.com/office/drawing/2014/main" id="{D7F9043F-4D9B-9B24-8BEF-527F44004FFC}"/>
+                </a:ext>
+              </a:extLst>
+            </p:cNvPr>
+            <p:cNvCxnSpPr>
+              <a:stCxn id="99" idx="2"/>
+              <a:endCxn id="98" idx="0"/>
+            </p:cNvCxnSpPr>
+            <p:nvPr/>
+          </p:nvCxnSpPr>
+          <p:spPr>
+            <a:xfrm>
+              <a:off x="2117210" y="4161278"/>
+              <a:ext cx="0" cy="333261"/>
+            </a:xfrm>
+            <a:prstGeom prst="line">
+              <a:avLst/>
+            </a:prstGeom>
+            <a:ln w="57150"/>
+          </p:spPr>
+          <p:style>
+            <a:lnRef idx="2">
+              <a:schemeClr val="accent1"/>
+            </a:lnRef>
+            <a:fillRef idx="0">
+              <a:schemeClr val="accent1"/>
+            </a:fillRef>
+            <a:effectRef idx="1">
+              <a:schemeClr val="accent1"/>
+            </a:effectRef>
+            <a:fontRef idx="minor">
+              <a:schemeClr val="tx1"/>
+            </a:fontRef>
+          </p:style>
+        </p:cxnSp>
+        <p:cxnSp>
+          <p:nvCxnSpPr>
+            <p:cNvPr id="122" name="직선 연결선 121">
+              <a:extLst>
+                <a:ext uri="{FF2B5EF4-FFF2-40B4-BE49-F238E27FC236}">
+                  <a16:creationId xmlns:a16="http://schemas.microsoft.com/office/drawing/2014/main" id="{2544114C-7231-4B87-5E93-3AC14FD191A4}"/>
+                </a:ext>
+              </a:extLst>
+            </p:cNvPr>
+            <p:cNvCxnSpPr>
+              <a:stCxn id="98" idx="3"/>
+              <a:endCxn id="97" idx="1"/>
+            </p:cNvCxnSpPr>
+            <p:nvPr/>
+          </p:nvCxnSpPr>
+          <p:spPr>
+            <a:xfrm>
+              <a:off x="2289076" y="4647832"/>
+              <a:ext cx="388279" cy="0"/>
+            </a:xfrm>
+            <a:prstGeom prst="line">
+              <a:avLst/>
+            </a:prstGeom>
+            <a:ln w="57150"/>
+          </p:spPr>
+          <p:style>
+            <a:lnRef idx="2">
+              <a:schemeClr val="accent1"/>
+            </a:lnRef>
+            <a:fillRef idx="0">
+              <a:schemeClr val="accent1"/>
+            </a:fillRef>
+            <a:effectRef idx="1">
+              <a:schemeClr val="accent1"/>
+            </a:effectRef>
+            <a:fontRef idx="minor">
+              <a:schemeClr val="tx1"/>
+            </a:fontRef>
+          </p:style>
+        </p:cxnSp>
+        <p:cxnSp>
+          <p:nvCxnSpPr>
+            <p:cNvPr id="124" name="직선 연결선 123">
+              <a:extLst>
+                <a:ext uri="{FF2B5EF4-FFF2-40B4-BE49-F238E27FC236}">
+                  <a16:creationId xmlns:a16="http://schemas.microsoft.com/office/drawing/2014/main" id="{5B7D321F-6CE3-C856-CB74-0152699859AF}"/>
+                </a:ext>
+              </a:extLst>
+            </p:cNvPr>
+            <p:cNvCxnSpPr>
+              <a:stCxn id="102" idx="2"/>
+              <a:endCxn id="97" idx="0"/>
+            </p:cNvCxnSpPr>
+            <p:nvPr/>
+          </p:nvCxnSpPr>
+          <p:spPr>
+            <a:xfrm>
+              <a:off x="2838798" y="4187196"/>
+              <a:ext cx="10423" cy="307343"/>
+            </a:xfrm>
+            <a:prstGeom prst="line">
+              <a:avLst/>
+            </a:prstGeom>
+            <a:ln w="57150"/>
+          </p:spPr>
+          <p:style>
+            <a:lnRef idx="2">
+              <a:schemeClr val="accent1"/>
+            </a:lnRef>
+            <a:fillRef idx="0">
+              <a:schemeClr val="accent1"/>
+            </a:fillRef>
+            <a:effectRef idx="1">
+              <a:schemeClr val="accent1"/>
+            </a:effectRef>
+            <a:fontRef idx="minor">
+              <a:schemeClr val="tx1"/>
+            </a:fontRef>
+          </p:style>
+        </p:cxnSp>
+        <p:cxnSp>
+          <p:nvCxnSpPr>
+            <p:cNvPr id="126" name="직선 연결선 125">
+              <a:extLst>
+                <a:ext uri="{FF2B5EF4-FFF2-40B4-BE49-F238E27FC236}">
+                  <a16:creationId xmlns:a16="http://schemas.microsoft.com/office/drawing/2014/main" id="{2BC93CE2-4B42-258A-111E-0E9CDEFC1CCE}"/>
+                </a:ext>
+              </a:extLst>
+            </p:cNvPr>
+            <p:cNvCxnSpPr>
+              <a:stCxn id="97" idx="3"/>
+              <a:endCxn id="96" idx="1"/>
+            </p:cNvCxnSpPr>
+            <p:nvPr/>
+          </p:nvCxnSpPr>
+          <p:spPr>
+            <a:xfrm>
+              <a:off x="3021087" y="4647832"/>
+              <a:ext cx="337506" cy="0"/>
+            </a:xfrm>
+            <a:prstGeom prst="line">
+              <a:avLst/>
+            </a:prstGeom>
+            <a:ln w="57150"/>
+          </p:spPr>
+          <p:style>
+            <a:lnRef idx="2">
+              <a:schemeClr val="accent1"/>
+            </a:lnRef>
+            <a:fillRef idx="0">
+              <a:schemeClr val="accent1"/>
+            </a:fillRef>
+            <a:effectRef idx="1">
+              <a:schemeClr val="accent1"/>
+            </a:effectRef>
+            <a:fontRef idx="minor">
+              <a:schemeClr val="tx1"/>
+            </a:fontRef>
+          </p:style>
+        </p:cxnSp>
+        <p:cxnSp>
+          <p:nvCxnSpPr>
+            <p:cNvPr id="128" name="직선 연결선 127">
+              <a:extLst>
+                <a:ext uri="{FF2B5EF4-FFF2-40B4-BE49-F238E27FC236}">
+                  <a16:creationId xmlns:a16="http://schemas.microsoft.com/office/drawing/2014/main" id="{2570261B-6132-7B4F-CB83-707E458DBDC5}"/>
+                </a:ext>
+              </a:extLst>
+            </p:cNvPr>
+            <p:cNvCxnSpPr>
+              <a:stCxn id="96" idx="3"/>
+              <a:endCxn id="95" idx="1"/>
+            </p:cNvCxnSpPr>
+            <p:nvPr/>
+          </p:nvCxnSpPr>
+          <p:spPr>
+            <a:xfrm>
+              <a:off x="3702325" y="4647832"/>
+              <a:ext cx="295013" cy="0"/>
+            </a:xfrm>
+            <a:prstGeom prst="line">
+              <a:avLst/>
+            </a:prstGeom>
+            <a:ln w="57150"/>
+          </p:spPr>
+          <p:style>
+            <a:lnRef idx="2">
+              <a:schemeClr val="accent1"/>
+            </a:lnRef>
+            <a:fillRef idx="0">
+              <a:schemeClr val="accent1"/>
+            </a:fillRef>
+            <a:effectRef idx="1">
+              <a:schemeClr val="accent1"/>
+            </a:effectRef>
+            <a:fontRef idx="minor">
+              <a:schemeClr val="tx1"/>
+            </a:fontRef>
+          </p:style>
+        </p:cxnSp>
+        <p:cxnSp>
+          <p:nvCxnSpPr>
+            <p:cNvPr id="130" name="직선 연결선 129">
+              <a:extLst>
+                <a:ext uri="{FF2B5EF4-FFF2-40B4-BE49-F238E27FC236}">
+                  <a16:creationId xmlns:a16="http://schemas.microsoft.com/office/drawing/2014/main" id="{3FACEDB1-0C85-C429-B7D3-19D9793E0A5A}"/>
+                </a:ext>
+              </a:extLst>
+            </p:cNvPr>
+            <p:cNvCxnSpPr>
+              <a:stCxn id="92" idx="2"/>
+              <a:endCxn id="93" idx="0"/>
+            </p:cNvCxnSpPr>
+            <p:nvPr/>
+          </p:nvCxnSpPr>
+          <p:spPr>
+            <a:xfrm>
+              <a:off x="4169204" y="2746600"/>
+              <a:ext cx="0" cy="393476"/>
+            </a:xfrm>
+            <a:prstGeom prst="line">
+              <a:avLst/>
+            </a:prstGeom>
+            <a:ln w="57150"/>
+          </p:spPr>
+          <p:style>
+            <a:lnRef idx="2">
+              <a:schemeClr val="accent1"/>
+            </a:lnRef>
+            <a:fillRef idx="0">
+              <a:schemeClr val="accent1"/>
+            </a:fillRef>
+            <a:effectRef idx="1">
+              <a:schemeClr val="accent1"/>
+            </a:effectRef>
+            <a:fontRef idx="minor">
+              <a:schemeClr val="tx1"/>
+            </a:fontRef>
+          </p:style>
+        </p:cxnSp>
+      </p:grpSp>
+      <p:sp>
+        <p:nvSpPr>
+          <p:cNvPr id="133" name="타원 132">
+            <a:extLst>
+              <a:ext uri="{FF2B5EF4-FFF2-40B4-BE49-F238E27FC236}">
+                <a16:creationId xmlns:a16="http://schemas.microsoft.com/office/drawing/2014/main" id="{09F11C15-C69C-24EB-BD04-4396F0A1A664}"/>
+              </a:ext>
+            </a:extLst>
+          </p:cNvPr>
+          <p:cNvSpPr/>
+          <p:nvPr/>
+        </p:nvSpPr>
+        <p:spPr>
+          <a:xfrm>
+            <a:off x="7835900" y="2498960"/>
+            <a:ext cx="241300" cy="241300"/>
+          </a:xfrm>
+          <a:prstGeom prst="ellipse">
+            <a:avLst/>
+          </a:prstGeom>
+          <a:solidFill>
+            <a:schemeClr val="tx1"/>
+          </a:solidFill>
+          <a:ln>
+            <a:noFill/>
+          </a:ln>
+        </p:spPr>
+        <p:style>
+          <a:lnRef idx="2">
+            <a:schemeClr val="accent1">
+              <a:shade val="15000"/>
+            </a:schemeClr>
+          </a:lnRef>
+          <a:fillRef idx="1">
+            <a:schemeClr val="accent1"/>
+          </a:fillRef>
+          <a:effectRef idx="0">
+            <a:schemeClr val="accent1"/>
+          </a:effectRef>
+          <a:fontRef idx="minor">
+            <a:schemeClr val="lt1"/>
+          </a:fontRef>
+        </p:style>
+        <p:txBody>
+          <a:bodyPr rtlCol="0" anchor="ctr"/>
+          <a:lstStyle/>
+          <a:p>
+            <a:pPr algn="ctr"/>
+            <a:endParaRPr lang="ko-KR" altLang="en-US"/>
+          </a:p>
+        </p:txBody>
+      </p:sp>
+      <p:sp>
+        <p:nvSpPr>
+          <p:cNvPr id="134" name="타원 133">
+            <a:extLst>
+              <a:ext uri="{FF2B5EF4-FFF2-40B4-BE49-F238E27FC236}">
+                <a16:creationId xmlns:a16="http://schemas.microsoft.com/office/drawing/2014/main" id="{95DE843D-01D4-4F70-A0EB-2E5C9A47FB02}"/>
+              </a:ext>
+            </a:extLst>
+          </p:cNvPr>
+          <p:cNvSpPr/>
+          <p:nvPr/>
+        </p:nvSpPr>
+        <p:spPr>
+          <a:xfrm>
+            <a:off x="7835900" y="4119030"/>
+            <a:ext cx="241300" cy="241300"/>
+          </a:xfrm>
+          <a:prstGeom prst="ellipse">
+            <a:avLst/>
+          </a:prstGeom>
+          <a:solidFill>
+            <a:schemeClr val="tx1"/>
+          </a:solidFill>
+          <a:ln>
+            <a:noFill/>
+          </a:ln>
+        </p:spPr>
+        <p:style>
+          <a:lnRef idx="2">
+            <a:schemeClr val="accent1">
+              <a:shade val="15000"/>
+            </a:schemeClr>
+          </a:lnRef>
+          <a:fillRef idx="1">
+            <a:schemeClr val="accent1"/>
+          </a:fillRef>
+          <a:effectRef idx="0">
+            <a:schemeClr val="accent1"/>
+          </a:effectRef>
+          <a:fontRef idx="minor">
+            <a:schemeClr val="lt1"/>
+          </a:fontRef>
+        </p:style>
+        <p:txBody>
+          <a:bodyPr rtlCol="0" anchor="ctr"/>
+          <a:lstStyle/>
+          <a:p>
+            <a:pPr algn="ctr"/>
+            <a:endParaRPr lang="ko-KR" altLang="en-US"/>
+          </a:p>
+        </p:txBody>
+      </p:sp>
+      <p:cxnSp>
+        <p:nvCxnSpPr>
+          <p:cNvPr id="136" name="직선 연결선 135">
+            <a:extLst>
+              <a:ext uri="{FF2B5EF4-FFF2-40B4-BE49-F238E27FC236}">
+                <a16:creationId xmlns:a16="http://schemas.microsoft.com/office/drawing/2014/main" id="{1797E977-5819-4F74-3F02-4ECAB68ED908}"/>
+              </a:ext>
+            </a:extLst>
+          </p:cNvPr>
+          <p:cNvCxnSpPr>
+            <a:stCxn id="133" idx="4"/>
+            <a:endCxn id="134" idx="0"/>
+          </p:cNvCxnSpPr>
+          <p:nvPr/>
+        </p:nvCxnSpPr>
+        <p:spPr>
+          <a:xfrm>
+            <a:off x="7956550" y="2740260"/>
+            <a:ext cx="0" cy="1378770"/>
+          </a:xfrm>
+          <a:prstGeom prst="line">
+            <a:avLst/>
+          </a:prstGeom>
+          <a:ln w="38100">
+            <a:solidFill>
+              <a:schemeClr val="tx1"/>
+            </a:solidFill>
+          </a:ln>
+        </p:spPr>
+        <p:style>
+          <a:lnRef idx="2">
+            <a:schemeClr val="accent1"/>
+          </a:lnRef>
+          <a:fillRef idx="0">
+            <a:schemeClr val="accent1"/>
+          </a:fillRef>
+          <a:effectRef idx="1">
+            <a:schemeClr val="accent1"/>
+          </a:effectRef>
+          <a:fontRef idx="minor">
+            <a:schemeClr val="tx1"/>
+          </a:fontRef>
+        </p:style>
+      </p:cxnSp>
+      <p:sp>
+        <p:nvSpPr>
+          <p:cNvPr id="138" name="타원 137">
+            <a:extLst>
+              <a:ext uri="{FF2B5EF4-FFF2-40B4-BE49-F238E27FC236}">
+                <a16:creationId xmlns:a16="http://schemas.microsoft.com/office/drawing/2014/main" id="{7C6A585C-D447-C3E8-3E57-19C6CF3D62F8}"/>
+              </a:ext>
+            </a:extLst>
+          </p:cNvPr>
+          <p:cNvSpPr/>
+          <p:nvPr/>
+        </p:nvSpPr>
+        <p:spPr>
+          <a:xfrm>
+            <a:off x="7013804" y="3359059"/>
+            <a:ext cx="241300" cy="241300"/>
+          </a:xfrm>
+          <a:prstGeom prst="ellipse">
+            <a:avLst/>
+          </a:prstGeom>
+          <a:solidFill>
+            <a:schemeClr val="bg1">
+              <a:lumMod val="75000"/>
+            </a:schemeClr>
+          </a:solidFill>
+          <a:ln>
+            <a:solidFill>
+              <a:schemeClr val="bg1">
+                <a:lumMod val="75000"/>
+              </a:schemeClr>
+            </a:solidFill>
+          </a:ln>
+        </p:spPr>
+        <p:style>
+          <a:lnRef idx="2">
+            <a:schemeClr val="accent1">
+              <a:shade val="15000"/>
+            </a:schemeClr>
+          </a:lnRef>
+          <a:fillRef idx="1">
+            <a:schemeClr val="accent1"/>
+          </a:fillRef>
+          <a:effectRef idx="0">
+            <a:schemeClr val="accent1"/>
+          </a:effectRef>
+          <a:fontRef idx="minor">
+            <a:schemeClr val="lt1"/>
+          </a:fontRef>
+        </p:style>
+        <p:txBody>
+          <a:bodyPr rtlCol="0" anchor="ctr"/>
+          <a:lstStyle/>
+          <a:p>
+            <a:pPr algn="ctr"/>
+            <a:endParaRPr lang="ko-KR" altLang="en-US"/>
+          </a:p>
+        </p:txBody>
+      </p:sp>
+      <p:sp>
+        <p:nvSpPr>
+          <p:cNvPr id="139" name="타원 138">
+            <a:extLst>
+              <a:ext uri="{FF2B5EF4-FFF2-40B4-BE49-F238E27FC236}">
+                <a16:creationId xmlns:a16="http://schemas.microsoft.com/office/drawing/2014/main" id="{77923728-875F-26C6-3853-87C1972EFE1E}"/>
+              </a:ext>
+            </a:extLst>
+          </p:cNvPr>
+          <p:cNvSpPr/>
+          <p:nvPr/>
+        </p:nvSpPr>
+        <p:spPr>
+          <a:xfrm>
+            <a:off x="8616951" y="3359059"/>
+            <a:ext cx="241300" cy="241300"/>
+          </a:xfrm>
+          <a:prstGeom prst="ellipse">
+            <a:avLst/>
+          </a:prstGeom>
+          <a:solidFill>
+            <a:schemeClr val="bg1">
+              <a:lumMod val="75000"/>
+            </a:schemeClr>
+          </a:solidFill>
+          <a:ln>
+            <a:solidFill>
+              <a:schemeClr val="bg1">
+                <a:lumMod val="75000"/>
+              </a:schemeClr>
+            </a:solidFill>
+          </a:ln>
+        </p:spPr>
+        <p:style>
+          <a:lnRef idx="2">
+            <a:schemeClr val="accent1">
+              <a:shade val="15000"/>
+            </a:schemeClr>
+          </a:lnRef>
+          <a:fillRef idx="1">
+            <a:schemeClr val="accent1"/>
+          </a:fillRef>
+          <a:effectRef idx="0">
+            <a:schemeClr val="accent1"/>
+          </a:effectRef>
+          <a:fontRef idx="minor">
+            <a:schemeClr val="lt1"/>
+          </a:fontRef>
+        </p:style>
+        <p:txBody>
+          <a:bodyPr rtlCol="0" anchor="ctr"/>
+          <a:lstStyle/>
+          <a:p>
+            <a:pPr algn="ctr"/>
+            <a:endParaRPr lang="ko-KR" altLang="en-US"/>
+          </a:p>
+        </p:txBody>
+      </p:sp>
+      <p:cxnSp>
+        <p:nvCxnSpPr>
+          <p:cNvPr id="140" name="직선 연결선 139">
+            <a:extLst>
+              <a:ext uri="{FF2B5EF4-FFF2-40B4-BE49-F238E27FC236}">
+                <a16:creationId xmlns:a16="http://schemas.microsoft.com/office/drawing/2014/main" id="{864E36BF-3F8B-2FEF-2C7C-0E50197D2BE0}"/>
+              </a:ext>
+            </a:extLst>
+          </p:cNvPr>
+          <p:cNvCxnSpPr>
+            <a:cxnSpLocks/>
+            <a:stCxn id="138" idx="6"/>
+            <a:endCxn id="139" idx="2"/>
+          </p:cNvCxnSpPr>
+          <p:nvPr/>
+        </p:nvCxnSpPr>
+        <p:spPr>
+          <a:xfrm>
+            <a:off x="7255104" y="3479709"/>
+            <a:ext cx="1361847" cy="0"/>
+          </a:xfrm>
+          <a:prstGeom prst="line">
+            <a:avLst/>
+          </a:prstGeom>
+          <a:ln w="38100">
+            <a:solidFill>
+              <a:schemeClr val="bg1">
+                <a:lumMod val="75000"/>
+              </a:schemeClr>
+            </a:solidFill>
+          </a:ln>
+        </p:spPr>
+        <p:style>
+          <a:lnRef idx="2">
+            <a:schemeClr val="accent1"/>
+          </a:lnRef>
+          <a:fillRef idx="0">
+            <a:schemeClr val="accent1"/>
+          </a:fillRef>
+          <a:effectRef idx="1">
+            <a:schemeClr val="accent1"/>
+          </a:effectRef>
+          <a:fontRef idx="minor">
+            <a:schemeClr val="tx1"/>
+          </a:fontRef>
+        </p:style>
+      </p:cxnSp>
+      <mc:AlternateContent xmlns:mc="http://schemas.openxmlformats.org/markup-compatibility/2006">
+        <mc:Choice xmlns:a14="http://schemas.microsoft.com/office/drawing/2010/main" Requires="a14">
+          <p:sp>
+            <p:nvSpPr>
+              <p:cNvPr id="143" name="TextBox 142">
+                <a:extLst>
+                  <a:ext uri="{FF2B5EF4-FFF2-40B4-BE49-F238E27FC236}">
+                    <a16:creationId xmlns:a16="http://schemas.microsoft.com/office/drawing/2014/main" id="{2117A2D1-7220-DD33-AFAE-3B44AE56D28F}"/>
+                  </a:ext>
+                </a:extLst>
+              </p:cNvPr>
+              <p:cNvSpPr txBox="1"/>
+              <p:nvPr/>
+            </p:nvSpPr>
+            <p:spPr>
+              <a:xfrm>
+                <a:off x="7936027" y="2858272"/>
+                <a:ext cx="422488" cy="461665"/>
+              </a:xfrm>
+              <a:prstGeom prst="rect">
+                <a:avLst/>
+              </a:prstGeom>
+              <a:noFill/>
+            </p:spPr>
+            <p:txBody>
+              <a:bodyPr wrap="none" rtlCol="0">
+                <a:spAutoFit/>
+              </a:bodyPr>
+              <a:lstStyle/>
+              <a:p>
+                <a14:m>
+                  <m:oMathPara xmlns:m="http://schemas.openxmlformats.org/officeDocument/2006/math">
+                    <m:oMathParaPr>
+                      <m:jc m:val="centerGroup"/>
+                    </m:oMathParaPr>
+                    <m:oMath xmlns:m="http://schemas.openxmlformats.org/officeDocument/2006/math">
+                      <m:r>
+                        <a:rPr lang="en-US" altLang="ko-KR" sz="2400" b="0" i="1" smtClean="0">
+                          <a:latin typeface="Cambria Math" panose="02040503050406030204" pitchFamily="18" charset="0"/>
+                        </a:rPr>
+                        <m:t>𝑝</m:t>
+                      </m:r>
+                    </m:oMath>
+                  </m:oMathPara>
+                </a14:m>
+                <a:endParaRPr lang="ko-KR" altLang="en-US" sz="2400"/>
+              </a:p>
+            </p:txBody>
+          </p:sp>
+        </mc:Choice>
+        <mc:Fallback>
+          <p:sp>
+            <p:nvSpPr>
+              <p:cNvPr id="143" name="TextBox 142">
+                <a:extLst>
+                  <a:ext uri="{FF2B5EF4-FFF2-40B4-BE49-F238E27FC236}">
+                    <a16:creationId xmlns:a16="http://schemas.microsoft.com/office/drawing/2014/main" id="{2117A2D1-7220-DD33-AFAE-3B44AE56D28F}"/>
+                  </a:ext>
+                </a:extLst>
+              </p:cNvPr>
+              <p:cNvSpPr txBox="1">
+                <a:spLocks noRot="1" noChangeAspect="1" noMove="1" noResize="1" noEditPoints="1" noAdjustHandles="1" noChangeArrowheads="1" noChangeShapeType="1" noTextEdit="1"/>
+              </p:cNvSpPr>
+              <p:nvPr/>
+            </p:nvSpPr>
+            <p:spPr>
+              <a:xfrm>
+                <a:off x="7936027" y="2858272"/>
+                <a:ext cx="422488" cy="461665"/>
+              </a:xfrm>
+              <a:prstGeom prst="rect">
+                <a:avLst/>
+              </a:prstGeom>
+              <a:blipFill>
+                <a:blip r:embed="rId3"/>
+                <a:stretch>
+                  <a:fillRect b="-7895"/>
+                </a:stretch>
+              </a:blipFill>
+            </p:spPr>
+            <p:txBody>
+              <a:bodyPr/>
+              <a:lstStyle/>
+              <a:p>
+                <a:r>
+                  <a:rPr lang="ko-KR" altLang="en-US">
+                    <a:noFill/>
+                  </a:rPr>
+                  <a:t> </a:t>
+                </a:r>
+              </a:p>
+            </p:txBody>
+          </p:sp>
+        </mc:Fallback>
+      </mc:AlternateContent>
+      <mc:AlternateContent xmlns:mc="http://schemas.openxmlformats.org/markup-compatibility/2006">
+        <mc:Choice xmlns:a14="http://schemas.microsoft.com/office/drawing/2010/main" Requires="a14">
+          <p:sp>
+            <p:nvSpPr>
+              <p:cNvPr id="144" name="TextBox 143">
+                <a:extLst>
+                  <a:ext uri="{FF2B5EF4-FFF2-40B4-BE49-F238E27FC236}">
+                    <a16:creationId xmlns:a16="http://schemas.microsoft.com/office/drawing/2014/main" id="{5B5986F4-696B-1475-526F-984A8352AB08}"/>
+                  </a:ext>
+                </a:extLst>
+              </p:cNvPr>
+              <p:cNvSpPr txBox="1"/>
+              <p:nvPr/>
+            </p:nvSpPr>
+            <p:spPr>
+              <a:xfrm>
+                <a:off x="8021624" y="3462774"/>
+                <a:ext cx="958468" cy="461665"/>
+              </a:xfrm>
+              <a:prstGeom prst="rect">
+                <a:avLst/>
+              </a:prstGeom>
+              <a:noFill/>
+              <a:ln>
+                <a:noFill/>
+              </a:ln>
+            </p:spPr>
+            <p:txBody>
+              <a:bodyPr wrap="none" rtlCol="0">
+                <a:spAutoFit/>
+              </a:bodyPr>
+              <a:lstStyle/>
+              <a:p>
+                <a14:m>
+                  <m:oMathPara xmlns:m="http://schemas.openxmlformats.org/officeDocument/2006/math">
+                    <m:oMathParaPr>
+                      <m:jc m:val="centerGroup"/>
+                    </m:oMathParaPr>
+                    <m:oMath xmlns:m="http://schemas.openxmlformats.org/officeDocument/2006/math">
+                      <m:r>
+                        <a:rPr lang="en-US" altLang="ko-KR" sz="2400" b="0" i="1" smtClean="0">
+                          <a:latin typeface="Cambria Math" panose="02040503050406030204" pitchFamily="18" charset="0"/>
+                        </a:rPr>
+                        <m:t>1−</m:t>
+                      </m:r>
+                      <m:r>
+                        <a:rPr lang="en-US" altLang="ko-KR" sz="2400" b="0" i="1" smtClean="0">
+                          <a:latin typeface="Cambria Math" panose="02040503050406030204" pitchFamily="18" charset="0"/>
+                        </a:rPr>
+                        <m:t>𝑝</m:t>
+                      </m:r>
+                    </m:oMath>
+                  </m:oMathPara>
+                </a14:m>
+                <a:endParaRPr lang="ko-KR" altLang="en-US" sz="2400"/>
+              </a:p>
+            </p:txBody>
+          </p:sp>
+        </mc:Choice>
+        <mc:Fallback>
+          <p:sp>
+            <p:nvSpPr>
+              <p:cNvPr id="144" name="TextBox 143">
+                <a:extLst>
+                  <a:ext uri="{FF2B5EF4-FFF2-40B4-BE49-F238E27FC236}">
+                    <a16:creationId xmlns:a16="http://schemas.microsoft.com/office/drawing/2014/main" id="{5B5986F4-696B-1475-526F-984A8352AB08}"/>
+                  </a:ext>
+                </a:extLst>
+              </p:cNvPr>
+              <p:cNvSpPr txBox="1">
+                <a:spLocks noRot="1" noChangeAspect="1" noMove="1" noResize="1" noEditPoints="1" noAdjustHandles="1" noChangeArrowheads="1" noChangeShapeType="1" noTextEdit="1"/>
+              </p:cNvSpPr>
+              <p:nvPr/>
+            </p:nvSpPr>
+            <p:spPr>
+              <a:xfrm>
+                <a:off x="8021624" y="3462774"/>
+                <a:ext cx="958468" cy="461665"/>
+              </a:xfrm>
+              <a:prstGeom prst="rect">
+                <a:avLst/>
+              </a:prstGeom>
+              <a:blipFill>
+                <a:blip r:embed="rId4"/>
+                <a:stretch>
+                  <a:fillRect b="-9211"/>
+                </a:stretch>
+              </a:blipFill>
+              <a:ln>
+                <a:noFill/>
+              </a:ln>
+            </p:spPr>
+            <p:txBody>
+              <a:bodyPr/>
+              <a:lstStyle/>
+              <a:p>
+                <a:r>
+                  <a:rPr lang="ko-KR" altLang="en-US">
+                    <a:noFill/>
+                  </a:rPr>
+                  <a:t> </a:t>
+                </a:r>
+              </a:p>
+            </p:txBody>
+          </p:sp>
+        </mc:Fallback>
+      </mc:AlternateContent>
+    </p:spTree>
+    <p:extLst>
+      <p:ext uri="{BB962C8B-B14F-4D97-AF65-F5344CB8AC3E}">
+        <p14:creationId xmlns:p14="http://schemas.microsoft.com/office/powerpoint/2010/main" val="1867909813"/>
+      </p:ext>
+    </p:extLst>
+  </p:cSld>
+  <p:clrMapOvr>
+    <a:masterClrMapping/>
+  </p:clrMapOvr>
+  <p:timing>
+    <p:tnLst>
+      <p:par>
+        <p:cTn id="1" dur="indefinite" restart="never" nodeType="tmRoot">
+          <p:childTnLst>
+            <p:seq concurrent="1" nextAc="seek">
+              <p:cTn id="2" dur="indefinite" nodeType="mainSeq">
+                <p:childTnLst>
+                  <p:par>
+                    <p:cTn id="3" fill="hold">
+                      <p:stCondLst>
+                        <p:cond delay="indefinite"/>
+                      </p:stCondLst>
+                      <p:childTnLst>
+                        <p:par>
+                          <p:cTn id="4" fill="hold">
+                            <p:stCondLst>
+                              <p:cond delay="0"/>
+                            </p:stCondLst>
+                            <p:childTnLst>
+                              <p:par>
+                                <p:cTn id="5" presetID="10" presetClass="entr" presetSubtype="0" fill="hold" nodeType="clickEffect">
+                                  <p:stCondLst>
+                                    <p:cond delay="0"/>
+                                  </p:stCondLst>
+                                  <p:childTnLst>
+                                    <p:set>
+                                      <p:cBhvr>
+                                        <p:cTn id="6" dur="1" fill="hold">
+                                          <p:stCondLst>
+                                            <p:cond delay="0"/>
+                                          </p:stCondLst>
+                                        </p:cTn>
+                                        <p:tgtEl>
+                                          <p:spTgt spid="108"/>
+                                        </p:tgtEl>
+                                        <p:attrNameLst>
+                                          <p:attrName>style.visibility</p:attrName>
+                                        </p:attrNameLst>
+                                      </p:cBhvr>
+                                      <p:to>
+                                        <p:strVal val="visible"/>
+                                      </p:to>
+                                    </p:set>
+                                    <p:animEffect transition="in" filter="fade">
+                                      <p:cBhvr>
+                                        <p:cTn id="7" dur="500"/>
+                                        <p:tgtEl>
+                                          <p:spTgt spid="108"/>
+                                        </p:tgtEl>
+                                      </p:cBhvr>
+                                    </p:animEffect>
+                                  </p:childTnLst>
+                                </p:cTn>
+                              </p:par>
+                            </p:childTnLst>
+                          </p:cTn>
+                        </p:par>
+                      </p:childTnLst>
+                    </p:cTn>
+                  </p:par>
+                  <p:par>
+                    <p:cTn id="8" fill="hold">
+                      <p:stCondLst>
+                        <p:cond delay="indefinite"/>
+                      </p:stCondLst>
+                      <p:childTnLst>
+                        <p:par>
+                          <p:cTn id="9" fill="hold">
+                            <p:stCondLst>
+                              <p:cond delay="0"/>
+                            </p:stCondLst>
+                            <p:childTnLst>
+                              <p:par>
+                                <p:cTn id="10" presetID="10" presetClass="entr" presetSubtype="0" fill="hold" nodeType="clickEffect">
+                                  <p:stCondLst>
+                                    <p:cond delay="0"/>
+                                  </p:stCondLst>
+                                  <p:childTnLst>
+                                    <p:set>
+                                      <p:cBhvr>
+                                        <p:cTn id="11" dur="1" fill="hold">
+                                          <p:stCondLst>
+                                            <p:cond delay="0"/>
+                                          </p:stCondLst>
+                                        </p:cTn>
+                                        <p:tgtEl>
+                                          <p:spTgt spid="132"/>
+                                        </p:tgtEl>
+                                        <p:attrNameLst>
+                                          <p:attrName>style.visibility</p:attrName>
+                                        </p:attrNameLst>
+                                      </p:cBhvr>
+                                      <p:to>
+                                        <p:strVal val="visible"/>
+                                      </p:to>
+                                    </p:set>
+                                    <p:animEffect transition="in" filter="fade">
+                                      <p:cBhvr>
+                                        <p:cTn id="12" dur="500"/>
+                                        <p:tgtEl>
+                                          <p:spTgt spid="132"/>
+                                        </p:tgtEl>
+                                      </p:cBhvr>
+                                    </p:animEffect>
+                                  </p:childTnLst>
+                                </p:cTn>
+                              </p:par>
+                            </p:childTnLst>
+                          </p:cTn>
+                        </p:par>
+                      </p:childTnLst>
+                    </p:cTn>
+                  </p:par>
+                  <p:par>
+                    <p:cTn id="13" fill="hold">
+                      <p:stCondLst>
+                        <p:cond delay="indefinite"/>
+                      </p:stCondLst>
+                      <p:childTnLst>
+                        <p:par>
+                          <p:cTn id="14" fill="hold">
+                            <p:stCondLst>
+                              <p:cond delay="0"/>
+                            </p:stCondLst>
+                            <p:childTnLst>
+                              <p:par>
+                                <p:cTn id="15" presetID="10" presetClass="exit" presetSubtype="0" fill="hold" nodeType="clickEffect">
+                                  <p:stCondLst>
+                                    <p:cond delay="0"/>
+                                  </p:stCondLst>
+                                  <p:childTnLst>
+                                    <p:animEffect transition="out" filter="fade">
+                                      <p:cBhvr>
+                                        <p:cTn id="16" dur="500"/>
+                                        <p:tgtEl>
+                                          <p:spTgt spid="59"/>
+                                        </p:tgtEl>
+                                      </p:cBhvr>
+                                    </p:animEffect>
+                                    <p:set>
+                                      <p:cBhvr>
+                                        <p:cTn id="17" dur="1" fill="hold">
+                                          <p:stCondLst>
+                                            <p:cond delay="499"/>
+                                          </p:stCondLst>
+                                        </p:cTn>
+                                        <p:tgtEl>
+                                          <p:spTgt spid="59"/>
+                                        </p:tgtEl>
+                                        <p:attrNameLst>
+                                          <p:attrName>style.visibility</p:attrName>
+                                        </p:attrNameLst>
+                                      </p:cBhvr>
+                                      <p:to>
+                                        <p:strVal val="hidden"/>
+                                      </p:to>
+                                    </p:set>
+                                  </p:childTnLst>
+                                </p:cTn>
+                              </p:par>
+                            </p:childTnLst>
+                          </p:cTn>
+                        </p:par>
+                      </p:childTnLst>
+                    </p:cTn>
+                  </p:par>
+                </p:childTnLst>
+              </p:cTn>
+              <p:prevCondLst>
+                <p:cond evt="onPrev" delay="0">
+                  <p:tgtEl>
+                    <p:sldTgt/>
+                  </p:tgtEl>
+                </p:cond>
+              </p:prevCondLst>
+              <p:nextCondLst>
+                <p:cond evt="onNext" delay="0">
+                  <p:tgtEl>
+                    <p:sldTgt/>
+                  </p:tgtEl>
+                </p:cond>
+              </p:nextCondLst>
+            </p:seq>
+          </p:childTnLst>
+        </p:cTn>
+      </p:par>
+    </p:tnLst>
+  </p:timing>
+</p:sld>
+</file>
+
+<file path=ppt/slides/slide15.xml><?xml version="1.0" encoding="utf-8"?>
+<p:sld xmlns:a="http://schemas.openxmlformats.org/drawingml/2006/main" xmlns:r="http://schemas.openxmlformats.org/officeDocument/2006/relationships" xmlns:p="http://schemas.openxmlformats.org/presentationml/2006/main">
+  <p:cSld>
+    <p:spTree>
+      <p:nvGrpSpPr>
+        <p:cNvPr id="1" name="">
+          <a:extLst>
+            <a:ext uri="{FF2B5EF4-FFF2-40B4-BE49-F238E27FC236}">
+              <a16:creationId xmlns:a16="http://schemas.microsoft.com/office/drawing/2014/main" id="{F0E900D1-4429-1D45-DF36-26CF8B346FB3}"/>
+            </a:ext>
+          </a:extLst>
+        </p:cNvPr>
+        <p:cNvGrpSpPr/>
+        <p:nvPr/>
+      </p:nvGrpSpPr>
+      <p:grpSpPr>
+        <a:xfrm>
+          <a:off x="0" y="0"/>
+          <a:ext cx="0" cy="0"/>
+          <a:chOff x="0" y="0"/>
+          <a:chExt cx="0" cy="0"/>
+        </a:xfrm>
+      </p:grpSpPr>
+      <p:sp>
+        <p:nvSpPr>
+          <p:cNvPr id="2" name="제목 1">
+            <a:extLst>
+              <a:ext uri="{FF2B5EF4-FFF2-40B4-BE49-F238E27FC236}">
+                <a16:creationId xmlns:a16="http://schemas.microsoft.com/office/drawing/2014/main" id="{25683979-4AB6-51E9-ADEA-E6D012809B61}"/>
+              </a:ext>
+            </a:extLst>
+          </p:cNvPr>
+          <p:cNvSpPr>
+            <a:spLocks noGrp="1"/>
+          </p:cNvSpPr>
+          <p:nvPr>
+            <p:ph type="title"/>
+          </p:nvPr>
+        </p:nvSpPr>
+        <p:spPr>
+          <a:xfrm>
+            <a:off x="838200" y="365125"/>
+            <a:ext cx="10515600" cy="1325563"/>
+          </a:xfrm>
+        </p:spPr>
+        <p:txBody>
+          <a:bodyPr/>
+          <a:lstStyle/>
+          <a:p>
+            <a:r>
+              <a:rPr lang="ko-KR" altLang="en-US"/>
+              <a:t>듀얼 그래프 커플링</a:t>
+            </a:r>
+          </a:p>
+        </p:txBody>
+      </p:sp>
+      <mc:AlternateContent xmlns:mc="http://schemas.openxmlformats.org/markup-compatibility/2006">
+        <mc:Choice xmlns:a14="http://schemas.microsoft.com/office/drawing/2010/main" Requires="a14">
+          <p:sp>
+            <p:nvSpPr>
+              <p:cNvPr id="3" name="내용 개체 틀 2">
+                <a:extLst>
+                  <a:ext uri="{FF2B5EF4-FFF2-40B4-BE49-F238E27FC236}">
+                    <a16:creationId xmlns:a16="http://schemas.microsoft.com/office/drawing/2014/main" id="{CFACC440-3C3C-1AED-00AE-6D24933F6425}"/>
+                  </a:ext>
+                </a:extLst>
+              </p:cNvPr>
+              <p:cNvSpPr>
+                <a:spLocks noGrp="1"/>
+              </p:cNvSpPr>
+              <p:nvPr>
+                <p:ph idx="1"/>
+              </p:nvPr>
+            </p:nvSpPr>
+            <p:spPr>
+              <a:xfrm>
+                <a:off x="838200" y="1825625"/>
+                <a:ext cx="10515600" cy="4351338"/>
+              </a:xfrm>
+            </p:spPr>
+            <p:txBody>
+              <a:bodyPr>
+                <a:normAutofit/>
+              </a:bodyPr>
+              <a:lstStyle/>
+              <a:p>
+                <a:r>
+                  <a:rPr lang="ko-KR" altLang="en-US"/>
+                  <a:t>듀얼 그래프에서 간선 </a:t>
+                </a:r>
+                <a14:m>
+                  <m:oMath xmlns:m="http://schemas.openxmlformats.org/officeDocument/2006/math">
+                    <m:r>
+                      <a:rPr lang="en-US" altLang="ko-KR" b="0" i="1" smtClean="0">
+                        <a:latin typeface="Cambria Math" panose="02040503050406030204" pitchFamily="18" charset="0"/>
+                      </a:rPr>
+                      <m:t>𝑒</m:t>
+                    </m:r>
+                  </m:oMath>
+                </a14:m>
+                <a:r>
+                  <a:rPr lang="ko-KR" altLang="en-US"/>
+                  <a:t>가 존재 있다</a:t>
+                </a:r>
+                <a:r>
+                  <a:rPr lang="en-US" altLang="ko-KR"/>
+                  <a:t>.</a:t>
+                </a:r>
+              </a:p>
+              <a:p>
+                <a:r>
+                  <a:rPr lang="en-US" altLang="ko-KR">
+                    <a:sym typeface="Wingdings" panose="05000000000000000000" pitchFamily="2" charset="2"/>
+                  </a:rPr>
+                  <a:t> </a:t>
+                </a:r>
+                <a:r>
+                  <a:rPr lang="ko-KR" altLang="en-US">
+                    <a:sym typeface="Wingdings" panose="05000000000000000000" pitchFamily="2" charset="2"/>
+                  </a:rPr>
+                  <a:t>원래 그래프에서 간선 </a:t>
+                </a:r>
+                <a14:m>
+                  <m:oMath xmlns:m="http://schemas.openxmlformats.org/officeDocument/2006/math">
+                    <m:r>
+                      <a:rPr lang="en-US" altLang="ko-KR" b="0" i="1" smtClean="0">
+                        <a:latin typeface="Cambria Math" panose="02040503050406030204" pitchFamily="18" charset="0"/>
+                        <a:sym typeface="Wingdings" panose="05000000000000000000" pitchFamily="2" charset="2"/>
+                      </a:rPr>
+                      <m:t>𝑒</m:t>
+                    </m:r>
+                  </m:oMath>
+                </a14:m>
+                <a:r>
+                  <a:rPr lang="en-US" altLang="ko-KR"/>
+                  <a:t>*</a:t>
+                </a:r>
+                <a:r>
+                  <a:rPr lang="ko-KR" altLang="en-US"/>
+                  <a:t>가 존재하지 않는다</a:t>
+                </a:r>
+                <a:r>
+                  <a:rPr lang="en-US" altLang="ko-KR"/>
+                  <a:t>.</a:t>
+                </a:r>
+              </a:p>
+              <a:p>
+                <a:r>
+                  <a:rPr lang="en-US" altLang="ko-KR">
+                    <a:sym typeface="Wingdings" panose="05000000000000000000" pitchFamily="2" charset="2"/>
+                  </a:rPr>
+                  <a:t> </a:t>
+                </a:r>
+                <a:r>
+                  <a:rPr lang="ko-KR" altLang="en-US">
+                    <a:sym typeface="Wingdings" panose="05000000000000000000" pitchFamily="2" charset="2"/>
+                  </a:rPr>
+                  <a:t>원래 그래프에서 </a:t>
+                </a:r>
+                <a14:m>
+                  <m:oMath xmlns:m="http://schemas.openxmlformats.org/officeDocument/2006/math">
+                    <m:r>
+                      <a:rPr lang="en-US" altLang="ko-KR" b="0" i="1" smtClean="0">
+                        <a:latin typeface="Cambria Math" panose="02040503050406030204" pitchFamily="18" charset="0"/>
+                        <a:sym typeface="Wingdings" panose="05000000000000000000" pitchFamily="2" charset="2"/>
+                      </a:rPr>
+                      <m:t>𝑒</m:t>
+                    </m:r>
+                  </m:oMath>
+                </a14:m>
+                <a:r>
+                  <a:rPr lang="en-US" altLang="ko-KR"/>
+                  <a:t>*</a:t>
+                </a:r>
+                <a:r>
+                  <a:rPr lang="ko-KR" altLang="en-US"/>
+                  <a:t>의 가중치가 </a:t>
+                </a:r>
+                <a14:m>
+                  <m:oMath xmlns:m="http://schemas.openxmlformats.org/officeDocument/2006/math">
+                    <m:r>
+                      <a:rPr lang="en-US" altLang="ko-KR" b="0" i="1" smtClean="0">
+                        <a:latin typeface="Cambria Math" panose="02040503050406030204" pitchFamily="18" charset="0"/>
+                      </a:rPr>
+                      <m:t>𝑝</m:t>
+                    </m:r>
+                  </m:oMath>
+                </a14:m>
+                <a:r>
+                  <a:rPr lang="ko-KR" altLang="en-US"/>
+                  <a:t>보다 크다</a:t>
+                </a:r>
+                <a:r>
+                  <a:rPr lang="en-US" altLang="ko-KR"/>
+                  <a:t>.</a:t>
+                </a:r>
+              </a:p>
+              <a:p>
+                <a:r>
+                  <a:rPr lang="en-US" altLang="ko-KR">
+                    <a:sym typeface="Wingdings" panose="05000000000000000000" pitchFamily="2" charset="2"/>
+                  </a:rPr>
+                  <a:t> </a:t>
+                </a:r>
+                <a:r>
+                  <a:rPr lang="ko-KR" altLang="en-US">
+                    <a:sym typeface="Wingdings" panose="05000000000000000000" pitchFamily="2" charset="2"/>
+                  </a:rPr>
+                  <a:t>듀얼 그래프에서 </a:t>
+                </a:r>
+                <a14:m>
+                  <m:oMath xmlns:m="http://schemas.openxmlformats.org/officeDocument/2006/math">
+                    <m:r>
+                      <a:rPr lang="en-US" altLang="ko-KR" b="0" i="1" smtClean="0">
+                        <a:latin typeface="Cambria Math" panose="02040503050406030204" pitchFamily="18" charset="0"/>
+                        <a:sym typeface="Wingdings" panose="05000000000000000000" pitchFamily="2" charset="2"/>
+                      </a:rPr>
+                      <m:t>𝑒</m:t>
+                    </m:r>
+                  </m:oMath>
+                </a14:m>
+                <a:r>
+                  <a:rPr lang="ko-KR" altLang="en-US"/>
+                  <a:t>의 가중치가 </a:t>
+                </a:r>
+                <a14:m>
+                  <m:oMath xmlns:m="http://schemas.openxmlformats.org/officeDocument/2006/math">
+                    <m:r>
+                      <a:rPr lang="en-US" altLang="ko-KR" b="0" i="1" smtClean="0">
+                        <a:latin typeface="Cambria Math" panose="02040503050406030204" pitchFamily="18" charset="0"/>
+                      </a:rPr>
+                      <m:t>1−</m:t>
+                    </m:r>
+                    <m:r>
+                      <a:rPr lang="en-US" altLang="ko-KR" b="0" i="1" smtClean="0">
+                        <a:latin typeface="Cambria Math" panose="02040503050406030204" pitchFamily="18" charset="0"/>
+                      </a:rPr>
+                      <m:t>𝑝</m:t>
+                    </m:r>
+                    <m:r>
+                      <a:rPr lang="ko-KR" altLang="en-US" i="1">
+                        <a:latin typeface="Cambria Math" panose="02040503050406030204" pitchFamily="18" charset="0"/>
+                      </a:rPr>
+                      <m:t>보</m:t>
+                    </m:r>
+                  </m:oMath>
+                </a14:m>
+                <a:r>
+                  <a:rPr lang="ko-KR" altLang="en-US"/>
+                  <a:t>다 작다</a:t>
+                </a:r>
+                <a:r>
+                  <a:rPr lang="en-US" altLang="ko-KR"/>
+                  <a:t>.</a:t>
+                </a:r>
+              </a:p>
+              <a:p>
+                <a:r>
+                  <a:rPr lang="ko-KR" altLang="en-US"/>
+                  <a:t>결국 </a:t>
+                </a:r>
+                <a14:m>
+                  <m:oMath xmlns:m="http://schemas.openxmlformats.org/officeDocument/2006/math">
+                    <m:r>
+                      <a:rPr lang="en-US" altLang="ko-KR" b="0" i="1" smtClean="0">
+                        <a:latin typeface="Cambria Math" panose="02040503050406030204" pitchFamily="18" charset="0"/>
+                      </a:rPr>
+                      <m:t>𝐺</m:t>
+                    </m:r>
+                    <m:r>
+                      <a:rPr lang="en-US" altLang="ko-KR" b="0" i="1" smtClean="0">
+                        <a:latin typeface="Cambria Math" panose="02040503050406030204" pitchFamily="18" charset="0"/>
+                      </a:rPr>
+                      <m:t>(</m:t>
+                    </m:r>
+                    <m:r>
+                      <a:rPr lang="en-US" altLang="ko-KR" b="0" i="1" smtClean="0">
+                        <a:latin typeface="Cambria Math" panose="02040503050406030204" pitchFamily="18" charset="0"/>
+                      </a:rPr>
+                      <m:t>𝑝</m:t>
+                    </m:r>
+                    <m:r>
+                      <a:rPr lang="en-US" altLang="ko-KR" b="0" i="1" smtClean="0">
+                        <a:latin typeface="Cambria Math" panose="02040503050406030204" pitchFamily="18" charset="0"/>
+                      </a:rPr>
+                      <m:t>)</m:t>
+                    </m:r>
+                    <m:r>
+                      <a:rPr lang="ko-KR" altLang="en-US" i="1">
+                        <a:latin typeface="Cambria Math" panose="02040503050406030204" pitchFamily="18" charset="0"/>
+                      </a:rPr>
+                      <m:t>의</m:t>
+                    </m:r>
+                  </m:oMath>
+                </a14:m>
+                <a:r>
+                  <a:rPr lang="en-US" altLang="ko-KR"/>
+                  <a:t> </a:t>
+                </a:r>
+                <a:r>
+                  <a:rPr lang="ko-KR" altLang="en-US"/>
+                  <a:t>듀얼그래프는 간선의 가중치가 달라진 </a:t>
+                </a:r>
+                <a14:m>
+                  <m:oMath xmlns:m="http://schemas.openxmlformats.org/officeDocument/2006/math">
+                    <m:r>
+                      <a:rPr lang="en-US" altLang="ko-KR" b="0" i="1" smtClean="0">
+                        <a:latin typeface="Cambria Math" panose="02040503050406030204" pitchFamily="18" charset="0"/>
+                      </a:rPr>
+                      <m:t>𝐺</m:t>
+                    </m:r>
+                    <m:r>
+                      <a:rPr lang="en-US" altLang="ko-KR" b="0" i="1" smtClean="0">
+                        <a:latin typeface="Cambria Math" panose="02040503050406030204" pitchFamily="18" charset="0"/>
+                      </a:rPr>
+                      <m:t>(1−</m:t>
+                    </m:r>
+                    <m:r>
+                      <a:rPr lang="en-US" altLang="ko-KR" b="0" i="1" smtClean="0">
+                        <a:latin typeface="Cambria Math" panose="02040503050406030204" pitchFamily="18" charset="0"/>
+                      </a:rPr>
+                      <m:t>𝑝</m:t>
+                    </m:r>
+                    <m:r>
+                      <a:rPr lang="en-US" altLang="ko-KR" b="0" i="1" smtClean="0">
+                        <a:latin typeface="Cambria Math" panose="02040503050406030204" pitchFamily="18" charset="0"/>
+                      </a:rPr>
+                      <m:t>)</m:t>
+                    </m:r>
+                  </m:oMath>
+                </a14:m>
+                <a:r>
+                  <a:rPr lang="ko-KR" altLang="en-US"/>
+                  <a:t>가 된다는 것을 알 수 있다</a:t>
+                </a:r>
+                <a:r>
+                  <a:rPr lang="en-US" altLang="ko-KR"/>
+                  <a:t>.</a:t>
+                </a:r>
+              </a:p>
+              <a:p>
+                <a:r>
+                  <a:rPr lang="ko-KR" altLang="en-US"/>
+                  <a:t>앞서 본 </a:t>
+                </a:r>
+                <a:r>
+                  <a:rPr lang="en-US" altLang="ko-KR"/>
+                  <a:t>Zero-One Law</a:t>
+                </a:r>
+                <a:r>
+                  <a:rPr lang="ko-KR" altLang="en-US"/>
+                  <a:t>에 따르면 무한 클러스터의 거동은 가중치의 값에 관계 없으므로 큰 문제가 되지 않는다</a:t>
+                </a:r>
+                <a:r>
+                  <a:rPr lang="en-US" altLang="ko-KR"/>
+                  <a:t>.</a:t>
+                </a:r>
+              </a:p>
+            </p:txBody>
+          </p:sp>
+        </mc:Choice>
+        <mc:Fallback>
+          <p:sp>
+            <p:nvSpPr>
+              <p:cNvPr id="3" name="내용 개체 틀 2">
+                <a:extLst>
+                  <a:ext uri="{FF2B5EF4-FFF2-40B4-BE49-F238E27FC236}">
+                    <a16:creationId xmlns:a16="http://schemas.microsoft.com/office/drawing/2014/main" id="{CFACC440-3C3C-1AED-00AE-6D24933F6425}"/>
+                  </a:ext>
+                </a:extLst>
+              </p:cNvPr>
+              <p:cNvSpPr>
+                <a:spLocks noGrp="1" noRot="1" noChangeAspect="1" noMove="1" noResize="1" noEditPoints="1" noAdjustHandles="1" noChangeArrowheads="1" noChangeShapeType="1" noTextEdit="1"/>
+              </p:cNvSpPr>
+              <p:nvPr>
+                <p:ph idx="1"/>
+              </p:nvPr>
+            </p:nvSpPr>
+            <p:spPr>
+              <a:xfrm>
+                <a:off x="838200" y="1825625"/>
+                <a:ext cx="10515600" cy="4351338"/>
+              </a:xfrm>
+              <a:blipFill>
+                <a:blip r:embed="rId2"/>
+                <a:stretch>
+                  <a:fillRect l="-1043" t="-2661" r="-870"/>
+                </a:stretch>
+              </a:blipFill>
+            </p:spPr>
+            <p:txBody>
+              <a:bodyPr/>
+              <a:lstStyle/>
+              <a:p>
+                <a:r>
+                  <a:rPr lang="ko-KR" altLang="en-US">
+                    <a:noFill/>
+                  </a:rPr>
+                  <a:t> </a:t>
+                </a:r>
+              </a:p>
+            </p:txBody>
+          </p:sp>
+        </mc:Fallback>
+      </mc:AlternateContent>
+    </p:spTree>
+    <p:extLst>
+      <p:ext uri="{BB962C8B-B14F-4D97-AF65-F5344CB8AC3E}">
+        <p14:creationId xmlns:p14="http://schemas.microsoft.com/office/powerpoint/2010/main" val="3576468916"/>
+      </p:ext>
+    </p:extLst>
+  </p:cSld>
+  <p:clrMapOvr>
+    <a:masterClrMapping/>
+  </p:clrMapOvr>
+</p:sld>
+</file>
+
+<file path=ppt/slides/slide16.xml><?xml version="1.0" encoding="utf-8"?>
+<p:sld xmlns:a="http://schemas.openxmlformats.org/drawingml/2006/main" xmlns:r="http://schemas.openxmlformats.org/officeDocument/2006/relationships" xmlns:p="http://schemas.openxmlformats.org/presentationml/2006/main">
+  <p:cSld>
+    <p:spTree>
+      <p:nvGrpSpPr>
+        <p:cNvPr id="1" name=""/>
+        <p:cNvGrpSpPr/>
+        <p:nvPr/>
+      </p:nvGrpSpPr>
+      <p:grpSpPr>
+        <a:xfrm>
+          <a:off x="0" y="0"/>
+          <a:ext cx="0" cy="0"/>
+          <a:chOff x="0" y="0"/>
+          <a:chExt cx="0" cy="0"/>
+        </a:xfrm>
+      </p:grpSpPr>
+      <p:sp>
+        <p:nvSpPr>
+          <p:cNvPr id="2" name="제목 1">
+            <a:extLst>
+              <a:ext uri="{FF2B5EF4-FFF2-40B4-BE49-F238E27FC236}">
+                <a16:creationId xmlns:a16="http://schemas.microsoft.com/office/drawing/2014/main" id="{84261D94-E102-73AF-00C7-356510005A57}"/>
+              </a:ext>
+            </a:extLst>
+          </p:cNvPr>
+          <p:cNvSpPr>
+            <a:spLocks noGrp="1"/>
+          </p:cNvSpPr>
+          <p:nvPr>
+            <p:ph type="title"/>
+          </p:nvPr>
+        </p:nvSpPr>
+        <p:spPr/>
+        <p:txBody>
+          <a:bodyPr/>
+          <a:lstStyle/>
+          <a:p>
+            <a:r>
+              <a:rPr lang="ko-KR" altLang="en-US"/>
+              <a:t>무한 클러스터 성질 </a:t>
+            </a:r>
+            <a:r>
+              <a:rPr lang="en-US" altLang="ko-KR"/>
+              <a:t>1 </a:t>
+            </a:r>
+            <a:r>
+              <a:rPr lang="ko-KR" altLang="en-US"/>
+              <a:t>증명</a:t>
+            </a:r>
+          </a:p>
+        </p:txBody>
+      </p:sp>
+      <mc:AlternateContent xmlns:mc="http://schemas.openxmlformats.org/markup-compatibility/2006">
+        <mc:Choice xmlns:a14="http://schemas.microsoft.com/office/drawing/2010/main" Requires="a14">
+          <p:sp>
+            <p:nvSpPr>
+              <p:cNvPr id="3" name="내용 개체 틀 2">
+                <a:extLst>
+                  <a:ext uri="{FF2B5EF4-FFF2-40B4-BE49-F238E27FC236}">
+                    <a16:creationId xmlns:a16="http://schemas.microsoft.com/office/drawing/2014/main" id="{54368F53-FAC6-2120-C0F0-7F084B9BEBB4}"/>
+                  </a:ext>
+                </a:extLst>
+              </p:cNvPr>
+              <p:cNvSpPr>
+                <a:spLocks noGrp="1"/>
+              </p:cNvSpPr>
+              <p:nvPr>
+                <p:ph idx="1"/>
+              </p:nvPr>
+            </p:nvSpPr>
+            <p:spPr/>
+            <p:txBody>
+              <a:bodyPr/>
+              <a:lstStyle/>
+              <a:p>
+                <a14:m>
+                  <m:oMath xmlns:m="http://schemas.openxmlformats.org/officeDocument/2006/math">
+                    <m:r>
+                      <a:rPr lang="en-US" altLang="ko-KR" b="0" i="1" smtClean="0">
+                        <a:latin typeface="Cambria Math" panose="02040503050406030204" pitchFamily="18" charset="0"/>
+                      </a:rPr>
+                      <m:t>𝑝</m:t>
+                    </m:r>
+                  </m:oMath>
+                </a14:m>
+                <a:r>
+                  <a:rPr lang="ko-KR" altLang="en-US"/>
+                  <a:t>일 때 무한 클러스터를 가지지 않는다고 가정하자</a:t>
+                </a:r>
+                <a:r>
+                  <a:rPr lang="en-US" altLang="ko-KR"/>
+                  <a:t>. </a:t>
+                </a:r>
+                <a:r>
+                  <a:rPr lang="ko-KR" altLang="en-US"/>
+                  <a:t>즉 </a:t>
+                </a:r>
+                <a14:m>
+                  <m:oMath xmlns:m="http://schemas.openxmlformats.org/officeDocument/2006/math">
+                    <m:r>
+                      <a:rPr lang="en-US" altLang="ko-KR" b="0" i="1" smtClean="0">
+                        <a:latin typeface="Cambria Math" panose="02040503050406030204" pitchFamily="18" charset="0"/>
+                      </a:rPr>
+                      <m:t>𝑝</m:t>
+                    </m:r>
+                    <m:r>
+                      <a:rPr lang="en-US" altLang="ko-KR" b="0" i="1" smtClean="0">
+                        <a:latin typeface="Cambria Math" panose="02040503050406030204" pitchFamily="18" charset="0"/>
+                      </a:rPr>
+                      <m:t>&lt;0.5</m:t>
+                    </m:r>
+                  </m:oMath>
+                </a14:m>
+                <a:endParaRPr lang="en-US" altLang="ko-KR"/>
+              </a:p>
+              <a:p>
+                <a14:m>
+                  <m:oMath xmlns:m="http://schemas.openxmlformats.org/officeDocument/2006/math">
+                    <m:r>
+                      <a:rPr lang="en-US" altLang="ko-KR" b="0" i="1" smtClean="0">
+                        <a:latin typeface="Cambria Math" panose="02040503050406030204" pitchFamily="18" charset="0"/>
+                      </a:rPr>
+                      <m:t>1−</m:t>
+                    </m:r>
+                    <m:r>
+                      <a:rPr lang="en-US" altLang="ko-KR" b="0" i="1" smtClean="0">
+                        <a:latin typeface="Cambria Math" panose="02040503050406030204" pitchFamily="18" charset="0"/>
+                      </a:rPr>
+                      <m:t>𝑝</m:t>
+                    </m:r>
+                    <m:r>
+                      <a:rPr lang="en-US" altLang="ko-KR" b="0" i="1" smtClean="0">
+                        <a:latin typeface="Cambria Math" panose="02040503050406030204" pitchFamily="18" charset="0"/>
+                      </a:rPr>
+                      <m:t>&gt;0.5</m:t>
+                    </m:r>
+                  </m:oMath>
+                </a14:m>
+                <a:r>
+                  <a:rPr lang="ko-KR" altLang="en-US"/>
+                  <a:t>이므로 듀얼 그래프는 무한 클러스터를 가진다</a:t>
+                </a:r>
+                <a:r>
+                  <a:rPr lang="en-US" altLang="ko-KR"/>
+                  <a:t>.</a:t>
+                </a:r>
+              </a:p>
+              <a:p>
+                <a14:m>
+                  <m:oMath xmlns:m="http://schemas.openxmlformats.org/officeDocument/2006/math">
+                    <m:r>
+                      <a:rPr lang="en-US" altLang="ko-KR" b="0" i="1" smtClean="0">
+                        <a:latin typeface="Cambria Math" panose="02040503050406030204" pitchFamily="18" charset="0"/>
+                      </a:rPr>
+                      <m:t>𝑝</m:t>
+                    </m:r>
+                  </m:oMath>
+                </a14:m>
+                <a:r>
+                  <a:rPr lang="ko-KR" altLang="en-US"/>
+                  <a:t>일 때 무한 클러스터를 가지지 않으려면 모든 클러스터는 듀얼그래프에 의해 완전히 감싸져야 한다</a:t>
+                </a:r>
+                <a:r>
+                  <a:rPr lang="en-US" altLang="ko-KR"/>
+                  <a:t>.</a:t>
+                </a:r>
+              </a:p>
+              <a:p>
+                <a:r>
+                  <a:rPr lang="ko-KR" altLang="en-US"/>
+                  <a:t>즉 듀얼 그래프</a:t>
+                </a:r>
+                <a:r>
+                  <a:rPr lang="en-US" altLang="ko-KR"/>
+                  <a:t>(</a:t>
+                </a:r>
+                <a14:m>
+                  <m:oMath xmlns:m="http://schemas.openxmlformats.org/officeDocument/2006/math">
+                    <m:r>
+                      <a:rPr lang="en-US" altLang="ko-KR" b="0" i="1" smtClean="0">
+                        <a:latin typeface="Cambria Math" panose="02040503050406030204" pitchFamily="18" charset="0"/>
+                      </a:rPr>
+                      <m:t>1−</m:t>
+                    </m:r>
+                    <m:r>
+                      <a:rPr lang="en-US" altLang="ko-KR" b="0" i="1" smtClean="0">
+                        <a:latin typeface="Cambria Math" panose="02040503050406030204" pitchFamily="18" charset="0"/>
+                      </a:rPr>
+                      <m:t>𝑝</m:t>
+                    </m:r>
+                    <m:r>
+                      <a:rPr lang="ko-KR" altLang="en-US" i="1">
+                        <a:latin typeface="Cambria Math" panose="02040503050406030204" pitchFamily="18" charset="0"/>
+                      </a:rPr>
+                      <m:t>일</m:t>
+                    </m:r>
+                  </m:oMath>
+                </a14:m>
+                <a:r>
+                  <a:rPr lang="ko-KR" altLang="en-US"/>
+                  <a:t> 때의 그래프</a:t>
+                </a:r>
+                <a:r>
+                  <a:rPr lang="en-US" altLang="ko-KR"/>
+                  <a:t>)</a:t>
+                </a:r>
+                <a:r>
+                  <a:rPr lang="ko-KR" altLang="en-US"/>
+                  <a:t>가 가지는 무한 클러스터는 모든 점을 감싸야 한다</a:t>
+                </a:r>
+                <a:r>
+                  <a:rPr lang="en-US" altLang="ko-KR"/>
+                  <a:t>.</a:t>
+                </a:r>
+              </a:p>
+            </p:txBody>
+          </p:sp>
+        </mc:Choice>
+        <mc:Fallback>
+          <p:sp>
+            <p:nvSpPr>
+              <p:cNvPr id="3" name="내용 개체 틀 2">
+                <a:extLst>
+                  <a:ext uri="{FF2B5EF4-FFF2-40B4-BE49-F238E27FC236}">
+                    <a16:creationId xmlns:a16="http://schemas.microsoft.com/office/drawing/2014/main" id="{54368F53-FAC6-2120-C0F0-7F084B9BEBB4}"/>
+                  </a:ext>
+                </a:extLst>
+              </p:cNvPr>
+              <p:cNvSpPr>
+                <a:spLocks noGrp="1" noRot="1" noChangeAspect="1" noMove="1" noResize="1" noEditPoints="1" noAdjustHandles="1" noChangeArrowheads="1" noChangeShapeType="1" noTextEdit="1"/>
+              </p:cNvSpPr>
+              <p:nvPr>
+                <p:ph idx="1"/>
+              </p:nvPr>
+            </p:nvSpPr>
+            <p:spPr>
+              <a:blipFill>
+                <a:blip r:embed="rId2"/>
+                <a:stretch>
+                  <a:fillRect l="-1043" t="-2661" r="-464"/>
+                </a:stretch>
+              </a:blipFill>
+            </p:spPr>
+            <p:txBody>
+              <a:bodyPr/>
+              <a:lstStyle/>
+              <a:p>
+                <a:r>
+                  <a:rPr lang="ko-KR" altLang="en-US">
+                    <a:noFill/>
+                  </a:rPr>
+                  <a:t> </a:t>
+                </a:r>
+              </a:p>
+            </p:txBody>
+          </p:sp>
+        </mc:Fallback>
+      </mc:AlternateContent>
+    </p:spTree>
+    <p:extLst>
+      <p:ext uri="{BB962C8B-B14F-4D97-AF65-F5344CB8AC3E}">
+        <p14:creationId xmlns:p14="http://schemas.microsoft.com/office/powerpoint/2010/main" val="1659831106"/>
+      </p:ext>
+    </p:extLst>
+  </p:cSld>
+  <p:clrMapOvr>
+    <a:masterClrMapping/>
+  </p:clrMapOvr>
+</p:sld>
+</file>
+
+<file path=ppt/slides/slide17.xml><?xml version="1.0" encoding="utf-8"?>
+<p:sld xmlns:a="http://schemas.openxmlformats.org/drawingml/2006/main" xmlns:r="http://schemas.openxmlformats.org/officeDocument/2006/relationships" xmlns:p="http://schemas.openxmlformats.org/presentationml/2006/main">
+  <p:cSld>
+    <p:spTree>
+      <p:nvGrpSpPr>
+        <p:cNvPr id="1" name="">
+          <a:extLst>
+            <a:ext uri="{FF2B5EF4-FFF2-40B4-BE49-F238E27FC236}">
+              <a16:creationId xmlns:a16="http://schemas.microsoft.com/office/drawing/2014/main" id="{E1FDB5B5-3BB7-0D74-F302-C24F3119275C}"/>
+            </a:ext>
+          </a:extLst>
+        </p:cNvPr>
+        <p:cNvGrpSpPr/>
+        <p:nvPr/>
+      </p:nvGrpSpPr>
+      <p:grpSpPr>
+        <a:xfrm>
+          <a:off x="0" y="0"/>
+          <a:ext cx="0" cy="0"/>
+          <a:chOff x="0" y="0"/>
+          <a:chExt cx="0" cy="0"/>
+        </a:xfrm>
+      </p:grpSpPr>
+      <p:sp>
+        <p:nvSpPr>
+          <p:cNvPr id="2" name="제목 1">
+            <a:extLst>
+              <a:ext uri="{FF2B5EF4-FFF2-40B4-BE49-F238E27FC236}">
+                <a16:creationId xmlns:a16="http://schemas.microsoft.com/office/drawing/2014/main" id="{27DF2283-AA5D-114A-6563-0A5992253738}"/>
+              </a:ext>
+            </a:extLst>
+          </p:cNvPr>
+          <p:cNvSpPr>
+            <a:spLocks noGrp="1"/>
+          </p:cNvSpPr>
+          <p:nvPr>
+            <p:ph type="title"/>
+          </p:nvPr>
+        </p:nvSpPr>
+        <p:spPr/>
+        <p:txBody>
+          <a:bodyPr/>
+          <a:lstStyle/>
+          <a:p>
+            <a:r>
+              <a:rPr lang="ko-KR" altLang="en-US"/>
+              <a:t>무한 클러스터 성질 </a:t>
+            </a:r>
+            <a:r>
+              <a:rPr lang="en-US" altLang="ko-KR"/>
+              <a:t>2 </a:t>
+            </a:r>
+            <a:r>
+              <a:rPr lang="ko-KR" altLang="en-US"/>
+              <a:t>증명</a:t>
+            </a:r>
+          </a:p>
+        </p:txBody>
+      </p:sp>
+      <p:sp>
+        <p:nvSpPr>
+          <p:cNvPr id="3" name="내용 개체 틀 2">
+            <a:extLst>
+              <a:ext uri="{FF2B5EF4-FFF2-40B4-BE49-F238E27FC236}">
+                <a16:creationId xmlns:a16="http://schemas.microsoft.com/office/drawing/2014/main" id="{4E2E1736-1020-244F-7E13-92273FB46848}"/>
+              </a:ext>
+            </a:extLst>
+          </p:cNvPr>
+          <p:cNvSpPr>
+            <a:spLocks noGrp="1"/>
+          </p:cNvSpPr>
+          <p:nvPr>
+            <p:ph idx="1"/>
+          </p:nvPr>
+        </p:nvSpPr>
+        <p:spPr/>
+        <p:txBody>
+          <a:bodyPr/>
+          <a:lstStyle/>
+          <a:p>
+            <a:r>
+              <a:rPr lang="ko-KR" altLang="en-US"/>
+              <a:t>무한 클러스터가 </a:t>
+            </a:r>
+            <a:r>
+              <a:rPr lang="en-US" altLang="ko-KR"/>
+              <a:t>2</a:t>
+            </a:r>
+            <a:r>
+              <a:rPr lang="ko-KR" altLang="en-US"/>
+              <a:t>개 이상 존재한다면</a:t>
+            </a:r>
+            <a:r>
+              <a:rPr lang="en-US" altLang="ko-KR"/>
+              <a:t>, </a:t>
+            </a:r>
+            <a:r>
+              <a:rPr lang="ko-KR" altLang="en-US"/>
+              <a:t>한 무한 클러스터를 이루는 점은 다른 무한 클러스터가 감쌀 수 없으므로</a:t>
+            </a:r>
+            <a:r>
+              <a:rPr lang="en-US" altLang="ko-KR"/>
+              <a:t> </a:t>
+            </a:r>
+            <a:r>
+              <a:rPr lang="ko-KR" altLang="en-US"/>
+              <a:t>성질</a:t>
+            </a:r>
+            <a:r>
+              <a:rPr lang="en-US" altLang="ko-KR"/>
+              <a:t>1</a:t>
+            </a:r>
+            <a:r>
+              <a:rPr lang="ko-KR" altLang="en-US"/>
+              <a:t>에 모순된다</a:t>
+            </a:r>
+            <a:r>
+              <a:rPr lang="en-US" altLang="ko-KR"/>
+              <a:t>.</a:t>
+            </a:r>
+          </a:p>
+          <a:p>
+            <a:r>
+              <a:rPr lang="ko-KR" altLang="en-US"/>
+              <a:t>따라서 무한 클러스터는 유일하다</a:t>
+            </a:r>
+            <a:r>
+              <a:rPr lang="en-US" altLang="ko-KR"/>
+              <a:t>.</a:t>
+            </a:r>
+          </a:p>
+          <a:p>
+            <a:endParaRPr lang="en-US" altLang="ko-KR"/>
+          </a:p>
+          <a:p>
+            <a:r>
+              <a:rPr lang="ko-KR" altLang="en-US"/>
+              <a:t>성질</a:t>
+            </a:r>
+            <a:r>
+              <a:rPr lang="en-US" altLang="ko-KR"/>
+              <a:t>1,2</a:t>
+            </a:r>
+            <a:r>
+              <a:rPr lang="ko-KR" altLang="en-US"/>
+              <a:t>가 주는 직관적 의미 </a:t>
+            </a:r>
+            <a:r>
+              <a:rPr lang="en-US" altLang="ko-KR"/>
+              <a:t>: </a:t>
+            </a:r>
+            <a:r>
+              <a:rPr lang="ko-KR" altLang="en-US"/>
+              <a:t>무한 클러스터는 모든 공간에 퍼져있다</a:t>
+            </a:r>
+            <a:r>
+              <a:rPr lang="en-US" altLang="ko-KR"/>
+              <a:t>. </a:t>
+            </a:r>
+          </a:p>
+        </p:txBody>
+      </p:sp>
+      <p:sp>
+        <p:nvSpPr>
+          <p:cNvPr id="11" name="자유형: 도형 10">
+            <a:extLst>
+              <a:ext uri="{FF2B5EF4-FFF2-40B4-BE49-F238E27FC236}">
+                <a16:creationId xmlns:a16="http://schemas.microsoft.com/office/drawing/2014/main" id="{E5CFDAA2-CC32-C048-5432-7CAA7F6EE992}"/>
+              </a:ext>
+            </a:extLst>
+          </p:cNvPr>
+          <p:cNvSpPr/>
+          <p:nvPr/>
+        </p:nvSpPr>
+        <p:spPr>
+          <a:xfrm>
+            <a:off x="2489201" y="4489450"/>
+            <a:ext cx="1196153" cy="2114550"/>
+          </a:xfrm>
+          <a:custGeom>
+            <a:avLst/>
+            <a:gdLst>
+              <a:gd name="connsiteX0" fmla="*/ 0 w 1196153"/>
+              <a:gd name="connsiteY0" fmla="*/ 0 h 2114550"/>
+              <a:gd name="connsiteX1" fmla="*/ 868145 w 1196153"/>
+              <a:gd name="connsiteY1" fmla="*/ 0 h 2114550"/>
+              <a:gd name="connsiteX2" fmla="*/ 838200 w 1196153"/>
+              <a:gd name="connsiteY2" fmla="*/ 133350 h 2114550"/>
+              <a:gd name="connsiteX3" fmla="*/ 1028700 w 1196153"/>
+              <a:gd name="connsiteY3" fmla="*/ 927100 h 2114550"/>
+              <a:gd name="connsiteX4" fmla="*/ 1193800 w 1196153"/>
+              <a:gd name="connsiteY4" fmla="*/ 1289050 h 2114550"/>
+              <a:gd name="connsiteX5" fmla="*/ 901700 w 1196153"/>
+              <a:gd name="connsiteY5" fmla="*/ 1739900 h 2114550"/>
+              <a:gd name="connsiteX6" fmla="*/ 829072 w 1196153"/>
+              <a:gd name="connsiteY6" fmla="*/ 2049066 h 2114550"/>
+              <a:gd name="connsiteX7" fmla="*/ 830142 w 1196153"/>
+              <a:gd name="connsiteY7" fmla="*/ 2114550 h 2114550"/>
+              <a:gd name="connsiteX8" fmla="*/ 0 w 1196153"/>
+              <a:gd name="connsiteY8" fmla="*/ 2114550 h 2114550"/>
+            </a:gdLst>
+            <a:ahLst/>
+            <a:cxnLst>
+              <a:cxn ang="0">
+                <a:pos x="connsiteX0" y="connsiteY0"/>
+              </a:cxn>
+              <a:cxn ang="0">
+                <a:pos x="connsiteX1" y="connsiteY1"/>
+              </a:cxn>
+              <a:cxn ang="0">
+                <a:pos x="connsiteX2" y="connsiteY2"/>
+              </a:cxn>
+              <a:cxn ang="0">
+                <a:pos x="connsiteX3" y="connsiteY3"/>
+              </a:cxn>
+              <a:cxn ang="0">
+                <a:pos x="connsiteX4" y="connsiteY4"/>
+              </a:cxn>
+              <a:cxn ang="0">
+                <a:pos x="connsiteX5" y="connsiteY5"/>
+              </a:cxn>
+              <a:cxn ang="0">
+                <a:pos x="connsiteX6" y="connsiteY6"/>
+              </a:cxn>
+              <a:cxn ang="0">
+                <a:pos x="connsiteX7" y="connsiteY7"/>
+              </a:cxn>
+              <a:cxn ang="0">
+                <a:pos x="connsiteX8" y="connsiteY8"/>
+              </a:cxn>
+            </a:cxnLst>
+            <a:rect l="l" t="t" r="r" b="b"/>
+            <a:pathLst>
+              <a:path w="1196153" h="2114550">
+                <a:moveTo>
+                  <a:pt x="0" y="0"/>
+                </a:moveTo>
+                <a:lnTo>
+                  <a:pt x="868145" y="0"/>
+                </a:lnTo>
+                <a:lnTo>
+                  <a:pt x="838200" y="133350"/>
+                </a:lnTo>
+                <a:cubicBezTo>
+                  <a:pt x="807508" y="333375"/>
+                  <a:pt x="969433" y="734483"/>
+                  <a:pt x="1028700" y="927100"/>
+                </a:cubicBezTo>
+                <a:cubicBezTo>
+                  <a:pt x="1087967" y="1119717"/>
+                  <a:pt x="1214967" y="1153583"/>
+                  <a:pt x="1193800" y="1289050"/>
+                </a:cubicBezTo>
+                <a:cubicBezTo>
+                  <a:pt x="1172633" y="1424517"/>
+                  <a:pt x="937683" y="1570567"/>
+                  <a:pt x="901700" y="1739900"/>
+                </a:cubicBezTo>
+                <a:cubicBezTo>
+                  <a:pt x="883709" y="1824567"/>
+                  <a:pt x="837936" y="1941248"/>
+                  <a:pt x="829072" y="2049066"/>
+                </a:cubicBezTo>
+                <a:lnTo>
+                  <a:pt x="830142" y="2114550"/>
+                </a:lnTo>
+                <a:lnTo>
+                  <a:pt x="0" y="2114550"/>
+                </a:lnTo>
+                <a:close/>
+              </a:path>
+            </a:pathLst>
+          </a:custGeom>
+          <a:solidFill>
+            <a:schemeClr val="accent2"/>
+          </a:solidFill>
+          <a:ln>
+            <a:noFill/>
+          </a:ln>
+        </p:spPr>
+        <p:style>
+          <a:lnRef idx="2">
+            <a:schemeClr val="accent1">
+              <a:shade val="15000"/>
+            </a:schemeClr>
+          </a:lnRef>
+          <a:fillRef idx="1">
+            <a:schemeClr val="accent1"/>
+          </a:fillRef>
+          <a:effectRef idx="0">
+            <a:schemeClr val="accent1"/>
+          </a:effectRef>
+          <a:fontRef idx="minor">
+            <a:schemeClr val="lt1"/>
+          </a:fontRef>
+        </p:style>
+        <p:txBody>
+          <a:bodyPr wrap="square" rtlCol="0" anchor="ctr">
+            <a:noAutofit/>
+          </a:bodyPr>
+          <a:lstStyle/>
+          <a:p>
+            <a:pPr algn="ctr"/>
+            <a:r>
+              <a:rPr lang="en-US" altLang="ko-KR" sz="3600"/>
+              <a:t>A</a:t>
+            </a:r>
+            <a:endParaRPr lang="ko-KR" altLang="en-US" sz="3600"/>
+          </a:p>
+        </p:txBody>
+      </p:sp>
+      <p:sp>
+        <p:nvSpPr>
+          <p:cNvPr id="12" name="자유형: 도형 11">
+            <a:extLst>
+              <a:ext uri="{FF2B5EF4-FFF2-40B4-BE49-F238E27FC236}">
+                <a16:creationId xmlns:a16="http://schemas.microsoft.com/office/drawing/2014/main" id="{235A48B9-B53E-2ED0-B42E-1E8EB2DB2077}"/>
+              </a:ext>
+            </a:extLst>
+          </p:cNvPr>
+          <p:cNvSpPr/>
+          <p:nvPr/>
+        </p:nvSpPr>
+        <p:spPr>
+          <a:xfrm>
+            <a:off x="3565922" y="4489450"/>
+            <a:ext cx="1285478" cy="2114550"/>
+          </a:xfrm>
+          <a:custGeom>
+            <a:avLst/>
+            <a:gdLst>
+              <a:gd name="connsiteX0" fmla="*/ 39073 w 1285478"/>
+              <a:gd name="connsiteY0" fmla="*/ 0 h 2114550"/>
+              <a:gd name="connsiteX1" fmla="*/ 1285478 w 1285478"/>
+              <a:gd name="connsiteY1" fmla="*/ 0 h 2114550"/>
+              <a:gd name="connsiteX2" fmla="*/ 1285478 w 1285478"/>
+              <a:gd name="connsiteY2" fmla="*/ 2114550 h 2114550"/>
+              <a:gd name="connsiteX3" fmla="*/ 1070 w 1285478"/>
+              <a:gd name="connsiteY3" fmla="*/ 2114550 h 2114550"/>
+              <a:gd name="connsiteX4" fmla="*/ 0 w 1285478"/>
+              <a:gd name="connsiteY4" fmla="*/ 2049066 h 2114550"/>
+              <a:gd name="connsiteX5" fmla="*/ 72628 w 1285478"/>
+              <a:gd name="connsiteY5" fmla="*/ 1739900 h 2114550"/>
+              <a:gd name="connsiteX6" fmla="*/ 364728 w 1285478"/>
+              <a:gd name="connsiteY6" fmla="*/ 1289050 h 2114550"/>
+              <a:gd name="connsiteX7" fmla="*/ 199628 w 1285478"/>
+              <a:gd name="connsiteY7" fmla="*/ 927100 h 2114550"/>
+              <a:gd name="connsiteX8" fmla="*/ 9128 w 1285478"/>
+              <a:gd name="connsiteY8" fmla="*/ 133350 h 2114550"/>
+            </a:gdLst>
+            <a:ahLst/>
+            <a:cxnLst>
+              <a:cxn ang="0">
+                <a:pos x="connsiteX0" y="connsiteY0"/>
+              </a:cxn>
+              <a:cxn ang="0">
+                <a:pos x="connsiteX1" y="connsiteY1"/>
+              </a:cxn>
+              <a:cxn ang="0">
+                <a:pos x="connsiteX2" y="connsiteY2"/>
+              </a:cxn>
+              <a:cxn ang="0">
+                <a:pos x="connsiteX3" y="connsiteY3"/>
+              </a:cxn>
+              <a:cxn ang="0">
+                <a:pos x="connsiteX4" y="connsiteY4"/>
+              </a:cxn>
+              <a:cxn ang="0">
+                <a:pos x="connsiteX5" y="connsiteY5"/>
+              </a:cxn>
+              <a:cxn ang="0">
+                <a:pos x="connsiteX6" y="connsiteY6"/>
+              </a:cxn>
+              <a:cxn ang="0">
+                <a:pos x="connsiteX7" y="connsiteY7"/>
+              </a:cxn>
+              <a:cxn ang="0">
+                <a:pos x="connsiteX8" y="connsiteY8"/>
+              </a:cxn>
+            </a:cxnLst>
+            <a:rect l="l" t="t" r="r" b="b"/>
+            <a:pathLst>
+              <a:path w="1285478" h="2114550">
+                <a:moveTo>
+                  <a:pt x="39073" y="0"/>
+                </a:moveTo>
+                <a:lnTo>
+                  <a:pt x="1285478" y="0"/>
+                </a:lnTo>
+                <a:lnTo>
+                  <a:pt x="1285478" y="2114550"/>
+                </a:lnTo>
+                <a:lnTo>
+                  <a:pt x="1070" y="2114550"/>
+                </a:lnTo>
+                <a:lnTo>
+                  <a:pt x="0" y="2049066"/>
+                </a:lnTo>
+                <a:cubicBezTo>
+                  <a:pt x="8864" y="1941248"/>
+                  <a:pt x="54637" y="1824567"/>
+                  <a:pt x="72628" y="1739900"/>
+                </a:cubicBezTo>
+                <a:cubicBezTo>
+                  <a:pt x="108611" y="1570567"/>
+                  <a:pt x="343561" y="1424517"/>
+                  <a:pt x="364728" y="1289050"/>
+                </a:cubicBezTo>
+                <a:cubicBezTo>
+                  <a:pt x="385895" y="1153583"/>
+                  <a:pt x="258895" y="1119717"/>
+                  <a:pt x="199628" y="927100"/>
+                </a:cubicBezTo>
+                <a:cubicBezTo>
+                  <a:pt x="140361" y="734483"/>
+                  <a:pt x="-21564" y="333375"/>
+                  <a:pt x="9128" y="133350"/>
+                </a:cubicBezTo>
+                <a:close/>
+              </a:path>
+            </a:pathLst>
+          </a:custGeom>
+          <a:ln>
+            <a:noFill/>
+          </a:ln>
+        </p:spPr>
+        <p:style>
+          <a:lnRef idx="2">
+            <a:schemeClr val="accent1">
+              <a:shade val="15000"/>
+            </a:schemeClr>
+          </a:lnRef>
+          <a:fillRef idx="1">
+            <a:schemeClr val="accent1"/>
+          </a:fillRef>
+          <a:effectRef idx="0">
+            <a:schemeClr val="accent1"/>
+          </a:effectRef>
+          <a:fontRef idx="minor">
+            <a:schemeClr val="lt1"/>
+          </a:fontRef>
+        </p:style>
+        <p:txBody>
+          <a:bodyPr wrap="square" rtlCol="0" anchor="ctr">
+            <a:noAutofit/>
+          </a:bodyPr>
+          <a:lstStyle/>
+          <a:p>
+            <a:pPr algn="ctr"/>
+            <a:r>
+              <a:rPr lang="en-US" altLang="ko-KR" sz="3600"/>
+              <a:t>B</a:t>
+            </a:r>
+            <a:endParaRPr lang="ko-KR" altLang="en-US" sz="3600"/>
+          </a:p>
+        </p:txBody>
+      </p:sp>
+      <p:sp>
+        <p:nvSpPr>
+          <p:cNvPr id="13" name="TextBox 12">
+            <a:extLst>
+              <a:ext uri="{FF2B5EF4-FFF2-40B4-BE49-F238E27FC236}">
+                <a16:creationId xmlns:a16="http://schemas.microsoft.com/office/drawing/2014/main" id="{B35EFDEA-883A-247C-9E7F-6945FA1314DE}"/>
+              </a:ext>
+            </a:extLst>
+          </p:cNvPr>
+          <p:cNvSpPr txBox="1"/>
+          <p:nvPr/>
+        </p:nvSpPr>
+        <p:spPr>
+          <a:xfrm>
+            <a:off x="5744021" y="5005487"/>
+            <a:ext cx="4250880" cy="923330"/>
+          </a:xfrm>
+          <a:prstGeom prst="rect">
+            <a:avLst/>
+          </a:prstGeom>
+          <a:noFill/>
+        </p:spPr>
+        <p:txBody>
+          <a:bodyPr wrap="square" rtlCol="0">
+            <a:spAutoFit/>
+          </a:bodyPr>
+          <a:lstStyle/>
+          <a:p>
+            <a:r>
+              <a:rPr lang="ko-KR" altLang="en-US"/>
+              <a:t>이와 같이 두 무한 클러스터가 전선을 두고 무한한 평면을 서로 나눠갖는 일은 일어나지 않는다</a:t>
+            </a:r>
+            <a:r>
+              <a:rPr lang="en-US" altLang="ko-KR"/>
+              <a:t>.</a:t>
+            </a:r>
+            <a:endParaRPr lang="ko-KR" altLang="en-US"/>
+          </a:p>
+        </p:txBody>
+      </p:sp>
+    </p:spTree>
+    <p:extLst>
+      <p:ext uri="{BB962C8B-B14F-4D97-AF65-F5344CB8AC3E}">
+        <p14:creationId xmlns:p14="http://schemas.microsoft.com/office/powerpoint/2010/main" val="2732419816"/>
+      </p:ext>
+    </p:extLst>
+  </p:cSld>
+  <p:clrMapOvr>
+    <a:masterClrMapping/>
+  </p:clrMapOvr>
+</p:sld>
+</file>
+
+<file path=ppt/slides/slide18.xml><?xml version="1.0" encoding="utf-8"?>
 <p:sld xmlns:a="http://schemas.openxmlformats.org/drawingml/2006/main" xmlns:r="http://schemas.openxmlformats.org/officeDocument/2006/relationships" xmlns:p="http://schemas.openxmlformats.org/presentationml/2006/main">
   <p:cSld>
     <p:spTree>
@@ -4637,7 +10219,7 @@
           <a:p>
             <a:r>
               <a:rPr lang="ko-KR" altLang="en-US"/>
-              <a:t>프랙탈 관찰</a:t>
+              <a:t>임계점 프랙탈 관찰</a:t>
             </a:r>
           </a:p>
         </p:txBody>
@@ -4805,7 +10387,7 @@
 </p:sld>
 </file>
 
-<file path=ppt/slides/slide14.xml><?xml version="1.0" encoding="utf-8"?>
+<file path=ppt/slides/slide19.xml><?xml version="1.0" encoding="utf-8"?>
 <p:sld xmlns:a="http://schemas.openxmlformats.org/drawingml/2006/main" xmlns:r="http://schemas.openxmlformats.org/officeDocument/2006/relationships" xmlns:p="http://schemas.openxmlformats.org/presentationml/2006/main">
   <p:cSld>
     <p:spTree>
@@ -5096,7 +10678,200 @@
 </p:sld>
 </file>
 
-<file path=ppt/slides/slide15.xml><?xml version="1.0" encoding="utf-8"?>
+<file path=ppt/slides/slide2.xml><?xml version="1.0" encoding="utf-8"?>
+<p:sld xmlns:a="http://schemas.openxmlformats.org/drawingml/2006/main" xmlns:r="http://schemas.openxmlformats.org/officeDocument/2006/relationships" xmlns:p="http://schemas.openxmlformats.org/presentationml/2006/main">
+  <p:cSld>
+    <p:spTree>
+      <p:nvGrpSpPr>
+        <p:cNvPr id="1" name=""/>
+        <p:cNvGrpSpPr/>
+        <p:nvPr/>
+      </p:nvGrpSpPr>
+      <p:grpSpPr>
+        <a:xfrm>
+          <a:off x="0" y="0"/>
+          <a:ext cx="0" cy="0"/>
+          <a:chOff x="0" y="0"/>
+          <a:chExt cx="0" cy="0"/>
+        </a:xfrm>
+      </p:grpSpPr>
+      <p:sp>
+        <p:nvSpPr>
+          <p:cNvPr id="2" name="제목 1">
+            <a:extLst>
+              <a:ext uri="{FF2B5EF4-FFF2-40B4-BE49-F238E27FC236}">
+                <a16:creationId xmlns:a16="http://schemas.microsoft.com/office/drawing/2014/main" id="{F0D37EF7-FEB3-D587-B8E1-FAC25DF769A4}"/>
+              </a:ext>
+            </a:extLst>
+          </p:cNvPr>
+          <p:cNvSpPr>
+            <a:spLocks noGrp="1"/>
+          </p:cNvSpPr>
+          <p:nvPr>
+            <p:ph type="title"/>
+          </p:nvPr>
+        </p:nvSpPr>
+        <p:spPr/>
+        <p:txBody>
+          <a:bodyPr/>
+          <a:lstStyle/>
+          <a:p>
+            <a:r>
+              <a:rPr lang="ko-KR" altLang="en-US"/>
+              <a:t>이론적 배경 </a:t>
+            </a:r>
+            <a:r>
+              <a:rPr lang="en-US" altLang="ko-KR"/>
+              <a:t>: </a:t>
+            </a:r>
+            <a:r>
+              <a:rPr lang="ko-KR" altLang="en-US"/>
+              <a:t>그래프</a:t>
+            </a:r>
+          </a:p>
+        </p:txBody>
+      </p:sp>
+      <p:sp>
+        <p:nvSpPr>
+          <p:cNvPr id="3" name="내용 개체 틀 2">
+            <a:extLst>
+              <a:ext uri="{FF2B5EF4-FFF2-40B4-BE49-F238E27FC236}">
+                <a16:creationId xmlns:a16="http://schemas.microsoft.com/office/drawing/2014/main" id="{06430841-A4BB-A2E5-4355-C7DB1CBA342E}"/>
+              </a:ext>
+            </a:extLst>
+          </p:cNvPr>
+          <p:cNvSpPr>
+            <a:spLocks noGrp="1"/>
+          </p:cNvSpPr>
+          <p:nvPr>
+            <p:ph idx="1"/>
+          </p:nvPr>
+        </p:nvSpPr>
+        <p:spPr/>
+        <p:txBody>
+          <a:bodyPr/>
+          <a:lstStyle/>
+          <a:p>
+            <a:r>
+              <a:rPr lang="ko-KR" altLang="en-US"/>
+              <a:t>점들의 집합과</a:t>
+            </a:r>
+            <a:r>
+              <a:rPr lang="en-US" altLang="ko-KR"/>
+              <a:t>, </a:t>
+            </a:r>
+            <a:r>
+              <a:rPr lang="ko-KR" altLang="en-US"/>
+              <a:t>그 점들을 잇는 간선들의 집합의 순서쌍을 </a:t>
+            </a:r>
+            <a:r>
+              <a:rPr lang="ko-KR" altLang="en-US" b="1"/>
+              <a:t>그래프</a:t>
+            </a:r>
+            <a:r>
+              <a:rPr lang="ko-KR" altLang="en-US"/>
+              <a:t>라고 한다</a:t>
+            </a:r>
+            <a:r>
+              <a:rPr lang="en-US" altLang="ko-KR"/>
+              <a:t>.</a:t>
+            </a:r>
+          </a:p>
+          <a:p>
+            <a:endParaRPr lang="en-US" altLang="ko-KR"/>
+          </a:p>
+          <a:p>
+            <a:r>
+              <a:rPr lang="ko-KR" altLang="en-US"/>
+              <a:t>예시</a:t>
+            </a:r>
+            <a:endParaRPr lang="en-US" altLang="ko-KR"/>
+          </a:p>
+          <a:p>
+            <a:pPr marL="0" indent="0">
+              <a:buNone/>
+            </a:pPr>
+            <a:r>
+              <a:rPr lang="ko-KR" altLang="en-US"/>
+              <a:t>점 집합 </a:t>
+            </a:r>
+            <a:r>
+              <a:rPr lang="en-US" altLang="ko-KR"/>
+              <a:t>V = {1,2,3,4,5}</a:t>
+            </a:r>
+          </a:p>
+          <a:p>
+            <a:pPr marL="0" indent="0">
+              <a:buNone/>
+            </a:pPr>
+            <a:r>
+              <a:rPr lang="ko-KR" altLang="en-US"/>
+              <a:t>간선 집합 </a:t>
+            </a:r>
+            <a:r>
+              <a:rPr lang="en-US" altLang="ko-KR"/>
+              <a:t>E = {{1,2}, {2,3}, {3,4}, {1,5}, {2,5}, {3,5}}</a:t>
+            </a:r>
+          </a:p>
+          <a:p>
+            <a:pPr marL="0" indent="0">
+              <a:buNone/>
+            </a:pPr>
+            <a:r>
+              <a:rPr lang="ko-KR" altLang="en-US"/>
+              <a:t>그래프 </a:t>
+            </a:r>
+            <a:r>
+              <a:rPr lang="en-US" altLang="ko-KR"/>
+              <a:t>G = (V,E)</a:t>
+            </a:r>
+          </a:p>
+        </p:txBody>
+      </p:sp>
+      <p:pic>
+        <p:nvPicPr>
+          <p:cNvPr id="23" name="그림 22">
+            <a:extLst>
+              <a:ext uri="{FF2B5EF4-FFF2-40B4-BE49-F238E27FC236}">
+                <a16:creationId xmlns:a16="http://schemas.microsoft.com/office/drawing/2014/main" id="{F8F474B8-D829-0A05-B248-F897D710F52E}"/>
+              </a:ext>
+            </a:extLst>
+          </p:cNvPr>
+          <p:cNvPicPr>
+            <a:picLocks noChangeAspect="1"/>
+          </p:cNvPicPr>
+          <p:nvPr/>
+        </p:nvPicPr>
+        <p:blipFill>
+          <a:blip r:embed="rId2"/>
+          <a:stretch>
+            <a:fillRect/>
+          </a:stretch>
+        </p:blipFill>
+        <p:spPr>
+          <a:xfrm>
+            <a:off x="8479206" y="2800689"/>
+            <a:ext cx="3186744" cy="3197546"/>
+          </a:xfrm>
+          <a:prstGeom prst="rect">
+            <a:avLst/>
+          </a:prstGeom>
+        </p:spPr>
+      </p:pic>
+    </p:spTree>
+    <p:extLst>
+      <p:ext uri="{BB962C8B-B14F-4D97-AF65-F5344CB8AC3E}">
+        <p14:creationId xmlns:p14="http://schemas.microsoft.com/office/powerpoint/2010/main" val="2835969559"/>
+      </p:ext>
+    </p:extLst>
+  </p:cSld>
+  <p:clrMapOvr>
+    <a:masterClrMapping/>
+  </p:clrMapOvr>
+</p:sld>
+</file>
+
+<file path=ppt/slides/slide20.xml><?xml version="1.0" encoding="utf-8"?>
 <p:sld xmlns:a="http://schemas.openxmlformats.org/drawingml/2006/main" xmlns:r="http://schemas.openxmlformats.org/officeDocument/2006/relationships" xmlns:p="http://schemas.openxmlformats.org/presentationml/2006/main">
   <p:cSld>
     <p:spTree>
@@ -5145,8 +10920,8 @@
           </a:p>
         </p:txBody>
       </p:sp>
-      <mc:AlternateContent xmlns:mc="http://schemas.openxmlformats.org/markup-compatibility/2006">
-        <mc:Choice xmlns:a14="http://schemas.microsoft.com/office/drawing/2010/main" Requires="a14">
+      <mc:AlternateContent xmlns:mc="http://schemas.openxmlformats.org/markup-compatibility/2006" xmlns:a14="http://schemas.microsoft.com/office/drawing/2010/main">
+        <mc:Choice Requires="a14">
           <p:sp>
             <p:nvSpPr>
               <p:cNvPr id="3" name="내용 개체 틀 2">
@@ -5258,7 +11033,7 @@
             </p:txBody>
           </p:sp>
         </mc:Choice>
-        <mc:Fallback>
+        <mc:Fallback xmlns="">
           <p:sp>
             <p:nvSpPr>
               <p:cNvPr id="3" name="내용 개체 틀 2">
@@ -5311,7 +11086,7 @@
 </p:sld>
 </file>
 
-<file path=ppt/slides/slide16.xml><?xml version="1.0" encoding="utf-8"?>
+<file path=ppt/slides/slide21.xml><?xml version="1.0" encoding="utf-8"?>
 <p:sld xmlns:a="http://schemas.openxmlformats.org/drawingml/2006/main" xmlns:r="http://schemas.openxmlformats.org/officeDocument/2006/relationships" xmlns:p="http://schemas.openxmlformats.org/presentationml/2006/main">
   <p:cSld>
     <p:spTree>
@@ -5416,8 +11191,8 @@
           </a:p>
         </p:txBody>
       </p:sp>
-      <mc:AlternateContent xmlns:mc="http://schemas.openxmlformats.org/markup-compatibility/2006">
-        <mc:Choice xmlns:a14="http://schemas.microsoft.com/office/drawing/2010/main" Requires="a14">
+      <mc:AlternateContent xmlns:mc="http://schemas.openxmlformats.org/markup-compatibility/2006" xmlns:a14="http://schemas.microsoft.com/office/drawing/2010/main">
+        <mc:Choice Requires="a14">
           <p:sp>
             <p:nvSpPr>
               <p:cNvPr id="8" name="TextBox 7">
@@ -5464,7 +11239,7 @@
             </p:txBody>
           </p:sp>
         </mc:Choice>
-        <mc:Fallback>
+        <mc:Fallback xmlns="">
           <p:sp>
             <p:nvSpPr>
               <p:cNvPr id="8" name="TextBox 7">
@@ -5553,37 +11328,7 @@
 </p:sld>
 </file>
 
-<file path=ppt/slides/slide17.xml><?xml version="1.0" encoding="utf-8"?>
-<p:sld xmlns:a="http://schemas.openxmlformats.org/drawingml/2006/main" xmlns:r="http://schemas.openxmlformats.org/officeDocument/2006/relationships" xmlns:p="http://schemas.openxmlformats.org/presentationml/2006/main">
-  <p:cSld>
-    <p:spTree>
-      <p:nvGrpSpPr>
-        <p:cNvPr id="1" name=""/>
-        <p:cNvGrpSpPr/>
-        <p:nvPr/>
-      </p:nvGrpSpPr>
-      <p:grpSpPr>
-        <a:xfrm>
-          <a:off x="0" y="0"/>
-          <a:ext cx="0" cy="0"/>
-          <a:chOff x="0" y="0"/>
-          <a:chExt cx="0" cy="0"/>
-        </a:xfrm>
-      </p:grpSpPr>
-    </p:spTree>
-    <p:extLst>
-      <p:ext uri="{BB962C8B-B14F-4D97-AF65-F5344CB8AC3E}">
-        <p14:creationId xmlns:p14="http://schemas.microsoft.com/office/powerpoint/2010/main" val="3525921051"/>
-      </p:ext>
-    </p:extLst>
-  </p:cSld>
-  <p:clrMapOvr>
-    <a:masterClrMapping/>
-  </p:clrMapOvr>
-</p:sld>
-</file>
-
-<file path=ppt/slides/slide2.xml><?xml version="1.0" encoding="utf-8"?>
+<file path=ppt/slides/slide22.xml><?xml version="1.0" encoding="utf-8"?>
 <p:sld xmlns:a="http://schemas.openxmlformats.org/drawingml/2006/main" xmlns:r="http://schemas.openxmlformats.org/officeDocument/2006/relationships" xmlns:p="http://schemas.openxmlformats.org/presentationml/2006/main">
   <p:cSld>
     <p:spTree>
@@ -5605,7 +11350,7 @@
           <p:cNvPr id="2" name="제목 1">
             <a:extLst>
               <a:ext uri="{FF2B5EF4-FFF2-40B4-BE49-F238E27FC236}">
-                <a16:creationId xmlns:a16="http://schemas.microsoft.com/office/drawing/2014/main" id="{F0D37EF7-FEB3-D587-B8E1-FAC25DF769A4}"/>
+                <a16:creationId xmlns:a16="http://schemas.microsoft.com/office/drawing/2014/main" id="{BD726D62-383D-8752-8419-ADB77874ED1E}"/>
               </a:ext>
             </a:extLst>
           </p:cNvPr>
@@ -5623,16 +11368,13 @@
           <a:p>
             <a:r>
               <a:rPr lang="ko-KR" altLang="en-US"/>
-              <a:t>이론적 배경 </a:t>
+              <a:t>감사합니다</a:t>
             </a:r>
             <a:r>
               <a:rPr lang="en-US" altLang="ko-KR"/>
-              <a:t>: </a:t>
-            </a:r>
-            <a:r>
-              <a:rPr lang="ko-KR" altLang="en-US"/>
-              <a:t>그래프</a:t>
-            </a:r>
+              <a:t>.</a:t>
+            </a:r>
+            <a:endParaRPr lang="ko-KR" altLang="en-US"/>
           </a:p>
         </p:txBody>
       </p:sp>
@@ -5641,7 +11383,7 @@
           <p:cNvPr id="3" name="내용 개체 틀 2">
             <a:extLst>
               <a:ext uri="{FF2B5EF4-FFF2-40B4-BE49-F238E27FC236}">
-                <a16:creationId xmlns:a16="http://schemas.microsoft.com/office/drawing/2014/main" id="{06430841-A4BB-A2E5-4355-C7DB1CBA342E}"/>
+                <a16:creationId xmlns:a16="http://schemas.microsoft.com/office/drawing/2014/main" id="{CBFD9C0F-B8A8-A7FE-456A-B99864885EC8}"/>
               </a:ext>
             </a:extLst>
           </p:cNvPr>
@@ -5657,116 +11399,48 @@
           <a:bodyPr/>
           <a:lstStyle/>
           <a:p>
-            <a:r>
-              <a:rPr lang="ko-KR" altLang="en-US"/>
-              <a:t>점들의 집합과</a:t>
-            </a:r>
-            <a:r>
-              <a:rPr lang="en-US" altLang="ko-KR"/>
-              <a:t>, </a:t>
-            </a:r>
-            <a:r>
-              <a:rPr lang="ko-KR" altLang="en-US"/>
-              <a:t>그 점들을 잇는 선분들의 집합의 순서쌍을 </a:t>
-            </a:r>
-            <a:r>
-              <a:rPr lang="ko-KR" altLang="en-US" b="1"/>
-              <a:t>그래프</a:t>
-            </a:r>
-            <a:r>
-              <a:rPr lang="ko-KR" altLang="en-US"/>
-              <a:t>라고 한다</a:t>
-            </a:r>
-            <a:r>
-              <a:rPr lang="en-US" altLang="ko-KR"/>
-              <a:t>.</a:t>
-            </a:r>
-          </a:p>
-          <a:p>
-            <a:endParaRPr lang="en-US" altLang="ko-KR"/>
-          </a:p>
-          <a:p>
-            <a:r>
-              <a:rPr lang="ko-KR" altLang="en-US"/>
-              <a:t>예시</a:t>
-            </a:r>
-            <a:endParaRPr lang="en-US" altLang="ko-KR"/>
-          </a:p>
-          <a:p>
             <a:pPr marL="0" indent="0">
               <a:buNone/>
             </a:pPr>
             <a:r>
               <a:rPr lang="ko-KR" altLang="en-US"/>
-              <a:t>점 집합 </a:t>
-            </a:r>
+              <a:t>참고 자료</a:t>
+            </a:r>
+            <a:endParaRPr lang="en-US" altLang="ko-KR"/>
+          </a:p>
+          <a:p>
             <a:r>
               <a:rPr lang="en-US" altLang="ko-KR"/>
-              <a:t>V = {1,2,3,4,5}</a:t>
-            </a:r>
-          </a:p>
-          <a:p>
-            <a:pPr marL="0" indent="0">
-              <a:buNone/>
-            </a:pPr>
-            <a:r>
-              <a:rPr lang="ko-KR" altLang="en-US"/>
-              <a:t>선 집합 </a:t>
+              <a:t>Spectal Collective(2022). Percolation: a Mathematical Phase Transition. Youtube.</a:t>
+            </a:r>
+            <a:r>
+              <a:rPr lang="ko-KR" altLang="en-US"/>
+              <a:t> </a:t>
+            </a:r>
+            <a:r>
+              <a:rPr lang="en-US" altLang="ko-KR">
+                <a:hlinkClick r:id="rId3"/>
+              </a:rPr>
+              <a:t>https://youtu.be/a-767WnbaCQ?si=As8K63mNwEat1u32</a:t>
             </a:r>
             <a:r>
               <a:rPr lang="en-US" altLang="ko-KR"/>
-              <a:t>E = {{1,2}, {2,3}, {3,4}, {1,5}, {2,5}, {3,5}}</a:t>
-            </a:r>
-          </a:p>
-          <a:p>
-            <a:pPr marL="0" indent="0">
-              <a:buNone/>
-            </a:pPr>
-            <a:r>
-              <a:rPr lang="ko-KR" altLang="en-US"/>
-              <a:t>그래프 </a:t>
-            </a:r>
+              <a:t> </a:t>
+            </a:r>
+          </a:p>
+          <a:p>
             <a:r>
               <a:rPr lang="en-US" altLang="ko-KR"/>
-              <a:t>G = (V,E)</a:t>
-            </a:r>
+              <a:t>Hugo Duminil-Copin(2017). Sixty years of percolation. </a:t>
+            </a:r>
+            <a:endParaRPr lang="ko-KR" altLang="en-US"/>
           </a:p>
         </p:txBody>
       </p:sp>
-      <p:pic>
-        <p:nvPicPr>
-          <p:cNvPr id="23" name="그림 22">
-            <a:extLst>
-              <a:ext uri="{FF2B5EF4-FFF2-40B4-BE49-F238E27FC236}">
-                <a16:creationId xmlns:a16="http://schemas.microsoft.com/office/drawing/2014/main" id="{F8F474B8-D829-0A05-B248-F897D710F52E}"/>
-              </a:ext>
-            </a:extLst>
-          </p:cNvPr>
-          <p:cNvPicPr>
-            <a:picLocks noChangeAspect="1"/>
-          </p:cNvPicPr>
-          <p:nvPr/>
-        </p:nvPicPr>
-        <p:blipFill>
-          <a:blip r:embed="rId2"/>
-          <a:stretch>
-            <a:fillRect/>
-          </a:stretch>
-        </p:blipFill>
-        <p:spPr>
-          <a:xfrm>
-            <a:off x="8479206" y="2800689"/>
-            <a:ext cx="3186744" cy="3197546"/>
-          </a:xfrm>
-          <a:prstGeom prst="rect">
-            <a:avLst/>
-          </a:prstGeom>
-        </p:spPr>
-      </p:pic>
     </p:spTree>
     <p:extLst>
       <p:ext uri="{BB962C8B-B14F-4D97-AF65-F5344CB8AC3E}">
-        <p14:creationId xmlns:p14="http://schemas.microsoft.com/office/powerpoint/2010/main" val="2835969559"/>
+        <p14:creationId xmlns:p14="http://schemas.microsoft.com/office/powerpoint/2010/main" val="2202936384"/>
       </p:ext>
     </p:extLst>
   </p:cSld>
@@ -6148,8 +11822,8 @@
         </p:nvSpPr>
         <p:spPr>
           <a:xfrm>
-            <a:off x="523335" y="2886973"/>
-            <a:ext cx="4871462" cy="1200329"/>
+            <a:off x="523336" y="2886973"/>
+            <a:ext cx="5179950" cy="1938992"/>
           </a:xfrm>
           <a:prstGeom prst="rect">
             <a:avLst/>
@@ -6157,64 +11831,46 @@
           <a:noFill/>
         </p:spPr>
         <p:txBody>
-          <a:bodyPr wrap="none" rtlCol="0">
+          <a:bodyPr wrap="square" rtlCol="0">
             <a:spAutoFit/>
           </a:bodyPr>
           <a:lstStyle/>
           <a:p>
             <a:r>
-              <a:rPr lang="ko-KR" altLang="en-US"/>
-              <a:t>그래프에서 </a:t>
-            </a:r>
-            <a:r>
-              <a:rPr lang="en-US" altLang="ko-KR"/>
-              <a:t>A</a:t>
-            </a:r>
-            <a:r>
-              <a:rPr lang="ko-KR" altLang="en-US"/>
-              <a:t>에서 </a:t>
-            </a:r>
-            <a:r>
-              <a:rPr lang="en-US" altLang="ko-KR"/>
-              <a:t>B</a:t>
-            </a:r>
-            <a:r>
-              <a:rPr lang="ko-KR" altLang="en-US"/>
-              <a:t>로 도달 가능하면 두 점 </a:t>
-            </a:r>
-            <a:r>
-              <a:rPr lang="en-US" altLang="ko-KR"/>
-              <a:t>A, B</a:t>
-            </a:r>
-          </a:p>
-          <a:p>
-            <a:r>
-              <a:rPr lang="ko-KR" altLang="en-US"/>
-              <a:t>는 같은 클러스터에 있다고 한다</a:t>
-            </a:r>
-            <a:r>
-              <a:rPr lang="en-US" altLang="ko-KR"/>
+              <a:rPr lang="ko-KR" altLang="en-US" sz="2400"/>
+              <a:t>그래프내에서 연결된</a:t>
+            </a:r>
+            <a:r>
+              <a:rPr lang="en-US" altLang="ko-KR" sz="2400"/>
+              <a:t> </a:t>
+            </a:r>
+            <a:r>
+              <a:rPr lang="ko-KR" altLang="en-US" sz="2400"/>
+              <a:t>정점들끼리 모은 것을 클러스터라고 한다</a:t>
+            </a:r>
+            <a:r>
+              <a:rPr lang="en-US" altLang="ko-KR" sz="2400"/>
               <a:t>.</a:t>
             </a:r>
           </a:p>
           <a:p>
-            <a:endParaRPr lang="en-US" altLang="ko-KR"/>
-          </a:p>
-          <a:p>
-            <a:r>
-              <a:rPr lang="ko-KR" altLang="en-US"/>
+            <a:endParaRPr lang="en-US" altLang="ko-KR" sz="2400"/>
+          </a:p>
+          <a:p>
+            <a:r>
+              <a:rPr lang="ko-KR" altLang="en-US" sz="2400"/>
               <a:t>옆의 그림에서는 </a:t>
             </a:r>
             <a:r>
-              <a:rPr lang="en-US" altLang="ko-KR"/>
+              <a:rPr lang="en-US" altLang="ko-KR" sz="2400"/>
               <a:t>3</a:t>
             </a:r>
             <a:r>
-              <a:rPr lang="ko-KR" altLang="en-US"/>
+              <a:rPr lang="ko-KR" altLang="en-US" sz="2400"/>
               <a:t>개의 클러스터가 존재한다</a:t>
             </a:r>
             <a:r>
-              <a:rPr lang="en-US" altLang="ko-KR"/>
+              <a:rPr lang="en-US" altLang="ko-KR" sz="2400"/>
               <a:t>.</a:t>
             </a:r>
           </a:p>
@@ -6916,21 +12572,16 @@
           <a:bodyPr/>
           <a:lstStyle/>
           <a:p>
+            <a:pPr marL="0" indent="0">
+              <a:buNone/>
+            </a:pPr>
             <a:r>
               <a:rPr lang="en-US" altLang="ko-KR"/>
               <a:t>2</a:t>
             </a:r>
             <a:r>
               <a:rPr lang="ko-KR" altLang="en-US"/>
-              <a:t>차원 격자 그래프의 각 간선에 대해서 </a:t>
-            </a:r>
-            <a:r>
-              <a:rPr lang="en-US" altLang="ko-KR"/>
-              <a:t>“</a:t>
-            </a:r>
-            <a:r>
-              <a:rPr lang="ko-KR" altLang="en-US"/>
-              <a:t>그 간선이 존재할 확률이 </a:t>
+              <a:t>차원 격자 그래프의 각 간선에 대해서 확률 </a:t>
             </a:r>
             <a:r>
               <a:rPr lang="en-US" altLang="ko-KR"/>
@@ -6938,19 +12589,27 @@
             </a:r>
             <a:r>
               <a:rPr lang="ko-KR" altLang="en-US"/>
-              <a:t>가 되게 하여 결정한 그래프</a:t>
+              <a:t>로 지우고</a:t>
             </a:r>
             <a:r>
               <a:rPr lang="en-US" altLang="ko-KR"/>
-              <a:t>”</a:t>
-            </a:r>
-            <a:r>
-              <a:rPr lang="ko-KR" altLang="en-US"/>
-              <a:t>를 고려해보자</a:t>
+              <a:t>, </a:t>
+            </a:r>
+            <a:r>
+              <a:rPr lang="ko-KR" altLang="en-US"/>
+              <a:t>확률 </a:t>
             </a:r>
             <a:r>
               <a:rPr lang="en-US" altLang="ko-KR"/>
-              <a:t>.</a:t>
+              <a:t>1-p </a:t>
+            </a:r>
+            <a:r>
+              <a:rPr lang="ko-KR" altLang="en-US"/>
+              <a:t>로 유지하여 그래프를 만든다고 생각해보자</a:t>
+            </a:r>
+            <a:r>
+              <a:rPr lang="en-US" altLang="ko-KR"/>
+              <a:t>. </a:t>
             </a:r>
             <a:endParaRPr lang="ko-KR" altLang="en-US"/>
           </a:p>
@@ -7485,20 +13144,20 @@
           <a:p>
             <a:pPr>
               <a:lnSpc>
-                <a:spcPct val="150000"/>
+                <a:spcPct val="100000"/>
               </a:lnSpc>
             </a:pPr>
             <a:r>
               <a:rPr lang="ko-KR" altLang="en-US"/>
-              <a:t>모든 간선의 존재 여부가</a:t>
+              <a:t>모든 간선의 존재 여부가 </a:t>
             </a:r>
             <a:r>
               <a:rPr lang="en-US" altLang="ko-KR"/>
-              <a:t> p</a:t>
-            </a:r>
-            <a:r>
-              <a:rPr lang="ko-KR" altLang="en-US"/>
-              <a:t>로 결정된다는 것을 다르게 모델링 해보자</a:t>
+              <a:t>p</a:t>
+            </a:r>
+            <a:r>
+              <a:rPr lang="ko-KR" altLang="en-US"/>
+              <a:t>로 결정된다는 것을 좀 더 스마트하게 구현하면 다음과 같다</a:t>
             </a:r>
             <a:r>
               <a:rPr lang="en-US" altLang="ko-KR"/>
@@ -7508,7 +13167,7 @@
           <a:p>
             <a:pPr>
               <a:lnSpc>
-                <a:spcPct val="150000"/>
+                <a:spcPct val="100000"/>
               </a:lnSpc>
             </a:pPr>
             <a:r>
@@ -7521,7 +13180,23 @@
             </a:r>
             <a:r>
               <a:rPr lang="ko-KR" altLang="en-US"/>
-              <a:t>사이의 수를 랜덤으로 할당하고</a:t>
+              <a:t>사이의 가중치를 할당하고</a:t>
+            </a:r>
+            <a:r>
+              <a:rPr lang="en-US" altLang="ko-KR"/>
+              <a:t>, </a:t>
+            </a:r>
+            <a:r>
+              <a:rPr lang="ko-KR" altLang="en-US"/>
+              <a:t>가중치가 </a:t>
+            </a:r>
+            <a:r>
+              <a:rPr lang="en-US" altLang="ko-KR"/>
+              <a:t>p</a:t>
+            </a:r>
+            <a:r>
+              <a:rPr lang="ko-KR" altLang="en-US"/>
+              <a:t>보다 작으면 간선을 넣고</a:t>
             </a:r>
             <a:r>
               <a:rPr lang="en-US" altLang="ko-KR"/>
@@ -7529,14 +13204,6 @@
             </a:r>
             <a:r>
               <a:rPr lang="ko-KR" altLang="en-US"/>
-              <a:t>보다 작으면 간선을 넣고</a:t>
-            </a:r>
-            <a:r>
-              <a:rPr lang="en-US" altLang="ko-KR"/>
-              <a:t>, p</a:t>
-            </a:r>
-            <a:r>
-              <a:rPr lang="ko-KR" altLang="en-US"/>
               <a:t>보다 크면 넣지 않는다</a:t>
             </a:r>
             <a:r>
@@ -7566,6 +13233,49 @@
             <a:r>
               <a:rPr lang="en-US" altLang="ko-KR"/>
               <a:t>.</a:t>
+            </a:r>
+          </a:p>
+          <a:p>
+            <a:pPr>
+              <a:lnSpc>
+                <a:spcPct val="100000"/>
+              </a:lnSpc>
+            </a:pPr>
+            <a:r>
+              <a:rPr lang="en-US" altLang="ko-KR"/>
+              <a:t>(</a:t>
+            </a:r>
+            <a:r>
+              <a:rPr lang="ko-KR" altLang="en-US"/>
+              <a:t>이러한 구현 방법을 </a:t>
+            </a:r>
+            <a:r>
+              <a:rPr lang="en-US" altLang="ko-KR"/>
+              <a:t>Coupling </a:t>
+            </a:r>
+            <a:r>
+              <a:rPr lang="ko-KR" altLang="en-US"/>
+              <a:t>이라고 한다</a:t>
+            </a:r>
+            <a:r>
+              <a:rPr lang="en-US" altLang="ko-KR"/>
+              <a:t>. </a:t>
+            </a:r>
+            <a:r>
+              <a:rPr lang="ko-KR" altLang="en-US"/>
+              <a:t>여러 개의 확률 변수를 하나의 확률 변수에 종속 시키는 방법</a:t>
+            </a:r>
+            <a:r>
+              <a:rPr lang="en-US" altLang="ko-KR"/>
+              <a:t>. </a:t>
+            </a:r>
+            <a:r>
+              <a:rPr lang="ko-KR" altLang="en-US"/>
+              <a:t>나중에 또 나온다</a:t>
+            </a:r>
+            <a:r>
+              <a:rPr lang="en-US" altLang="ko-KR"/>
+              <a:t>.)</a:t>
             </a:r>
           </a:p>
         </p:txBody>
@@ -8804,4 +14514,319 @@
     </a:ext>
   </a:extLst>
 </a:theme>
+</file>
+
+<file path=ppt/theme/theme2.xml><?xml version="1.0" encoding="utf-8"?>
+<a:theme xmlns:a="http://schemas.openxmlformats.org/drawingml/2006/main" name="Office 테마">
+  <a:themeElements>
+    <a:clrScheme name="Office">
+      <a:dk1>
+        <a:sysClr val="windowText" lastClr="000000"/>
+      </a:dk1>
+      <a:lt1>
+        <a:sysClr val="window" lastClr="FFFFFF"/>
+      </a:lt1>
+      <a:dk2>
+        <a:srgbClr val="0E2841"/>
+      </a:dk2>
+      <a:lt2>
+        <a:srgbClr val="E8E8E8"/>
+      </a:lt2>
+      <a:accent1>
+        <a:srgbClr val="156082"/>
+      </a:accent1>
+      <a:accent2>
+        <a:srgbClr val="E97132"/>
+      </a:accent2>
+      <a:accent3>
+        <a:srgbClr val="196B24"/>
+      </a:accent3>
+      <a:accent4>
+        <a:srgbClr val="0F9ED5"/>
+      </a:accent4>
+      <a:accent5>
+        <a:srgbClr val="A02B93"/>
+      </a:accent5>
+      <a:accent6>
+        <a:srgbClr val="4EA72E"/>
+      </a:accent6>
+      <a:hlink>
+        <a:srgbClr val="467886"/>
+      </a:hlink>
+      <a:folHlink>
+        <a:srgbClr val="96607D"/>
+      </a:folHlink>
+    </a:clrScheme>
+    <a:fontScheme name="Office">
+      <a:majorFont>
+        <a:latin typeface="맑은 고딕" panose="02110004020202020204"/>
+        <a:ea typeface=""/>
+        <a:cs typeface=""/>
+        <a:font script="Jpan" typeface="游ゴシック Light"/>
+        <a:font script="Hang" typeface="맑은 고딕"/>
+        <a:font script="Hans" typeface="等线 Light"/>
+        <a:font script="Hant" typeface="新細明體"/>
+        <a:font script="Arab" typeface="Times New Roman"/>
+        <a:font script="Hebr" typeface="Times New Roman"/>
+        <a:font script="Thai" typeface="Angsana New"/>
+        <a:font script="Ethi" typeface="Nyala"/>
+        <a:font script="Beng" typeface="Vrinda"/>
+        <a:font script="Gujr" typeface="Shruti"/>
+        <a:font script="Khmr" typeface="MoolBoran"/>
+        <a:font script="Knda" typeface="Tunga"/>
+        <a:font script="Guru" typeface="Raavi"/>
+        <a:font script="Cans" typeface="Euphemia"/>
+        <a:font script="Cher" typeface="Plantagenet Cherokee"/>
+        <a:font script="Yiii" typeface="Microsoft Yi Baiti"/>
+        <a:font script="Tibt" typeface="Microsoft Himalaya"/>
+        <a:font script="Thaa" typeface="MV Boli"/>
+        <a:font script="Deva" typeface="Mangal"/>
+        <a:font script="Telu" typeface="Gautami"/>
+        <a:font script="Taml" typeface="Latha"/>
+        <a:font script="Syrc" typeface="Estrangelo Edessa"/>
+        <a:font script="Orya" typeface="Kalinga"/>
+        <a:font script="Mlym" typeface="Kartika"/>
+        <a:font script="Laoo" typeface="DokChampa"/>
+        <a:font script="Sinh" typeface="Iskoola Pota"/>
+        <a:font script="Mong" typeface="Mongolian Baiti"/>
+        <a:font script="Viet" typeface="Times New Roman"/>
+        <a:font script="Uigh" typeface="Microsoft Uighur"/>
+        <a:font script="Geor" typeface="Sylfaen"/>
+        <a:font script="Armn" typeface="Arial"/>
+        <a:font script="Bugi" typeface="Leelawadee UI"/>
+        <a:font script="Bopo" typeface="Microsoft JhengHei"/>
+        <a:font script="Java" typeface="Javanese Text"/>
+        <a:font script="Lisu" typeface="Segoe UI"/>
+        <a:font script="Mymr" typeface="Myanmar Text"/>
+        <a:font script="Nkoo" typeface="Ebrima"/>
+        <a:font script="Olck" typeface="Nirmala UI"/>
+        <a:font script="Osma" typeface="Ebrima"/>
+        <a:font script="Phag" typeface="Phagspa"/>
+        <a:font script="Syrn" typeface="Estrangelo Edessa"/>
+        <a:font script="Syrj" typeface="Estrangelo Edessa"/>
+        <a:font script="Syre" typeface="Estrangelo Edessa"/>
+        <a:font script="Sora" typeface="Nirmala UI"/>
+        <a:font script="Tale" typeface="Microsoft Tai Le"/>
+        <a:font script="Talu" typeface="Microsoft New Tai Lue"/>
+        <a:font script="Tfng" typeface="Ebrima"/>
+      </a:majorFont>
+      <a:minorFont>
+        <a:latin typeface="맑은 고딕" panose="02110004020202020204"/>
+        <a:ea typeface=""/>
+        <a:cs typeface=""/>
+        <a:font script="Jpan" typeface="游ゴシック"/>
+        <a:font script="Hang" typeface="맑은 고딕"/>
+        <a:font script="Hans" typeface="等线"/>
+        <a:font script="Hant" typeface="新細明體"/>
+        <a:font script="Arab" typeface="Arial"/>
+        <a:font script="Hebr" typeface="Arial"/>
+        <a:font script="Thai" typeface="Cordia New"/>
+        <a:font script="Ethi" typeface="Nyala"/>
+        <a:font script="Beng" typeface="Vrinda"/>
+        <a:font script="Gujr" typeface="Shruti"/>
+        <a:font script="Khmr" typeface="DaunPenh"/>
+        <a:font script="Knda" typeface="Tunga"/>
+        <a:font script="Guru" typeface="Raavi"/>
+        <a:font script="Cans" typeface="Euphemia"/>
+        <a:font script="Cher" typeface="Plantagenet Cherokee"/>
+        <a:font script="Yiii" typeface="Microsoft Yi Baiti"/>
+        <a:font script="Tibt" typeface="Microsoft Himalaya"/>
+        <a:font script="Thaa" typeface="MV Boli"/>
+        <a:font script="Deva" typeface="Mangal"/>
+        <a:font script="Telu" typeface="Gautami"/>
+        <a:font script="Taml" typeface="Latha"/>
+        <a:font script="Syrc" typeface="Estrangelo Edessa"/>
+        <a:font script="Orya" typeface="Kalinga"/>
+        <a:font script="Mlym" typeface="Kartika"/>
+        <a:font script="Laoo" typeface="DokChampa"/>
+        <a:font script="Sinh" typeface="Iskoola Pota"/>
+        <a:font script="Mong" typeface="Mongolian Baiti"/>
+        <a:font script="Viet" typeface="Arial"/>
+        <a:font script="Uigh" typeface="Microsoft Uighur"/>
+        <a:font script="Geor" typeface="Sylfaen"/>
+        <a:font script="Armn" typeface="Arial"/>
+        <a:font script="Bugi" typeface="Leelawadee UI"/>
+        <a:font script="Bopo" typeface="Microsoft JhengHei"/>
+        <a:font script="Java" typeface="Javanese Text"/>
+        <a:font script="Lisu" typeface="Segoe UI"/>
+        <a:font script="Mymr" typeface="Myanmar Text"/>
+        <a:font script="Nkoo" typeface="Ebrima"/>
+        <a:font script="Olck" typeface="Nirmala UI"/>
+        <a:font script="Osma" typeface="Ebrima"/>
+        <a:font script="Phag" typeface="Phagspa"/>
+        <a:font script="Syrn" typeface="Estrangelo Edessa"/>
+        <a:font script="Syrj" typeface="Estrangelo Edessa"/>
+        <a:font script="Syre" typeface="Estrangelo Edessa"/>
+        <a:font script="Sora" typeface="Nirmala UI"/>
+        <a:font script="Tale" typeface="Microsoft Tai Le"/>
+        <a:font script="Talu" typeface="Microsoft New Tai Lue"/>
+        <a:font script="Tfng" typeface="Ebrima"/>
+      </a:minorFont>
+    </a:fontScheme>
+    <a:fmtScheme name="Office">
+      <a:fillStyleLst>
+        <a:solidFill>
+          <a:schemeClr val="phClr"/>
+        </a:solidFill>
+        <a:gradFill rotWithShape="1">
+          <a:gsLst>
+            <a:gs pos="0">
+              <a:schemeClr val="phClr">
+                <a:lumMod val="110000"/>
+                <a:satMod val="105000"/>
+                <a:tint val="67000"/>
+              </a:schemeClr>
+            </a:gs>
+            <a:gs pos="50000">
+              <a:schemeClr val="phClr">
+                <a:lumMod val="105000"/>
+                <a:satMod val="103000"/>
+                <a:tint val="73000"/>
+              </a:schemeClr>
+            </a:gs>
+            <a:gs pos="100000">
+              <a:schemeClr val="phClr">
+                <a:lumMod val="105000"/>
+                <a:satMod val="109000"/>
+                <a:tint val="81000"/>
+              </a:schemeClr>
+            </a:gs>
+          </a:gsLst>
+          <a:lin ang="5400000" scaled="0"/>
+        </a:gradFill>
+        <a:gradFill rotWithShape="1">
+          <a:gsLst>
+            <a:gs pos="0">
+              <a:schemeClr val="phClr">
+                <a:satMod val="103000"/>
+                <a:lumMod val="102000"/>
+                <a:tint val="94000"/>
+              </a:schemeClr>
+            </a:gs>
+            <a:gs pos="50000">
+              <a:schemeClr val="phClr">
+                <a:satMod val="110000"/>
+                <a:lumMod val="100000"/>
+                <a:shade val="100000"/>
+              </a:schemeClr>
+            </a:gs>
+            <a:gs pos="100000">
+              <a:schemeClr val="phClr">
+                <a:lumMod val="99000"/>
+                <a:satMod val="120000"/>
+                <a:shade val="78000"/>
+              </a:schemeClr>
+            </a:gs>
+          </a:gsLst>
+          <a:lin ang="5400000" scaled="0"/>
+        </a:gradFill>
+      </a:fillStyleLst>
+      <a:lnStyleLst>
+        <a:ln w="12700" cap="flat" cmpd="sng" algn="ctr">
+          <a:solidFill>
+            <a:schemeClr val="phClr"/>
+          </a:solidFill>
+          <a:prstDash val="solid"/>
+          <a:miter lim="800000"/>
+        </a:ln>
+        <a:ln w="19050" cap="flat" cmpd="sng" algn="ctr">
+          <a:solidFill>
+            <a:schemeClr val="phClr"/>
+          </a:solidFill>
+          <a:prstDash val="solid"/>
+          <a:miter lim="800000"/>
+        </a:ln>
+        <a:ln w="25400" cap="flat" cmpd="sng" algn="ctr">
+          <a:solidFill>
+            <a:schemeClr val="phClr"/>
+          </a:solidFill>
+          <a:prstDash val="solid"/>
+          <a:miter lim="800000"/>
+        </a:ln>
+      </a:lnStyleLst>
+      <a:effectStyleLst>
+        <a:effectStyle>
+          <a:effectLst/>
+        </a:effectStyle>
+        <a:effectStyle>
+          <a:effectLst/>
+        </a:effectStyle>
+        <a:effectStyle>
+          <a:effectLst>
+            <a:outerShdw blurRad="57150" dist="19050" dir="5400000" algn="ctr" rotWithShape="0">
+              <a:srgbClr val="000000">
+                <a:alpha val="63000"/>
+              </a:srgbClr>
+            </a:outerShdw>
+          </a:effectLst>
+        </a:effectStyle>
+      </a:effectStyleLst>
+      <a:bgFillStyleLst>
+        <a:solidFill>
+          <a:schemeClr val="phClr"/>
+        </a:solidFill>
+        <a:solidFill>
+          <a:schemeClr val="phClr">
+            <a:tint val="95000"/>
+            <a:satMod val="170000"/>
+          </a:schemeClr>
+        </a:solidFill>
+        <a:gradFill rotWithShape="1">
+          <a:gsLst>
+            <a:gs pos="0">
+              <a:schemeClr val="phClr">
+                <a:tint val="93000"/>
+                <a:satMod val="150000"/>
+                <a:shade val="98000"/>
+                <a:lumMod val="102000"/>
+              </a:schemeClr>
+            </a:gs>
+            <a:gs pos="50000">
+              <a:schemeClr val="phClr">
+                <a:tint val="98000"/>
+                <a:satMod val="130000"/>
+                <a:shade val="90000"/>
+                <a:lumMod val="103000"/>
+              </a:schemeClr>
+            </a:gs>
+            <a:gs pos="100000">
+              <a:schemeClr val="phClr">
+                <a:shade val="63000"/>
+                <a:satMod val="120000"/>
+              </a:schemeClr>
+            </a:gs>
+          </a:gsLst>
+          <a:lin ang="5400000" scaled="0"/>
+        </a:gradFill>
+      </a:bgFillStyleLst>
+    </a:fmtScheme>
+  </a:themeElements>
+  <a:objectDefaults>
+    <a:lnDef>
+      <a:spPr/>
+      <a:bodyPr/>
+      <a:lstStyle/>
+      <a:style>
+        <a:lnRef idx="2">
+          <a:schemeClr val="accent1"/>
+        </a:lnRef>
+        <a:fillRef idx="0">
+          <a:schemeClr val="accent1"/>
+        </a:fillRef>
+        <a:effectRef idx="1">
+          <a:schemeClr val="accent1"/>
+        </a:effectRef>
+        <a:fontRef idx="minor">
+          <a:schemeClr val="tx1"/>
+        </a:fontRef>
+      </a:style>
+    </a:lnDef>
+  </a:objectDefaults>
+  <a:extraClrSchemeLst/>
+  <a:extLst>
+    <a:ext uri="{05A4C25C-085E-4340-85A3-A5531E510DB2}">
+      <thm15:themeFamily xmlns:thm15="http://schemas.microsoft.com/office/thememl/2012/main" name="Office Theme" id="{2E142A2C-CD16-42D6-873A-C26D2A0506FA}" vid="{1BDDFF52-6CD6-40A5-AB3C-68EB2F1E4D0A}"/>
+    </a:ext>
+  </a:extLst>
+</a:theme>
 </file>
--- a/percolation.pptx
+++ b/percolation.pptx
@@ -5,7 +5,7 @@
     <p:sldMasterId id="2147483672" r:id="rId1"/>
   </p:sldMasterIdLst>
   <p:notesMasterIdLst>
-    <p:notesMasterId r:id="rId24"/>
+    <p:notesMasterId r:id="rId22"/>
   </p:notesMasterIdLst>
   <p:sldIdLst>
     <p:sldId id="256" r:id="rId2"/>
@@ -20,16 +20,14 @@
     <p:sldId id="266" r:id="rId11"/>
     <p:sldId id="267" r:id="rId12"/>
     <p:sldId id="264" r:id="rId13"/>
-    <p:sldId id="274" r:id="rId14"/>
-    <p:sldId id="273" r:id="rId15"/>
+    <p:sldId id="273" r:id="rId14"/>
+    <p:sldId id="279" r:id="rId15"/>
     <p:sldId id="275" r:id="rId16"/>
-    <p:sldId id="276" r:id="rId17"/>
-    <p:sldId id="277" r:id="rId18"/>
-    <p:sldId id="268" r:id="rId19"/>
-    <p:sldId id="269" r:id="rId20"/>
-    <p:sldId id="270" r:id="rId21"/>
-    <p:sldId id="271" r:id="rId22"/>
-    <p:sldId id="278" r:id="rId23"/>
+    <p:sldId id="268" r:id="rId17"/>
+    <p:sldId id="269" r:id="rId18"/>
+    <p:sldId id="270" r:id="rId19"/>
+    <p:sldId id="271" r:id="rId20"/>
+    <p:sldId id="278" r:id="rId21"/>
   </p:sldIdLst>
   <p:sldSz cx="12192000" cy="6858000"/>
   <p:notesSz cx="6858000" cy="9144000"/>
@@ -218,7 +216,7 @@
           <a:p>
             <a:fld id="{1EA6493F-1E59-4702-B0CC-C366A1B914E0}" type="datetimeFigureOut">
               <a:rPr lang="ko-KR" altLang="en-US" smtClean="0"/>
-              <a:t>2025-11-18</a:t>
+              <a:t>2025-11-20</a:t>
             </a:fld>
             <a:endParaRPr lang="ko-KR" altLang="en-US"/>
           </a:p>
@@ -550,7 +548,91 @@
           <a:p>
             <a:fld id="{A2EC85FE-98C0-4CB2-9782-5C8FEDF6FDA6}" type="slidenum">
               <a:rPr lang="ko-KR" altLang="en-US" smtClean="0"/>
-              <a:t>22</a:t>
+              <a:t>9</a:t>
+            </a:fld>
+            <a:endParaRPr lang="ko-KR" altLang="en-US"/>
+          </a:p>
+        </p:txBody>
+      </p:sp>
+    </p:spTree>
+    <p:extLst>
+      <p:ext uri="{BB962C8B-B14F-4D97-AF65-F5344CB8AC3E}">
+        <p14:creationId xmlns:p14="http://schemas.microsoft.com/office/powerpoint/2010/main" val="4070306373"/>
+      </p:ext>
+    </p:extLst>
+  </p:cSld>
+  <p:clrMapOvr>
+    <a:masterClrMapping/>
+  </p:clrMapOvr>
+</p:notes>
+</file>
+
+<file path=ppt/notesSlides/notesSlide2.xml><?xml version="1.0" encoding="utf-8"?>
+<p:notes xmlns:a="http://schemas.openxmlformats.org/drawingml/2006/main" xmlns:r="http://schemas.openxmlformats.org/officeDocument/2006/relationships" xmlns:p="http://schemas.openxmlformats.org/presentationml/2006/main">
+  <p:cSld>
+    <p:spTree>
+      <p:nvGrpSpPr>
+        <p:cNvPr id="1" name=""/>
+        <p:cNvGrpSpPr/>
+        <p:nvPr/>
+      </p:nvGrpSpPr>
+      <p:grpSpPr>
+        <a:xfrm>
+          <a:off x="0" y="0"/>
+          <a:ext cx="0" cy="0"/>
+          <a:chOff x="0" y="0"/>
+          <a:chExt cx="0" cy="0"/>
+        </a:xfrm>
+      </p:grpSpPr>
+      <p:sp>
+        <p:nvSpPr>
+          <p:cNvPr id="2" name="슬라이드 이미지 개체 틀 1"/>
+          <p:cNvSpPr>
+            <a:spLocks noGrp="1" noRot="1" noChangeAspect="1"/>
+          </p:cNvSpPr>
+          <p:nvPr>
+            <p:ph type="sldImg"/>
+          </p:nvPr>
+        </p:nvSpPr>
+        <p:spPr/>
+      </p:sp>
+      <p:sp>
+        <p:nvSpPr>
+          <p:cNvPr id="3" name="슬라이드 노트 개체 틀 2"/>
+          <p:cNvSpPr>
+            <a:spLocks noGrp="1"/>
+          </p:cNvSpPr>
+          <p:nvPr>
+            <p:ph type="body" idx="1"/>
+          </p:nvPr>
+        </p:nvSpPr>
+        <p:spPr/>
+        <p:txBody>
+          <a:bodyPr/>
+          <a:lstStyle/>
+          <a:p>
+            <a:endParaRPr lang="ko-KR" altLang="en-US"/>
+          </a:p>
+        </p:txBody>
+      </p:sp>
+      <p:sp>
+        <p:nvSpPr>
+          <p:cNvPr id="4" name="슬라이드 번호 개체 틀 3"/>
+          <p:cNvSpPr>
+            <a:spLocks noGrp="1"/>
+          </p:cNvSpPr>
+          <p:nvPr>
+            <p:ph type="sldNum" sz="quarter" idx="5"/>
+          </p:nvPr>
+        </p:nvSpPr>
+        <p:spPr/>
+        <p:txBody>
+          <a:bodyPr/>
+          <a:lstStyle/>
+          <a:p>
+            <a:fld id="{A2EC85FE-98C0-4CB2-9782-5C8FEDF6FDA6}" type="slidenum">
+              <a:rPr lang="ko-KR" altLang="en-US" smtClean="0"/>
+              <a:t>20</a:t>
             </a:fld>
             <a:endParaRPr lang="ko-KR" altLang="en-US"/>
           </a:p>
@@ -700,7 +782,7 @@
           <a:p>
             <a:fld id="{4D6668BB-5AA0-4DD2-8735-45AC13F760A9}" type="datetimeFigureOut">
               <a:rPr lang="ko-KR" altLang="en-US" smtClean="0"/>
-              <a:t>2025-11-18</a:t>
+              <a:t>2025-11-20</a:t>
             </a:fld>
             <a:endParaRPr lang="ko-KR" altLang="en-US"/>
           </a:p>
@@ -870,7 +952,7 @@
           <a:p>
             <a:fld id="{4D6668BB-5AA0-4DD2-8735-45AC13F760A9}" type="datetimeFigureOut">
               <a:rPr lang="ko-KR" altLang="en-US" smtClean="0"/>
-              <a:t>2025-11-18</a:t>
+              <a:t>2025-11-20</a:t>
             </a:fld>
             <a:endParaRPr lang="ko-KR" altLang="en-US"/>
           </a:p>
@@ -1050,7 +1132,7 @@
           <a:p>
             <a:fld id="{4D6668BB-5AA0-4DD2-8735-45AC13F760A9}" type="datetimeFigureOut">
               <a:rPr lang="ko-KR" altLang="en-US" smtClean="0"/>
-              <a:t>2025-11-18</a:t>
+              <a:t>2025-11-20</a:t>
             </a:fld>
             <a:endParaRPr lang="ko-KR" altLang="en-US"/>
           </a:p>
@@ -1220,7 +1302,7 @@
           <a:p>
             <a:fld id="{4D6668BB-5AA0-4DD2-8735-45AC13F760A9}" type="datetimeFigureOut">
               <a:rPr lang="ko-KR" altLang="en-US" smtClean="0"/>
-              <a:t>2025-11-18</a:t>
+              <a:t>2025-11-20</a:t>
             </a:fld>
             <a:endParaRPr lang="ko-KR" altLang="en-US"/>
           </a:p>
@@ -1466,7 +1548,7 @@
           <a:p>
             <a:fld id="{4D6668BB-5AA0-4DD2-8735-45AC13F760A9}" type="datetimeFigureOut">
               <a:rPr lang="ko-KR" altLang="en-US" smtClean="0"/>
-              <a:t>2025-11-18</a:t>
+              <a:t>2025-11-20</a:t>
             </a:fld>
             <a:endParaRPr lang="ko-KR" altLang="en-US"/>
           </a:p>
@@ -1698,7 +1780,7 @@
           <a:p>
             <a:fld id="{4D6668BB-5AA0-4DD2-8735-45AC13F760A9}" type="datetimeFigureOut">
               <a:rPr lang="ko-KR" altLang="en-US" smtClean="0"/>
-              <a:t>2025-11-18</a:t>
+              <a:t>2025-11-20</a:t>
             </a:fld>
             <a:endParaRPr lang="ko-KR" altLang="en-US"/>
           </a:p>
@@ -2065,7 +2147,7 @@
           <a:p>
             <a:fld id="{4D6668BB-5AA0-4DD2-8735-45AC13F760A9}" type="datetimeFigureOut">
               <a:rPr lang="ko-KR" altLang="en-US" smtClean="0"/>
-              <a:t>2025-11-18</a:t>
+              <a:t>2025-11-20</a:t>
             </a:fld>
             <a:endParaRPr lang="ko-KR" altLang="en-US"/>
           </a:p>
@@ -2183,7 +2265,7 @@
           <a:p>
             <a:fld id="{4D6668BB-5AA0-4DD2-8735-45AC13F760A9}" type="datetimeFigureOut">
               <a:rPr lang="ko-KR" altLang="en-US" smtClean="0"/>
-              <a:t>2025-11-18</a:t>
+              <a:t>2025-11-20</a:t>
             </a:fld>
             <a:endParaRPr lang="ko-KR" altLang="en-US"/>
           </a:p>
@@ -2278,7 +2360,7 @@
           <a:p>
             <a:fld id="{4D6668BB-5AA0-4DD2-8735-45AC13F760A9}" type="datetimeFigureOut">
               <a:rPr lang="ko-KR" altLang="en-US" smtClean="0"/>
-              <a:t>2025-11-18</a:t>
+              <a:t>2025-11-20</a:t>
             </a:fld>
             <a:endParaRPr lang="ko-KR" altLang="en-US"/>
           </a:p>
@@ -2555,7 +2637,7 @@
           <a:p>
             <a:fld id="{4D6668BB-5AA0-4DD2-8735-45AC13F760A9}" type="datetimeFigureOut">
               <a:rPr lang="ko-KR" altLang="en-US" smtClean="0"/>
-              <a:t>2025-11-18</a:t>
+              <a:t>2025-11-20</a:t>
             </a:fld>
             <a:endParaRPr lang="ko-KR" altLang="en-US"/>
           </a:p>
@@ -2812,7 +2894,7 @@
           <a:p>
             <a:fld id="{4D6668BB-5AA0-4DD2-8735-45AC13F760A9}" type="datetimeFigureOut">
               <a:rPr lang="ko-KR" altLang="en-US" smtClean="0"/>
-              <a:t>2025-11-18</a:t>
+              <a:t>2025-11-20</a:t>
             </a:fld>
             <a:endParaRPr lang="ko-KR" altLang="en-US"/>
           </a:p>
@@ -3025,7 +3107,7 @@
           <a:p>
             <a:fld id="{4D6668BB-5AA0-4DD2-8735-45AC13F760A9}" type="datetimeFigureOut">
               <a:rPr lang="ko-KR" altLang="en-US" smtClean="0"/>
-              <a:t>2025-11-18</a:t>
+              <a:t>2025-11-20</a:t>
             </a:fld>
             <a:endParaRPr lang="ko-KR" altLang="en-US"/>
           </a:p>
@@ -3490,7 +3572,12 @@
             <p:ph type="subTitle" idx="1"/>
           </p:nvPr>
         </p:nvSpPr>
-        <p:spPr/>
+        <p:spPr>
+          <a:xfrm>
+            <a:off x="1524000" y="4303653"/>
+            <a:ext cx="9144000" cy="1655762"/>
+          </a:xfrm>
+        </p:spPr>
         <p:txBody>
           <a:bodyPr/>
           <a:lstStyle/>
@@ -3642,6 +3729,10 @@
           </a:p>
           <a:p>
             <a:r>
+              <a:rPr lang="ko-KR" altLang="en-US"/>
+              <a:t>따라서 </a:t>
+            </a:r>
+            <a:r>
               <a:rPr lang="en-US" altLang="ko-KR"/>
               <a:t>“</a:t>
             </a:r>
@@ -3663,7 +3754,7 @@
             </a:r>
             <a:r>
               <a:rPr lang="ko-KR" altLang="en-US"/>
-              <a:t>이 발생할 확률도 </a:t>
+              <a:t>이 발생할 확률은 </a:t>
             </a:r>
             <a:r>
               <a:rPr lang="en-US" altLang="ko-KR"/>
@@ -3685,6 +3776,8 @@
               <a:rPr lang="en-US" altLang="ko-KR"/>
               <a:t>. </a:t>
             </a:r>
+          </a:p>
+          <a:p>
             <a:r>
               <a:rPr lang="ko-KR" altLang="en-US"/>
               <a:t>따라서</a:t>
@@ -3695,7 +3788,7 @@
             </a:r>
             <a:r>
               <a:rPr lang="ko-KR" altLang="en-US"/>
-              <a:t>간선에 할당된 수들에 상관없이</a:t>
+              <a:t>간선들의 가중치들에 상관없이</a:t>
             </a:r>
             <a:r>
               <a:rPr lang="en-US" altLang="ko-KR"/>
@@ -3707,11 +3800,19 @@
             </a:r>
             <a:r>
               <a:rPr lang="en-US" altLang="ko-KR"/>
-              <a:t>.”</a:t>
-            </a:r>
-            <a:r>
-              <a:rPr lang="ko-KR" altLang="en-US"/>
-              <a:t>와 같이 말할 수 있다</a:t>
+              <a:t>(or </a:t>
+            </a:r>
+            <a:r>
+              <a:rPr lang="ko-KR" altLang="en-US"/>
+              <a:t>존재하지 않는다</a:t>
+            </a:r>
+            <a:r>
+              <a:rPr lang="en-US" altLang="ko-KR"/>
+              <a:t>).”</a:t>
+            </a:r>
+            <a:r>
+              <a:rPr lang="ko-KR" altLang="en-US"/>
+              <a:t>와 같이 단정적으로 말할 수 있다</a:t>
             </a:r>
             <a:r>
               <a:rPr lang="en-US" altLang="ko-KR"/>
@@ -4790,14 +4891,6 @@
               <a:bodyPr/>
               <a:lstStyle/>
               <a:p>
-                <a:r>
-                  <a:rPr lang="ko-KR" altLang="en-US"/>
-                  <a:t>임계점 </a:t>
-                </a:r>
-                <a:r>
-                  <a:rPr lang="en-US" altLang="ko-KR"/>
-                  <a:t>: </a:t>
-                </a:r>
                 <a14:m>
                   <m:oMath xmlns:m="http://schemas.openxmlformats.org/officeDocument/2006/math">
                     <m:sSub>
@@ -4831,11 +4924,31 @@
                       </a:rPr>
                       <m:t>=0.5</m:t>
                     </m:r>
+                    <m:r>
+                      <a:rPr lang="en-US" altLang="ko-KR" b="0" i="0" smtClean="0">
+                        <a:latin typeface="Cambria Math" panose="02040503050406030204" pitchFamily="18" charset="0"/>
+                      </a:rPr>
+                      <m:t> </m:t>
+                    </m:r>
+                    <m:r>
+                      <a:rPr lang="ko-KR" altLang="en-US" i="1">
+                        <a:latin typeface="Cambria Math" panose="02040503050406030204" pitchFamily="18" charset="0"/>
+                      </a:rPr>
+                      <m:t>증</m:t>
+                    </m:r>
                   </m:oMath>
                 </a14:m>
                 <a:r>
                   <a:rPr lang="ko-KR" altLang="en-US"/>
-                  <a:t>의 의미</a:t>
+                  <a:t>명</a:t>
+                </a:r>
+                <a:r>
+                  <a:rPr lang="en-US" altLang="ko-KR"/>
+                  <a:t> – </a:t>
+                </a:r>
+                <a:r>
+                  <a:rPr lang="ko-KR" altLang="en-US"/>
+                  <a:t>듀얼 그래프 정의</a:t>
                 </a:r>
               </a:p>
             </p:txBody>
@@ -4862,7 +4975,7 @@
               <a:blipFill>
                 <a:blip r:embed="rId2"/>
                 <a:stretch>
-                  <a:fillRect l="-2377"/>
+                  <a:fillRect/>
                 </a:stretch>
               </a:blipFill>
             </p:spPr>
@@ -4881,503 +4994,207 @@
           </p:sp>
         </mc:Fallback>
       </mc:AlternateContent>
-      <mc:AlternateContent xmlns:mc="http://schemas.openxmlformats.org/markup-compatibility/2006">
-        <mc:Choice xmlns:a14="http://schemas.microsoft.com/office/drawing/2010/main" Requires="a14">
-          <p:sp>
-            <p:nvSpPr>
-              <p:cNvPr id="3" name="내용 개체 틀 2">
-                <a:extLst>
-                  <a:ext uri="{FF2B5EF4-FFF2-40B4-BE49-F238E27FC236}">
-                    <a16:creationId xmlns:a16="http://schemas.microsoft.com/office/drawing/2014/main" id="{BD8E0D52-218C-31D2-7DCD-2F6707F2420B}"/>
-                  </a:ext>
-                </a:extLst>
-              </p:cNvPr>
-              <p:cNvSpPr>
-                <a:spLocks noGrp="1"/>
-              </p:cNvSpPr>
-              <p:nvPr>
-                <p:ph idx="1"/>
-              </p:nvPr>
-            </p:nvSpPr>
-            <p:spPr>
-              <a:xfrm>
-                <a:off x="838200" y="1825624"/>
-                <a:ext cx="10515600" cy="2974975"/>
-              </a:xfrm>
-            </p:spPr>
-            <p:txBody>
-              <a:bodyPr>
-                <a:normAutofit/>
-              </a:bodyPr>
-              <a:lstStyle/>
-              <a:p>
-                <a:r>
-                  <a:rPr lang="ko-KR" altLang="en-US"/>
-                  <a:t>이 상전이가 발생하는 정확한 </a:t>
-                </a:r>
-                <a14:m>
-                  <m:oMath xmlns:m="http://schemas.openxmlformats.org/officeDocument/2006/math">
-                    <m:r>
-                      <a:rPr lang="en-US" altLang="ko-KR" b="0" i="1" smtClean="0">
-                        <a:latin typeface="Cambria Math" panose="02040503050406030204" pitchFamily="18" charset="0"/>
-                      </a:rPr>
-                      <m:t>𝑝</m:t>
-                    </m:r>
-                  </m:oMath>
-                </a14:m>
-                <a:r>
-                  <a:rPr lang="ko-KR" altLang="en-US"/>
-                  <a:t>의 값은 </a:t>
-                </a:r>
-                <a:r>
-                  <a:rPr lang="en-US" altLang="ko-KR"/>
-                  <a:t>0.5</a:t>
-                </a:r>
-                <a:r>
-                  <a:rPr lang="ko-KR" altLang="en-US"/>
-                  <a:t>인 것으로 알려져 있다</a:t>
-                </a:r>
-                <a:r>
-                  <a:rPr lang="en-US" altLang="ko-KR"/>
-                  <a:t>.</a:t>
-                </a:r>
-              </a:p>
-              <a:p>
-                <a14:m>
-                  <m:oMath xmlns:m="http://schemas.openxmlformats.org/officeDocument/2006/math">
-                    <m:sSub>
-                      <m:sSubPr>
-                        <m:ctrlPr>
-                          <a:rPr lang="en-US" altLang="ko-KR" b="0" i="1" smtClean="0">
-                            <a:latin typeface="Cambria Math" panose="02040503050406030204" pitchFamily="18" charset="0"/>
-                          </a:rPr>
-                        </m:ctrlPr>
-                      </m:sSubPr>
-                      <m:e>
-                        <m:r>
-                          <a:rPr lang="en-US" altLang="ko-KR" b="0" i="1" smtClean="0">
-                            <a:latin typeface="Cambria Math" panose="02040503050406030204" pitchFamily="18" charset="0"/>
-                          </a:rPr>
-                          <m:t>𝑝</m:t>
-                        </m:r>
-                      </m:e>
-                      <m:sub>
-                        <m:r>
-                          <a:rPr lang="en-US" altLang="ko-KR" b="0" i="1" smtClean="0">
-                            <a:latin typeface="Cambria Math" panose="02040503050406030204" pitchFamily="18" charset="0"/>
-                          </a:rPr>
-                          <m:t>𝑐</m:t>
-                        </m:r>
-                      </m:sub>
-                    </m:sSub>
-                    <m:r>
-                      <a:rPr lang="en-US" altLang="ko-KR" b="0" i="1" smtClean="0">
-                        <a:latin typeface="Cambria Math" panose="02040503050406030204" pitchFamily="18" charset="0"/>
-                      </a:rPr>
-                      <m:t>=0.5</m:t>
-                    </m:r>
-                  </m:oMath>
-                </a14:m>
-                <a:r>
-                  <a:rPr lang="ko-KR" altLang="en-US"/>
-                  <a:t>라는 사실에 의해 무한 클러스터의 형태에 대해 다음을 알 수 있다</a:t>
-                </a:r>
-                <a:r>
-                  <a:rPr lang="en-US" altLang="ko-KR"/>
-                  <a:t>.</a:t>
-                </a:r>
-              </a:p>
-              <a:p>
-                <a:pPr lvl="1"/>
-                <a:r>
-                  <a:rPr lang="ko-KR" altLang="en-US"/>
-                  <a:t>무한 클러스터는 모든 점을 감싼다</a:t>
-                </a:r>
-                <a:r>
-                  <a:rPr lang="en-US" altLang="ko-KR"/>
-                  <a:t>. (</a:t>
-                </a:r>
-                <a:r>
-                  <a:rPr lang="ko-KR" altLang="en-US"/>
-                  <a:t>즉</a:t>
-                </a:r>
-                <a:r>
-                  <a:rPr lang="en-US" altLang="ko-KR"/>
-                  <a:t>, </a:t>
-                </a:r>
-                <a:r>
-                  <a:rPr lang="ko-KR" altLang="en-US"/>
-                  <a:t>격자 내의 모든 부분에 무한 클러스터가 퍼져있다</a:t>
-                </a:r>
-                <a:r>
-                  <a:rPr lang="en-US" altLang="ko-KR"/>
-                  <a:t>.</a:t>
-                </a:r>
-              </a:p>
-              <a:p>
-                <a:pPr lvl="1"/>
-                <a:r>
-                  <a:rPr lang="ko-KR" altLang="en-US"/>
-                  <a:t>무한 클러스터는 유일하다</a:t>
-                </a:r>
-                <a:r>
-                  <a:rPr lang="en-US" altLang="ko-KR"/>
-                  <a:t>. (</a:t>
-                </a:r>
-                <a:r>
-                  <a:rPr lang="ko-KR" altLang="en-US"/>
-                  <a:t>두 개 이상의 무한 클러스터가 존재하지 않는다</a:t>
-                </a:r>
-                <a:r>
-                  <a:rPr lang="en-US" altLang="ko-KR"/>
-                  <a:t>.)</a:t>
-                </a:r>
-              </a:p>
-              <a:p>
-                <a:endParaRPr lang="en-US" altLang="ko-KR"/>
-              </a:p>
-            </p:txBody>
-          </p:sp>
-        </mc:Choice>
-        <mc:Fallback>
-          <p:sp>
-            <p:nvSpPr>
-              <p:cNvPr id="3" name="내용 개체 틀 2">
-                <a:extLst>
-                  <a:ext uri="{FF2B5EF4-FFF2-40B4-BE49-F238E27FC236}">
-                    <a16:creationId xmlns:a16="http://schemas.microsoft.com/office/drawing/2014/main" id="{BD8E0D52-218C-31D2-7DCD-2F6707F2420B}"/>
-                  </a:ext>
-                </a:extLst>
-              </p:cNvPr>
-              <p:cNvSpPr>
-                <a:spLocks noGrp="1" noRot="1" noChangeAspect="1" noMove="1" noResize="1" noEditPoints="1" noAdjustHandles="1" noChangeArrowheads="1" noChangeShapeType="1" noTextEdit="1"/>
-              </p:cNvSpPr>
-              <p:nvPr>
-                <p:ph idx="1"/>
-              </p:nvPr>
-            </p:nvSpPr>
-            <p:spPr>
-              <a:xfrm>
-                <a:off x="838200" y="1825624"/>
-                <a:ext cx="10515600" cy="2974975"/>
-              </a:xfrm>
-              <a:blipFill>
-                <a:blip r:embed="rId3"/>
-                <a:stretch>
-                  <a:fillRect l="-1043" t="-3893" r="-464"/>
-                </a:stretch>
-              </a:blipFill>
-            </p:spPr>
-            <p:txBody>
-              <a:bodyPr/>
-              <a:lstStyle/>
-              <a:p>
-                <a:r>
-                  <a:rPr lang="ko-KR" altLang="en-US">
-                    <a:noFill/>
-                  </a:rPr>
-                  <a:t> </a:t>
-                </a:r>
-              </a:p>
-            </p:txBody>
-          </p:sp>
-        </mc:Fallback>
-      </mc:AlternateContent>
-      <mc:AlternateContent xmlns:mc="http://schemas.openxmlformats.org/markup-compatibility/2006">
-        <mc:Choice xmlns:a14="http://schemas.microsoft.com/office/drawing/2010/main" Requires="a14">
-          <p:sp>
-            <p:nvSpPr>
-              <p:cNvPr id="5" name="내용 개체 틀 2">
-                <a:extLst>
-                  <a:ext uri="{FF2B5EF4-FFF2-40B4-BE49-F238E27FC236}">
-                    <a16:creationId xmlns:a16="http://schemas.microsoft.com/office/drawing/2014/main" id="{13419D95-D6FE-7D7F-F033-60A405A59025}"/>
-                  </a:ext>
-                </a:extLst>
-              </p:cNvPr>
-              <p:cNvSpPr txBox="1">
-                <a:spLocks/>
-              </p:cNvSpPr>
-              <p:nvPr/>
-            </p:nvSpPr>
-            <p:spPr>
-              <a:xfrm>
-                <a:off x="838200" y="4800599"/>
-                <a:ext cx="10515600" cy="1285876"/>
-              </a:xfrm>
-              <a:prstGeom prst="rect">
-                <a:avLst/>
-              </a:prstGeom>
-            </p:spPr>
-            <p:txBody>
-              <a:bodyPr vert="horz" lIns="91440" tIns="45720" rIns="91440" bIns="45720" rtlCol="0">
-                <a:normAutofit/>
-              </a:bodyPr>
-              <a:lstStyle>
-                <a:lvl1pPr marL="228600" indent="-228600" algn="l" defTabSz="914400" rtl="0" eaLnBrk="1" latinLnBrk="1" hangingPunct="1">
-                  <a:lnSpc>
-                    <a:spcPct val="90000"/>
-                  </a:lnSpc>
-                  <a:spcBef>
-                    <a:spcPts val="1000"/>
-                  </a:spcBef>
-                  <a:buFont typeface="Arial" panose="020B0604020202020204" pitchFamily="34" charset="0"/>
-                  <a:buChar char="•"/>
-                  <a:defRPr sz="2800" kern="1200">
-                    <a:solidFill>
-                      <a:schemeClr val="tx1"/>
-                    </a:solidFill>
-                    <a:latin typeface="+mn-lt"/>
-                    <a:ea typeface="+mn-ea"/>
-                    <a:cs typeface="+mn-cs"/>
-                  </a:defRPr>
-                </a:lvl1pPr>
-                <a:lvl2pPr marL="685800" indent="-228600" algn="l" defTabSz="914400" rtl="0" eaLnBrk="1" latinLnBrk="1" hangingPunct="1">
-                  <a:lnSpc>
-                    <a:spcPct val="90000"/>
-                  </a:lnSpc>
-                  <a:spcBef>
-                    <a:spcPts val="500"/>
-                  </a:spcBef>
-                  <a:buFont typeface="Arial" panose="020B0604020202020204" pitchFamily="34" charset="0"/>
-                  <a:buChar char="•"/>
-                  <a:defRPr sz="2400" kern="1200">
-                    <a:solidFill>
-                      <a:schemeClr val="tx1"/>
-                    </a:solidFill>
-                    <a:latin typeface="+mn-lt"/>
-                    <a:ea typeface="+mn-ea"/>
-                    <a:cs typeface="+mn-cs"/>
-                  </a:defRPr>
-                </a:lvl2pPr>
-                <a:lvl3pPr marL="1143000" indent="-228600" algn="l" defTabSz="914400" rtl="0" eaLnBrk="1" latinLnBrk="1" hangingPunct="1">
-                  <a:lnSpc>
-                    <a:spcPct val="90000"/>
-                  </a:lnSpc>
-                  <a:spcBef>
-                    <a:spcPts val="500"/>
-                  </a:spcBef>
-                  <a:buFont typeface="Arial" panose="020B0604020202020204" pitchFamily="34" charset="0"/>
-                  <a:buChar char="•"/>
-                  <a:defRPr sz="2000" kern="1200">
-                    <a:solidFill>
-                      <a:schemeClr val="tx1"/>
-                    </a:solidFill>
-                    <a:latin typeface="+mn-lt"/>
-                    <a:ea typeface="+mn-ea"/>
-                    <a:cs typeface="+mn-cs"/>
-                  </a:defRPr>
-                </a:lvl3pPr>
-                <a:lvl4pPr marL="1600200" indent="-228600" algn="l" defTabSz="914400" rtl="0" eaLnBrk="1" latinLnBrk="1" hangingPunct="1">
-                  <a:lnSpc>
-                    <a:spcPct val="90000"/>
-                  </a:lnSpc>
-                  <a:spcBef>
-                    <a:spcPts val="500"/>
-                  </a:spcBef>
-                  <a:buFont typeface="Arial" panose="020B0604020202020204" pitchFamily="34" charset="0"/>
-                  <a:buChar char="•"/>
-                  <a:defRPr sz="1800" kern="1200">
-                    <a:solidFill>
-                      <a:schemeClr val="tx1"/>
-                    </a:solidFill>
-                    <a:latin typeface="+mn-lt"/>
-                    <a:ea typeface="+mn-ea"/>
-                    <a:cs typeface="+mn-cs"/>
-                  </a:defRPr>
-                </a:lvl4pPr>
-                <a:lvl5pPr marL="2057400" indent="-228600" algn="l" defTabSz="914400" rtl="0" eaLnBrk="1" latinLnBrk="1" hangingPunct="1">
-                  <a:lnSpc>
-                    <a:spcPct val="90000"/>
-                  </a:lnSpc>
-                  <a:spcBef>
-                    <a:spcPts val="500"/>
-                  </a:spcBef>
-                  <a:buFont typeface="Arial" panose="020B0604020202020204" pitchFamily="34" charset="0"/>
-                  <a:buChar char="•"/>
-                  <a:defRPr sz="1800" kern="1200">
-                    <a:solidFill>
-                      <a:schemeClr val="tx1"/>
-                    </a:solidFill>
-                    <a:latin typeface="+mn-lt"/>
-                    <a:ea typeface="+mn-ea"/>
-                    <a:cs typeface="+mn-cs"/>
-                  </a:defRPr>
-                </a:lvl5pPr>
-                <a:lvl6pPr marL="2514600" indent="-228600" algn="l" defTabSz="914400" rtl="0" eaLnBrk="1" latinLnBrk="1" hangingPunct="1">
-                  <a:lnSpc>
-                    <a:spcPct val="90000"/>
-                  </a:lnSpc>
-                  <a:spcBef>
-                    <a:spcPts val="500"/>
-                  </a:spcBef>
-                  <a:buFont typeface="Arial" panose="020B0604020202020204" pitchFamily="34" charset="0"/>
-                  <a:buChar char="•"/>
-                  <a:defRPr sz="1800" kern="1200">
-                    <a:solidFill>
-                      <a:schemeClr val="tx1"/>
-                    </a:solidFill>
-                    <a:latin typeface="+mn-lt"/>
-                    <a:ea typeface="+mn-ea"/>
-                    <a:cs typeface="+mn-cs"/>
-                  </a:defRPr>
-                </a:lvl6pPr>
-                <a:lvl7pPr marL="2971800" indent="-228600" algn="l" defTabSz="914400" rtl="0" eaLnBrk="1" latinLnBrk="1" hangingPunct="1">
-                  <a:lnSpc>
-                    <a:spcPct val="90000"/>
-                  </a:lnSpc>
-                  <a:spcBef>
-                    <a:spcPts val="500"/>
-                  </a:spcBef>
-                  <a:buFont typeface="Arial" panose="020B0604020202020204" pitchFamily="34" charset="0"/>
-                  <a:buChar char="•"/>
-                  <a:defRPr sz="1800" kern="1200">
-                    <a:solidFill>
-                      <a:schemeClr val="tx1"/>
-                    </a:solidFill>
-                    <a:latin typeface="+mn-lt"/>
-                    <a:ea typeface="+mn-ea"/>
-                    <a:cs typeface="+mn-cs"/>
-                  </a:defRPr>
-                </a:lvl7pPr>
-                <a:lvl8pPr marL="3429000" indent="-228600" algn="l" defTabSz="914400" rtl="0" eaLnBrk="1" latinLnBrk="1" hangingPunct="1">
-                  <a:lnSpc>
-                    <a:spcPct val="90000"/>
-                  </a:lnSpc>
-                  <a:spcBef>
-                    <a:spcPts val="500"/>
-                  </a:spcBef>
-                  <a:buFont typeface="Arial" panose="020B0604020202020204" pitchFamily="34" charset="0"/>
-                  <a:buChar char="•"/>
-                  <a:defRPr sz="1800" kern="1200">
-                    <a:solidFill>
-                      <a:schemeClr val="tx1"/>
-                    </a:solidFill>
-                    <a:latin typeface="+mn-lt"/>
-                    <a:ea typeface="+mn-ea"/>
-                    <a:cs typeface="+mn-cs"/>
-                  </a:defRPr>
-                </a:lvl8pPr>
-                <a:lvl9pPr marL="3886200" indent="-228600" algn="l" defTabSz="914400" rtl="0" eaLnBrk="1" latinLnBrk="1" hangingPunct="1">
-                  <a:lnSpc>
-                    <a:spcPct val="90000"/>
-                  </a:lnSpc>
-                  <a:spcBef>
-                    <a:spcPts val="500"/>
-                  </a:spcBef>
-                  <a:buFont typeface="Arial" panose="020B0604020202020204" pitchFamily="34" charset="0"/>
-                  <a:buChar char="•"/>
-                  <a:defRPr sz="1800" kern="1200">
-                    <a:solidFill>
-                      <a:schemeClr val="tx1"/>
-                    </a:solidFill>
-                    <a:latin typeface="+mn-lt"/>
-                    <a:ea typeface="+mn-ea"/>
-                    <a:cs typeface="+mn-cs"/>
-                  </a:defRPr>
-                </a:lvl9pPr>
-              </a:lstStyle>
-              <a:p>
-                <a14:m>
-                  <m:oMath xmlns:m="http://schemas.openxmlformats.org/officeDocument/2006/math">
-                    <m:sSub>
-                      <m:sSubPr>
-                        <m:ctrlPr>
-                          <a:rPr lang="en-US" altLang="ko-KR" i="1">
-                            <a:latin typeface="Cambria Math" panose="02040503050406030204" pitchFamily="18" charset="0"/>
-                          </a:rPr>
-                        </m:ctrlPr>
-                      </m:sSubPr>
-                      <m:e>
-                        <m:r>
-                          <a:rPr lang="en-US" altLang="ko-KR" i="1">
-                            <a:latin typeface="Cambria Math" panose="02040503050406030204" pitchFamily="18" charset="0"/>
-                          </a:rPr>
-                          <m:t>𝑝</m:t>
-                        </m:r>
-                      </m:e>
-                      <m:sub>
-                        <m:r>
-                          <a:rPr lang="en-US" altLang="ko-KR" i="1">
-                            <a:latin typeface="Cambria Math" panose="02040503050406030204" pitchFamily="18" charset="0"/>
-                          </a:rPr>
-                          <m:t>𝑐</m:t>
-                        </m:r>
-                      </m:sub>
-                    </m:sSub>
-                  </m:oMath>
-                </a14:m>
-                <a:r>
-                  <a:rPr lang="ko-KR" altLang="en-US"/>
-                  <a:t>가 </a:t>
-                </a:r>
-                <a:r>
-                  <a:rPr lang="en-US" altLang="ko-KR"/>
-                  <a:t>0.5</a:t>
-                </a:r>
-                <a:r>
-                  <a:rPr lang="ko-KR" altLang="en-US"/>
-                  <a:t>임을 가정한 뒤 아래 두 문장을 증명해보자</a:t>
-                </a:r>
-                <a:r>
-                  <a:rPr lang="en-US" altLang="ko-KR"/>
-                  <a:t>.</a:t>
-                </a:r>
-              </a:p>
-              <a:p>
-                <a:pPr lvl="1"/>
-                <a:endParaRPr lang="en-US" altLang="ko-KR"/>
-              </a:p>
-              <a:p>
-                <a:endParaRPr lang="en-US" altLang="ko-KR"/>
-              </a:p>
-            </p:txBody>
-          </p:sp>
-        </mc:Choice>
-        <mc:Fallback>
-          <p:sp>
-            <p:nvSpPr>
-              <p:cNvPr id="5" name="내용 개체 틀 2">
-                <a:extLst>
-                  <a:ext uri="{FF2B5EF4-FFF2-40B4-BE49-F238E27FC236}">
-                    <a16:creationId xmlns:a16="http://schemas.microsoft.com/office/drawing/2014/main" id="{13419D95-D6FE-7D7F-F033-60A405A59025}"/>
-                  </a:ext>
-                </a:extLst>
-              </p:cNvPr>
-              <p:cNvSpPr txBox="1">
-                <a:spLocks noRot="1" noChangeAspect="1" noMove="1" noResize="1" noEditPoints="1" noAdjustHandles="1" noChangeArrowheads="1" noChangeShapeType="1" noTextEdit="1"/>
-              </p:cNvSpPr>
-              <p:nvPr/>
-            </p:nvSpPr>
-            <p:spPr>
-              <a:xfrm>
-                <a:off x="838200" y="4800599"/>
-                <a:ext cx="10515600" cy="1285876"/>
-              </a:xfrm>
-              <a:prstGeom prst="rect">
-                <a:avLst/>
-              </a:prstGeom>
-              <a:blipFill>
-                <a:blip r:embed="rId4"/>
-                <a:stretch>
-                  <a:fillRect t="-9005"/>
-                </a:stretch>
-              </a:blipFill>
-            </p:spPr>
-            <p:txBody>
-              <a:bodyPr/>
-              <a:lstStyle/>
-              <a:p>
-                <a:r>
-                  <a:rPr lang="ko-KR" altLang="en-US">
-                    <a:noFill/>
-                  </a:rPr>
-                  <a:t> </a:t>
-                </a:r>
-              </a:p>
-            </p:txBody>
-          </p:sp>
-        </mc:Fallback>
-      </mc:AlternateContent>
+      <p:sp>
+        <p:nvSpPr>
+          <p:cNvPr id="3" name="내용 개체 틀 2">
+            <a:extLst>
+              <a:ext uri="{FF2B5EF4-FFF2-40B4-BE49-F238E27FC236}">
+                <a16:creationId xmlns:a16="http://schemas.microsoft.com/office/drawing/2014/main" id="{BD8E0D52-218C-31D2-7DCD-2F6707F2420B}"/>
+              </a:ext>
+            </a:extLst>
+          </p:cNvPr>
+          <p:cNvSpPr>
+            <a:spLocks noGrp="1"/>
+          </p:cNvSpPr>
+          <p:nvPr>
+            <p:ph idx="1"/>
+          </p:nvPr>
+        </p:nvSpPr>
+        <p:spPr>
+          <a:xfrm>
+            <a:off x="838200" y="1825624"/>
+            <a:ext cx="10515600" cy="2974975"/>
+          </a:xfrm>
+        </p:spPr>
+        <p:txBody>
+          <a:bodyPr>
+            <a:normAutofit/>
+          </a:bodyPr>
+          <a:lstStyle/>
+          <a:p>
+            <a:r>
+              <a:rPr lang="ko-KR" altLang="en-US"/>
+              <a:t>상전이가 발생하는 임계값이 </a:t>
+            </a:r>
+            <a:r>
+              <a:rPr lang="en-US" altLang="ko-KR"/>
+              <a:t>0.5</a:t>
+            </a:r>
+            <a:r>
+              <a:rPr lang="ko-KR" altLang="en-US"/>
+              <a:t>임을 증명하기 위해 </a:t>
+            </a:r>
+            <a:r>
+              <a:rPr lang="en-US" altLang="ko-KR"/>
+              <a:t>“</a:t>
+            </a:r>
+            <a:r>
+              <a:rPr lang="ko-KR" altLang="en-US"/>
+              <a:t>듀얼 그래프</a:t>
+            </a:r>
+            <a:r>
+              <a:rPr lang="en-US" altLang="ko-KR"/>
+              <a:t>”</a:t>
+            </a:r>
+            <a:r>
+              <a:rPr lang="ko-KR" altLang="en-US"/>
+              <a:t>를 정의한다</a:t>
+            </a:r>
+            <a:r>
+              <a:rPr lang="en-US" altLang="ko-KR"/>
+              <a:t>.</a:t>
+            </a:r>
+          </a:p>
+          <a:p>
+            <a:r>
+              <a:rPr lang="ko-KR" altLang="en-US"/>
+              <a:t>듀얼 그래프 </a:t>
+            </a:r>
+            <a:r>
+              <a:rPr lang="en-US" altLang="ko-KR"/>
+              <a:t>: </a:t>
+            </a:r>
+            <a:r>
+              <a:rPr lang="ko-KR" altLang="en-US"/>
+              <a:t>기존 그래프 </a:t>
+            </a:r>
+            <a:r>
+              <a:rPr lang="en-US" altLang="ko-KR"/>
+              <a:t>G</a:t>
+            </a:r>
+            <a:r>
+              <a:rPr lang="ko-KR" altLang="en-US"/>
+              <a:t>에 대해 정점과 간선을 다음과 같이 정의한 그래프</a:t>
+            </a:r>
+            <a:endParaRPr lang="en-US" altLang="ko-KR"/>
+          </a:p>
+          <a:p>
+            <a:pPr lvl="1"/>
+            <a:r>
+              <a:rPr lang="en-US" altLang="ko-KR"/>
+              <a:t>G*</a:t>
+            </a:r>
+            <a:r>
+              <a:rPr lang="ko-KR" altLang="en-US"/>
+              <a:t>의 정점 </a:t>
+            </a:r>
+            <a:r>
+              <a:rPr lang="en-US" altLang="ko-KR">
+                <a:sym typeface="Wingdings" panose="05000000000000000000" pitchFamily="2" charset="2"/>
+              </a:rPr>
+              <a:t> </a:t>
+            </a:r>
+            <a:r>
+              <a:rPr lang="en-US" altLang="ko-KR"/>
+              <a:t>G</a:t>
+            </a:r>
+            <a:r>
+              <a:rPr lang="ko-KR" altLang="en-US"/>
+              <a:t>의 </a:t>
+            </a:r>
+            <a:r>
+              <a:rPr lang="en-US" altLang="ko-KR"/>
+              <a:t>1*1 </a:t>
+            </a:r>
+            <a:r>
+              <a:rPr lang="ko-KR" altLang="en-US"/>
+              <a:t>격자면</a:t>
+            </a:r>
+            <a:endParaRPr lang="en-US" altLang="ko-KR"/>
+          </a:p>
+          <a:p>
+            <a:pPr lvl="1"/>
+            <a:r>
+              <a:rPr lang="en-US" altLang="ko-KR"/>
+              <a:t>G*</a:t>
+            </a:r>
+            <a:r>
+              <a:rPr lang="ko-KR" altLang="en-US"/>
+              <a:t>의 간선 </a:t>
+            </a:r>
+            <a:r>
+              <a:rPr lang="en-US" altLang="ko-KR">
+                <a:sym typeface="Wingdings" panose="05000000000000000000" pitchFamily="2" charset="2"/>
+              </a:rPr>
+              <a:t> G</a:t>
+            </a:r>
+            <a:r>
+              <a:rPr lang="ko-KR" altLang="en-US">
+                <a:sym typeface="Wingdings" panose="05000000000000000000" pitchFamily="2" charset="2"/>
+              </a:rPr>
+              <a:t>에서 인접한 면 사이에 간선이 없을 때 </a:t>
+            </a:r>
+            <a:r>
+              <a:rPr lang="en-US" altLang="ko-KR">
+                <a:sym typeface="Wingdings" panose="05000000000000000000" pitchFamily="2" charset="2"/>
+              </a:rPr>
+              <a:t>G*</a:t>
+            </a:r>
+            <a:r>
+              <a:rPr lang="ko-KR" altLang="en-US">
+                <a:sym typeface="Wingdings" panose="05000000000000000000" pitchFamily="2" charset="2"/>
+              </a:rPr>
+              <a:t>에 간선 존재</a:t>
+            </a:r>
+            <a:endParaRPr lang="en-US" altLang="ko-KR">
+              <a:sym typeface="Wingdings" panose="05000000000000000000" pitchFamily="2" charset="2"/>
+            </a:endParaRPr>
+          </a:p>
+          <a:p>
+            <a:pPr lvl="1"/>
+            <a:r>
+              <a:rPr lang="ko-KR" altLang="en-US">
+                <a:sym typeface="Wingdings" panose="05000000000000000000" pitchFamily="2" charset="2"/>
+              </a:rPr>
+              <a:t>간선 </a:t>
+            </a:r>
+            <a:r>
+              <a:rPr lang="en-US" altLang="ko-KR">
+                <a:sym typeface="Wingdings" panose="05000000000000000000" pitchFamily="2" charset="2"/>
+              </a:rPr>
+              <a:t>e* </a:t>
+            </a:r>
+            <a:r>
+              <a:rPr lang="ko-KR" altLang="en-US">
+                <a:sym typeface="Wingdings" panose="05000000000000000000" pitchFamily="2" charset="2"/>
+              </a:rPr>
+              <a:t>의 가중치 </a:t>
+            </a:r>
+            <a:r>
+              <a:rPr lang="en-US" altLang="ko-KR">
+                <a:sym typeface="Wingdings" panose="05000000000000000000" pitchFamily="2" charset="2"/>
+              </a:rPr>
+              <a:t>= 1 – (e</a:t>
+            </a:r>
+            <a:r>
+              <a:rPr lang="ko-KR" altLang="en-US">
+                <a:sym typeface="Wingdings" panose="05000000000000000000" pitchFamily="2" charset="2"/>
+              </a:rPr>
+              <a:t>의 가중치</a:t>
+            </a:r>
+            <a:r>
+              <a:rPr lang="en-US" altLang="ko-KR">
+                <a:sym typeface="Wingdings" panose="05000000000000000000" pitchFamily="2" charset="2"/>
+              </a:rPr>
+              <a:t>)</a:t>
+            </a:r>
+            <a:endParaRPr lang="en-US" altLang="ko-KR"/>
+          </a:p>
+          <a:p>
+            <a:endParaRPr lang="en-US" altLang="ko-KR"/>
+          </a:p>
+        </p:txBody>
+      </p:sp>
     </p:spTree>
     <p:extLst>
       <p:ext uri="{BB962C8B-B14F-4D97-AF65-F5344CB8AC3E}">
@@ -5392,256 +5209,6 @@
 </file>
 
 <file path=ppt/slides/slide13.xml><?xml version="1.0" encoding="utf-8"?>
-<p:sld xmlns:a="http://schemas.openxmlformats.org/drawingml/2006/main" xmlns:r="http://schemas.openxmlformats.org/officeDocument/2006/relationships" xmlns:p="http://schemas.openxmlformats.org/presentationml/2006/main">
-  <p:cSld>
-    <p:spTree>
-      <p:nvGrpSpPr>
-        <p:cNvPr id="1" name="">
-          <a:extLst>
-            <a:ext uri="{FF2B5EF4-FFF2-40B4-BE49-F238E27FC236}">
-              <a16:creationId xmlns:a16="http://schemas.microsoft.com/office/drawing/2014/main" id="{3139A5B6-D3D9-D375-3D43-21A4974D920B}"/>
-            </a:ext>
-          </a:extLst>
-        </p:cNvPr>
-        <p:cNvGrpSpPr/>
-        <p:nvPr/>
-      </p:nvGrpSpPr>
-      <p:grpSpPr>
-        <a:xfrm>
-          <a:off x="0" y="0"/>
-          <a:ext cx="0" cy="0"/>
-          <a:chOff x="0" y="0"/>
-          <a:chExt cx="0" cy="0"/>
-        </a:xfrm>
-      </p:grpSpPr>
-      <p:sp>
-        <p:nvSpPr>
-          <p:cNvPr id="2" name="제목 1">
-            <a:extLst>
-              <a:ext uri="{FF2B5EF4-FFF2-40B4-BE49-F238E27FC236}">
-                <a16:creationId xmlns:a16="http://schemas.microsoft.com/office/drawing/2014/main" id="{945634F9-AD37-2E0C-7138-F6176589E1D6}"/>
-              </a:ext>
-            </a:extLst>
-          </p:cNvPr>
-          <p:cNvSpPr>
-            <a:spLocks noGrp="1"/>
-          </p:cNvSpPr>
-          <p:nvPr>
-            <p:ph type="title"/>
-          </p:nvPr>
-        </p:nvSpPr>
-        <p:spPr/>
-        <p:txBody>
-          <a:bodyPr/>
-          <a:lstStyle/>
-          <a:p>
-            <a:r>
-              <a:rPr lang="ko-KR" altLang="en-US"/>
-              <a:t>듀얼 그래프 커플링</a:t>
-            </a:r>
-          </a:p>
-        </p:txBody>
-      </p:sp>
-      <mc:AlternateContent xmlns:mc="http://schemas.openxmlformats.org/markup-compatibility/2006">
-        <mc:Choice xmlns:a14="http://schemas.microsoft.com/office/drawing/2010/main" Requires="a14">
-          <p:sp>
-            <p:nvSpPr>
-              <p:cNvPr id="3" name="내용 개체 틀 2">
-                <a:extLst>
-                  <a:ext uri="{FF2B5EF4-FFF2-40B4-BE49-F238E27FC236}">
-                    <a16:creationId xmlns:a16="http://schemas.microsoft.com/office/drawing/2014/main" id="{E198A4A5-7E09-5D7E-5FE7-D589EF53D9EE}"/>
-                  </a:ext>
-                </a:extLst>
-              </p:cNvPr>
-              <p:cNvSpPr>
-                <a:spLocks noGrp="1"/>
-              </p:cNvSpPr>
-              <p:nvPr>
-                <p:ph idx="1"/>
-              </p:nvPr>
-            </p:nvSpPr>
-            <p:spPr/>
-            <p:txBody>
-              <a:bodyPr/>
-              <a:lstStyle/>
-              <a:p>
-                <a:r>
-                  <a:rPr lang="ko-KR" altLang="en-US"/>
-                  <a:t>이 무한 클러스터 성질을 증명하기 위해서</a:t>
-                </a:r>
-                <a:r>
-                  <a:rPr lang="en-US" altLang="ko-KR"/>
-                  <a:t>, </a:t>
-                </a:r>
-                <a:r>
-                  <a:rPr lang="ko-KR" altLang="en-US"/>
-                  <a:t>우선 기존 그래프에 대한 </a:t>
-                </a:r>
-                <a:r>
-                  <a:rPr lang="en-US" altLang="ko-KR"/>
-                  <a:t>“</a:t>
-                </a:r>
-                <a:r>
-                  <a:rPr lang="ko-KR" altLang="en-US"/>
-                  <a:t>듀얼 그래프</a:t>
-                </a:r>
-                <a:r>
-                  <a:rPr lang="en-US" altLang="ko-KR"/>
-                  <a:t>”</a:t>
-                </a:r>
-                <a:r>
-                  <a:rPr lang="ko-KR" altLang="en-US"/>
-                  <a:t>를 만들 것이다</a:t>
-                </a:r>
-                <a:r>
-                  <a:rPr lang="en-US" altLang="ko-KR"/>
-                  <a:t>.</a:t>
-                </a:r>
-              </a:p>
-              <a:p>
-                <a:r>
-                  <a:rPr lang="ko-KR" altLang="en-US"/>
-                  <a:t>듀얼 그래프 </a:t>
-                </a:r>
-                <a:r>
-                  <a:rPr lang="en-US" altLang="ko-KR"/>
-                  <a:t>: </a:t>
-                </a:r>
-                <a:r>
-                  <a:rPr lang="ko-KR" altLang="en-US"/>
-                  <a:t>기존 그래프의 각 격자면을 정점에 대응시키고</a:t>
-                </a:r>
-                <a:r>
-                  <a:rPr lang="en-US" altLang="ko-KR"/>
-                  <a:t> </a:t>
-                </a:r>
-                <a:r>
-                  <a:rPr lang="ko-KR" altLang="en-US"/>
-                  <a:t>인접한 면 사이에 간선이 없으면 그 면에 해당하는 정점 사이에 간선을 추가한 그래프</a:t>
-                </a:r>
-                <a:endParaRPr lang="en-US" altLang="ko-KR"/>
-              </a:p>
-              <a:p>
-                <a:r>
-                  <a:rPr lang="ko-KR" altLang="en-US"/>
-                  <a:t>원래 그래프에서 가중치가 </a:t>
-                </a:r>
-                <a14:m>
-                  <m:oMath xmlns:m="http://schemas.openxmlformats.org/officeDocument/2006/math">
-                    <m:r>
-                      <a:rPr lang="en-US" altLang="ko-KR" b="0" i="1" smtClean="0">
-                        <a:latin typeface="Cambria Math" panose="02040503050406030204" pitchFamily="18" charset="0"/>
-                      </a:rPr>
-                      <m:t>𝑥</m:t>
-                    </m:r>
-                    <m:r>
-                      <a:rPr lang="ko-KR" altLang="en-US" i="1">
-                        <a:latin typeface="Cambria Math" panose="02040503050406030204" pitchFamily="18" charset="0"/>
-                      </a:rPr>
-                      <m:t>인</m:t>
-                    </m:r>
-                  </m:oMath>
-                </a14:m>
-                <a:r>
-                  <a:rPr lang="ko-KR" altLang="en-US"/>
-                  <a:t> 간선에 대응되는</a:t>
-                </a:r>
-                <a:r>
-                  <a:rPr lang="en-US" altLang="ko-KR"/>
-                  <a:t> </a:t>
-                </a:r>
-                <a:r>
-                  <a:rPr lang="ko-KR" altLang="en-US"/>
-                  <a:t>듀얼 그래프의 간선에는 </a:t>
-                </a:r>
-                <a14:m>
-                  <m:oMath xmlns:m="http://schemas.openxmlformats.org/officeDocument/2006/math">
-                    <m:r>
-                      <a:rPr lang="en-US" altLang="ko-KR" b="0" i="1" smtClean="0">
-                        <a:latin typeface="Cambria Math" panose="02040503050406030204" pitchFamily="18" charset="0"/>
-                      </a:rPr>
-                      <m:t>1−</m:t>
-                    </m:r>
-                    <m:r>
-                      <a:rPr lang="en-US" altLang="ko-KR" b="0" i="1" smtClean="0">
-                        <a:latin typeface="Cambria Math" panose="02040503050406030204" pitchFamily="18" charset="0"/>
-                      </a:rPr>
-                      <m:t>𝑥</m:t>
-                    </m:r>
-                  </m:oMath>
-                </a14:m>
-                <a:r>
-                  <a:rPr lang="ko-KR" altLang="en-US"/>
-                  <a:t>를 할당한다</a:t>
-                </a:r>
-                <a:r>
-                  <a:rPr lang="en-US" altLang="ko-KR"/>
-                  <a:t>.</a:t>
-                </a:r>
-              </a:p>
-              <a:p>
-                <a:pPr marL="0" indent="0">
-                  <a:buNone/>
-                </a:pPr>
-                <a:endParaRPr lang="ko-KR" altLang="en-US"/>
-              </a:p>
-            </p:txBody>
-          </p:sp>
-        </mc:Choice>
-        <mc:Fallback>
-          <p:sp>
-            <p:nvSpPr>
-              <p:cNvPr id="3" name="내용 개체 틀 2">
-                <a:extLst>
-                  <a:ext uri="{FF2B5EF4-FFF2-40B4-BE49-F238E27FC236}">
-                    <a16:creationId xmlns:a16="http://schemas.microsoft.com/office/drawing/2014/main" id="{E198A4A5-7E09-5D7E-5FE7-D589EF53D9EE}"/>
-                  </a:ext>
-                </a:extLst>
-              </p:cNvPr>
-              <p:cNvSpPr>
-                <a:spLocks noGrp="1" noRot="1" noChangeAspect="1" noMove="1" noResize="1" noEditPoints="1" noAdjustHandles="1" noChangeArrowheads="1" noChangeShapeType="1" noTextEdit="1"/>
-              </p:cNvSpPr>
-              <p:nvPr>
-                <p:ph idx="1"/>
-              </p:nvPr>
-            </p:nvSpPr>
-            <p:spPr>
-              <a:blipFill>
-                <a:blip r:embed="rId2"/>
-                <a:stretch>
-                  <a:fillRect l="-1043" t="-2661" r="-348"/>
-                </a:stretch>
-              </a:blipFill>
-            </p:spPr>
-            <p:txBody>
-              <a:bodyPr/>
-              <a:lstStyle/>
-              <a:p>
-                <a:r>
-                  <a:rPr lang="ko-KR" altLang="en-US">
-                    <a:noFill/>
-                  </a:rPr>
-                  <a:t> </a:t>
-                </a:r>
-              </a:p>
-            </p:txBody>
-          </p:sp>
-        </mc:Fallback>
-      </mc:AlternateContent>
-    </p:spTree>
-    <p:extLst>
-      <p:ext uri="{BB962C8B-B14F-4D97-AF65-F5344CB8AC3E}">
-        <p14:creationId xmlns:p14="http://schemas.microsoft.com/office/powerpoint/2010/main" val="1279633284"/>
-      </p:ext>
-    </p:extLst>
-  </p:cSld>
-  <p:clrMapOvr>
-    <a:masterClrMapping/>
-  </p:clrMapOvr>
-</p:sld>
-</file>
-
-<file path=ppt/slides/slide14.xml><?xml version="1.0" encoding="utf-8"?>
 <p:sld xmlns:a="http://schemas.openxmlformats.org/drawingml/2006/main" xmlns:r="http://schemas.openxmlformats.org/officeDocument/2006/relationships" xmlns:p="http://schemas.openxmlformats.org/presentationml/2006/main">
   <p:cSld>
     <p:spTree>
@@ -8592,7 +8159,7 @@
             <p:spPr>
               <a:xfrm>
                 <a:off x="7936027" y="2858272"/>
-                <a:ext cx="422488" cy="461665"/>
+                <a:ext cx="483850" cy="461665"/>
               </a:xfrm>
               <a:prstGeom prst="rect">
                 <a:avLst/>
@@ -8605,6 +8172,7 @@
               </a:bodyPr>
               <a:lstStyle/>
               <a:p>
+                <a:pPr/>
                 <a14:m>
                   <m:oMathPara xmlns:m="http://schemas.openxmlformats.org/officeDocument/2006/math">
                     <m:oMathParaPr>
@@ -8615,7 +8183,7 @@
                         <a:rPr lang="en-US" altLang="ko-KR" sz="2400" b="0" i="1" smtClean="0">
                           <a:latin typeface="Cambria Math" panose="02040503050406030204" pitchFamily="18" charset="0"/>
                         </a:rPr>
-                        <m:t>𝑝</m:t>
+                        <m:t>𝑤</m:t>
                       </m:r>
                     </m:oMath>
                   </m:oMathPara>
@@ -8643,7 +8211,7 @@
             <p:spPr>
               <a:xfrm>
                 <a:off x="7936027" y="2858272"/>
-                <a:ext cx="422488" cy="461665"/>
+                <a:ext cx="483850" cy="461665"/>
               </a:xfrm>
               <a:prstGeom prst="rect">
                 <a:avLst/>
@@ -8651,7 +8219,7 @@
               <a:blipFill>
                 <a:blip r:embed="rId3"/>
                 <a:stretch>
-                  <a:fillRect b="-7895"/>
+                  <a:fillRect/>
                 </a:stretch>
               </a:blipFill>
             </p:spPr>
@@ -8687,7 +8255,7 @@
             <p:spPr>
               <a:xfrm>
                 <a:off x="8021624" y="3462774"/>
-                <a:ext cx="958468" cy="461665"/>
+                <a:ext cx="1019831" cy="461665"/>
               </a:xfrm>
               <a:prstGeom prst="rect">
                 <a:avLst/>
@@ -8703,6 +8271,7 @@
               </a:bodyPr>
               <a:lstStyle/>
               <a:p>
+                <a:pPr/>
                 <a14:m>
                   <m:oMathPara xmlns:m="http://schemas.openxmlformats.org/officeDocument/2006/math">
                     <m:oMathParaPr>
@@ -8719,7 +8288,7 @@
                         <a:rPr lang="en-US" altLang="ko-KR" sz="2400" b="0" i="1" smtClean="0">
                           <a:latin typeface="Cambria Math" panose="02040503050406030204" pitchFamily="18" charset="0"/>
                         </a:rPr>
-                        <m:t>𝑝</m:t>
+                        <m:t>𝑤</m:t>
                       </m:r>
                     </m:oMath>
                   </m:oMathPara>
@@ -8747,7 +8316,7 @@
             <p:spPr>
               <a:xfrm>
                 <a:off x="8021624" y="3462774"/>
-                <a:ext cx="958468" cy="461665"/>
+                <a:ext cx="1019831" cy="461665"/>
               </a:xfrm>
               <a:prstGeom prst="rect">
                 <a:avLst/>
@@ -8755,7 +8324,7 @@
               <a:blipFill>
                 <a:blip r:embed="rId4"/>
                 <a:stretch>
-                  <a:fillRect b="-9211"/>
+                  <a:fillRect/>
                 </a:stretch>
               </a:blipFill>
               <a:ln>
@@ -8777,6 +8346,84 @@
           </p:sp>
         </mc:Fallback>
       </mc:AlternateContent>
+      <p:sp>
+        <p:nvSpPr>
+          <p:cNvPr id="2" name="TextBox 1">
+            <a:extLst>
+              <a:ext uri="{FF2B5EF4-FFF2-40B4-BE49-F238E27FC236}">
+                <a16:creationId xmlns:a16="http://schemas.microsoft.com/office/drawing/2014/main" id="{D84FD853-DB6B-AE21-5D1A-636AD6D0B90F}"/>
+              </a:ext>
+            </a:extLst>
+          </p:cNvPr>
+          <p:cNvSpPr txBox="1"/>
+          <p:nvPr/>
+        </p:nvSpPr>
+        <p:spPr>
+          <a:xfrm>
+            <a:off x="2023595" y="1317103"/>
+            <a:ext cx="1731564" cy="369332"/>
+          </a:xfrm>
+          <a:prstGeom prst="rect">
+            <a:avLst/>
+          </a:prstGeom>
+          <a:noFill/>
+        </p:spPr>
+        <p:txBody>
+          <a:bodyPr wrap="none" rtlCol="0">
+            <a:spAutoFit/>
+          </a:bodyPr>
+          <a:lstStyle/>
+          <a:p>
+            <a:r>
+              <a:rPr lang="ko-KR" altLang="en-US" b="1"/>
+              <a:t>정점</a:t>
+            </a:r>
+            <a:r>
+              <a:rPr lang="en-US" altLang="ko-KR" b="1"/>
+              <a:t>, </a:t>
+            </a:r>
+            <a:r>
+              <a:rPr lang="ko-KR" altLang="en-US" b="1"/>
+              <a:t>간선 정의</a:t>
+            </a:r>
+          </a:p>
+        </p:txBody>
+      </p:sp>
+      <p:sp>
+        <p:nvSpPr>
+          <p:cNvPr id="3" name="TextBox 2">
+            <a:extLst>
+              <a:ext uri="{FF2B5EF4-FFF2-40B4-BE49-F238E27FC236}">
+                <a16:creationId xmlns:a16="http://schemas.microsoft.com/office/drawing/2014/main" id="{784CD707-2331-4E9D-34EF-D4825CB94B61}"/>
+              </a:ext>
+            </a:extLst>
+          </p:cNvPr>
+          <p:cNvSpPr txBox="1"/>
+          <p:nvPr/>
+        </p:nvSpPr>
+        <p:spPr>
+          <a:xfrm>
+            <a:off x="7426449" y="1335764"/>
+            <a:ext cx="1431802" cy="369332"/>
+          </a:xfrm>
+          <a:prstGeom prst="rect">
+            <a:avLst/>
+          </a:prstGeom>
+          <a:noFill/>
+        </p:spPr>
+        <p:txBody>
+          <a:bodyPr wrap="none" rtlCol="0">
+            <a:spAutoFit/>
+          </a:bodyPr>
+          <a:lstStyle/>
+          <a:p>
+            <a:r>
+              <a:rPr lang="ko-KR" altLang="en-US" b="1"/>
+              <a:t>가중치 정의</a:t>
+            </a:r>
+          </a:p>
+        </p:txBody>
+      </p:sp>
     </p:spTree>
     <p:extLst>
       <p:ext uri="{BB962C8B-B14F-4D97-AF65-F5344CB8AC3E}">
@@ -8979,18 +8626,12 @@
 </p:sld>
 </file>
 
-<file path=ppt/slides/slide15.xml><?xml version="1.0" encoding="utf-8"?>
+<file path=ppt/slides/slide14.xml><?xml version="1.0" encoding="utf-8"?>
 <p:sld xmlns:a="http://schemas.openxmlformats.org/drawingml/2006/main" xmlns:r="http://schemas.openxmlformats.org/officeDocument/2006/relationships" xmlns:p="http://schemas.openxmlformats.org/presentationml/2006/main">
   <p:cSld>
     <p:spTree>
       <p:nvGrpSpPr>
-        <p:cNvPr id="1" name="">
-          <a:extLst>
-            <a:ext uri="{FF2B5EF4-FFF2-40B4-BE49-F238E27FC236}">
-              <a16:creationId xmlns:a16="http://schemas.microsoft.com/office/drawing/2014/main" id="{F0E900D1-4429-1D45-DF36-26CF8B346FB3}"/>
-            </a:ext>
-          </a:extLst>
-        </p:cNvPr>
+        <p:cNvPr id="1" name=""/>
         <p:cNvGrpSpPr/>
         <p:nvPr/>
       </p:nvGrpSpPr>
@@ -9002,47 +8643,14 @@
           <a:chExt cx="0" cy="0"/>
         </a:xfrm>
       </p:grpSpPr>
-      <p:sp>
-        <p:nvSpPr>
-          <p:cNvPr id="2" name="제목 1">
-            <a:extLst>
-              <a:ext uri="{FF2B5EF4-FFF2-40B4-BE49-F238E27FC236}">
-                <a16:creationId xmlns:a16="http://schemas.microsoft.com/office/drawing/2014/main" id="{25683979-4AB6-51E9-ADEA-E6D012809B61}"/>
-              </a:ext>
-            </a:extLst>
-          </p:cNvPr>
-          <p:cNvSpPr>
-            <a:spLocks noGrp="1"/>
-          </p:cNvSpPr>
-          <p:nvPr>
-            <p:ph type="title"/>
-          </p:nvPr>
-        </p:nvSpPr>
-        <p:spPr>
-          <a:xfrm>
-            <a:off x="838200" y="365125"/>
-            <a:ext cx="10515600" cy="1325563"/>
-          </a:xfrm>
-        </p:spPr>
-        <p:txBody>
-          <a:bodyPr/>
-          <a:lstStyle/>
-          <a:p>
-            <a:r>
-              <a:rPr lang="ko-KR" altLang="en-US"/>
-              <a:t>듀얼 그래프 커플링</a:t>
-            </a:r>
-          </a:p>
-        </p:txBody>
-      </p:sp>
       <mc:AlternateContent xmlns:mc="http://schemas.openxmlformats.org/markup-compatibility/2006">
         <mc:Choice xmlns:a14="http://schemas.microsoft.com/office/drawing/2010/main" Requires="a14">
           <p:sp>
             <p:nvSpPr>
-              <p:cNvPr id="3" name="내용 개체 틀 2">
+              <p:cNvPr id="2" name="제목 1">
                 <a:extLst>
                   <a:ext uri="{FF2B5EF4-FFF2-40B4-BE49-F238E27FC236}">
-                    <a16:creationId xmlns:a16="http://schemas.microsoft.com/office/drawing/2014/main" id="{CFACC440-3C3C-1AED-00AE-6D24933F6425}"/>
+                    <a16:creationId xmlns:a16="http://schemas.microsoft.com/office/drawing/2014/main" id="{36BBCEF4-0BA5-8C33-E441-2177A2C714F0}"/>
                   </a:ext>
                 </a:extLst>
               </p:cNvPr>
@@ -9050,237 +8658,21 @@
                 <a:spLocks noGrp="1"/>
               </p:cNvSpPr>
               <p:nvPr>
-                <p:ph idx="1"/>
+                <p:ph type="title"/>
               </p:nvPr>
             </p:nvSpPr>
-            <p:spPr>
-              <a:xfrm>
-                <a:off x="838200" y="1825625"/>
-                <a:ext cx="10515600" cy="4351338"/>
-              </a:xfrm>
-            </p:spPr>
+            <p:spPr/>
             <p:txBody>
-              <a:bodyPr>
-                <a:normAutofit/>
-              </a:bodyPr>
+              <a:bodyPr/>
               <a:lstStyle/>
               <a:p>
                 <a:r>
                   <a:rPr lang="ko-KR" altLang="en-US"/>
-                  <a:t>듀얼 그래프에서 간선 </a:t>
-                </a:r>
-                <a14:m>
-                  <m:oMath xmlns:m="http://schemas.openxmlformats.org/officeDocument/2006/math">
-                    <m:r>
-                      <a:rPr lang="en-US" altLang="ko-KR" b="0" i="1" smtClean="0">
-                        <a:latin typeface="Cambria Math" panose="02040503050406030204" pitchFamily="18" charset="0"/>
-                      </a:rPr>
-                      <m:t>𝑒</m:t>
-                    </m:r>
-                  </m:oMath>
-                </a14:m>
-                <a:r>
-                  <a:rPr lang="ko-KR" altLang="en-US"/>
-                  <a:t>가 존재 있다</a:t>
+                  <a:t>듀얼그래프 </a:t>
                 </a:r>
                 <a:r>
                   <a:rPr lang="en-US" altLang="ko-KR"/>
-                  <a:t>.</a:t>
-                </a:r>
-              </a:p>
-              <a:p>
-                <a:r>
-                  <a:rPr lang="en-US" altLang="ko-KR">
-                    <a:sym typeface="Wingdings" panose="05000000000000000000" pitchFamily="2" charset="2"/>
-                  </a:rPr>
-                  <a:t> </a:t>
-                </a:r>
-                <a:r>
-                  <a:rPr lang="ko-KR" altLang="en-US">
-                    <a:sym typeface="Wingdings" panose="05000000000000000000" pitchFamily="2" charset="2"/>
-                  </a:rPr>
-                  <a:t>원래 그래프에서 간선 </a:t>
-                </a:r>
-                <a14:m>
-                  <m:oMath xmlns:m="http://schemas.openxmlformats.org/officeDocument/2006/math">
-                    <m:r>
-                      <a:rPr lang="en-US" altLang="ko-KR" b="0" i="1" smtClean="0">
-                        <a:latin typeface="Cambria Math" panose="02040503050406030204" pitchFamily="18" charset="0"/>
-                        <a:sym typeface="Wingdings" panose="05000000000000000000" pitchFamily="2" charset="2"/>
-                      </a:rPr>
-                      <m:t>𝑒</m:t>
-                    </m:r>
-                  </m:oMath>
-                </a14:m>
-                <a:r>
-                  <a:rPr lang="en-US" altLang="ko-KR"/>
-                  <a:t>*</a:t>
-                </a:r>
-                <a:r>
-                  <a:rPr lang="ko-KR" altLang="en-US"/>
-                  <a:t>가 존재하지 않는다</a:t>
-                </a:r>
-                <a:r>
-                  <a:rPr lang="en-US" altLang="ko-KR"/>
-                  <a:t>.</a:t>
-                </a:r>
-              </a:p>
-              <a:p>
-                <a:r>
-                  <a:rPr lang="en-US" altLang="ko-KR">
-                    <a:sym typeface="Wingdings" panose="05000000000000000000" pitchFamily="2" charset="2"/>
-                  </a:rPr>
-                  <a:t> </a:t>
-                </a:r>
-                <a:r>
-                  <a:rPr lang="ko-KR" altLang="en-US">
-                    <a:sym typeface="Wingdings" panose="05000000000000000000" pitchFamily="2" charset="2"/>
-                  </a:rPr>
-                  <a:t>원래 그래프에서 </a:t>
-                </a:r>
-                <a14:m>
-                  <m:oMath xmlns:m="http://schemas.openxmlformats.org/officeDocument/2006/math">
-                    <m:r>
-                      <a:rPr lang="en-US" altLang="ko-KR" b="0" i="1" smtClean="0">
-                        <a:latin typeface="Cambria Math" panose="02040503050406030204" pitchFamily="18" charset="0"/>
-                        <a:sym typeface="Wingdings" panose="05000000000000000000" pitchFamily="2" charset="2"/>
-                      </a:rPr>
-                      <m:t>𝑒</m:t>
-                    </m:r>
-                  </m:oMath>
-                </a14:m>
-                <a:r>
-                  <a:rPr lang="en-US" altLang="ko-KR"/>
-                  <a:t>*</a:t>
-                </a:r>
-                <a:r>
-                  <a:rPr lang="ko-KR" altLang="en-US"/>
-                  <a:t>의 가중치가 </a:t>
-                </a:r>
-                <a14:m>
-                  <m:oMath xmlns:m="http://schemas.openxmlformats.org/officeDocument/2006/math">
-                    <m:r>
-                      <a:rPr lang="en-US" altLang="ko-KR" b="0" i="1" smtClean="0">
-                        <a:latin typeface="Cambria Math" panose="02040503050406030204" pitchFamily="18" charset="0"/>
-                      </a:rPr>
-                      <m:t>𝑝</m:t>
-                    </m:r>
-                  </m:oMath>
-                </a14:m>
-                <a:r>
-                  <a:rPr lang="ko-KR" altLang="en-US"/>
-                  <a:t>보다 크다</a:t>
-                </a:r>
-                <a:r>
-                  <a:rPr lang="en-US" altLang="ko-KR"/>
-                  <a:t>.</a:t>
-                </a:r>
-              </a:p>
-              <a:p>
-                <a:r>
-                  <a:rPr lang="en-US" altLang="ko-KR">
-                    <a:sym typeface="Wingdings" panose="05000000000000000000" pitchFamily="2" charset="2"/>
-                  </a:rPr>
-                  <a:t> </a:t>
-                </a:r>
-                <a:r>
-                  <a:rPr lang="ko-KR" altLang="en-US">
-                    <a:sym typeface="Wingdings" panose="05000000000000000000" pitchFamily="2" charset="2"/>
-                  </a:rPr>
-                  <a:t>듀얼 그래프에서 </a:t>
-                </a:r>
-                <a14:m>
-                  <m:oMath xmlns:m="http://schemas.openxmlformats.org/officeDocument/2006/math">
-                    <m:r>
-                      <a:rPr lang="en-US" altLang="ko-KR" b="0" i="1" smtClean="0">
-                        <a:latin typeface="Cambria Math" panose="02040503050406030204" pitchFamily="18" charset="0"/>
-                        <a:sym typeface="Wingdings" panose="05000000000000000000" pitchFamily="2" charset="2"/>
-                      </a:rPr>
-                      <m:t>𝑒</m:t>
-                    </m:r>
-                  </m:oMath>
-                </a14:m>
-                <a:r>
-                  <a:rPr lang="ko-KR" altLang="en-US"/>
-                  <a:t>의 가중치가 </a:t>
-                </a:r>
-                <a14:m>
-                  <m:oMath xmlns:m="http://schemas.openxmlformats.org/officeDocument/2006/math">
-                    <m:r>
-                      <a:rPr lang="en-US" altLang="ko-KR" b="0" i="1" smtClean="0">
-                        <a:latin typeface="Cambria Math" panose="02040503050406030204" pitchFamily="18" charset="0"/>
-                      </a:rPr>
-                      <m:t>1−</m:t>
-                    </m:r>
-                    <m:r>
-                      <a:rPr lang="en-US" altLang="ko-KR" b="0" i="1" smtClean="0">
-                        <a:latin typeface="Cambria Math" panose="02040503050406030204" pitchFamily="18" charset="0"/>
-                      </a:rPr>
-                      <m:t>𝑝</m:t>
-                    </m:r>
-                    <m:r>
-                      <a:rPr lang="ko-KR" altLang="en-US" i="1">
-                        <a:latin typeface="Cambria Math" panose="02040503050406030204" pitchFamily="18" charset="0"/>
-                      </a:rPr>
-                      <m:t>보</m:t>
-                    </m:r>
-                  </m:oMath>
-                </a14:m>
-                <a:r>
-                  <a:rPr lang="ko-KR" altLang="en-US"/>
-                  <a:t>다 작다</a:t>
-                </a:r>
-                <a:r>
-                  <a:rPr lang="en-US" altLang="ko-KR"/>
-                  <a:t>.</a:t>
-                </a:r>
-              </a:p>
-              <a:p>
-                <a:r>
-                  <a:rPr lang="ko-KR" altLang="en-US"/>
-                  <a:t>결국 </a:t>
-                </a:r>
-                <a14:m>
-                  <m:oMath xmlns:m="http://schemas.openxmlformats.org/officeDocument/2006/math">
-                    <m:r>
-                      <a:rPr lang="en-US" altLang="ko-KR" b="0" i="1" smtClean="0">
-                        <a:latin typeface="Cambria Math" panose="02040503050406030204" pitchFamily="18" charset="0"/>
-                      </a:rPr>
-                      <m:t>𝐺</m:t>
-                    </m:r>
-                    <m:r>
-                      <a:rPr lang="en-US" altLang="ko-KR" b="0" i="1" smtClean="0">
-                        <a:latin typeface="Cambria Math" panose="02040503050406030204" pitchFamily="18" charset="0"/>
-                      </a:rPr>
-                      <m:t>(</m:t>
-                    </m:r>
-                    <m:r>
-                      <a:rPr lang="en-US" altLang="ko-KR" b="0" i="1" smtClean="0">
-                        <a:latin typeface="Cambria Math" panose="02040503050406030204" pitchFamily="18" charset="0"/>
-                      </a:rPr>
-                      <m:t>𝑝</m:t>
-                    </m:r>
-                    <m:r>
-                      <a:rPr lang="en-US" altLang="ko-KR" b="0" i="1" smtClean="0">
-                        <a:latin typeface="Cambria Math" panose="02040503050406030204" pitchFamily="18" charset="0"/>
-                      </a:rPr>
-                      <m:t>)</m:t>
-                    </m:r>
-                    <m:r>
-                      <a:rPr lang="ko-KR" altLang="en-US" i="1">
-                        <a:latin typeface="Cambria Math" panose="02040503050406030204" pitchFamily="18" charset="0"/>
-                      </a:rPr>
-                      <m:t>의</m:t>
-                    </m:r>
-                  </m:oMath>
-                </a14:m>
-                <a:r>
-                  <a:rPr lang="en-US" altLang="ko-KR"/>
-                  <a:t> </a:t>
-                </a:r>
-                <a:r>
-                  <a:rPr lang="ko-KR" altLang="en-US"/>
-                  <a:t>듀얼그래프는 간선의 가중치가 달라진 </a:t>
+                  <a:t>= </a:t>
                 </a:r>
                 <a14:m>
                   <m:oMath xmlns:m="http://schemas.openxmlformats.org/officeDocument/2006/math">
@@ -9310,6 +8702,340 @@
                     </m:r>
                   </m:oMath>
                 </a14:m>
+                <a:endParaRPr lang="ko-KR" altLang="en-US"/>
+              </a:p>
+            </p:txBody>
+          </p:sp>
+        </mc:Choice>
+        <mc:Fallback>
+          <p:sp>
+            <p:nvSpPr>
+              <p:cNvPr id="2" name="제목 1">
+                <a:extLst>
+                  <a:ext uri="{FF2B5EF4-FFF2-40B4-BE49-F238E27FC236}">
+                    <a16:creationId xmlns:a16="http://schemas.microsoft.com/office/drawing/2014/main" id="{36BBCEF4-0BA5-8C33-E441-2177A2C714F0}"/>
+                  </a:ext>
+                </a:extLst>
+              </p:cNvPr>
+              <p:cNvSpPr>
+                <a:spLocks noGrp="1" noRot="1" noChangeAspect="1" noMove="1" noResize="1" noEditPoints="1" noAdjustHandles="1" noChangeArrowheads="1" noChangeShapeType="1" noTextEdit="1"/>
+              </p:cNvSpPr>
+              <p:nvPr>
+                <p:ph type="title"/>
+              </p:nvPr>
+            </p:nvSpPr>
+            <p:spPr>
+              <a:blipFill>
+                <a:blip r:embed="rId2"/>
+                <a:stretch>
+                  <a:fillRect l="-2377"/>
+                </a:stretch>
+              </a:blipFill>
+            </p:spPr>
+            <p:txBody>
+              <a:bodyPr/>
+              <a:lstStyle/>
+              <a:p>
+                <a:r>
+                  <a:rPr lang="ko-KR" altLang="en-US">
+                    <a:noFill/>
+                  </a:rPr>
+                  <a:t> </a:t>
+                </a:r>
+              </a:p>
+            </p:txBody>
+          </p:sp>
+        </mc:Fallback>
+      </mc:AlternateContent>
+      <mc:AlternateContent xmlns:mc="http://schemas.openxmlformats.org/markup-compatibility/2006">
+        <mc:Choice xmlns:a14="http://schemas.microsoft.com/office/drawing/2010/main" Requires="a14">
+          <p:sp>
+            <p:nvSpPr>
+              <p:cNvPr id="3" name="내용 개체 틀 2">
+                <a:extLst>
+                  <a:ext uri="{FF2B5EF4-FFF2-40B4-BE49-F238E27FC236}">
+                    <a16:creationId xmlns:a16="http://schemas.microsoft.com/office/drawing/2014/main" id="{694A0AEB-26F7-2274-829A-C073C07B6F70}"/>
+                  </a:ext>
+                </a:extLst>
+              </p:cNvPr>
+              <p:cNvSpPr>
+                <a:spLocks noGrp="1"/>
+              </p:cNvSpPr>
+              <p:nvPr>
+                <p:ph idx="1"/>
+              </p:nvPr>
+            </p:nvSpPr>
+            <p:spPr/>
+            <p:txBody>
+              <a:bodyPr/>
+              <a:lstStyle/>
+              <a:p>
+                <a:r>
+                  <a:rPr lang="ko-KR" altLang="en-US"/>
+                  <a:t>듀얼 그래프에서 간선 </a:t>
+                </a:r>
+                <a14:m>
+                  <m:oMath xmlns:m="http://schemas.openxmlformats.org/officeDocument/2006/math">
+                    <m:r>
+                      <a:rPr lang="en-US" altLang="ko-KR" b="0" i="1" smtClean="0">
+                        <a:latin typeface="Cambria Math" panose="02040503050406030204" pitchFamily="18" charset="0"/>
+                      </a:rPr>
+                      <m:t>𝑒</m:t>
+                    </m:r>
+                  </m:oMath>
+                </a14:m>
+                <a:r>
+                  <a:rPr lang="en-US" altLang="ko-KR"/>
+                  <a:t>*</a:t>
+                </a:r>
+                <a:r>
+                  <a:rPr lang="ko-KR" altLang="en-US"/>
+                  <a:t>가 존재한다</a:t>
+                </a:r>
+                <a:r>
+                  <a:rPr lang="en-US" altLang="ko-KR"/>
+                  <a:t>.</a:t>
+                </a:r>
+              </a:p>
+              <a:p>
+                <a:r>
+                  <a:rPr lang="en-US" altLang="ko-KR">
+                    <a:sym typeface="Wingdings" panose="05000000000000000000" pitchFamily="2" charset="2"/>
+                  </a:rPr>
+                  <a:t> </a:t>
+                </a:r>
+                <a:r>
+                  <a:rPr lang="ko-KR" altLang="en-US">
+                    <a:sym typeface="Wingdings" panose="05000000000000000000" pitchFamily="2" charset="2"/>
+                  </a:rPr>
+                  <a:t>원래 그래프에서 간선 </a:t>
+                </a:r>
+                <a14:m>
+                  <m:oMath xmlns:m="http://schemas.openxmlformats.org/officeDocument/2006/math">
+                    <m:r>
+                      <a:rPr lang="en-US" altLang="ko-KR" b="0" i="1" smtClean="0">
+                        <a:latin typeface="Cambria Math" panose="02040503050406030204" pitchFamily="18" charset="0"/>
+                        <a:sym typeface="Wingdings" panose="05000000000000000000" pitchFamily="2" charset="2"/>
+                      </a:rPr>
+                      <m:t>𝑒</m:t>
+                    </m:r>
+                    <m:r>
+                      <a:rPr lang="ko-KR" altLang="en-US" i="1">
+                        <a:latin typeface="Cambria Math" panose="02040503050406030204" pitchFamily="18" charset="0"/>
+                        <a:sym typeface="Wingdings" panose="05000000000000000000" pitchFamily="2" charset="2"/>
+                      </a:rPr>
+                      <m:t>가</m:t>
+                    </m:r>
+                    <m:r>
+                      <a:rPr lang="en-US" altLang="ko-KR" b="0" i="0" smtClean="0">
+                        <a:latin typeface="Cambria Math" panose="02040503050406030204" pitchFamily="18" charset="0"/>
+                        <a:sym typeface="Wingdings" panose="05000000000000000000" pitchFamily="2" charset="2"/>
+                      </a:rPr>
+                      <m:t> </m:t>
+                    </m:r>
+                    <m:r>
+                      <a:rPr lang="ko-KR" altLang="en-US" i="1">
+                        <a:latin typeface="Cambria Math" panose="02040503050406030204" pitchFamily="18" charset="0"/>
+                        <a:sym typeface="Wingdings" panose="05000000000000000000" pitchFamily="2" charset="2"/>
+                      </a:rPr>
+                      <m:t>존</m:t>
+                    </m:r>
+                  </m:oMath>
+                </a14:m>
+                <a:r>
+                  <a:rPr lang="ko-KR" altLang="en-US"/>
+                  <a:t>재하지 않는다</a:t>
+                </a:r>
+                <a:r>
+                  <a:rPr lang="en-US" altLang="ko-KR"/>
+                  <a:t>.</a:t>
+                </a:r>
+              </a:p>
+              <a:p>
+                <a:r>
+                  <a:rPr lang="en-US" altLang="ko-KR">
+                    <a:sym typeface="Wingdings" panose="05000000000000000000" pitchFamily="2" charset="2"/>
+                  </a:rPr>
+                  <a:t> </a:t>
+                </a:r>
+                <a:r>
+                  <a:rPr lang="ko-KR" altLang="en-US">
+                    <a:sym typeface="Wingdings" panose="05000000000000000000" pitchFamily="2" charset="2"/>
+                  </a:rPr>
+                  <a:t>원래 그래프에서 </a:t>
+                </a:r>
+                <a14:m>
+                  <m:oMath xmlns:m="http://schemas.openxmlformats.org/officeDocument/2006/math">
+                    <m:r>
+                      <a:rPr lang="en-US" altLang="ko-KR" b="0" i="1" smtClean="0">
+                        <a:latin typeface="Cambria Math" panose="02040503050406030204" pitchFamily="18" charset="0"/>
+                        <a:sym typeface="Wingdings" panose="05000000000000000000" pitchFamily="2" charset="2"/>
+                      </a:rPr>
+                      <m:t>𝑒</m:t>
+                    </m:r>
+                  </m:oMath>
+                </a14:m>
+                <a:r>
+                  <a:rPr lang="ko-KR" altLang="en-US"/>
+                  <a:t>의 가중치가 </a:t>
+                </a:r>
+                <a14:m>
+                  <m:oMath xmlns:m="http://schemas.openxmlformats.org/officeDocument/2006/math">
+                    <m:r>
+                      <a:rPr lang="en-US" altLang="ko-KR" b="0" i="1" smtClean="0">
+                        <a:latin typeface="Cambria Math" panose="02040503050406030204" pitchFamily="18" charset="0"/>
+                      </a:rPr>
+                      <m:t>𝑝</m:t>
+                    </m:r>
+                  </m:oMath>
+                </a14:m>
+                <a:r>
+                  <a:rPr lang="ko-KR" altLang="en-US"/>
+                  <a:t>보다 크다</a:t>
+                </a:r>
+                <a:r>
+                  <a:rPr lang="en-US" altLang="ko-KR"/>
+                  <a:t>.</a:t>
+                </a:r>
+              </a:p>
+              <a:p>
+                <a:r>
+                  <a:rPr lang="en-US" altLang="ko-KR">
+                    <a:sym typeface="Wingdings" panose="05000000000000000000" pitchFamily="2" charset="2"/>
+                  </a:rPr>
+                  <a:t> </a:t>
+                </a:r>
+                <a:r>
+                  <a:rPr lang="ko-KR" altLang="en-US">
+                    <a:sym typeface="Wingdings" panose="05000000000000000000" pitchFamily="2" charset="2"/>
+                  </a:rPr>
+                  <a:t>듀얼 그래프에서 </a:t>
+                </a:r>
+                <a14:m>
+                  <m:oMath xmlns:m="http://schemas.openxmlformats.org/officeDocument/2006/math">
+                    <m:r>
+                      <a:rPr lang="en-US" altLang="ko-KR" b="0" i="1" smtClean="0">
+                        <a:latin typeface="Cambria Math" panose="02040503050406030204" pitchFamily="18" charset="0"/>
+                        <a:sym typeface="Wingdings" panose="05000000000000000000" pitchFamily="2" charset="2"/>
+                      </a:rPr>
+                      <m:t>𝑒</m:t>
+                    </m:r>
+                  </m:oMath>
+                </a14:m>
+                <a:r>
+                  <a:rPr lang="en-US" altLang="ko-KR"/>
+                  <a:t>*</a:t>
+                </a:r>
+                <a:r>
+                  <a:rPr lang="ko-KR" altLang="en-US"/>
+                  <a:t>의 가중치가 </a:t>
+                </a:r>
+                <a14:m>
+                  <m:oMath xmlns:m="http://schemas.openxmlformats.org/officeDocument/2006/math">
+                    <m:r>
+                      <a:rPr lang="en-US" altLang="ko-KR" b="0" i="1" smtClean="0">
+                        <a:latin typeface="Cambria Math" panose="02040503050406030204" pitchFamily="18" charset="0"/>
+                      </a:rPr>
+                      <m:t>1−</m:t>
+                    </m:r>
+                    <m:r>
+                      <a:rPr lang="en-US" altLang="ko-KR" b="0" i="1" smtClean="0">
+                        <a:latin typeface="Cambria Math" panose="02040503050406030204" pitchFamily="18" charset="0"/>
+                      </a:rPr>
+                      <m:t>𝑝</m:t>
+                    </m:r>
+                    <m:r>
+                      <a:rPr lang="ko-KR" altLang="en-US" i="1">
+                        <a:latin typeface="Cambria Math" panose="02040503050406030204" pitchFamily="18" charset="0"/>
+                      </a:rPr>
+                      <m:t>보</m:t>
+                    </m:r>
+                  </m:oMath>
+                </a14:m>
+                <a:r>
+                  <a:rPr lang="ko-KR" altLang="en-US"/>
+                  <a:t>다 작다</a:t>
+                </a:r>
+                <a:r>
+                  <a:rPr lang="en-US" altLang="ko-KR"/>
+                  <a:t>..</a:t>
+                </a:r>
+              </a:p>
+              <a:p>
+                <a:r>
+                  <a:rPr lang="ko-KR" altLang="en-US"/>
+                  <a:t>결국 </a:t>
+                </a:r>
+                <a14:m>
+                  <m:oMath xmlns:m="http://schemas.openxmlformats.org/officeDocument/2006/math">
+                    <m:r>
+                      <a:rPr lang="en-US" altLang="ko-KR" i="1">
+                        <a:latin typeface="Cambria Math" panose="02040503050406030204" pitchFamily="18" charset="0"/>
+                      </a:rPr>
+                      <m:t>𝐺</m:t>
+                    </m:r>
+                    <m:r>
+                      <a:rPr lang="en-US" altLang="ko-KR" i="1">
+                        <a:latin typeface="Cambria Math" panose="02040503050406030204" pitchFamily="18" charset="0"/>
+                      </a:rPr>
+                      <m:t>(</m:t>
+                    </m:r>
+                    <m:r>
+                      <a:rPr lang="en-US" altLang="ko-KR" i="1">
+                        <a:latin typeface="Cambria Math" panose="02040503050406030204" pitchFamily="18" charset="0"/>
+                      </a:rPr>
+                      <m:t>𝑝</m:t>
+                    </m:r>
+                    <m:r>
+                      <a:rPr lang="en-US" altLang="ko-KR" i="1">
+                        <a:latin typeface="Cambria Math" panose="02040503050406030204" pitchFamily="18" charset="0"/>
+                      </a:rPr>
+                      <m:t>)</m:t>
+                    </m:r>
+                    <m:r>
+                      <a:rPr lang="ko-KR" altLang="en-US" i="1">
+                        <a:latin typeface="Cambria Math" panose="02040503050406030204" pitchFamily="18" charset="0"/>
+                      </a:rPr>
+                      <m:t>의</m:t>
+                    </m:r>
+                  </m:oMath>
+                </a14:m>
+                <a:r>
+                  <a:rPr lang="en-US" altLang="ko-KR"/>
+                  <a:t> </a:t>
+                </a:r>
+                <a:r>
+                  <a:rPr lang="ko-KR" altLang="en-US"/>
+                  <a:t>듀얼그래프는 간선의 가중치가 달라진 </a:t>
+                </a:r>
+                <a14:m>
+                  <m:oMath xmlns:m="http://schemas.openxmlformats.org/officeDocument/2006/math">
+                    <m:r>
+                      <a:rPr lang="en-US" altLang="ko-KR" i="1">
+                        <a:latin typeface="Cambria Math" panose="02040503050406030204" pitchFamily="18" charset="0"/>
+                      </a:rPr>
+                      <m:t>𝐺</m:t>
+                    </m:r>
+                    <m:r>
+                      <a:rPr lang="en-US" altLang="ko-KR" i="1">
+                        <a:latin typeface="Cambria Math" panose="02040503050406030204" pitchFamily="18" charset="0"/>
+                      </a:rPr>
+                      <m:t>(1−</m:t>
+                    </m:r>
+                    <m:r>
+                      <a:rPr lang="en-US" altLang="ko-KR" i="1">
+                        <a:latin typeface="Cambria Math" panose="02040503050406030204" pitchFamily="18" charset="0"/>
+                      </a:rPr>
+                      <m:t>𝑝</m:t>
+                    </m:r>
+                    <m:r>
+                      <a:rPr lang="en-US" altLang="ko-KR" i="1">
+                        <a:latin typeface="Cambria Math" panose="02040503050406030204" pitchFamily="18" charset="0"/>
+                      </a:rPr>
+                      <m:t>)</m:t>
+                    </m:r>
+                  </m:oMath>
+                </a14:m>
                 <a:r>
                   <a:rPr lang="ko-KR" altLang="en-US"/>
                   <a:t>가 된다는 것을 알 수 있다</a:t>
@@ -9322,7 +9048,7 @@
               <a:p>
                 <a:r>
                   <a:rPr lang="ko-KR" altLang="en-US"/>
-                  <a:t>앞서 본 </a:t>
+                  <a:t>그런데 앞서 본 </a:t>
                 </a:r>
                 <a:r>
                   <a:rPr lang="en-US" altLang="ko-KR"/>
@@ -9336,6 +9062,677 @@
                   <a:rPr lang="en-US" altLang="ko-KR"/>
                   <a:t>.</a:t>
                 </a:r>
+              </a:p>
+              <a:p>
+                <a:pPr marL="0" indent="0">
+                  <a:buNone/>
+                </a:pPr>
+                <a:endParaRPr lang="en-US" altLang="ko-KR"/>
+              </a:p>
+            </p:txBody>
+          </p:sp>
+        </mc:Choice>
+        <mc:Fallback>
+          <p:sp>
+            <p:nvSpPr>
+              <p:cNvPr id="3" name="내용 개체 틀 2">
+                <a:extLst>
+                  <a:ext uri="{FF2B5EF4-FFF2-40B4-BE49-F238E27FC236}">
+                    <a16:creationId xmlns:a16="http://schemas.microsoft.com/office/drawing/2014/main" id="{694A0AEB-26F7-2274-829A-C073C07B6F70}"/>
+                  </a:ext>
+                </a:extLst>
+              </p:cNvPr>
+              <p:cNvSpPr>
+                <a:spLocks noGrp="1" noRot="1" noChangeAspect="1" noMove="1" noResize="1" noEditPoints="1" noAdjustHandles="1" noChangeArrowheads="1" noChangeShapeType="1" noTextEdit="1"/>
+              </p:cNvSpPr>
+              <p:nvPr>
+                <p:ph idx="1"/>
+              </p:nvPr>
+            </p:nvSpPr>
+            <p:spPr>
+              <a:blipFill>
+                <a:blip r:embed="rId3"/>
+                <a:stretch>
+                  <a:fillRect l="-1043" t="-2661" r="-870"/>
+                </a:stretch>
+              </a:blipFill>
+            </p:spPr>
+            <p:txBody>
+              <a:bodyPr/>
+              <a:lstStyle/>
+              <a:p>
+                <a:r>
+                  <a:rPr lang="ko-KR" altLang="en-US">
+                    <a:noFill/>
+                  </a:rPr>
+                  <a:t> </a:t>
+                </a:r>
+              </a:p>
+            </p:txBody>
+          </p:sp>
+        </mc:Fallback>
+      </mc:AlternateContent>
+    </p:spTree>
+    <p:extLst>
+      <p:ext uri="{BB962C8B-B14F-4D97-AF65-F5344CB8AC3E}">
+        <p14:creationId xmlns:p14="http://schemas.microsoft.com/office/powerpoint/2010/main" val="840585265"/>
+      </p:ext>
+    </p:extLst>
+  </p:cSld>
+  <p:clrMapOvr>
+    <a:masterClrMapping/>
+  </p:clrMapOvr>
+</p:sld>
+</file>
+
+<file path=ppt/slides/slide15.xml><?xml version="1.0" encoding="utf-8"?>
+<p:sld xmlns:a="http://schemas.openxmlformats.org/drawingml/2006/main" xmlns:r="http://schemas.openxmlformats.org/officeDocument/2006/relationships" xmlns:p="http://schemas.openxmlformats.org/presentationml/2006/main">
+  <p:cSld>
+    <p:spTree>
+      <p:nvGrpSpPr>
+        <p:cNvPr id="1" name="">
+          <a:extLst>
+            <a:ext uri="{FF2B5EF4-FFF2-40B4-BE49-F238E27FC236}">
+              <a16:creationId xmlns:a16="http://schemas.microsoft.com/office/drawing/2014/main" id="{F0E900D1-4429-1D45-DF36-26CF8B346FB3}"/>
+            </a:ext>
+          </a:extLst>
+        </p:cNvPr>
+        <p:cNvGrpSpPr/>
+        <p:nvPr/>
+      </p:nvGrpSpPr>
+      <p:grpSpPr>
+        <a:xfrm>
+          <a:off x="0" y="0"/>
+          <a:ext cx="0" cy="0"/>
+          <a:chOff x="0" y="0"/>
+          <a:chExt cx="0" cy="0"/>
+        </a:xfrm>
+      </p:grpSpPr>
+      <mc:AlternateContent xmlns:mc="http://schemas.openxmlformats.org/markup-compatibility/2006">
+        <mc:Choice xmlns:a14="http://schemas.microsoft.com/office/drawing/2010/main" Requires="a14">
+          <p:sp>
+            <p:nvSpPr>
+              <p:cNvPr id="2" name="제목 1">
+                <a:extLst>
+                  <a:ext uri="{FF2B5EF4-FFF2-40B4-BE49-F238E27FC236}">
+                    <a16:creationId xmlns:a16="http://schemas.microsoft.com/office/drawing/2014/main" id="{25683979-4AB6-51E9-ADEA-E6D012809B61}"/>
+                  </a:ext>
+                </a:extLst>
+              </p:cNvPr>
+              <p:cNvSpPr>
+                <a:spLocks noGrp="1"/>
+              </p:cNvSpPr>
+              <p:nvPr>
+                <p:ph type="title"/>
+              </p:nvPr>
+            </p:nvSpPr>
+            <p:spPr>
+              <a:xfrm>
+                <a:off x="838200" y="365125"/>
+                <a:ext cx="10515600" cy="1325563"/>
+              </a:xfrm>
+            </p:spPr>
+            <p:txBody>
+              <a:bodyPr/>
+              <a:lstStyle/>
+              <a:p>
+                <a14:m>
+                  <m:oMath xmlns:m="http://schemas.openxmlformats.org/officeDocument/2006/math">
+                    <m:sSub>
+                      <m:sSubPr>
+                        <m:ctrlPr>
+                          <a:rPr lang="en-US" altLang="ko-KR" i="1">
+                            <a:latin typeface="Cambria Math" panose="02040503050406030204" pitchFamily="18" charset="0"/>
+                          </a:rPr>
+                        </m:ctrlPr>
+                      </m:sSubPr>
+                      <m:e>
+                        <m:r>
+                          <a:rPr lang="en-US" altLang="ko-KR" i="1">
+                            <a:latin typeface="Cambria Math" panose="02040503050406030204" pitchFamily="18" charset="0"/>
+                          </a:rPr>
+                          <m:t>𝑝</m:t>
+                        </m:r>
+                      </m:e>
+                      <m:sub>
+                        <m:r>
+                          <a:rPr lang="en-US" altLang="ko-KR" i="1">
+                            <a:latin typeface="Cambria Math" panose="02040503050406030204" pitchFamily="18" charset="0"/>
+                          </a:rPr>
+                          <m:t>𝑐</m:t>
+                        </m:r>
+                      </m:sub>
+                    </m:sSub>
+                    <m:r>
+                      <a:rPr lang="en-US" altLang="ko-KR" i="1">
+                        <a:latin typeface="Cambria Math" panose="02040503050406030204" pitchFamily="18" charset="0"/>
+                      </a:rPr>
+                      <m:t>=0.5</m:t>
+                    </m:r>
+                    <m:r>
+                      <a:rPr lang="en-US" altLang="ko-KR">
+                        <a:latin typeface="Cambria Math" panose="02040503050406030204" pitchFamily="18" charset="0"/>
+                      </a:rPr>
+                      <m:t> </m:t>
+                    </m:r>
+                    <m:r>
+                      <a:rPr lang="ko-KR" altLang="en-US" i="1">
+                        <a:latin typeface="Cambria Math" panose="02040503050406030204" pitchFamily="18" charset="0"/>
+                      </a:rPr>
+                      <m:t>증</m:t>
+                    </m:r>
+                  </m:oMath>
+                </a14:m>
+                <a:r>
+                  <a:rPr lang="ko-KR" altLang="en-US"/>
+                  <a:t>명</a:t>
+                </a:r>
+              </a:p>
+            </p:txBody>
+          </p:sp>
+        </mc:Choice>
+        <mc:Fallback>
+          <p:sp>
+            <p:nvSpPr>
+              <p:cNvPr id="2" name="제목 1">
+                <a:extLst>
+                  <a:ext uri="{FF2B5EF4-FFF2-40B4-BE49-F238E27FC236}">
+                    <a16:creationId xmlns:a16="http://schemas.microsoft.com/office/drawing/2014/main" id="{25683979-4AB6-51E9-ADEA-E6D012809B61}"/>
+                  </a:ext>
+                </a:extLst>
+              </p:cNvPr>
+              <p:cNvSpPr>
+                <a:spLocks noGrp="1" noRot="1" noChangeAspect="1" noMove="1" noResize="1" noEditPoints="1" noAdjustHandles="1" noChangeArrowheads="1" noChangeShapeType="1" noTextEdit="1"/>
+              </p:cNvSpPr>
+              <p:nvPr>
+                <p:ph type="title"/>
+              </p:nvPr>
+            </p:nvSpPr>
+            <p:spPr>
+              <a:xfrm>
+                <a:off x="838200" y="365125"/>
+                <a:ext cx="10515600" cy="1325563"/>
+              </a:xfrm>
+              <a:blipFill>
+                <a:blip r:embed="rId2"/>
+                <a:stretch>
+                  <a:fillRect/>
+                </a:stretch>
+              </a:blipFill>
+            </p:spPr>
+            <p:txBody>
+              <a:bodyPr/>
+              <a:lstStyle/>
+              <a:p>
+                <a:r>
+                  <a:rPr lang="ko-KR" altLang="en-US">
+                    <a:noFill/>
+                  </a:rPr>
+                  <a:t> </a:t>
+                </a:r>
+              </a:p>
+            </p:txBody>
+          </p:sp>
+        </mc:Fallback>
+      </mc:AlternateContent>
+      <mc:AlternateContent xmlns:mc="http://schemas.openxmlformats.org/markup-compatibility/2006">
+        <mc:Choice xmlns:a14="http://schemas.microsoft.com/office/drawing/2010/main" Requires="a14">
+          <p:sp>
+            <p:nvSpPr>
+              <p:cNvPr id="3" name="내용 개체 틀 2">
+                <a:extLst>
+                  <a:ext uri="{FF2B5EF4-FFF2-40B4-BE49-F238E27FC236}">
+                    <a16:creationId xmlns:a16="http://schemas.microsoft.com/office/drawing/2014/main" id="{CFACC440-3C3C-1AED-00AE-6D24933F6425}"/>
+                  </a:ext>
+                </a:extLst>
+              </p:cNvPr>
+              <p:cNvSpPr>
+                <a:spLocks noGrp="1"/>
+              </p:cNvSpPr>
+              <p:nvPr>
+                <p:ph idx="1"/>
+              </p:nvPr>
+            </p:nvSpPr>
+            <p:spPr>
+              <a:xfrm>
+                <a:off x="838200" y="1825624"/>
+                <a:ext cx="10515600" cy="4828217"/>
+              </a:xfrm>
+            </p:spPr>
+            <p:txBody>
+              <a:bodyPr>
+                <a:normAutofit/>
+              </a:bodyPr>
+              <a:lstStyle/>
+              <a:p>
+                <a:r>
+                  <a:rPr lang="ko-KR" altLang="en-US"/>
+                  <a:t>원래 그래프 </a:t>
+                </a:r>
+                <a14:m>
+                  <m:oMath xmlns:m="http://schemas.openxmlformats.org/officeDocument/2006/math">
+                    <m:r>
+                      <a:rPr lang="en-US" altLang="ko-KR" b="0" i="1" smtClean="0">
+                        <a:latin typeface="Cambria Math" panose="02040503050406030204" pitchFamily="18" charset="0"/>
+                      </a:rPr>
+                      <m:t>𝐺</m:t>
+                    </m:r>
+                    <m:r>
+                      <a:rPr lang="en-US" altLang="ko-KR" b="0" i="1" smtClean="0">
+                        <a:latin typeface="Cambria Math" panose="02040503050406030204" pitchFamily="18" charset="0"/>
+                      </a:rPr>
+                      <m:t>(</m:t>
+                    </m:r>
+                    <m:r>
+                      <a:rPr lang="en-US" altLang="ko-KR" b="0" i="1" smtClean="0">
+                        <a:latin typeface="Cambria Math" panose="02040503050406030204" pitchFamily="18" charset="0"/>
+                      </a:rPr>
+                      <m:t>𝑝</m:t>
+                    </m:r>
+                    <m:r>
+                      <a:rPr lang="en-US" altLang="ko-KR" b="0" i="1" smtClean="0">
+                        <a:latin typeface="Cambria Math" panose="02040503050406030204" pitchFamily="18" charset="0"/>
+                      </a:rPr>
+                      <m:t>)</m:t>
+                    </m:r>
+                  </m:oMath>
+                </a14:m>
+                <a:r>
+                  <a:rPr lang="ko-KR" altLang="en-US"/>
+                  <a:t>가</a:t>
+                </a:r>
+                <a:r>
+                  <a:rPr lang="en-US" altLang="ko-KR"/>
+                  <a:t> </a:t>
+                </a:r>
+                <a:r>
+                  <a:rPr lang="ko-KR" altLang="en-US"/>
+                  <a:t>무한 클러스터를 가지지 않는다고 가정하자</a:t>
+                </a:r>
+                <a:r>
+                  <a:rPr lang="en-US" altLang="ko-KR"/>
+                  <a:t>. (</a:t>
+                </a:r>
+                <a:r>
+                  <a:rPr lang="ko-KR" altLang="en-US"/>
+                  <a:t>즉</a:t>
+                </a:r>
+                <a:r>
+                  <a:rPr lang="en-US" altLang="ko-KR"/>
+                  <a:t> </a:t>
+                </a:r>
+                <a14:m>
+                  <m:oMath xmlns:m="http://schemas.openxmlformats.org/officeDocument/2006/math">
+                    <m:r>
+                      <a:rPr lang="en-US" altLang="ko-KR" b="0" i="1" smtClean="0">
+                        <a:latin typeface="Cambria Math" panose="02040503050406030204" pitchFamily="18" charset="0"/>
+                      </a:rPr>
+                      <m:t>𝑝</m:t>
+                    </m:r>
+                    <m:r>
+                      <a:rPr lang="en-US" altLang="ko-KR" b="0" i="1" smtClean="0">
+                        <a:latin typeface="Cambria Math" panose="02040503050406030204" pitchFamily="18" charset="0"/>
+                      </a:rPr>
+                      <m:t>≤</m:t>
+                    </m:r>
+                    <m:sSub>
+                      <m:sSubPr>
+                        <m:ctrlPr>
+                          <a:rPr lang="en-US" altLang="ko-KR" b="0" i="1" smtClean="0">
+                            <a:latin typeface="Cambria Math" panose="02040503050406030204" pitchFamily="18" charset="0"/>
+                          </a:rPr>
+                        </m:ctrlPr>
+                      </m:sSubPr>
+                      <m:e>
+                        <m:r>
+                          <a:rPr lang="en-US" altLang="ko-KR" b="0" i="1" smtClean="0">
+                            <a:latin typeface="Cambria Math" panose="02040503050406030204" pitchFamily="18" charset="0"/>
+                          </a:rPr>
+                          <m:t>𝑝</m:t>
+                        </m:r>
+                      </m:e>
+                      <m:sub>
+                        <m:r>
+                          <a:rPr lang="en-US" altLang="ko-KR" b="0" i="1" smtClean="0">
+                            <a:latin typeface="Cambria Math" panose="02040503050406030204" pitchFamily="18" charset="0"/>
+                          </a:rPr>
+                          <m:t>𝑐</m:t>
+                        </m:r>
+                      </m:sub>
+                    </m:sSub>
+                  </m:oMath>
+                </a14:m>
+                <a:r>
+                  <a:rPr lang="ko-KR" altLang="en-US"/>
+                  <a:t>라고 가정</a:t>
+                </a:r>
+                <a:r>
+                  <a:rPr lang="en-US" altLang="ko-KR"/>
+                  <a:t>)</a:t>
+                </a:r>
+              </a:p>
+              <a:p>
+                <a14:m>
+                  <m:oMath xmlns:m="http://schemas.openxmlformats.org/officeDocument/2006/math">
+                    <m:r>
+                      <a:rPr lang="en-US" altLang="ko-KR" b="0" i="1" smtClean="0">
+                        <a:latin typeface="Cambria Math" panose="02040503050406030204" pitchFamily="18" charset="0"/>
+                      </a:rPr>
+                      <m:t>𝐺</m:t>
+                    </m:r>
+                    <m:r>
+                      <a:rPr lang="en-US" altLang="ko-KR" b="0" i="1" smtClean="0">
+                        <a:latin typeface="Cambria Math" panose="02040503050406030204" pitchFamily="18" charset="0"/>
+                      </a:rPr>
+                      <m:t>(</m:t>
+                    </m:r>
+                    <m:r>
+                      <a:rPr lang="en-US" altLang="ko-KR" b="0" i="1" smtClean="0">
+                        <a:latin typeface="Cambria Math" panose="02040503050406030204" pitchFamily="18" charset="0"/>
+                      </a:rPr>
+                      <m:t>𝑝</m:t>
+                    </m:r>
+                    <m:r>
+                      <a:rPr lang="en-US" altLang="ko-KR" b="0" i="1" smtClean="0">
+                        <a:latin typeface="Cambria Math" panose="02040503050406030204" pitchFamily="18" charset="0"/>
+                      </a:rPr>
+                      <m:t>)</m:t>
+                    </m:r>
+                  </m:oMath>
+                </a14:m>
+                <a:r>
+                  <a:rPr lang="ko-KR" altLang="en-US"/>
+                  <a:t>의 클러스터가 무한해지는 걸 막기 위해 듀얼그래프 </a:t>
+                </a:r>
+                <a14:m>
+                  <m:oMath xmlns:m="http://schemas.openxmlformats.org/officeDocument/2006/math">
+                    <m:r>
+                      <a:rPr lang="en-US" altLang="ko-KR" b="0" i="1" smtClean="0">
+                        <a:latin typeface="Cambria Math" panose="02040503050406030204" pitchFamily="18" charset="0"/>
+                      </a:rPr>
+                      <m:t>𝐺</m:t>
+                    </m:r>
+                    <m:r>
+                      <a:rPr lang="en-US" altLang="ko-KR" b="0" i="1" smtClean="0">
+                        <a:latin typeface="Cambria Math" panose="02040503050406030204" pitchFamily="18" charset="0"/>
+                      </a:rPr>
+                      <m:t>(1−</m:t>
+                    </m:r>
+                    <m:r>
+                      <a:rPr lang="en-US" altLang="ko-KR" b="0" i="1" smtClean="0">
+                        <a:latin typeface="Cambria Math" panose="02040503050406030204" pitchFamily="18" charset="0"/>
+                      </a:rPr>
+                      <m:t>𝑝</m:t>
+                    </m:r>
+                    <m:r>
+                      <a:rPr lang="en-US" altLang="ko-KR" b="0" i="1" smtClean="0">
+                        <a:latin typeface="Cambria Math" panose="02040503050406030204" pitchFamily="18" charset="0"/>
+                      </a:rPr>
+                      <m:t>)</m:t>
+                    </m:r>
+                  </m:oMath>
+                </a14:m>
+                <a:r>
+                  <a:rPr lang="ko-KR" altLang="en-US"/>
+                  <a:t>는 무한 클러스터를 가져야한다</a:t>
+                </a:r>
+                <a:r>
+                  <a:rPr lang="en-US" altLang="ko-KR"/>
+                  <a:t>.</a:t>
+                </a:r>
+              </a:p>
+              <a:p>
+                <a:pPr marL="0" indent="0">
+                  <a:buNone/>
+                </a:pPr>
+                <a:r>
+                  <a:rPr lang="ko-KR" altLang="en-US" sz="2400" b="1"/>
+                  <a:t>코드 실행</a:t>
+                </a:r>
+                <a:r>
+                  <a:rPr lang="en-US" altLang="ko-KR" sz="2400" b="1"/>
+                  <a:t>(3)</a:t>
+                </a:r>
+              </a:p>
+              <a:p>
+                <a14:m>
+                  <m:oMath xmlns:m="http://schemas.openxmlformats.org/officeDocument/2006/math">
+                    <m:r>
+                      <a:rPr lang="en-US" altLang="ko-KR" b="0" i="1" smtClean="0">
+                        <a:latin typeface="Cambria Math" panose="02040503050406030204" pitchFamily="18" charset="0"/>
+                      </a:rPr>
+                      <m:t>1−</m:t>
+                    </m:r>
+                    <m:r>
+                      <a:rPr lang="en-US" altLang="ko-KR" b="0" i="1" smtClean="0">
+                        <a:latin typeface="Cambria Math" panose="02040503050406030204" pitchFamily="18" charset="0"/>
+                      </a:rPr>
+                      <m:t>𝑝</m:t>
+                    </m:r>
+                    <m:r>
+                      <a:rPr lang="en-US" altLang="ko-KR" b="0" i="1" smtClean="0">
+                        <a:latin typeface="Cambria Math" panose="02040503050406030204" pitchFamily="18" charset="0"/>
+                      </a:rPr>
+                      <m:t>≥</m:t>
+                    </m:r>
+                    <m:sSub>
+                      <m:sSubPr>
+                        <m:ctrlPr>
+                          <a:rPr lang="en-US" altLang="ko-KR" b="0" i="1" smtClean="0">
+                            <a:latin typeface="Cambria Math" panose="02040503050406030204" pitchFamily="18" charset="0"/>
+                          </a:rPr>
+                        </m:ctrlPr>
+                      </m:sSubPr>
+                      <m:e>
+                        <m:r>
+                          <a:rPr lang="en-US" altLang="ko-KR" b="0" i="1" smtClean="0">
+                            <a:latin typeface="Cambria Math" panose="02040503050406030204" pitchFamily="18" charset="0"/>
+                          </a:rPr>
+                          <m:t>𝑝</m:t>
+                        </m:r>
+                      </m:e>
+                      <m:sub>
+                        <m:r>
+                          <a:rPr lang="en-US" altLang="ko-KR" b="0" i="1" smtClean="0">
+                            <a:latin typeface="Cambria Math" panose="02040503050406030204" pitchFamily="18" charset="0"/>
+                          </a:rPr>
+                          <m:t>𝑐</m:t>
+                        </m:r>
+                      </m:sub>
+                    </m:sSub>
+                    <m:r>
+                      <a:rPr lang="ko-KR" altLang="en-US" i="1">
+                        <a:latin typeface="Cambria Math" panose="02040503050406030204" pitchFamily="18" charset="0"/>
+                      </a:rPr>
+                      <m:t>이</m:t>
+                    </m:r>
+                  </m:oMath>
+                </a14:m>
+                <a:r>
+                  <a:rPr lang="ko-KR" altLang="en-US"/>
+                  <a:t>다</a:t>
+                </a:r>
+                <a:r>
+                  <a:rPr lang="en-US" altLang="ko-KR"/>
+                  <a:t>.</a:t>
+                </a:r>
+              </a:p>
+              <a:p>
+                <a:r>
+                  <a:rPr lang="ko-KR" altLang="en-US"/>
+                  <a:t>즉</a:t>
+                </a:r>
+                <a14:m>
+                  <m:oMath xmlns:m="http://schemas.openxmlformats.org/officeDocument/2006/math">
+                    <m:r>
+                      <a:rPr lang="en-US" altLang="ko-KR" b="0" i="0" smtClean="0">
+                        <a:latin typeface="Cambria Math" panose="02040503050406030204" pitchFamily="18" charset="0"/>
+                      </a:rPr>
+                      <m:t> </m:t>
+                    </m:r>
+                    <m:r>
+                      <a:rPr lang="en-US" altLang="ko-KR" b="0" i="1" smtClean="0">
+                        <a:latin typeface="Cambria Math" panose="02040503050406030204" pitchFamily="18" charset="0"/>
+                      </a:rPr>
+                      <m:t>𝑝</m:t>
+                    </m:r>
+                    <m:r>
+                      <a:rPr lang="en-US" altLang="ko-KR" b="0" i="1" smtClean="0">
+                        <a:latin typeface="Cambria Math" panose="02040503050406030204" pitchFamily="18" charset="0"/>
+                      </a:rPr>
+                      <m:t>≤</m:t>
+                    </m:r>
+                    <m:sSub>
+                      <m:sSubPr>
+                        <m:ctrlPr>
+                          <a:rPr lang="en-US" altLang="ko-KR" b="0" i="1" smtClean="0">
+                            <a:latin typeface="Cambria Math" panose="02040503050406030204" pitchFamily="18" charset="0"/>
+                          </a:rPr>
+                        </m:ctrlPr>
+                      </m:sSubPr>
+                      <m:e>
+                        <m:r>
+                          <a:rPr lang="en-US" altLang="ko-KR" b="0" i="1" smtClean="0">
+                            <a:latin typeface="Cambria Math" panose="02040503050406030204" pitchFamily="18" charset="0"/>
+                          </a:rPr>
+                          <m:t>𝑝</m:t>
+                        </m:r>
+                      </m:e>
+                      <m:sub>
+                        <m:r>
+                          <a:rPr lang="en-US" altLang="ko-KR" b="0" i="1" smtClean="0">
+                            <a:latin typeface="Cambria Math" panose="02040503050406030204" pitchFamily="18" charset="0"/>
+                          </a:rPr>
+                          <m:t>𝑐</m:t>
+                        </m:r>
+                      </m:sub>
+                    </m:sSub>
+                    <m:r>
+                      <a:rPr lang="en-US" altLang="ko-KR" b="0" i="1" smtClean="0">
+                        <a:latin typeface="Cambria Math" panose="02040503050406030204" pitchFamily="18" charset="0"/>
+                      </a:rPr>
+                      <m:t>≤1−</m:t>
+                    </m:r>
+                    <m:r>
+                      <a:rPr lang="en-US" altLang="ko-KR" b="0" i="1" smtClean="0">
+                        <a:latin typeface="Cambria Math" panose="02040503050406030204" pitchFamily="18" charset="0"/>
+                      </a:rPr>
+                      <m:t>𝑝</m:t>
+                    </m:r>
+                  </m:oMath>
+                </a14:m>
+                <a:r>
+                  <a:rPr lang="ko-KR" altLang="en-US"/>
+                  <a:t>이므</a:t>
+                </a:r>
+                <a14:m>
+                  <m:oMath xmlns:m="http://schemas.openxmlformats.org/officeDocument/2006/math">
+                    <m:r>
+                      <a:rPr lang="ko-KR" altLang="en-US" b="0" i="1">
+                        <a:latin typeface="Cambria Math" panose="02040503050406030204" pitchFamily="18" charset="0"/>
+                      </a:rPr>
+                      <m:t>로</m:t>
+                    </m:r>
+                    <m:r>
+                      <a:rPr lang="en-US" altLang="ko-KR" b="0" i="1" smtClean="0">
+                        <a:latin typeface="Cambria Math" panose="02040503050406030204" pitchFamily="18" charset="0"/>
+                      </a:rPr>
+                      <m:t> </m:t>
+                    </m:r>
+                    <m:r>
+                      <a:rPr lang="en-US" altLang="ko-KR" b="0" i="1" smtClean="0">
+                        <a:latin typeface="Cambria Math" panose="02040503050406030204" pitchFamily="18" charset="0"/>
+                      </a:rPr>
+                      <m:t>𝑝</m:t>
+                    </m:r>
+                    <m:r>
+                      <a:rPr lang="en-US" altLang="ko-KR" b="0" i="1" smtClean="0">
+                        <a:latin typeface="Cambria Math" panose="02040503050406030204" pitchFamily="18" charset="0"/>
+                      </a:rPr>
+                      <m:t>≤0.5</m:t>
+                    </m:r>
+                  </m:oMath>
+                </a14:m>
+                <a:r>
+                  <a:rPr lang="ko-KR" altLang="en-US"/>
+                  <a:t>이다</a:t>
+                </a:r>
+                <a:r>
+                  <a:rPr lang="en-US" altLang="ko-KR"/>
+                  <a:t>. </a:t>
+                </a:r>
+              </a:p>
+              <a:p>
+                <a:r>
+                  <a:rPr lang="ko-KR" altLang="en-US"/>
+                  <a:t>듀얼그래프의 듀얼그래프는 원래 그래프이므로 대칭적인 상황도 동일하다</a:t>
+                </a:r>
+                <a:r>
+                  <a:rPr lang="en-US" altLang="ko-KR"/>
+                  <a:t>. </a:t>
+                </a:r>
+                <a:r>
+                  <a:rPr lang="ko-KR" altLang="en-US"/>
+                  <a:t>따라서 </a:t>
+                </a:r>
+                <a14:m>
+                  <m:oMath xmlns:m="http://schemas.openxmlformats.org/officeDocument/2006/math">
+                    <m:r>
+                      <a:rPr lang="en-US" altLang="ko-KR" b="0" i="1" smtClean="0">
+                        <a:latin typeface="Cambria Math" panose="02040503050406030204" pitchFamily="18" charset="0"/>
+                      </a:rPr>
+                      <m:t>𝑝</m:t>
+                    </m:r>
+                    <m:r>
+                      <a:rPr lang="en-US" altLang="ko-KR" b="0" i="1" smtClean="0">
+                        <a:latin typeface="Cambria Math" panose="02040503050406030204" pitchFamily="18" charset="0"/>
+                      </a:rPr>
+                      <m:t>≥0.5</m:t>
+                    </m:r>
+                  </m:oMath>
+                </a14:m>
+                <a:r>
+                  <a:rPr lang="ko-KR" altLang="en-US"/>
+                  <a:t>이다</a:t>
+                </a:r>
+                <a:r>
+                  <a:rPr lang="en-US" altLang="ko-KR"/>
+                  <a:t>.</a:t>
+                </a:r>
+              </a:p>
+              <a:p>
+                <a14:m>
+                  <m:oMath xmlns:m="http://schemas.openxmlformats.org/officeDocument/2006/math">
+                    <m:r>
+                      <a:rPr lang="en-US" altLang="ko-KR" i="1" smtClean="0">
+                        <a:latin typeface="Cambria Math" panose="02040503050406030204" pitchFamily="18" charset="0"/>
+                        <a:ea typeface="Cambria Math" panose="02040503050406030204" pitchFamily="18" charset="0"/>
+                      </a:rPr>
+                      <m:t>∴</m:t>
+                    </m:r>
+                    <m:r>
+                      <a:rPr lang="en-US" altLang="ko-KR" b="0" i="1" smtClean="0">
+                        <a:latin typeface="Cambria Math" panose="02040503050406030204" pitchFamily="18" charset="0"/>
+                        <a:ea typeface="Cambria Math" panose="02040503050406030204" pitchFamily="18" charset="0"/>
+                      </a:rPr>
+                      <m:t>𝑝</m:t>
+                    </m:r>
+                    <m:r>
+                      <a:rPr lang="en-US" altLang="ko-KR" b="0" i="1" smtClean="0">
+                        <a:latin typeface="Cambria Math" panose="02040503050406030204" pitchFamily="18" charset="0"/>
+                        <a:ea typeface="Cambria Math" panose="02040503050406030204" pitchFamily="18" charset="0"/>
+                      </a:rPr>
+                      <m:t>=0.5</m:t>
+                    </m:r>
+                  </m:oMath>
+                </a14:m>
+                <a:endParaRPr lang="en-US" altLang="ko-KR"/>
+              </a:p>
+              <a:p>
+                <a:endParaRPr lang="en-US" altLang="ko-KR"/>
+              </a:p>
+              <a:p>
+                <a:endParaRPr lang="en-US" altLang="ko-KR"/>
               </a:p>
             </p:txBody>
           </p:sp>
@@ -9359,13 +9756,13 @@
             </p:nvSpPr>
             <p:spPr>
               <a:xfrm>
-                <a:off x="838200" y="1825625"/>
-                <a:ext cx="10515600" cy="4351338"/>
+                <a:off x="838200" y="1825624"/>
+                <a:ext cx="10515600" cy="4828217"/>
               </a:xfrm>
               <a:blipFill>
-                <a:blip r:embed="rId2"/>
+                <a:blip r:embed="rId3"/>
                 <a:stretch>
-                  <a:fillRect l="-1043" t="-2661" r="-870"/>
+                  <a:fillRect l="-1043" t="-2396"/>
                 </a:stretch>
               </a:blipFill>
             </p:spPr>
@@ -9398,788 +9795,6 @@
 </file>
 
 <file path=ppt/slides/slide16.xml><?xml version="1.0" encoding="utf-8"?>
-<p:sld xmlns:a="http://schemas.openxmlformats.org/drawingml/2006/main" xmlns:r="http://schemas.openxmlformats.org/officeDocument/2006/relationships" xmlns:p="http://schemas.openxmlformats.org/presentationml/2006/main">
-  <p:cSld>
-    <p:spTree>
-      <p:nvGrpSpPr>
-        <p:cNvPr id="1" name=""/>
-        <p:cNvGrpSpPr/>
-        <p:nvPr/>
-      </p:nvGrpSpPr>
-      <p:grpSpPr>
-        <a:xfrm>
-          <a:off x="0" y="0"/>
-          <a:ext cx="0" cy="0"/>
-          <a:chOff x="0" y="0"/>
-          <a:chExt cx="0" cy="0"/>
-        </a:xfrm>
-      </p:grpSpPr>
-      <p:sp>
-        <p:nvSpPr>
-          <p:cNvPr id="2" name="제목 1">
-            <a:extLst>
-              <a:ext uri="{FF2B5EF4-FFF2-40B4-BE49-F238E27FC236}">
-                <a16:creationId xmlns:a16="http://schemas.microsoft.com/office/drawing/2014/main" id="{84261D94-E102-73AF-00C7-356510005A57}"/>
-              </a:ext>
-            </a:extLst>
-          </p:cNvPr>
-          <p:cNvSpPr>
-            <a:spLocks noGrp="1"/>
-          </p:cNvSpPr>
-          <p:nvPr>
-            <p:ph type="title"/>
-          </p:nvPr>
-        </p:nvSpPr>
-        <p:spPr/>
-        <p:txBody>
-          <a:bodyPr/>
-          <a:lstStyle/>
-          <a:p>
-            <a:r>
-              <a:rPr lang="ko-KR" altLang="en-US"/>
-              <a:t>무한 클러스터 성질 </a:t>
-            </a:r>
-            <a:r>
-              <a:rPr lang="en-US" altLang="ko-KR"/>
-              <a:t>1 </a:t>
-            </a:r>
-            <a:r>
-              <a:rPr lang="ko-KR" altLang="en-US"/>
-              <a:t>증명</a:t>
-            </a:r>
-          </a:p>
-        </p:txBody>
-      </p:sp>
-      <mc:AlternateContent xmlns:mc="http://schemas.openxmlformats.org/markup-compatibility/2006">
-        <mc:Choice xmlns:a14="http://schemas.microsoft.com/office/drawing/2010/main" Requires="a14">
-          <p:sp>
-            <p:nvSpPr>
-              <p:cNvPr id="3" name="내용 개체 틀 2">
-                <a:extLst>
-                  <a:ext uri="{FF2B5EF4-FFF2-40B4-BE49-F238E27FC236}">
-                    <a16:creationId xmlns:a16="http://schemas.microsoft.com/office/drawing/2014/main" id="{54368F53-FAC6-2120-C0F0-7F084B9BEBB4}"/>
-                  </a:ext>
-                </a:extLst>
-              </p:cNvPr>
-              <p:cNvSpPr>
-                <a:spLocks noGrp="1"/>
-              </p:cNvSpPr>
-              <p:nvPr>
-                <p:ph idx="1"/>
-              </p:nvPr>
-            </p:nvSpPr>
-            <p:spPr/>
-            <p:txBody>
-              <a:bodyPr/>
-              <a:lstStyle/>
-              <a:p>
-                <a14:m>
-                  <m:oMath xmlns:m="http://schemas.openxmlformats.org/officeDocument/2006/math">
-                    <m:r>
-                      <a:rPr lang="en-US" altLang="ko-KR" b="0" i="1" smtClean="0">
-                        <a:latin typeface="Cambria Math" panose="02040503050406030204" pitchFamily="18" charset="0"/>
-                      </a:rPr>
-                      <m:t>𝑝</m:t>
-                    </m:r>
-                  </m:oMath>
-                </a14:m>
-                <a:r>
-                  <a:rPr lang="ko-KR" altLang="en-US"/>
-                  <a:t>일 때 무한 클러스터를 가지지 않는다고 가정하자</a:t>
-                </a:r>
-                <a:r>
-                  <a:rPr lang="en-US" altLang="ko-KR"/>
-                  <a:t>. </a:t>
-                </a:r>
-                <a:r>
-                  <a:rPr lang="ko-KR" altLang="en-US"/>
-                  <a:t>즉 </a:t>
-                </a:r>
-                <a14:m>
-                  <m:oMath xmlns:m="http://schemas.openxmlformats.org/officeDocument/2006/math">
-                    <m:r>
-                      <a:rPr lang="en-US" altLang="ko-KR" b="0" i="1" smtClean="0">
-                        <a:latin typeface="Cambria Math" panose="02040503050406030204" pitchFamily="18" charset="0"/>
-                      </a:rPr>
-                      <m:t>𝑝</m:t>
-                    </m:r>
-                    <m:r>
-                      <a:rPr lang="en-US" altLang="ko-KR" b="0" i="1" smtClean="0">
-                        <a:latin typeface="Cambria Math" panose="02040503050406030204" pitchFamily="18" charset="0"/>
-                      </a:rPr>
-                      <m:t>&lt;0.5</m:t>
-                    </m:r>
-                  </m:oMath>
-                </a14:m>
-                <a:endParaRPr lang="en-US" altLang="ko-KR"/>
-              </a:p>
-              <a:p>
-                <a14:m>
-                  <m:oMath xmlns:m="http://schemas.openxmlformats.org/officeDocument/2006/math">
-                    <m:r>
-                      <a:rPr lang="en-US" altLang="ko-KR" b="0" i="1" smtClean="0">
-                        <a:latin typeface="Cambria Math" panose="02040503050406030204" pitchFamily="18" charset="0"/>
-                      </a:rPr>
-                      <m:t>1−</m:t>
-                    </m:r>
-                    <m:r>
-                      <a:rPr lang="en-US" altLang="ko-KR" b="0" i="1" smtClean="0">
-                        <a:latin typeface="Cambria Math" panose="02040503050406030204" pitchFamily="18" charset="0"/>
-                      </a:rPr>
-                      <m:t>𝑝</m:t>
-                    </m:r>
-                    <m:r>
-                      <a:rPr lang="en-US" altLang="ko-KR" b="0" i="1" smtClean="0">
-                        <a:latin typeface="Cambria Math" panose="02040503050406030204" pitchFamily="18" charset="0"/>
-                      </a:rPr>
-                      <m:t>&gt;0.5</m:t>
-                    </m:r>
-                  </m:oMath>
-                </a14:m>
-                <a:r>
-                  <a:rPr lang="ko-KR" altLang="en-US"/>
-                  <a:t>이므로 듀얼 그래프는 무한 클러스터를 가진다</a:t>
-                </a:r>
-                <a:r>
-                  <a:rPr lang="en-US" altLang="ko-KR"/>
-                  <a:t>.</a:t>
-                </a:r>
-              </a:p>
-              <a:p>
-                <a14:m>
-                  <m:oMath xmlns:m="http://schemas.openxmlformats.org/officeDocument/2006/math">
-                    <m:r>
-                      <a:rPr lang="en-US" altLang="ko-KR" b="0" i="1" smtClean="0">
-                        <a:latin typeface="Cambria Math" panose="02040503050406030204" pitchFamily="18" charset="0"/>
-                      </a:rPr>
-                      <m:t>𝑝</m:t>
-                    </m:r>
-                  </m:oMath>
-                </a14:m>
-                <a:r>
-                  <a:rPr lang="ko-KR" altLang="en-US"/>
-                  <a:t>일 때 무한 클러스터를 가지지 않으려면 모든 클러스터는 듀얼그래프에 의해 완전히 감싸져야 한다</a:t>
-                </a:r>
-                <a:r>
-                  <a:rPr lang="en-US" altLang="ko-KR"/>
-                  <a:t>.</a:t>
-                </a:r>
-              </a:p>
-              <a:p>
-                <a:r>
-                  <a:rPr lang="ko-KR" altLang="en-US"/>
-                  <a:t>즉 듀얼 그래프</a:t>
-                </a:r>
-                <a:r>
-                  <a:rPr lang="en-US" altLang="ko-KR"/>
-                  <a:t>(</a:t>
-                </a:r>
-                <a14:m>
-                  <m:oMath xmlns:m="http://schemas.openxmlformats.org/officeDocument/2006/math">
-                    <m:r>
-                      <a:rPr lang="en-US" altLang="ko-KR" b="0" i="1" smtClean="0">
-                        <a:latin typeface="Cambria Math" panose="02040503050406030204" pitchFamily="18" charset="0"/>
-                      </a:rPr>
-                      <m:t>1−</m:t>
-                    </m:r>
-                    <m:r>
-                      <a:rPr lang="en-US" altLang="ko-KR" b="0" i="1" smtClean="0">
-                        <a:latin typeface="Cambria Math" panose="02040503050406030204" pitchFamily="18" charset="0"/>
-                      </a:rPr>
-                      <m:t>𝑝</m:t>
-                    </m:r>
-                    <m:r>
-                      <a:rPr lang="ko-KR" altLang="en-US" i="1">
-                        <a:latin typeface="Cambria Math" panose="02040503050406030204" pitchFamily="18" charset="0"/>
-                      </a:rPr>
-                      <m:t>일</m:t>
-                    </m:r>
-                  </m:oMath>
-                </a14:m>
-                <a:r>
-                  <a:rPr lang="ko-KR" altLang="en-US"/>
-                  <a:t> 때의 그래프</a:t>
-                </a:r>
-                <a:r>
-                  <a:rPr lang="en-US" altLang="ko-KR"/>
-                  <a:t>)</a:t>
-                </a:r>
-                <a:r>
-                  <a:rPr lang="ko-KR" altLang="en-US"/>
-                  <a:t>가 가지는 무한 클러스터는 모든 점을 감싸야 한다</a:t>
-                </a:r>
-                <a:r>
-                  <a:rPr lang="en-US" altLang="ko-KR"/>
-                  <a:t>.</a:t>
-                </a:r>
-              </a:p>
-            </p:txBody>
-          </p:sp>
-        </mc:Choice>
-        <mc:Fallback>
-          <p:sp>
-            <p:nvSpPr>
-              <p:cNvPr id="3" name="내용 개체 틀 2">
-                <a:extLst>
-                  <a:ext uri="{FF2B5EF4-FFF2-40B4-BE49-F238E27FC236}">
-                    <a16:creationId xmlns:a16="http://schemas.microsoft.com/office/drawing/2014/main" id="{54368F53-FAC6-2120-C0F0-7F084B9BEBB4}"/>
-                  </a:ext>
-                </a:extLst>
-              </p:cNvPr>
-              <p:cNvSpPr>
-                <a:spLocks noGrp="1" noRot="1" noChangeAspect="1" noMove="1" noResize="1" noEditPoints="1" noAdjustHandles="1" noChangeArrowheads="1" noChangeShapeType="1" noTextEdit="1"/>
-              </p:cNvSpPr>
-              <p:nvPr>
-                <p:ph idx="1"/>
-              </p:nvPr>
-            </p:nvSpPr>
-            <p:spPr>
-              <a:blipFill>
-                <a:blip r:embed="rId2"/>
-                <a:stretch>
-                  <a:fillRect l="-1043" t="-2661" r="-464"/>
-                </a:stretch>
-              </a:blipFill>
-            </p:spPr>
-            <p:txBody>
-              <a:bodyPr/>
-              <a:lstStyle/>
-              <a:p>
-                <a:r>
-                  <a:rPr lang="ko-KR" altLang="en-US">
-                    <a:noFill/>
-                  </a:rPr>
-                  <a:t> </a:t>
-                </a:r>
-              </a:p>
-            </p:txBody>
-          </p:sp>
-        </mc:Fallback>
-      </mc:AlternateContent>
-    </p:spTree>
-    <p:extLst>
-      <p:ext uri="{BB962C8B-B14F-4D97-AF65-F5344CB8AC3E}">
-        <p14:creationId xmlns:p14="http://schemas.microsoft.com/office/powerpoint/2010/main" val="1659831106"/>
-      </p:ext>
-    </p:extLst>
-  </p:cSld>
-  <p:clrMapOvr>
-    <a:masterClrMapping/>
-  </p:clrMapOvr>
-</p:sld>
-</file>
-
-<file path=ppt/slides/slide17.xml><?xml version="1.0" encoding="utf-8"?>
-<p:sld xmlns:a="http://schemas.openxmlformats.org/drawingml/2006/main" xmlns:r="http://schemas.openxmlformats.org/officeDocument/2006/relationships" xmlns:p="http://schemas.openxmlformats.org/presentationml/2006/main">
-  <p:cSld>
-    <p:spTree>
-      <p:nvGrpSpPr>
-        <p:cNvPr id="1" name="">
-          <a:extLst>
-            <a:ext uri="{FF2B5EF4-FFF2-40B4-BE49-F238E27FC236}">
-              <a16:creationId xmlns:a16="http://schemas.microsoft.com/office/drawing/2014/main" id="{E1FDB5B5-3BB7-0D74-F302-C24F3119275C}"/>
-            </a:ext>
-          </a:extLst>
-        </p:cNvPr>
-        <p:cNvGrpSpPr/>
-        <p:nvPr/>
-      </p:nvGrpSpPr>
-      <p:grpSpPr>
-        <a:xfrm>
-          <a:off x="0" y="0"/>
-          <a:ext cx="0" cy="0"/>
-          <a:chOff x="0" y="0"/>
-          <a:chExt cx="0" cy="0"/>
-        </a:xfrm>
-      </p:grpSpPr>
-      <p:sp>
-        <p:nvSpPr>
-          <p:cNvPr id="2" name="제목 1">
-            <a:extLst>
-              <a:ext uri="{FF2B5EF4-FFF2-40B4-BE49-F238E27FC236}">
-                <a16:creationId xmlns:a16="http://schemas.microsoft.com/office/drawing/2014/main" id="{27DF2283-AA5D-114A-6563-0A5992253738}"/>
-              </a:ext>
-            </a:extLst>
-          </p:cNvPr>
-          <p:cNvSpPr>
-            <a:spLocks noGrp="1"/>
-          </p:cNvSpPr>
-          <p:nvPr>
-            <p:ph type="title"/>
-          </p:nvPr>
-        </p:nvSpPr>
-        <p:spPr/>
-        <p:txBody>
-          <a:bodyPr/>
-          <a:lstStyle/>
-          <a:p>
-            <a:r>
-              <a:rPr lang="ko-KR" altLang="en-US"/>
-              <a:t>무한 클러스터 성질 </a:t>
-            </a:r>
-            <a:r>
-              <a:rPr lang="en-US" altLang="ko-KR"/>
-              <a:t>2 </a:t>
-            </a:r>
-            <a:r>
-              <a:rPr lang="ko-KR" altLang="en-US"/>
-              <a:t>증명</a:t>
-            </a:r>
-          </a:p>
-        </p:txBody>
-      </p:sp>
-      <p:sp>
-        <p:nvSpPr>
-          <p:cNvPr id="3" name="내용 개체 틀 2">
-            <a:extLst>
-              <a:ext uri="{FF2B5EF4-FFF2-40B4-BE49-F238E27FC236}">
-                <a16:creationId xmlns:a16="http://schemas.microsoft.com/office/drawing/2014/main" id="{4E2E1736-1020-244F-7E13-92273FB46848}"/>
-              </a:ext>
-            </a:extLst>
-          </p:cNvPr>
-          <p:cNvSpPr>
-            <a:spLocks noGrp="1"/>
-          </p:cNvSpPr>
-          <p:nvPr>
-            <p:ph idx="1"/>
-          </p:nvPr>
-        </p:nvSpPr>
-        <p:spPr/>
-        <p:txBody>
-          <a:bodyPr/>
-          <a:lstStyle/>
-          <a:p>
-            <a:r>
-              <a:rPr lang="ko-KR" altLang="en-US"/>
-              <a:t>무한 클러스터가 </a:t>
-            </a:r>
-            <a:r>
-              <a:rPr lang="en-US" altLang="ko-KR"/>
-              <a:t>2</a:t>
-            </a:r>
-            <a:r>
-              <a:rPr lang="ko-KR" altLang="en-US"/>
-              <a:t>개 이상 존재한다면</a:t>
-            </a:r>
-            <a:r>
-              <a:rPr lang="en-US" altLang="ko-KR"/>
-              <a:t>, </a:t>
-            </a:r>
-            <a:r>
-              <a:rPr lang="ko-KR" altLang="en-US"/>
-              <a:t>한 무한 클러스터를 이루는 점은 다른 무한 클러스터가 감쌀 수 없으므로</a:t>
-            </a:r>
-            <a:r>
-              <a:rPr lang="en-US" altLang="ko-KR"/>
-              <a:t> </a:t>
-            </a:r>
-            <a:r>
-              <a:rPr lang="ko-KR" altLang="en-US"/>
-              <a:t>성질</a:t>
-            </a:r>
-            <a:r>
-              <a:rPr lang="en-US" altLang="ko-KR"/>
-              <a:t>1</a:t>
-            </a:r>
-            <a:r>
-              <a:rPr lang="ko-KR" altLang="en-US"/>
-              <a:t>에 모순된다</a:t>
-            </a:r>
-            <a:r>
-              <a:rPr lang="en-US" altLang="ko-KR"/>
-              <a:t>.</a:t>
-            </a:r>
-          </a:p>
-          <a:p>
-            <a:r>
-              <a:rPr lang="ko-KR" altLang="en-US"/>
-              <a:t>따라서 무한 클러스터는 유일하다</a:t>
-            </a:r>
-            <a:r>
-              <a:rPr lang="en-US" altLang="ko-KR"/>
-              <a:t>.</a:t>
-            </a:r>
-          </a:p>
-          <a:p>
-            <a:endParaRPr lang="en-US" altLang="ko-KR"/>
-          </a:p>
-          <a:p>
-            <a:r>
-              <a:rPr lang="ko-KR" altLang="en-US"/>
-              <a:t>성질</a:t>
-            </a:r>
-            <a:r>
-              <a:rPr lang="en-US" altLang="ko-KR"/>
-              <a:t>1,2</a:t>
-            </a:r>
-            <a:r>
-              <a:rPr lang="ko-KR" altLang="en-US"/>
-              <a:t>가 주는 직관적 의미 </a:t>
-            </a:r>
-            <a:r>
-              <a:rPr lang="en-US" altLang="ko-KR"/>
-              <a:t>: </a:t>
-            </a:r>
-            <a:r>
-              <a:rPr lang="ko-KR" altLang="en-US"/>
-              <a:t>무한 클러스터는 모든 공간에 퍼져있다</a:t>
-            </a:r>
-            <a:r>
-              <a:rPr lang="en-US" altLang="ko-KR"/>
-              <a:t>. </a:t>
-            </a:r>
-          </a:p>
-        </p:txBody>
-      </p:sp>
-      <p:sp>
-        <p:nvSpPr>
-          <p:cNvPr id="11" name="자유형: 도형 10">
-            <a:extLst>
-              <a:ext uri="{FF2B5EF4-FFF2-40B4-BE49-F238E27FC236}">
-                <a16:creationId xmlns:a16="http://schemas.microsoft.com/office/drawing/2014/main" id="{E5CFDAA2-CC32-C048-5432-7CAA7F6EE992}"/>
-              </a:ext>
-            </a:extLst>
-          </p:cNvPr>
-          <p:cNvSpPr/>
-          <p:nvPr/>
-        </p:nvSpPr>
-        <p:spPr>
-          <a:xfrm>
-            <a:off x="2489201" y="4489450"/>
-            <a:ext cx="1196153" cy="2114550"/>
-          </a:xfrm>
-          <a:custGeom>
-            <a:avLst/>
-            <a:gdLst>
-              <a:gd name="connsiteX0" fmla="*/ 0 w 1196153"/>
-              <a:gd name="connsiteY0" fmla="*/ 0 h 2114550"/>
-              <a:gd name="connsiteX1" fmla="*/ 868145 w 1196153"/>
-              <a:gd name="connsiteY1" fmla="*/ 0 h 2114550"/>
-              <a:gd name="connsiteX2" fmla="*/ 838200 w 1196153"/>
-              <a:gd name="connsiteY2" fmla="*/ 133350 h 2114550"/>
-              <a:gd name="connsiteX3" fmla="*/ 1028700 w 1196153"/>
-              <a:gd name="connsiteY3" fmla="*/ 927100 h 2114550"/>
-              <a:gd name="connsiteX4" fmla="*/ 1193800 w 1196153"/>
-              <a:gd name="connsiteY4" fmla="*/ 1289050 h 2114550"/>
-              <a:gd name="connsiteX5" fmla="*/ 901700 w 1196153"/>
-              <a:gd name="connsiteY5" fmla="*/ 1739900 h 2114550"/>
-              <a:gd name="connsiteX6" fmla="*/ 829072 w 1196153"/>
-              <a:gd name="connsiteY6" fmla="*/ 2049066 h 2114550"/>
-              <a:gd name="connsiteX7" fmla="*/ 830142 w 1196153"/>
-              <a:gd name="connsiteY7" fmla="*/ 2114550 h 2114550"/>
-              <a:gd name="connsiteX8" fmla="*/ 0 w 1196153"/>
-              <a:gd name="connsiteY8" fmla="*/ 2114550 h 2114550"/>
-            </a:gdLst>
-            <a:ahLst/>
-            <a:cxnLst>
-              <a:cxn ang="0">
-                <a:pos x="connsiteX0" y="connsiteY0"/>
-              </a:cxn>
-              <a:cxn ang="0">
-                <a:pos x="connsiteX1" y="connsiteY1"/>
-              </a:cxn>
-              <a:cxn ang="0">
-                <a:pos x="connsiteX2" y="connsiteY2"/>
-              </a:cxn>
-              <a:cxn ang="0">
-                <a:pos x="connsiteX3" y="connsiteY3"/>
-              </a:cxn>
-              <a:cxn ang="0">
-                <a:pos x="connsiteX4" y="connsiteY4"/>
-              </a:cxn>
-              <a:cxn ang="0">
-                <a:pos x="connsiteX5" y="connsiteY5"/>
-              </a:cxn>
-              <a:cxn ang="0">
-                <a:pos x="connsiteX6" y="connsiteY6"/>
-              </a:cxn>
-              <a:cxn ang="0">
-                <a:pos x="connsiteX7" y="connsiteY7"/>
-              </a:cxn>
-              <a:cxn ang="0">
-                <a:pos x="connsiteX8" y="connsiteY8"/>
-              </a:cxn>
-            </a:cxnLst>
-            <a:rect l="l" t="t" r="r" b="b"/>
-            <a:pathLst>
-              <a:path w="1196153" h="2114550">
-                <a:moveTo>
-                  <a:pt x="0" y="0"/>
-                </a:moveTo>
-                <a:lnTo>
-                  <a:pt x="868145" y="0"/>
-                </a:lnTo>
-                <a:lnTo>
-                  <a:pt x="838200" y="133350"/>
-                </a:lnTo>
-                <a:cubicBezTo>
-                  <a:pt x="807508" y="333375"/>
-                  <a:pt x="969433" y="734483"/>
-                  <a:pt x="1028700" y="927100"/>
-                </a:cubicBezTo>
-                <a:cubicBezTo>
-                  <a:pt x="1087967" y="1119717"/>
-                  <a:pt x="1214967" y="1153583"/>
-                  <a:pt x="1193800" y="1289050"/>
-                </a:cubicBezTo>
-                <a:cubicBezTo>
-                  <a:pt x="1172633" y="1424517"/>
-                  <a:pt x="937683" y="1570567"/>
-                  <a:pt x="901700" y="1739900"/>
-                </a:cubicBezTo>
-                <a:cubicBezTo>
-                  <a:pt x="883709" y="1824567"/>
-                  <a:pt x="837936" y="1941248"/>
-                  <a:pt x="829072" y="2049066"/>
-                </a:cubicBezTo>
-                <a:lnTo>
-                  <a:pt x="830142" y="2114550"/>
-                </a:lnTo>
-                <a:lnTo>
-                  <a:pt x="0" y="2114550"/>
-                </a:lnTo>
-                <a:close/>
-              </a:path>
-            </a:pathLst>
-          </a:custGeom>
-          <a:solidFill>
-            <a:schemeClr val="accent2"/>
-          </a:solidFill>
-          <a:ln>
-            <a:noFill/>
-          </a:ln>
-        </p:spPr>
-        <p:style>
-          <a:lnRef idx="2">
-            <a:schemeClr val="accent1">
-              <a:shade val="15000"/>
-            </a:schemeClr>
-          </a:lnRef>
-          <a:fillRef idx="1">
-            <a:schemeClr val="accent1"/>
-          </a:fillRef>
-          <a:effectRef idx="0">
-            <a:schemeClr val="accent1"/>
-          </a:effectRef>
-          <a:fontRef idx="minor">
-            <a:schemeClr val="lt1"/>
-          </a:fontRef>
-        </p:style>
-        <p:txBody>
-          <a:bodyPr wrap="square" rtlCol="0" anchor="ctr">
-            <a:noAutofit/>
-          </a:bodyPr>
-          <a:lstStyle/>
-          <a:p>
-            <a:pPr algn="ctr"/>
-            <a:r>
-              <a:rPr lang="en-US" altLang="ko-KR" sz="3600"/>
-              <a:t>A</a:t>
-            </a:r>
-            <a:endParaRPr lang="ko-KR" altLang="en-US" sz="3600"/>
-          </a:p>
-        </p:txBody>
-      </p:sp>
-      <p:sp>
-        <p:nvSpPr>
-          <p:cNvPr id="12" name="자유형: 도형 11">
-            <a:extLst>
-              <a:ext uri="{FF2B5EF4-FFF2-40B4-BE49-F238E27FC236}">
-                <a16:creationId xmlns:a16="http://schemas.microsoft.com/office/drawing/2014/main" id="{235A48B9-B53E-2ED0-B42E-1E8EB2DB2077}"/>
-              </a:ext>
-            </a:extLst>
-          </p:cNvPr>
-          <p:cNvSpPr/>
-          <p:nvPr/>
-        </p:nvSpPr>
-        <p:spPr>
-          <a:xfrm>
-            <a:off x="3565922" y="4489450"/>
-            <a:ext cx="1285478" cy="2114550"/>
-          </a:xfrm>
-          <a:custGeom>
-            <a:avLst/>
-            <a:gdLst>
-              <a:gd name="connsiteX0" fmla="*/ 39073 w 1285478"/>
-              <a:gd name="connsiteY0" fmla="*/ 0 h 2114550"/>
-              <a:gd name="connsiteX1" fmla="*/ 1285478 w 1285478"/>
-              <a:gd name="connsiteY1" fmla="*/ 0 h 2114550"/>
-              <a:gd name="connsiteX2" fmla="*/ 1285478 w 1285478"/>
-              <a:gd name="connsiteY2" fmla="*/ 2114550 h 2114550"/>
-              <a:gd name="connsiteX3" fmla="*/ 1070 w 1285478"/>
-              <a:gd name="connsiteY3" fmla="*/ 2114550 h 2114550"/>
-              <a:gd name="connsiteX4" fmla="*/ 0 w 1285478"/>
-              <a:gd name="connsiteY4" fmla="*/ 2049066 h 2114550"/>
-              <a:gd name="connsiteX5" fmla="*/ 72628 w 1285478"/>
-              <a:gd name="connsiteY5" fmla="*/ 1739900 h 2114550"/>
-              <a:gd name="connsiteX6" fmla="*/ 364728 w 1285478"/>
-              <a:gd name="connsiteY6" fmla="*/ 1289050 h 2114550"/>
-              <a:gd name="connsiteX7" fmla="*/ 199628 w 1285478"/>
-              <a:gd name="connsiteY7" fmla="*/ 927100 h 2114550"/>
-              <a:gd name="connsiteX8" fmla="*/ 9128 w 1285478"/>
-              <a:gd name="connsiteY8" fmla="*/ 133350 h 2114550"/>
-            </a:gdLst>
-            <a:ahLst/>
-            <a:cxnLst>
-              <a:cxn ang="0">
-                <a:pos x="connsiteX0" y="connsiteY0"/>
-              </a:cxn>
-              <a:cxn ang="0">
-                <a:pos x="connsiteX1" y="connsiteY1"/>
-              </a:cxn>
-              <a:cxn ang="0">
-                <a:pos x="connsiteX2" y="connsiteY2"/>
-              </a:cxn>
-              <a:cxn ang="0">
-                <a:pos x="connsiteX3" y="connsiteY3"/>
-              </a:cxn>
-              <a:cxn ang="0">
-                <a:pos x="connsiteX4" y="connsiteY4"/>
-              </a:cxn>
-              <a:cxn ang="0">
-                <a:pos x="connsiteX5" y="connsiteY5"/>
-              </a:cxn>
-              <a:cxn ang="0">
-                <a:pos x="connsiteX6" y="connsiteY6"/>
-              </a:cxn>
-              <a:cxn ang="0">
-                <a:pos x="connsiteX7" y="connsiteY7"/>
-              </a:cxn>
-              <a:cxn ang="0">
-                <a:pos x="connsiteX8" y="connsiteY8"/>
-              </a:cxn>
-            </a:cxnLst>
-            <a:rect l="l" t="t" r="r" b="b"/>
-            <a:pathLst>
-              <a:path w="1285478" h="2114550">
-                <a:moveTo>
-                  <a:pt x="39073" y="0"/>
-                </a:moveTo>
-                <a:lnTo>
-                  <a:pt x="1285478" y="0"/>
-                </a:lnTo>
-                <a:lnTo>
-                  <a:pt x="1285478" y="2114550"/>
-                </a:lnTo>
-                <a:lnTo>
-                  <a:pt x="1070" y="2114550"/>
-                </a:lnTo>
-                <a:lnTo>
-                  <a:pt x="0" y="2049066"/>
-                </a:lnTo>
-                <a:cubicBezTo>
-                  <a:pt x="8864" y="1941248"/>
-                  <a:pt x="54637" y="1824567"/>
-                  <a:pt x="72628" y="1739900"/>
-                </a:cubicBezTo>
-                <a:cubicBezTo>
-                  <a:pt x="108611" y="1570567"/>
-                  <a:pt x="343561" y="1424517"/>
-                  <a:pt x="364728" y="1289050"/>
-                </a:cubicBezTo>
-                <a:cubicBezTo>
-                  <a:pt x="385895" y="1153583"/>
-                  <a:pt x="258895" y="1119717"/>
-                  <a:pt x="199628" y="927100"/>
-                </a:cubicBezTo>
-                <a:cubicBezTo>
-                  <a:pt x="140361" y="734483"/>
-                  <a:pt x="-21564" y="333375"/>
-                  <a:pt x="9128" y="133350"/>
-                </a:cubicBezTo>
-                <a:close/>
-              </a:path>
-            </a:pathLst>
-          </a:custGeom>
-          <a:ln>
-            <a:noFill/>
-          </a:ln>
-        </p:spPr>
-        <p:style>
-          <a:lnRef idx="2">
-            <a:schemeClr val="accent1">
-              <a:shade val="15000"/>
-            </a:schemeClr>
-          </a:lnRef>
-          <a:fillRef idx="1">
-            <a:schemeClr val="accent1"/>
-          </a:fillRef>
-          <a:effectRef idx="0">
-            <a:schemeClr val="accent1"/>
-          </a:effectRef>
-          <a:fontRef idx="minor">
-            <a:schemeClr val="lt1"/>
-          </a:fontRef>
-        </p:style>
-        <p:txBody>
-          <a:bodyPr wrap="square" rtlCol="0" anchor="ctr">
-            <a:noAutofit/>
-          </a:bodyPr>
-          <a:lstStyle/>
-          <a:p>
-            <a:pPr algn="ctr"/>
-            <a:r>
-              <a:rPr lang="en-US" altLang="ko-KR" sz="3600"/>
-              <a:t>B</a:t>
-            </a:r>
-            <a:endParaRPr lang="ko-KR" altLang="en-US" sz="3600"/>
-          </a:p>
-        </p:txBody>
-      </p:sp>
-      <p:sp>
-        <p:nvSpPr>
-          <p:cNvPr id="13" name="TextBox 12">
-            <a:extLst>
-              <a:ext uri="{FF2B5EF4-FFF2-40B4-BE49-F238E27FC236}">
-                <a16:creationId xmlns:a16="http://schemas.microsoft.com/office/drawing/2014/main" id="{B35EFDEA-883A-247C-9E7F-6945FA1314DE}"/>
-              </a:ext>
-            </a:extLst>
-          </p:cNvPr>
-          <p:cNvSpPr txBox="1"/>
-          <p:nvPr/>
-        </p:nvSpPr>
-        <p:spPr>
-          <a:xfrm>
-            <a:off x="5744021" y="5005487"/>
-            <a:ext cx="4250880" cy="923330"/>
-          </a:xfrm>
-          <a:prstGeom prst="rect">
-            <a:avLst/>
-          </a:prstGeom>
-          <a:noFill/>
-        </p:spPr>
-        <p:txBody>
-          <a:bodyPr wrap="square" rtlCol="0">
-            <a:spAutoFit/>
-          </a:bodyPr>
-          <a:lstStyle/>
-          <a:p>
-            <a:r>
-              <a:rPr lang="ko-KR" altLang="en-US"/>
-              <a:t>이와 같이 두 무한 클러스터가 전선을 두고 무한한 평면을 서로 나눠갖는 일은 일어나지 않는다</a:t>
-            </a:r>
-            <a:r>
-              <a:rPr lang="en-US" altLang="ko-KR"/>
-              <a:t>.</a:t>
-            </a:r>
-            <a:endParaRPr lang="ko-KR" altLang="en-US"/>
-          </a:p>
-        </p:txBody>
-      </p:sp>
-    </p:spTree>
-    <p:extLst>
-      <p:ext uri="{BB962C8B-B14F-4D97-AF65-F5344CB8AC3E}">
-        <p14:creationId xmlns:p14="http://schemas.microsoft.com/office/powerpoint/2010/main" val="2732419816"/>
-      </p:ext>
-    </p:extLst>
-  </p:cSld>
-  <p:clrMapOvr>
-    <a:masterClrMapping/>
-  </p:clrMapOvr>
-</p:sld>
-</file>
-
-<file path=ppt/slides/slide18.xml><?xml version="1.0" encoding="utf-8"?>
 <p:sld xmlns:a="http://schemas.openxmlformats.org/drawingml/2006/main" xmlns:r="http://schemas.openxmlformats.org/officeDocument/2006/relationships" xmlns:p="http://schemas.openxmlformats.org/presentationml/2006/main">
   <p:cSld>
     <p:spTree>
@@ -10374,6 +9989,46 @@
           </a:p>
         </p:txBody>
       </p:sp>
+      <p:sp>
+        <p:nvSpPr>
+          <p:cNvPr id="3" name="TextBox 2">
+            <a:extLst>
+              <a:ext uri="{FF2B5EF4-FFF2-40B4-BE49-F238E27FC236}">
+                <a16:creationId xmlns:a16="http://schemas.microsoft.com/office/drawing/2014/main" id="{89358D94-B474-9798-28D0-9783B71F3550}"/>
+              </a:ext>
+            </a:extLst>
+          </p:cNvPr>
+          <p:cNvSpPr txBox="1"/>
+          <p:nvPr/>
+        </p:nvSpPr>
+        <p:spPr>
+          <a:xfrm>
+            <a:off x="9548483" y="700926"/>
+            <a:ext cx="1459054" cy="369332"/>
+          </a:xfrm>
+          <a:prstGeom prst="rect">
+            <a:avLst/>
+          </a:prstGeom>
+          <a:noFill/>
+        </p:spPr>
+        <p:txBody>
+          <a:bodyPr wrap="none" rtlCol="0">
+            <a:spAutoFit/>
+          </a:bodyPr>
+          <a:lstStyle/>
+          <a:p>
+            <a:r>
+              <a:rPr lang="ko-KR" altLang="en-US" b="1"/>
+              <a:t>코드 실행 </a:t>
+            </a:r>
+            <a:r>
+              <a:rPr lang="en-US" altLang="ko-KR" b="1"/>
+              <a:t>(4)</a:t>
+            </a:r>
+            <a:endParaRPr lang="ko-KR" altLang="en-US" b="1"/>
+          </a:p>
+        </p:txBody>
+      </p:sp>
     </p:spTree>
     <p:extLst>
       <p:ext uri="{BB962C8B-B14F-4D97-AF65-F5344CB8AC3E}">
@@ -10387,7 +10042,7 @@
 </p:sld>
 </file>
 
-<file path=ppt/slides/slide19.xml><?xml version="1.0" encoding="utf-8"?>
+<file path=ppt/slides/slide17.xml><?xml version="1.0" encoding="utf-8"?>
 <p:sld xmlns:a="http://schemas.openxmlformats.org/drawingml/2006/main" xmlns:r="http://schemas.openxmlformats.org/officeDocument/2006/relationships" xmlns:p="http://schemas.openxmlformats.org/presentationml/2006/main">
   <p:cSld>
     <p:spTree>
@@ -10549,7 +10204,6 @@
                   <a:rPr lang="en-US" altLang="ko-KR"/>
                   <a:t>.</a:t>
                 </a:r>
-                <a:endParaRPr lang="ko-KR" altLang="en-US"/>
               </a:p>
             </p:txBody>
           </p:sp>
@@ -10678,6 +10332,503 @@
 </p:sld>
 </file>
 
+<file path=ppt/slides/slide18.xml><?xml version="1.0" encoding="utf-8"?>
+<p:sld xmlns:a="http://schemas.openxmlformats.org/drawingml/2006/main" xmlns:r="http://schemas.openxmlformats.org/officeDocument/2006/relationships" xmlns:p="http://schemas.openxmlformats.org/presentationml/2006/main">
+  <p:cSld>
+    <p:spTree>
+      <p:nvGrpSpPr>
+        <p:cNvPr id="1" name=""/>
+        <p:cNvGrpSpPr/>
+        <p:nvPr/>
+      </p:nvGrpSpPr>
+      <p:grpSpPr>
+        <a:xfrm>
+          <a:off x="0" y="0"/>
+          <a:ext cx="0" cy="0"/>
+          <a:chOff x="0" y="0"/>
+          <a:chExt cx="0" cy="0"/>
+        </a:xfrm>
+      </p:grpSpPr>
+      <p:sp>
+        <p:nvSpPr>
+          <p:cNvPr id="2" name="제목 1">
+            <a:extLst>
+              <a:ext uri="{FF2B5EF4-FFF2-40B4-BE49-F238E27FC236}">
+                <a16:creationId xmlns:a16="http://schemas.microsoft.com/office/drawing/2014/main" id="{08B76996-0425-2D32-80B4-9F68F71BB37B}"/>
+              </a:ext>
+            </a:extLst>
+          </p:cNvPr>
+          <p:cNvSpPr>
+            <a:spLocks noGrp="1"/>
+          </p:cNvSpPr>
+          <p:nvPr>
+            <p:ph type="title"/>
+          </p:nvPr>
+        </p:nvSpPr>
+        <p:spPr/>
+        <p:txBody>
+          <a:bodyPr/>
+          <a:lstStyle/>
+          <a:p>
+            <a:r>
+              <a:rPr lang="en-US" altLang="ko-KR"/>
+              <a:t>3</a:t>
+            </a:r>
+            <a:r>
+              <a:rPr lang="ko-KR" altLang="en-US"/>
+              <a:t>차원 퍼콜레이션</a:t>
+            </a:r>
+          </a:p>
+        </p:txBody>
+      </p:sp>
+      <mc:AlternateContent xmlns:mc="http://schemas.openxmlformats.org/markup-compatibility/2006" xmlns:a14="http://schemas.microsoft.com/office/drawing/2010/main">
+        <mc:Choice Requires="a14">
+          <p:sp>
+            <p:nvSpPr>
+              <p:cNvPr id="3" name="내용 개체 틀 2">
+                <a:extLst>
+                  <a:ext uri="{FF2B5EF4-FFF2-40B4-BE49-F238E27FC236}">
+                    <a16:creationId xmlns:a16="http://schemas.microsoft.com/office/drawing/2014/main" id="{57B4BAC2-8F81-BCF0-0065-5931B575AB84}"/>
+                  </a:ext>
+                </a:extLst>
+              </p:cNvPr>
+              <p:cNvSpPr>
+                <a:spLocks noGrp="1"/>
+              </p:cNvSpPr>
+              <p:nvPr>
+                <p:ph idx="1"/>
+              </p:nvPr>
+            </p:nvSpPr>
+            <p:spPr/>
+            <p:txBody>
+              <a:bodyPr/>
+              <a:lstStyle/>
+              <a:p>
+                <a:r>
+                  <a:rPr lang="en-US" altLang="ko-KR"/>
+                  <a:t>3</a:t>
+                </a:r>
+                <a:r>
+                  <a:rPr lang="ko-KR" altLang="en-US"/>
+                  <a:t>차원에서도 </a:t>
+                </a:r>
+                <a:r>
+                  <a:rPr lang="en-US" altLang="ko-KR"/>
+                  <a:t>“3</a:t>
+                </a:r>
+                <a:r>
+                  <a:rPr lang="ko-KR" altLang="en-US"/>
+                  <a:t>차원 격자 그래프</a:t>
+                </a:r>
+                <a:r>
+                  <a:rPr lang="en-US" altLang="ko-KR"/>
+                  <a:t>”</a:t>
+                </a:r>
+                <a:r>
+                  <a:rPr lang="ko-KR" altLang="en-US"/>
+                  <a:t>를 통해 퍼콜레이션 모델을 만들 수 있다</a:t>
+                </a:r>
+                <a:r>
+                  <a:rPr lang="en-US" altLang="ko-KR"/>
+                  <a:t>.</a:t>
+                </a:r>
+              </a:p>
+              <a:p>
+                <a:r>
+                  <a:rPr lang="ko-KR" altLang="en-US"/>
+                  <a:t>이 경우에도 동일하게 상 전이 현상이 발생한다는 것을 알 수 있다</a:t>
+                </a:r>
+                <a:r>
+                  <a:rPr lang="en-US" altLang="ko-KR"/>
+                  <a:t>.</a:t>
+                </a:r>
+              </a:p>
+              <a:p>
+                <a:r>
+                  <a:rPr lang="en-US" altLang="ko-KR"/>
+                  <a:t>3</a:t>
+                </a:r>
+                <a:r>
+                  <a:rPr lang="ko-KR" altLang="en-US"/>
+                  <a:t>차원일 때 임계점 </a:t>
+                </a:r>
+                <a14:m>
+                  <m:oMath xmlns:m="http://schemas.openxmlformats.org/officeDocument/2006/math">
+                    <m:sSub>
+                      <m:sSubPr>
+                        <m:ctrlPr>
+                          <a:rPr lang="en-US" altLang="ko-KR" b="0" i="1" smtClean="0">
+                            <a:latin typeface="Cambria Math" panose="02040503050406030204" pitchFamily="18" charset="0"/>
+                          </a:rPr>
+                        </m:ctrlPr>
+                      </m:sSubPr>
+                      <m:e>
+                        <m:r>
+                          <a:rPr lang="en-US" altLang="ko-KR" b="0" i="1" smtClean="0">
+                            <a:latin typeface="Cambria Math" panose="02040503050406030204" pitchFamily="18" charset="0"/>
+                          </a:rPr>
+                          <m:t>𝑝</m:t>
+                        </m:r>
+                      </m:e>
+                      <m:sub>
+                        <m:r>
+                          <a:rPr lang="en-US" altLang="ko-KR" b="0" i="1" smtClean="0">
+                            <a:latin typeface="Cambria Math" panose="02040503050406030204" pitchFamily="18" charset="0"/>
+                          </a:rPr>
+                          <m:t>𝑐</m:t>
+                        </m:r>
+                      </m:sub>
+                    </m:sSub>
+                  </m:oMath>
+                </a14:m>
+                <a:r>
+                  <a:rPr lang="ko-KR" altLang="en-US"/>
+                  <a:t>를 구해보자</a:t>
+                </a:r>
+                <a:r>
+                  <a:rPr lang="en-US" altLang="ko-KR"/>
+                  <a:t>.</a:t>
+                </a:r>
+                <a:endParaRPr lang="ko-KR" altLang="en-US"/>
+              </a:p>
+            </p:txBody>
+          </p:sp>
+        </mc:Choice>
+        <mc:Fallback xmlns="">
+          <p:sp>
+            <p:nvSpPr>
+              <p:cNvPr id="3" name="내용 개체 틀 2">
+                <a:extLst>
+                  <a:ext uri="{FF2B5EF4-FFF2-40B4-BE49-F238E27FC236}">
+                    <a16:creationId xmlns:a16="http://schemas.microsoft.com/office/drawing/2014/main" id="{57B4BAC2-8F81-BCF0-0065-5931B575AB84}"/>
+                  </a:ext>
+                </a:extLst>
+              </p:cNvPr>
+              <p:cNvSpPr>
+                <a:spLocks noGrp="1" noRot="1" noChangeAspect="1" noMove="1" noResize="1" noEditPoints="1" noAdjustHandles="1" noChangeArrowheads="1" noChangeShapeType="1" noTextEdit="1"/>
+              </p:cNvSpPr>
+              <p:nvPr>
+                <p:ph idx="1"/>
+              </p:nvPr>
+            </p:nvSpPr>
+            <p:spPr>
+              <a:blipFill>
+                <a:blip r:embed="rId2"/>
+                <a:stretch>
+                  <a:fillRect l="-1043" t="-2661" r="-986"/>
+                </a:stretch>
+              </a:blipFill>
+            </p:spPr>
+            <p:txBody>
+              <a:bodyPr/>
+              <a:lstStyle/>
+              <a:p>
+                <a:r>
+                  <a:rPr lang="ko-KR" altLang="en-US">
+                    <a:noFill/>
+                  </a:rPr>
+                  <a:t> </a:t>
+                </a:r>
+              </a:p>
+            </p:txBody>
+          </p:sp>
+        </mc:Fallback>
+      </mc:AlternateContent>
+    </p:spTree>
+    <p:extLst>
+      <p:ext uri="{BB962C8B-B14F-4D97-AF65-F5344CB8AC3E}">
+        <p14:creationId xmlns:p14="http://schemas.microsoft.com/office/powerpoint/2010/main" val="4278192209"/>
+      </p:ext>
+    </p:extLst>
+  </p:cSld>
+  <p:clrMapOvr>
+    <a:masterClrMapping/>
+  </p:clrMapOvr>
+</p:sld>
+</file>
+
+<file path=ppt/slides/slide19.xml><?xml version="1.0" encoding="utf-8"?>
+<p:sld xmlns:a="http://schemas.openxmlformats.org/drawingml/2006/main" xmlns:r="http://schemas.openxmlformats.org/officeDocument/2006/relationships" xmlns:p="http://schemas.openxmlformats.org/presentationml/2006/main">
+  <p:cSld>
+    <p:spTree>
+      <p:nvGrpSpPr>
+        <p:cNvPr id="1" name=""/>
+        <p:cNvGrpSpPr/>
+        <p:nvPr/>
+      </p:nvGrpSpPr>
+      <p:grpSpPr>
+        <a:xfrm>
+          <a:off x="0" y="0"/>
+          <a:ext cx="0" cy="0"/>
+          <a:chOff x="0" y="0"/>
+          <a:chExt cx="0" cy="0"/>
+        </a:xfrm>
+      </p:grpSpPr>
+      <p:sp>
+        <p:nvSpPr>
+          <p:cNvPr id="4" name="TextBox 3">
+            <a:extLst>
+              <a:ext uri="{FF2B5EF4-FFF2-40B4-BE49-F238E27FC236}">
+                <a16:creationId xmlns:a16="http://schemas.microsoft.com/office/drawing/2014/main" id="{6E913DC3-DB1A-AA38-B548-02C9C435D55B}"/>
+              </a:ext>
+            </a:extLst>
+          </p:cNvPr>
+          <p:cNvSpPr txBox="1"/>
+          <p:nvPr/>
+        </p:nvSpPr>
+        <p:spPr>
+          <a:xfrm>
+            <a:off x="6676845" y="2547668"/>
+            <a:ext cx="5060831" cy="1477328"/>
+          </a:xfrm>
+          <a:prstGeom prst="rect">
+            <a:avLst/>
+          </a:prstGeom>
+          <a:noFill/>
+        </p:spPr>
+        <p:txBody>
+          <a:bodyPr wrap="square" rtlCol="0">
+            <a:spAutoFit/>
+          </a:bodyPr>
+          <a:lstStyle/>
+          <a:p>
+            <a:r>
+              <a:rPr lang="ko-KR" altLang="en-US"/>
+              <a:t>위와같이 </a:t>
+            </a:r>
+            <a:r>
+              <a:rPr lang="en-US" altLang="ko-KR"/>
+              <a:t>2.4</a:t>
+            </a:r>
+            <a:r>
+              <a:rPr lang="ko-KR" altLang="en-US"/>
+              <a:t>일 때까지는 </a:t>
+            </a:r>
+            <a:r>
+              <a:rPr lang="en-US" altLang="ko-KR"/>
+              <a:t>0</a:t>
+            </a:r>
+            <a:r>
+              <a:rPr lang="ko-KR" altLang="en-US"/>
+              <a:t>에 가까운 값을 가졌다가</a:t>
+            </a:r>
+            <a:r>
+              <a:rPr lang="en-US" altLang="ko-KR"/>
+              <a:t>, 2.25</a:t>
+            </a:r>
+            <a:r>
+              <a:rPr lang="ko-KR" altLang="en-US"/>
+              <a:t>일 때 갑자기 커지는 걸 보면 임계값은 </a:t>
+            </a:r>
+            <a:r>
+              <a:rPr lang="en-US" altLang="ko-KR"/>
+              <a:t>0.24~0.25 </a:t>
+            </a:r>
+            <a:r>
+              <a:rPr lang="ko-KR" altLang="en-US"/>
+              <a:t>임을 알 수 있다</a:t>
+            </a:r>
+            <a:r>
+              <a:rPr lang="en-US" altLang="ko-KR"/>
+              <a:t>.</a:t>
+            </a:r>
+          </a:p>
+          <a:p>
+            <a:endParaRPr lang="en-US" altLang="ko-KR"/>
+          </a:p>
+          <a:p>
+            <a:r>
+              <a:rPr lang="ko-KR" altLang="en-US"/>
+              <a:t>이 임계값의 정확한 값은 미해결 문제이다</a:t>
+            </a:r>
+            <a:r>
+              <a:rPr lang="en-US" altLang="ko-KR"/>
+              <a:t>.</a:t>
+            </a:r>
+            <a:r>
+              <a:rPr lang="ko-KR" altLang="en-US"/>
+              <a:t> </a:t>
+            </a:r>
+          </a:p>
+        </p:txBody>
+      </p:sp>
+      <mc:AlternateContent xmlns:mc="http://schemas.openxmlformats.org/markup-compatibility/2006" xmlns:a14="http://schemas.microsoft.com/office/drawing/2010/main">
+        <mc:Choice Requires="a14">
+          <p:sp>
+            <p:nvSpPr>
+              <p:cNvPr id="8" name="TextBox 7">
+                <a:extLst>
+                  <a:ext uri="{FF2B5EF4-FFF2-40B4-BE49-F238E27FC236}">
+                    <a16:creationId xmlns:a16="http://schemas.microsoft.com/office/drawing/2014/main" id="{C399CC68-4396-B02E-0CB1-EC011DACD0D3}"/>
+                  </a:ext>
+                </a:extLst>
+              </p:cNvPr>
+              <p:cNvSpPr txBox="1"/>
+              <p:nvPr/>
+            </p:nvSpPr>
+            <p:spPr>
+              <a:xfrm>
+                <a:off x="1926566" y="655607"/>
+                <a:ext cx="3831113" cy="369332"/>
+              </a:xfrm>
+              <a:prstGeom prst="rect">
+                <a:avLst/>
+              </a:prstGeom>
+              <a:noFill/>
+            </p:spPr>
+            <p:txBody>
+              <a:bodyPr wrap="none" rtlCol="0">
+                <a:spAutoFit/>
+              </a:bodyPr>
+              <a:lstStyle/>
+              <a:p>
+                <a14:m>
+                  <m:oMath xmlns:m="http://schemas.openxmlformats.org/officeDocument/2006/math">
+                    <m:r>
+                      <a:rPr lang="en-US" altLang="ko-KR" b="0" i="1" smtClean="0">
+                        <a:latin typeface="Cambria Math" panose="02040503050406030204" pitchFamily="18" charset="0"/>
+                      </a:rPr>
+                      <m:t>𝑝</m:t>
+                    </m:r>
+                  </m:oMath>
+                </a14:m>
+                <a:r>
+                  <a:rPr lang="ko-KR" altLang="en-US"/>
+                  <a:t>에 따른 최대 클러스터 크기 그래프</a:t>
+                </a:r>
+              </a:p>
+            </p:txBody>
+          </p:sp>
+        </mc:Choice>
+        <mc:Fallback xmlns="">
+          <p:sp>
+            <p:nvSpPr>
+              <p:cNvPr id="8" name="TextBox 7">
+                <a:extLst>
+                  <a:ext uri="{FF2B5EF4-FFF2-40B4-BE49-F238E27FC236}">
+                    <a16:creationId xmlns:a16="http://schemas.microsoft.com/office/drawing/2014/main" id="{C399CC68-4396-B02E-0CB1-EC011DACD0D3}"/>
+                  </a:ext>
+                </a:extLst>
+              </p:cNvPr>
+              <p:cNvSpPr txBox="1">
+                <a:spLocks noRot="1" noChangeAspect="1" noMove="1" noResize="1" noEditPoints="1" noAdjustHandles="1" noChangeArrowheads="1" noChangeShapeType="1" noTextEdit="1"/>
+              </p:cNvSpPr>
+              <p:nvPr/>
+            </p:nvSpPr>
+            <p:spPr>
+              <a:xfrm>
+                <a:off x="1926566" y="655607"/>
+                <a:ext cx="3831113" cy="369332"/>
+              </a:xfrm>
+              <a:prstGeom prst="rect">
+                <a:avLst/>
+              </a:prstGeom>
+              <a:blipFill>
+                <a:blip r:embed="rId2"/>
+                <a:stretch>
+                  <a:fillRect t="-13333" b="-23333"/>
+                </a:stretch>
+              </a:blipFill>
+            </p:spPr>
+            <p:txBody>
+              <a:bodyPr/>
+              <a:lstStyle/>
+              <a:p>
+                <a:r>
+                  <a:rPr lang="ko-KR" altLang="en-US">
+                    <a:noFill/>
+                  </a:rPr>
+                  <a:t> </a:t>
+                </a:r>
+              </a:p>
+            </p:txBody>
+          </p:sp>
+        </mc:Fallback>
+      </mc:AlternateContent>
+      <p:pic>
+        <p:nvPicPr>
+          <p:cNvPr id="12" name="그림 11">
+            <a:extLst>
+              <a:ext uri="{FF2B5EF4-FFF2-40B4-BE49-F238E27FC236}">
+                <a16:creationId xmlns:a16="http://schemas.microsoft.com/office/drawing/2014/main" id="{D9AFC953-8AF0-8D94-692E-AABECCABCCD1}"/>
+              </a:ext>
+            </a:extLst>
+          </p:cNvPr>
+          <p:cNvPicPr>
+            <a:picLocks noChangeAspect="1"/>
+          </p:cNvPicPr>
+          <p:nvPr/>
+        </p:nvPicPr>
+        <p:blipFill>
+          <a:blip r:embed="rId3"/>
+          <a:srcRect l="46840"/>
+          <a:stretch>
+            <a:fillRect/>
+          </a:stretch>
+        </p:blipFill>
+        <p:spPr>
+          <a:xfrm>
+            <a:off x="851139" y="1288210"/>
+            <a:ext cx="5337181" cy="5055080"/>
+          </a:xfrm>
+          <a:prstGeom prst="rect">
+            <a:avLst/>
+          </a:prstGeom>
+        </p:spPr>
+      </p:pic>
+      <p:sp>
+        <p:nvSpPr>
+          <p:cNvPr id="2" name="TextBox 1">
+            <a:extLst>
+              <a:ext uri="{FF2B5EF4-FFF2-40B4-BE49-F238E27FC236}">
+                <a16:creationId xmlns:a16="http://schemas.microsoft.com/office/drawing/2014/main" id="{3C753914-DE6A-78DC-54D6-6E186EB4E279}"/>
+              </a:ext>
+            </a:extLst>
+          </p:cNvPr>
+          <p:cNvSpPr txBox="1"/>
+          <p:nvPr/>
+        </p:nvSpPr>
+        <p:spPr>
+          <a:xfrm>
+            <a:off x="9548483" y="700926"/>
+            <a:ext cx="1459054" cy="369332"/>
+          </a:xfrm>
+          <a:prstGeom prst="rect">
+            <a:avLst/>
+          </a:prstGeom>
+          <a:noFill/>
+        </p:spPr>
+        <p:txBody>
+          <a:bodyPr wrap="none" rtlCol="0">
+            <a:spAutoFit/>
+          </a:bodyPr>
+          <a:lstStyle/>
+          <a:p>
+            <a:r>
+              <a:rPr lang="ko-KR" altLang="en-US" b="1"/>
+              <a:t>코드 실행 </a:t>
+            </a:r>
+            <a:r>
+              <a:rPr lang="en-US" altLang="ko-KR" b="1"/>
+              <a:t>(5)</a:t>
+            </a:r>
+            <a:endParaRPr lang="ko-KR" altLang="en-US" b="1"/>
+          </a:p>
+        </p:txBody>
+      </p:sp>
+    </p:spTree>
+    <p:extLst>
+      <p:ext uri="{BB962C8B-B14F-4D97-AF65-F5344CB8AC3E}">
+        <p14:creationId xmlns:p14="http://schemas.microsoft.com/office/powerpoint/2010/main" val="3839737087"/>
+      </p:ext>
+    </p:extLst>
+  </p:cSld>
+  <p:clrMapOvr>
+    <a:masterClrMapping/>
+  </p:clrMapOvr>
+</p:sld>
+</file>
+
 <file path=ppt/slides/slide2.xml><?xml version="1.0" encoding="utf-8"?>
 <p:sld xmlns:a="http://schemas.openxmlformats.org/drawingml/2006/main" xmlns:r="http://schemas.openxmlformats.org/officeDocument/2006/relationships" xmlns:p="http://schemas.openxmlformats.org/presentationml/2006/main">
   <p:cSld>
@@ -10872,463 +11023,6 @@
 </file>
 
 <file path=ppt/slides/slide20.xml><?xml version="1.0" encoding="utf-8"?>
-<p:sld xmlns:a="http://schemas.openxmlformats.org/drawingml/2006/main" xmlns:r="http://schemas.openxmlformats.org/officeDocument/2006/relationships" xmlns:p="http://schemas.openxmlformats.org/presentationml/2006/main">
-  <p:cSld>
-    <p:spTree>
-      <p:nvGrpSpPr>
-        <p:cNvPr id="1" name=""/>
-        <p:cNvGrpSpPr/>
-        <p:nvPr/>
-      </p:nvGrpSpPr>
-      <p:grpSpPr>
-        <a:xfrm>
-          <a:off x="0" y="0"/>
-          <a:ext cx="0" cy="0"/>
-          <a:chOff x="0" y="0"/>
-          <a:chExt cx="0" cy="0"/>
-        </a:xfrm>
-      </p:grpSpPr>
-      <p:sp>
-        <p:nvSpPr>
-          <p:cNvPr id="2" name="제목 1">
-            <a:extLst>
-              <a:ext uri="{FF2B5EF4-FFF2-40B4-BE49-F238E27FC236}">
-                <a16:creationId xmlns:a16="http://schemas.microsoft.com/office/drawing/2014/main" id="{08B76996-0425-2D32-80B4-9F68F71BB37B}"/>
-              </a:ext>
-            </a:extLst>
-          </p:cNvPr>
-          <p:cNvSpPr>
-            <a:spLocks noGrp="1"/>
-          </p:cNvSpPr>
-          <p:nvPr>
-            <p:ph type="title"/>
-          </p:nvPr>
-        </p:nvSpPr>
-        <p:spPr/>
-        <p:txBody>
-          <a:bodyPr/>
-          <a:lstStyle/>
-          <a:p>
-            <a:r>
-              <a:rPr lang="en-US" altLang="ko-KR"/>
-              <a:t>3</a:t>
-            </a:r>
-            <a:r>
-              <a:rPr lang="ko-KR" altLang="en-US"/>
-              <a:t>차원 퍼콜레이션</a:t>
-            </a:r>
-          </a:p>
-        </p:txBody>
-      </p:sp>
-      <mc:AlternateContent xmlns:mc="http://schemas.openxmlformats.org/markup-compatibility/2006" xmlns:a14="http://schemas.microsoft.com/office/drawing/2010/main">
-        <mc:Choice Requires="a14">
-          <p:sp>
-            <p:nvSpPr>
-              <p:cNvPr id="3" name="내용 개체 틀 2">
-                <a:extLst>
-                  <a:ext uri="{FF2B5EF4-FFF2-40B4-BE49-F238E27FC236}">
-                    <a16:creationId xmlns:a16="http://schemas.microsoft.com/office/drawing/2014/main" id="{57B4BAC2-8F81-BCF0-0065-5931B575AB84}"/>
-                  </a:ext>
-                </a:extLst>
-              </p:cNvPr>
-              <p:cNvSpPr>
-                <a:spLocks noGrp="1"/>
-              </p:cNvSpPr>
-              <p:nvPr>
-                <p:ph idx="1"/>
-              </p:nvPr>
-            </p:nvSpPr>
-            <p:spPr/>
-            <p:txBody>
-              <a:bodyPr/>
-              <a:lstStyle/>
-              <a:p>
-                <a:r>
-                  <a:rPr lang="en-US" altLang="ko-KR"/>
-                  <a:t>3</a:t>
-                </a:r>
-                <a:r>
-                  <a:rPr lang="ko-KR" altLang="en-US"/>
-                  <a:t>차원에서도 </a:t>
-                </a:r>
-                <a:r>
-                  <a:rPr lang="en-US" altLang="ko-KR"/>
-                  <a:t>“3</a:t>
-                </a:r>
-                <a:r>
-                  <a:rPr lang="ko-KR" altLang="en-US"/>
-                  <a:t>차원 격자 그래프</a:t>
-                </a:r>
-                <a:r>
-                  <a:rPr lang="en-US" altLang="ko-KR"/>
-                  <a:t>”</a:t>
-                </a:r>
-                <a:r>
-                  <a:rPr lang="ko-KR" altLang="en-US"/>
-                  <a:t>를 통해 퍼콜레이션 모델을 만들 수 있다</a:t>
-                </a:r>
-                <a:r>
-                  <a:rPr lang="en-US" altLang="ko-KR"/>
-                  <a:t>.</a:t>
-                </a:r>
-              </a:p>
-              <a:p>
-                <a:r>
-                  <a:rPr lang="ko-KR" altLang="en-US"/>
-                  <a:t>이 경우에도 동일하게 상 전이 현상이 발생한다는 것을 알 수 있다</a:t>
-                </a:r>
-                <a:r>
-                  <a:rPr lang="en-US" altLang="ko-KR"/>
-                  <a:t>.</a:t>
-                </a:r>
-              </a:p>
-              <a:p>
-                <a:r>
-                  <a:rPr lang="en-US" altLang="ko-KR"/>
-                  <a:t>3</a:t>
-                </a:r>
-                <a:r>
-                  <a:rPr lang="ko-KR" altLang="en-US"/>
-                  <a:t>차원일 때 임계점 </a:t>
-                </a:r>
-                <a14:m>
-                  <m:oMath xmlns:m="http://schemas.openxmlformats.org/officeDocument/2006/math">
-                    <m:sSub>
-                      <m:sSubPr>
-                        <m:ctrlPr>
-                          <a:rPr lang="en-US" altLang="ko-KR" b="0" i="1" smtClean="0">
-                            <a:latin typeface="Cambria Math" panose="02040503050406030204" pitchFamily="18" charset="0"/>
-                          </a:rPr>
-                        </m:ctrlPr>
-                      </m:sSubPr>
-                      <m:e>
-                        <m:r>
-                          <a:rPr lang="en-US" altLang="ko-KR" b="0" i="1" smtClean="0">
-                            <a:latin typeface="Cambria Math" panose="02040503050406030204" pitchFamily="18" charset="0"/>
-                          </a:rPr>
-                          <m:t>𝑝</m:t>
-                        </m:r>
-                      </m:e>
-                      <m:sub>
-                        <m:r>
-                          <a:rPr lang="en-US" altLang="ko-KR" b="0" i="1" smtClean="0">
-                            <a:latin typeface="Cambria Math" panose="02040503050406030204" pitchFamily="18" charset="0"/>
-                          </a:rPr>
-                          <m:t>𝑐</m:t>
-                        </m:r>
-                      </m:sub>
-                    </m:sSub>
-                  </m:oMath>
-                </a14:m>
-                <a:r>
-                  <a:rPr lang="ko-KR" altLang="en-US"/>
-                  <a:t>를 구해보자</a:t>
-                </a:r>
-                <a:r>
-                  <a:rPr lang="en-US" altLang="ko-KR"/>
-                  <a:t>.</a:t>
-                </a:r>
-                <a:endParaRPr lang="ko-KR" altLang="en-US"/>
-              </a:p>
-            </p:txBody>
-          </p:sp>
-        </mc:Choice>
-        <mc:Fallback xmlns="">
-          <p:sp>
-            <p:nvSpPr>
-              <p:cNvPr id="3" name="내용 개체 틀 2">
-                <a:extLst>
-                  <a:ext uri="{FF2B5EF4-FFF2-40B4-BE49-F238E27FC236}">
-                    <a16:creationId xmlns:a16="http://schemas.microsoft.com/office/drawing/2014/main" id="{57B4BAC2-8F81-BCF0-0065-5931B575AB84}"/>
-                  </a:ext>
-                </a:extLst>
-              </p:cNvPr>
-              <p:cNvSpPr>
-                <a:spLocks noGrp="1" noRot="1" noChangeAspect="1" noMove="1" noResize="1" noEditPoints="1" noAdjustHandles="1" noChangeArrowheads="1" noChangeShapeType="1" noTextEdit="1"/>
-              </p:cNvSpPr>
-              <p:nvPr>
-                <p:ph idx="1"/>
-              </p:nvPr>
-            </p:nvSpPr>
-            <p:spPr>
-              <a:blipFill>
-                <a:blip r:embed="rId2"/>
-                <a:stretch>
-                  <a:fillRect l="-1043" t="-2661" r="-986"/>
-                </a:stretch>
-              </a:blipFill>
-            </p:spPr>
-            <p:txBody>
-              <a:bodyPr/>
-              <a:lstStyle/>
-              <a:p>
-                <a:r>
-                  <a:rPr lang="ko-KR" altLang="en-US">
-                    <a:noFill/>
-                  </a:rPr>
-                  <a:t> </a:t>
-                </a:r>
-              </a:p>
-            </p:txBody>
-          </p:sp>
-        </mc:Fallback>
-      </mc:AlternateContent>
-    </p:spTree>
-    <p:extLst>
-      <p:ext uri="{BB962C8B-B14F-4D97-AF65-F5344CB8AC3E}">
-        <p14:creationId xmlns:p14="http://schemas.microsoft.com/office/powerpoint/2010/main" val="4278192209"/>
-      </p:ext>
-    </p:extLst>
-  </p:cSld>
-  <p:clrMapOvr>
-    <a:masterClrMapping/>
-  </p:clrMapOvr>
-</p:sld>
-</file>
-
-<file path=ppt/slides/slide21.xml><?xml version="1.0" encoding="utf-8"?>
-<p:sld xmlns:a="http://schemas.openxmlformats.org/drawingml/2006/main" xmlns:r="http://schemas.openxmlformats.org/officeDocument/2006/relationships" xmlns:p="http://schemas.openxmlformats.org/presentationml/2006/main">
-  <p:cSld>
-    <p:spTree>
-      <p:nvGrpSpPr>
-        <p:cNvPr id="1" name=""/>
-        <p:cNvGrpSpPr/>
-        <p:nvPr/>
-      </p:nvGrpSpPr>
-      <p:grpSpPr>
-        <a:xfrm>
-          <a:off x="0" y="0"/>
-          <a:ext cx="0" cy="0"/>
-          <a:chOff x="0" y="0"/>
-          <a:chExt cx="0" cy="0"/>
-        </a:xfrm>
-      </p:grpSpPr>
-      <p:sp>
-        <p:nvSpPr>
-          <p:cNvPr id="4" name="TextBox 3">
-            <a:extLst>
-              <a:ext uri="{FF2B5EF4-FFF2-40B4-BE49-F238E27FC236}">
-                <a16:creationId xmlns:a16="http://schemas.microsoft.com/office/drawing/2014/main" id="{6E913DC3-DB1A-AA38-B548-02C9C435D55B}"/>
-              </a:ext>
-            </a:extLst>
-          </p:cNvPr>
-          <p:cNvSpPr txBox="1"/>
-          <p:nvPr/>
-        </p:nvSpPr>
-        <p:spPr>
-          <a:xfrm>
-            <a:off x="6676845" y="2547668"/>
-            <a:ext cx="5060831" cy="1477328"/>
-          </a:xfrm>
-          <a:prstGeom prst="rect">
-            <a:avLst/>
-          </a:prstGeom>
-          <a:noFill/>
-        </p:spPr>
-        <p:txBody>
-          <a:bodyPr wrap="square" rtlCol="0">
-            <a:spAutoFit/>
-          </a:bodyPr>
-          <a:lstStyle/>
-          <a:p>
-            <a:r>
-              <a:rPr lang="ko-KR" altLang="en-US"/>
-              <a:t>위와같이 </a:t>
-            </a:r>
-            <a:r>
-              <a:rPr lang="en-US" altLang="ko-KR"/>
-              <a:t>2.4</a:t>
-            </a:r>
-            <a:r>
-              <a:rPr lang="ko-KR" altLang="en-US"/>
-              <a:t>일 때까지는 </a:t>
-            </a:r>
-            <a:r>
-              <a:rPr lang="en-US" altLang="ko-KR"/>
-              <a:t>0</a:t>
-            </a:r>
-            <a:r>
-              <a:rPr lang="ko-KR" altLang="en-US"/>
-              <a:t>에 가까운 값을 가졌다가</a:t>
-            </a:r>
-            <a:r>
-              <a:rPr lang="en-US" altLang="ko-KR"/>
-              <a:t>, 2.25</a:t>
-            </a:r>
-            <a:r>
-              <a:rPr lang="ko-KR" altLang="en-US"/>
-              <a:t>일 때 갑자기 커지는 걸 보면 임계값은 </a:t>
-            </a:r>
-            <a:r>
-              <a:rPr lang="en-US" altLang="ko-KR"/>
-              <a:t>0.24~0.25 </a:t>
-            </a:r>
-            <a:r>
-              <a:rPr lang="ko-KR" altLang="en-US"/>
-              <a:t>임을 알 수 있다</a:t>
-            </a:r>
-            <a:r>
-              <a:rPr lang="en-US" altLang="ko-KR"/>
-              <a:t>.</a:t>
-            </a:r>
-          </a:p>
-          <a:p>
-            <a:endParaRPr lang="en-US" altLang="ko-KR"/>
-          </a:p>
-          <a:p>
-            <a:r>
-              <a:rPr lang="ko-KR" altLang="en-US"/>
-              <a:t>이 임계값의 정확한 값은 미해결 문제이다</a:t>
-            </a:r>
-            <a:r>
-              <a:rPr lang="en-US" altLang="ko-KR"/>
-              <a:t>.</a:t>
-            </a:r>
-            <a:r>
-              <a:rPr lang="ko-KR" altLang="en-US"/>
-              <a:t> </a:t>
-            </a:r>
-          </a:p>
-        </p:txBody>
-      </p:sp>
-      <mc:AlternateContent xmlns:mc="http://schemas.openxmlformats.org/markup-compatibility/2006" xmlns:a14="http://schemas.microsoft.com/office/drawing/2010/main">
-        <mc:Choice Requires="a14">
-          <p:sp>
-            <p:nvSpPr>
-              <p:cNvPr id="8" name="TextBox 7">
-                <a:extLst>
-                  <a:ext uri="{FF2B5EF4-FFF2-40B4-BE49-F238E27FC236}">
-                    <a16:creationId xmlns:a16="http://schemas.microsoft.com/office/drawing/2014/main" id="{C399CC68-4396-B02E-0CB1-EC011DACD0D3}"/>
-                  </a:ext>
-                </a:extLst>
-              </p:cNvPr>
-              <p:cNvSpPr txBox="1"/>
-              <p:nvPr/>
-            </p:nvSpPr>
-            <p:spPr>
-              <a:xfrm>
-                <a:off x="1926566" y="655607"/>
-                <a:ext cx="3831113" cy="369332"/>
-              </a:xfrm>
-              <a:prstGeom prst="rect">
-                <a:avLst/>
-              </a:prstGeom>
-              <a:noFill/>
-            </p:spPr>
-            <p:txBody>
-              <a:bodyPr wrap="none" rtlCol="0">
-                <a:spAutoFit/>
-              </a:bodyPr>
-              <a:lstStyle/>
-              <a:p>
-                <a14:m>
-                  <m:oMath xmlns:m="http://schemas.openxmlformats.org/officeDocument/2006/math">
-                    <m:r>
-                      <a:rPr lang="en-US" altLang="ko-KR" b="0" i="1" smtClean="0">
-                        <a:latin typeface="Cambria Math" panose="02040503050406030204" pitchFamily="18" charset="0"/>
-                      </a:rPr>
-                      <m:t>𝑝</m:t>
-                    </m:r>
-                  </m:oMath>
-                </a14:m>
-                <a:r>
-                  <a:rPr lang="ko-KR" altLang="en-US"/>
-                  <a:t>에 따른 최대 클러스터 크기 그래프</a:t>
-                </a:r>
-              </a:p>
-            </p:txBody>
-          </p:sp>
-        </mc:Choice>
-        <mc:Fallback xmlns="">
-          <p:sp>
-            <p:nvSpPr>
-              <p:cNvPr id="8" name="TextBox 7">
-                <a:extLst>
-                  <a:ext uri="{FF2B5EF4-FFF2-40B4-BE49-F238E27FC236}">
-                    <a16:creationId xmlns:a16="http://schemas.microsoft.com/office/drawing/2014/main" id="{C399CC68-4396-B02E-0CB1-EC011DACD0D3}"/>
-                  </a:ext>
-                </a:extLst>
-              </p:cNvPr>
-              <p:cNvSpPr txBox="1">
-                <a:spLocks noRot="1" noChangeAspect="1" noMove="1" noResize="1" noEditPoints="1" noAdjustHandles="1" noChangeArrowheads="1" noChangeShapeType="1" noTextEdit="1"/>
-              </p:cNvSpPr>
-              <p:nvPr/>
-            </p:nvSpPr>
-            <p:spPr>
-              <a:xfrm>
-                <a:off x="1926566" y="655607"/>
-                <a:ext cx="3831113" cy="369332"/>
-              </a:xfrm>
-              <a:prstGeom prst="rect">
-                <a:avLst/>
-              </a:prstGeom>
-              <a:blipFill>
-                <a:blip r:embed="rId2"/>
-                <a:stretch>
-                  <a:fillRect t="-13333" b="-23333"/>
-                </a:stretch>
-              </a:blipFill>
-            </p:spPr>
-            <p:txBody>
-              <a:bodyPr/>
-              <a:lstStyle/>
-              <a:p>
-                <a:r>
-                  <a:rPr lang="ko-KR" altLang="en-US">
-                    <a:noFill/>
-                  </a:rPr>
-                  <a:t> </a:t>
-                </a:r>
-              </a:p>
-            </p:txBody>
-          </p:sp>
-        </mc:Fallback>
-      </mc:AlternateContent>
-      <p:pic>
-        <p:nvPicPr>
-          <p:cNvPr id="12" name="그림 11">
-            <a:extLst>
-              <a:ext uri="{FF2B5EF4-FFF2-40B4-BE49-F238E27FC236}">
-                <a16:creationId xmlns:a16="http://schemas.microsoft.com/office/drawing/2014/main" id="{D9AFC953-8AF0-8D94-692E-AABECCABCCD1}"/>
-              </a:ext>
-            </a:extLst>
-          </p:cNvPr>
-          <p:cNvPicPr>
-            <a:picLocks noChangeAspect="1"/>
-          </p:cNvPicPr>
-          <p:nvPr/>
-        </p:nvPicPr>
-        <p:blipFill>
-          <a:blip r:embed="rId3"/>
-          <a:srcRect l="46840"/>
-          <a:stretch>
-            <a:fillRect/>
-          </a:stretch>
-        </p:blipFill>
-        <p:spPr>
-          <a:xfrm>
-            <a:off x="851139" y="1288210"/>
-            <a:ext cx="5337181" cy="5055080"/>
-          </a:xfrm>
-          <a:prstGeom prst="rect">
-            <a:avLst/>
-          </a:prstGeom>
-        </p:spPr>
-      </p:pic>
-    </p:spTree>
-    <p:extLst>
-      <p:ext uri="{BB962C8B-B14F-4D97-AF65-F5344CB8AC3E}">
-        <p14:creationId xmlns:p14="http://schemas.microsoft.com/office/powerpoint/2010/main" val="3839737087"/>
-      </p:ext>
-    </p:extLst>
-  </p:cSld>
-  <p:clrMapOvr>
-    <a:masterClrMapping/>
-  </p:clrMapOvr>
-</p:sld>
-</file>
-
-<file path=ppt/slides/slide22.xml><?xml version="1.0" encoding="utf-8"?>
 <p:sld xmlns:a="http://schemas.openxmlformats.org/drawingml/2006/main" xmlns:r="http://schemas.openxmlformats.org/officeDocument/2006/relationships" xmlns:p="http://schemas.openxmlformats.org/presentationml/2006/main">
   <p:cSld>
     <p:spTree>
@@ -12551,70 +12245,133 @@
           </a:p>
         </p:txBody>
       </p:sp>
-      <p:sp>
-        <p:nvSpPr>
-          <p:cNvPr id="3" name="내용 개체 틀 2">
-            <a:extLst>
-              <a:ext uri="{FF2B5EF4-FFF2-40B4-BE49-F238E27FC236}">
-                <a16:creationId xmlns:a16="http://schemas.microsoft.com/office/drawing/2014/main" id="{8E8A68DF-0A75-45F5-7919-ECF0FC0B13A7}"/>
-              </a:ext>
-            </a:extLst>
-          </p:cNvPr>
-          <p:cNvSpPr>
-            <a:spLocks noGrp="1"/>
-          </p:cNvSpPr>
-          <p:nvPr>
-            <p:ph idx="1"/>
-          </p:nvPr>
-        </p:nvSpPr>
-        <p:spPr/>
-        <p:txBody>
-          <a:bodyPr/>
-          <a:lstStyle/>
-          <a:p>
-            <a:pPr marL="0" indent="0">
-              <a:buNone/>
-            </a:pPr>
-            <a:r>
-              <a:rPr lang="en-US" altLang="ko-KR"/>
-              <a:t>2</a:t>
-            </a:r>
-            <a:r>
-              <a:rPr lang="ko-KR" altLang="en-US"/>
-              <a:t>차원 격자 그래프의 각 간선에 대해서 확률 </a:t>
-            </a:r>
-            <a:r>
-              <a:rPr lang="en-US" altLang="ko-KR"/>
-              <a:t>p</a:t>
-            </a:r>
-            <a:r>
-              <a:rPr lang="ko-KR" altLang="en-US"/>
-              <a:t>로 지우고</a:t>
-            </a:r>
-            <a:r>
-              <a:rPr lang="en-US" altLang="ko-KR"/>
-              <a:t>, </a:t>
-            </a:r>
-            <a:r>
-              <a:rPr lang="ko-KR" altLang="en-US"/>
-              <a:t>확률 </a:t>
-            </a:r>
-            <a:r>
-              <a:rPr lang="en-US" altLang="ko-KR"/>
-              <a:t>1-p </a:t>
-            </a:r>
-            <a:r>
-              <a:rPr lang="ko-KR" altLang="en-US"/>
-              <a:t>로 유지하여 그래프를 만든다고 생각해보자</a:t>
-            </a:r>
-            <a:r>
-              <a:rPr lang="en-US" altLang="ko-KR"/>
-              <a:t>. </a:t>
-            </a:r>
-            <a:endParaRPr lang="ko-KR" altLang="en-US"/>
-          </a:p>
-        </p:txBody>
-      </p:sp>
+      <mc:AlternateContent xmlns:mc="http://schemas.openxmlformats.org/markup-compatibility/2006">
+        <mc:Choice xmlns:a14="http://schemas.microsoft.com/office/drawing/2010/main" Requires="a14">
+          <p:sp>
+            <p:nvSpPr>
+              <p:cNvPr id="3" name="내용 개체 틀 2">
+                <a:extLst>
+                  <a:ext uri="{FF2B5EF4-FFF2-40B4-BE49-F238E27FC236}">
+                    <a16:creationId xmlns:a16="http://schemas.microsoft.com/office/drawing/2014/main" id="{8E8A68DF-0A75-45F5-7919-ECF0FC0B13A7}"/>
+                  </a:ext>
+                </a:extLst>
+              </p:cNvPr>
+              <p:cNvSpPr>
+                <a:spLocks noGrp="1"/>
+              </p:cNvSpPr>
+              <p:nvPr>
+                <p:ph idx="1"/>
+              </p:nvPr>
+            </p:nvSpPr>
+            <p:spPr/>
+            <p:txBody>
+              <a:bodyPr/>
+              <a:lstStyle/>
+              <a:p>
+                <a:pPr marL="0" indent="0">
+                  <a:buNone/>
+                </a:pPr>
+                <a:r>
+                  <a:rPr lang="ko-KR" altLang="en-US"/>
+                  <a:t>무한한 </a:t>
+                </a:r>
+                <a:r>
+                  <a:rPr lang="en-US" altLang="ko-KR"/>
+                  <a:t>2</a:t>
+                </a:r>
+                <a:r>
+                  <a:rPr lang="ko-KR" altLang="en-US"/>
+                  <a:t>차원 격자 그래프의 각 간선을 확률 </a:t>
+                </a:r>
+                <a14:m>
+                  <m:oMath xmlns:m="http://schemas.openxmlformats.org/officeDocument/2006/math">
+                    <m:r>
+                      <a:rPr lang="ko-KR" altLang="en-US" i="1"/>
+                      <m:t>𝑝</m:t>
+                    </m:r>
+                  </m:oMath>
+                </a14:m>
+                <a:r>
+                  <a:rPr lang="ko-KR" altLang="en-US"/>
+                  <a:t>로 남기고 </a:t>
+                </a:r>
+                <a14:m>
+                  <m:oMath xmlns:m="http://schemas.openxmlformats.org/officeDocument/2006/math">
+                    <m:r>
+                      <a:rPr lang="en-US" altLang="ko-KR"/>
+                      <m:t>1</m:t>
+                    </m:r>
+                    <m:r>
+                      <a:rPr lang="ko-KR" altLang="en-US"/>
+                      <m:t>−</m:t>
+                    </m:r>
+                    <m:r>
+                      <a:rPr lang="ko-KR" altLang="en-US" i="1"/>
+                      <m:t>𝑝</m:t>
+                    </m:r>
+                  </m:oMath>
+                </a14:m>
+                <a:r>
+                  <a:rPr lang="ko-KR" altLang="en-US"/>
+                  <a:t>로 제거해</a:t>
+                </a:r>
+                <a:r>
+                  <a:rPr lang="en-US" altLang="ko-KR"/>
+                  <a:t>, </a:t>
+                </a:r>
+                <a:r>
+                  <a:rPr lang="ko-KR" altLang="en-US"/>
+                  <a:t>그 결과 얻어지는 그래프를 생각해 보자</a:t>
+                </a:r>
+                <a:r>
+                  <a:rPr lang="en-US" altLang="ko-KR"/>
+                  <a:t>.</a:t>
+                </a:r>
+                <a:endParaRPr lang="ko-KR" altLang="en-US"/>
+              </a:p>
+            </p:txBody>
+          </p:sp>
+        </mc:Choice>
+        <mc:Fallback>
+          <p:sp>
+            <p:nvSpPr>
+              <p:cNvPr id="3" name="내용 개체 틀 2">
+                <a:extLst>
+                  <a:ext uri="{FF2B5EF4-FFF2-40B4-BE49-F238E27FC236}">
+                    <a16:creationId xmlns:a16="http://schemas.microsoft.com/office/drawing/2014/main" id="{8E8A68DF-0A75-45F5-7919-ECF0FC0B13A7}"/>
+                  </a:ext>
+                </a:extLst>
+              </p:cNvPr>
+              <p:cNvSpPr>
+                <a:spLocks noGrp="1" noRot="1" noChangeAspect="1" noMove="1" noResize="1" noEditPoints="1" noAdjustHandles="1" noChangeArrowheads="1" noChangeShapeType="1" noTextEdit="1"/>
+              </p:cNvSpPr>
+              <p:nvPr>
+                <p:ph idx="1"/>
+              </p:nvPr>
+            </p:nvSpPr>
+            <p:spPr>
+              <a:blipFill>
+                <a:blip r:embed="rId2"/>
+                <a:stretch>
+                  <a:fillRect l="-1217" t="-2661"/>
+                </a:stretch>
+              </a:blipFill>
+            </p:spPr>
+            <p:txBody>
+              <a:bodyPr/>
+              <a:lstStyle/>
+              <a:p>
+                <a:r>
+                  <a:rPr lang="ko-KR" altLang="en-US">
+                    <a:noFill/>
+                  </a:rPr>
+                  <a:t> </a:t>
+                </a:r>
+              </a:p>
+            </p:txBody>
+          </p:sp>
+        </mc:Fallback>
+      </mc:AlternateContent>
       <p:pic>
         <p:nvPicPr>
           <p:cNvPr id="7" name="그림 6">
@@ -12630,7 +12387,7 @@
           <p:nvPr/>
         </p:nvPicPr>
         <p:blipFill>
-          <a:blip r:embed="rId2"/>
+          <a:blip r:embed="rId3"/>
           <a:stretch>
             <a:fillRect/>
           </a:stretch>
@@ -12660,7 +12417,7 @@
           <p:nvPr/>
         </p:nvPicPr>
         <p:blipFill>
-          <a:blip r:embed="rId3"/>
+          <a:blip r:embed="rId4"/>
           <a:stretch>
             <a:fillRect/>
           </a:stretch>
@@ -12690,7 +12447,7 @@
           <p:nvPr/>
         </p:nvPicPr>
         <p:blipFill>
-          <a:blip r:embed="rId4"/>
+          <a:blip r:embed="rId5"/>
           <a:stretch>
             <a:fillRect/>
           </a:stretch>
@@ -12810,6 +12567,46 @@
               <a:t>P=1</a:t>
             </a:r>
             <a:endParaRPr lang="ko-KR" altLang="en-US"/>
+          </a:p>
+        </p:txBody>
+      </p:sp>
+      <p:sp>
+        <p:nvSpPr>
+          <p:cNvPr id="4" name="TextBox 3">
+            <a:extLst>
+              <a:ext uri="{FF2B5EF4-FFF2-40B4-BE49-F238E27FC236}">
+                <a16:creationId xmlns:a16="http://schemas.microsoft.com/office/drawing/2014/main" id="{770A08B0-30F9-6560-4C14-DE64F5B720DF}"/>
+              </a:ext>
+            </a:extLst>
+          </p:cNvPr>
+          <p:cNvSpPr txBox="1"/>
+          <p:nvPr/>
+        </p:nvSpPr>
+        <p:spPr>
+          <a:xfrm>
+            <a:off x="9650083" y="784270"/>
+            <a:ext cx="1459054" cy="369332"/>
+          </a:xfrm>
+          <a:prstGeom prst="rect">
+            <a:avLst/>
+          </a:prstGeom>
+          <a:noFill/>
+        </p:spPr>
+        <p:txBody>
+          <a:bodyPr wrap="none" rtlCol="0">
+            <a:spAutoFit/>
+          </a:bodyPr>
+          <a:lstStyle/>
+          <a:p>
+            <a:r>
+              <a:rPr lang="ko-KR" altLang="en-US" b="1"/>
+              <a:t>코드 실행 </a:t>
+            </a:r>
+            <a:r>
+              <a:rPr lang="en-US" altLang="ko-KR" b="1"/>
+              <a:t>(1)</a:t>
+            </a:r>
+            <a:endParaRPr lang="ko-KR" altLang="en-US" b="1"/>
           </a:p>
         </p:txBody>
       </p:sp>
@@ -13736,50 +13533,6 @@
           </p:sp>
         </mc:Fallback>
       </mc:AlternateContent>
-      <p:sp>
-        <p:nvSpPr>
-          <p:cNvPr id="13" name="TextBox 12">
-            <a:extLst>
-              <a:ext uri="{FF2B5EF4-FFF2-40B4-BE49-F238E27FC236}">
-                <a16:creationId xmlns:a16="http://schemas.microsoft.com/office/drawing/2014/main" id="{8CD5CFCA-2782-9BC6-1DE5-495BD5841115}"/>
-              </a:ext>
-            </a:extLst>
-          </p:cNvPr>
-          <p:cNvSpPr txBox="1"/>
-          <p:nvPr/>
-        </p:nvSpPr>
-        <p:spPr>
-          <a:xfrm>
-            <a:off x="5348378" y="6047870"/>
-            <a:ext cx="1289135" cy="369332"/>
-          </a:xfrm>
-          <a:prstGeom prst="rect">
-            <a:avLst/>
-          </a:prstGeom>
-          <a:noFill/>
-        </p:spPr>
-        <p:txBody>
-          <a:bodyPr wrap="none" rtlCol="0">
-            <a:spAutoFit/>
-          </a:bodyPr>
-          <a:lstStyle/>
-          <a:p>
-            <a:r>
-              <a:rPr lang="en-US" altLang="ko-KR"/>
-              <a:t>(</a:t>
-            </a:r>
-            <a:r>
-              <a:rPr lang="ko-KR" altLang="en-US"/>
-              <a:t>코드 실행</a:t>
-            </a:r>
-            <a:r>
-              <a:rPr lang="en-US" altLang="ko-KR"/>
-              <a:t>)</a:t>
-            </a:r>
-            <a:endParaRPr lang="ko-KR" altLang="en-US"/>
-          </a:p>
-        </p:txBody>
-      </p:sp>
     </p:spTree>
     <p:extLst>
       <p:ext uri="{BB962C8B-B14F-4D97-AF65-F5344CB8AC3E}">
@@ -13865,7 +13618,7 @@
               <a:p>
                 <a:r>
                   <a:rPr lang="ko-KR" altLang="en-US"/>
-                  <a:t>이징 모델과 비슷하게 침투 이론에서도 </a:t>
+                  <a:t>이징 모델과 비슷하게 퍼콜레이션 모델에서도 </a:t>
                 </a:r>
                 <a:r>
                   <a:rPr lang="en-US" altLang="ko-KR"/>
@@ -14167,9 +13920,9 @@
             </p:nvSpPr>
             <p:spPr>
               <a:blipFill>
-                <a:blip r:embed="rId2"/>
+                <a:blip r:embed="rId3"/>
                 <a:stretch>
-                  <a:fillRect l="-1043" t="-2661" r="-1159"/>
+                  <a:fillRect l="-1043" t="-2661" r="-464"/>
                 </a:stretch>
               </a:blipFill>
             </p:spPr>
@@ -14188,6 +13941,46 @@
           </p:sp>
         </mc:Fallback>
       </mc:AlternateContent>
+      <p:sp>
+        <p:nvSpPr>
+          <p:cNvPr id="4" name="TextBox 3">
+            <a:extLst>
+              <a:ext uri="{FF2B5EF4-FFF2-40B4-BE49-F238E27FC236}">
+                <a16:creationId xmlns:a16="http://schemas.microsoft.com/office/drawing/2014/main" id="{341C33A2-75D3-5987-232E-A179871DCB2E}"/>
+              </a:ext>
+            </a:extLst>
+          </p:cNvPr>
+          <p:cNvSpPr txBox="1"/>
+          <p:nvPr/>
+        </p:nvSpPr>
+        <p:spPr>
+          <a:xfrm>
+            <a:off x="8424533" y="2244770"/>
+            <a:ext cx="1459054" cy="369332"/>
+          </a:xfrm>
+          <a:prstGeom prst="rect">
+            <a:avLst/>
+          </a:prstGeom>
+          <a:noFill/>
+        </p:spPr>
+        <p:txBody>
+          <a:bodyPr wrap="none" rtlCol="0">
+            <a:spAutoFit/>
+          </a:bodyPr>
+          <a:lstStyle/>
+          <a:p>
+            <a:r>
+              <a:rPr lang="ko-KR" altLang="en-US" b="1"/>
+              <a:t>코드 실행 </a:t>
+            </a:r>
+            <a:r>
+              <a:rPr lang="en-US" altLang="ko-KR" b="1"/>
+              <a:t>(2)</a:t>
+            </a:r>
+            <a:endParaRPr lang="ko-KR" altLang="en-US" b="1"/>
+          </a:p>
+        </p:txBody>
+      </p:sp>
     </p:spTree>
     <p:extLst>
       <p:ext uri="{BB962C8B-B14F-4D97-AF65-F5344CB8AC3E}">

--- a/percolation.pptx
+++ b/percolation.pptx
@@ -5,29 +5,26 @@
     <p:sldMasterId id="2147483672" r:id="rId1"/>
   </p:sldMasterIdLst>
   <p:notesMasterIdLst>
-    <p:notesMasterId r:id="rId22"/>
+    <p:notesMasterId r:id="rId19"/>
   </p:notesMasterIdLst>
   <p:sldIdLst>
     <p:sldId id="256" r:id="rId2"/>
-    <p:sldId id="259" r:id="rId3"/>
-    <p:sldId id="260" r:id="rId4"/>
-    <p:sldId id="261" r:id="rId5"/>
-    <p:sldId id="257" r:id="rId6"/>
-    <p:sldId id="258" r:id="rId7"/>
-    <p:sldId id="263" r:id="rId8"/>
-    <p:sldId id="265" r:id="rId9"/>
-    <p:sldId id="262" r:id="rId10"/>
-    <p:sldId id="266" r:id="rId11"/>
-    <p:sldId id="267" r:id="rId12"/>
-    <p:sldId id="264" r:id="rId13"/>
-    <p:sldId id="273" r:id="rId14"/>
-    <p:sldId id="279" r:id="rId15"/>
-    <p:sldId id="275" r:id="rId16"/>
-    <p:sldId id="268" r:id="rId17"/>
-    <p:sldId id="269" r:id="rId18"/>
-    <p:sldId id="270" r:id="rId19"/>
-    <p:sldId id="271" r:id="rId20"/>
-    <p:sldId id="278" r:id="rId21"/>
+    <p:sldId id="257" r:id="rId3"/>
+    <p:sldId id="258" r:id="rId4"/>
+    <p:sldId id="263" r:id="rId5"/>
+    <p:sldId id="265" r:id="rId6"/>
+    <p:sldId id="262" r:id="rId7"/>
+    <p:sldId id="266" r:id="rId8"/>
+    <p:sldId id="267" r:id="rId9"/>
+    <p:sldId id="264" r:id="rId10"/>
+    <p:sldId id="273" r:id="rId11"/>
+    <p:sldId id="279" r:id="rId12"/>
+    <p:sldId id="275" r:id="rId13"/>
+    <p:sldId id="268" r:id="rId14"/>
+    <p:sldId id="269" r:id="rId15"/>
+    <p:sldId id="270" r:id="rId16"/>
+    <p:sldId id="271" r:id="rId17"/>
+    <p:sldId id="278" r:id="rId18"/>
   </p:sldIdLst>
   <p:sldSz cx="12192000" cy="6858000"/>
   <p:notesSz cx="6858000" cy="9144000"/>
@@ -216,7 +213,7 @@
           <a:p>
             <a:fld id="{1EA6493F-1E59-4702-B0CC-C366A1B914E0}" type="datetimeFigureOut">
               <a:rPr lang="ko-KR" altLang="en-US" smtClean="0"/>
-              <a:t>2025-11-20</a:t>
+              <a:t>2025-11-21</a:t>
             </a:fld>
             <a:endParaRPr lang="ko-KR" altLang="en-US"/>
           </a:p>
@@ -548,7 +545,7 @@
           <a:p>
             <a:fld id="{A2EC85FE-98C0-4CB2-9782-5C8FEDF6FDA6}" type="slidenum">
               <a:rPr lang="ko-KR" altLang="en-US" smtClean="0"/>
-              <a:t>9</a:t>
+              <a:t>6</a:t>
             </a:fld>
             <a:endParaRPr lang="ko-KR" altLang="en-US"/>
           </a:p>
@@ -632,7 +629,7 @@
           <a:p>
             <a:fld id="{A2EC85FE-98C0-4CB2-9782-5C8FEDF6FDA6}" type="slidenum">
               <a:rPr lang="ko-KR" altLang="en-US" smtClean="0"/>
-              <a:t>20</a:t>
+              <a:t>17</a:t>
             </a:fld>
             <a:endParaRPr lang="ko-KR" altLang="en-US"/>
           </a:p>
@@ -782,7 +779,7 @@
           <a:p>
             <a:fld id="{4D6668BB-5AA0-4DD2-8735-45AC13F760A9}" type="datetimeFigureOut">
               <a:rPr lang="ko-KR" altLang="en-US" smtClean="0"/>
-              <a:t>2025-11-20</a:t>
+              <a:t>2025-11-21</a:t>
             </a:fld>
             <a:endParaRPr lang="ko-KR" altLang="en-US"/>
           </a:p>
@@ -952,7 +949,7 @@
           <a:p>
             <a:fld id="{4D6668BB-5AA0-4DD2-8735-45AC13F760A9}" type="datetimeFigureOut">
               <a:rPr lang="ko-KR" altLang="en-US" smtClean="0"/>
-              <a:t>2025-11-20</a:t>
+              <a:t>2025-11-21</a:t>
             </a:fld>
             <a:endParaRPr lang="ko-KR" altLang="en-US"/>
           </a:p>
@@ -1132,7 +1129,7 @@
           <a:p>
             <a:fld id="{4D6668BB-5AA0-4DD2-8735-45AC13F760A9}" type="datetimeFigureOut">
               <a:rPr lang="ko-KR" altLang="en-US" smtClean="0"/>
-              <a:t>2025-11-20</a:t>
+              <a:t>2025-11-21</a:t>
             </a:fld>
             <a:endParaRPr lang="ko-KR" altLang="en-US"/>
           </a:p>
@@ -1302,7 +1299,7 @@
           <a:p>
             <a:fld id="{4D6668BB-5AA0-4DD2-8735-45AC13F760A9}" type="datetimeFigureOut">
               <a:rPr lang="ko-KR" altLang="en-US" smtClean="0"/>
-              <a:t>2025-11-20</a:t>
+              <a:t>2025-11-21</a:t>
             </a:fld>
             <a:endParaRPr lang="ko-KR" altLang="en-US"/>
           </a:p>
@@ -1548,7 +1545,7 @@
           <a:p>
             <a:fld id="{4D6668BB-5AA0-4DD2-8735-45AC13F760A9}" type="datetimeFigureOut">
               <a:rPr lang="ko-KR" altLang="en-US" smtClean="0"/>
-              <a:t>2025-11-20</a:t>
+              <a:t>2025-11-21</a:t>
             </a:fld>
             <a:endParaRPr lang="ko-KR" altLang="en-US"/>
           </a:p>
@@ -1780,7 +1777,7 @@
           <a:p>
             <a:fld id="{4D6668BB-5AA0-4DD2-8735-45AC13F760A9}" type="datetimeFigureOut">
               <a:rPr lang="ko-KR" altLang="en-US" smtClean="0"/>
-              <a:t>2025-11-20</a:t>
+              <a:t>2025-11-21</a:t>
             </a:fld>
             <a:endParaRPr lang="ko-KR" altLang="en-US"/>
           </a:p>
@@ -2147,7 +2144,7 @@
           <a:p>
             <a:fld id="{4D6668BB-5AA0-4DD2-8735-45AC13F760A9}" type="datetimeFigureOut">
               <a:rPr lang="ko-KR" altLang="en-US" smtClean="0"/>
-              <a:t>2025-11-20</a:t>
+              <a:t>2025-11-21</a:t>
             </a:fld>
             <a:endParaRPr lang="ko-KR" altLang="en-US"/>
           </a:p>
@@ -2265,7 +2262,7 @@
           <a:p>
             <a:fld id="{4D6668BB-5AA0-4DD2-8735-45AC13F760A9}" type="datetimeFigureOut">
               <a:rPr lang="ko-KR" altLang="en-US" smtClean="0"/>
-              <a:t>2025-11-20</a:t>
+              <a:t>2025-11-21</a:t>
             </a:fld>
             <a:endParaRPr lang="ko-KR" altLang="en-US"/>
           </a:p>
@@ -2360,7 +2357,7 @@
           <a:p>
             <a:fld id="{4D6668BB-5AA0-4DD2-8735-45AC13F760A9}" type="datetimeFigureOut">
               <a:rPr lang="ko-KR" altLang="en-US" smtClean="0"/>
-              <a:t>2025-11-20</a:t>
+              <a:t>2025-11-21</a:t>
             </a:fld>
             <a:endParaRPr lang="ko-KR" altLang="en-US"/>
           </a:p>
@@ -2637,7 +2634,7 @@
           <a:p>
             <a:fld id="{4D6668BB-5AA0-4DD2-8735-45AC13F760A9}" type="datetimeFigureOut">
               <a:rPr lang="ko-KR" altLang="en-US" smtClean="0"/>
-              <a:t>2025-11-20</a:t>
+              <a:t>2025-11-21</a:t>
             </a:fld>
             <a:endParaRPr lang="ko-KR" altLang="en-US"/>
           </a:p>
@@ -2894,7 +2891,7 @@
           <a:p>
             <a:fld id="{4D6668BB-5AA0-4DD2-8735-45AC13F760A9}" type="datetimeFigureOut">
               <a:rPr lang="ko-KR" altLang="en-US" smtClean="0"/>
-              <a:t>2025-11-20</a:t>
+              <a:t>2025-11-21</a:t>
             </a:fld>
             <a:endParaRPr lang="ko-KR" altLang="en-US"/>
           </a:p>
@@ -3107,7 +3104,7 @@
           <a:p>
             <a:fld id="{4D6668BB-5AA0-4DD2-8735-45AC13F760A9}" type="datetimeFigureOut">
               <a:rPr lang="ko-KR" altLang="en-US" smtClean="0"/>
-              <a:t>2025-11-20</a:t>
+              <a:t>2025-11-21</a:t>
             </a:fld>
             <a:endParaRPr lang="ko-KR" altLang="en-US"/>
           </a:p>
@@ -3615,1604 +3612,6 @@
   <p:cSld>
     <p:spTree>
       <p:nvGrpSpPr>
-        <p:cNvPr id="1" name="">
-          <a:extLst>
-            <a:ext uri="{FF2B5EF4-FFF2-40B4-BE49-F238E27FC236}">
-              <a16:creationId xmlns:a16="http://schemas.microsoft.com/office/drawing/2014/main" id="{AC4C5F22-7DF4-2A49-E158-3A176E89B6BE}"/>
-            </a:ext>
-          </a:extLst>
-        </p:cNvPr>
-        <p:cNvGrpSpPr/>
-        <p:nvPr/>
-      </p:nvGrpSpPr>
-      <p:grpSpPr>
-        <a:xfrm>
-          <a:off x="0" y="0"/>
-          <a:ext cx="0" cy="0"/>
-          <a:chOff x="0" y="0"/>
-          <a:chExt cx="0" cy="0"/>
-        </a:xfrm>
-      </p:grpSpPr>
-      <p:sp>
-        <p:nvSpPr>
-          <p:cNvPr id="2" name="제목 1">
-            <a:extLst>
-              <a:ext uri="{FF2B5EF4-FFF2-40B4-BE49-F238E27FC236}">
-                <a16:creationId xmlns:a16="http://schemas.microsoft.com/office/drawing/2014/main" id="{4B5FB6D1-89FF-531B-11DB-966DB06DC471}"/>
-              </a:ext>
-            </a:extLst>
-          </p:cNvPr>
-          <p:cNvSpPr>
-            <a:spLocks noGrp="1"/>
-          </p:cNvSpPr>
-          <p:nvPr>
-            <p:ph type="title"/>
-          </p:nvPr>
-        </p:nvSpPr>
-        <p:spPr/>
-        <p:txBody>
-          <a:bodyPr/>
-          <a:lstStyle/>
-          <a:p>
-            <a:r>
-              <a:rPr lang="ko-KR" altLang="en-US"/>
-              <a:t>상전이 현상 </a:t>
-            </a:r>
-            <a:r>
-              <a:rPr lang="en-US" altLang="ko-KR"/>
-              <a:t>: </a:t>
-            </a:r>
-            <a:r>
-              <a:rPr lang="ko-KR" altLang="en-US"/>
-              <a:t>증명</a:t>
-            </a:r>
-          </a:p>
-        </p:txBody>
-      </p:sp>
-      <p:sp>
-        <p:nvSpPr>
-          <p:cNvPr id="3" name="내용 개체 틀 2">
-            <a:extLst>
-              <a:ext uri="{FF2B5EF4-FFF2-40B4-BE49-F238E27FC236}">
-                <a16:creationId xmlns:a16="http://schemas.microsoft.com/office/drawing/2014/main" id="{C7A852A6-B040-2325-27A1-D371BAD16C72}"/>
-              </a:ext>
-            </a:extLst>
-          </p:cNvPr>
-          <p:cNvSpPr>
-            <a:spLocks noGrp="1"/>
-          </p:cNvSpPr>
-          <p:nvPr>
-            <p:ph idx="1"/>
-          </p:nvPr>
-        </p:nvSpPr>
-        <p:spPr/>
-        <p:txBody>
-          <a:bodyPr>
-            <a:normAutofit/>
-          </a:bodyPr>
-          <a:lstStyle/>
-          <a:p>
-            <a:pPr marL="0" indent="0">
-              <a:buNone/>
-            </a:pPr>
-            <a:endParaRPr lang="en-US" altLang="ko-KR"/>
-          </a:p>
-          <a:p>
-            <a:r>
-              <a:rPr lang="en-US" altLang="ko-KR"/>
-              <a:t>Kolmogorov's zero–one law  : </a:t>
-            </a:r>
-            <a:r>
-              <a:rPr lang="ko-KR" altLang="en-US"/>
-              <a:t>무한한 독립 과정에서 장기적 특성이 나타날 확률은 </a:t>
-            </a:r>
-            <a:r>
-              <a:rPr lang="en-US" altLang="ko-KR"/>
-              <a:t>0</a:t>
-            </a:r>
-            <a:r>
-              <a:rPr lang="ko-KR" altLang="en-US"/>
-              <a:t>또는 </a:t>
-            </a:r>
-            <a:r>
-              <a:rPr lang="en-US" altLang="ko-KR"/>
-              <a:t>1</a:t>
-            </a:r>
-            <a:r>
-              <a:rPr lang="ko-KR" altLang="en-US"/>
-              <a:t>이다</a:t>
-            </a:r>
-            <a:r>
-              <a:rPr lang="en-US" altLang="ko-KR"/>
-              <a:t>.</a:t>
-            </a:r>
-          </a:p>
-          <a:p>
-            <a:r>
-              <a:rPr lang="ko-KR" altLang="en-US"/>
-              <a:t>따라서 </a:t>
-            </a:r>
-            <a:r>
-              <a:rPr lang="en-US" altLang="ko-KR"/>
-              <a:t>“</a:t>
-            </a:r>
-            <a:r>
-              <a:rPr lang="ko-KR" altLang="en-US"/>
-              <a:t>무한한 클러스터가 존재하는</a:t>
-            </a:r>
-            <a:r>
-              <a:rPr lang="en-US" altLang="ko-KR"/>
-              <a:t> </a:t>
-            </a:r>
-            <a:r>
-              <a:rPr lang="ko-KR" altLang="en-US"/>
-              <a:t>사건</a:t>
-            </a:r>
-            <a:r>
-              <a:rPr lang="en-US" altLang="ko-KR"/>
-              <a:t>”</a:t>
-            </a:r>
-            <a:r>
-              <a:rPr lang="ko-KR" altLang="en-US"/>
-              <a:t>이 발생할 확률은 </a:t>
-            </a:r>
-            <a:r>
-              <a:rPr lang="en-US" altLang="ko-KR"/>
-              <a:t>0 </a:t>
-            </a:r>
-            <a:r>
-              <a:rPr lang="ko-KR" altLang="en-US"/>
-              <a:t>또는 </a:t>
-            </a:r>
-            <a:r>
-              <a:rPr lang="en-US" altLang="ko-KR"/>
-              <a:t>1</a:t>
-            </a:r>
-            <a:r>
-              <a:rPr lang="ko-KR" altLang="en-US"/>
-              <a:t>이다</a:t>
-            </a:r>
-            <a:r>
-              <a:rPr lang="en-US" altLang="ko-KR"/>
-              <a:t>. </a:t>
-            </a:r>
-          </a:p>
-          <a:p>
-            <a:r>
-              <a:rPr lang="ko-KR" altLang="en-US"/>
-              <a:t>따라서</a:t>
-            </a:r>
-            <a:r>
-              <a:rPr lang="en-US" altLang="ko-KR"/>
-              <a:t> </a:t>
-            </a:r>
-            <a:r>
-              <a:rPr lang="ko-KR" altLang="en-US"/>
-              <a:t>간선들의 가중치들에 상관없이</a:t>
-            </a:r>
-            <a:r>
-              <a:rPr lang="en-US" altLang="ko-KR"/>
-              <a:t>, “p = 0.9 </a:t>
-            </a:r>
-            <a:r>
-              <a:rPr lang="ko-KR" altLang="en-US"/>
-              <a:t>이면 무한클러스터가 반드시 존재한다</a:t>
-            </a:r>
-            <a:r>
-              <a:rPr lang="en-US" altLang="ko-KR"/>
-              <a:t>(or </a:t>
-            </a:r>
-            <a:r>
-              <a:rPr lang="ko-KR" altLang="en-US"/>
-              <a:t>존재하지 않는다</a:t>
-            </a:r>
-            <a:r>
-              <a:rPr lang="en-US" altLang="ko-KR"/>
-              <a:t>).”</a:t>
-            </a:r>
-            <a:r>
-              <a:rPr lang="ko-KR" altLang="en-US"/>
-              <a:t>와 같이 단정적으로 말할 수 있다</a:t>
-            </a:r>
-            <a:r>
-              <a:rPr lang="en-US" altLang="ko-KR"/>
-              <a:t>.</a:t>
-            </a:r>
-          </a:p>
-          <a:p>
-            <a:endParaRPr lang="en-US" altLang="ko-KR"/>
-          </a:p>
-          <a:p>
-            <a:endParaRPr lang="en-US" altLang="ko-KR"/>
-          </a:p>
-          <a:p>
-            <a:endParaRPr lang="en-US" altLang="ko-KR"/>
-          </a:p>
-          <a:p>
-            <a:endParaRPr lang="en-US" altLang="ko-KR"/>
-          </a:p>
-        </p:txBody>
-      </p:sp>
-    </p:spTree>
-    <p:extLst>
-      <p:ext uri="{BB962C8B-B14F-4D97-AF65-F5344CB8AC3E}">
-        <p14:creationId xmlns:p14="http://schemas.microsoft.com/office/powerpoint/2010/main" val="3262323319"/>
-      </p:ext>
-    </p:extLst>
-  </p:cSld>
-  <p:clrMapOvr>
-    <a:masterClrMapping/>
-  </p:clrMapOvr>
-</p:sld>
-</file>
-
-<file path=ppt/slides/slide11.xml><?xml version="1.0" encoding="utf-8"?>
-<p:sld xmlns:a="http://schemas.openxmlformats.org/drawingml/2006/main" xmlns:r="http://schemas.openxmlformats.org/officeDocument/2006/relationships" xmlns:p="http://schemas.openxmlformats.org/presentationml/2006/main">
-  <p:cSld>
-    <p:spTree>
-      <p:nvGrpSpPr>
-        <p:cNvPr id="1" name=""/>
-        <p:cNvGrpSpPr/>
-        <p:nvPr/>
-      </p:nvGrpSpPr>
-      <p:grpSpPr>
-        <a:xfrm>
-          <a:off x="0" y="0"/>
-          <a:ext cx="0" cy="0"/>
-          <a:chOff x="0" y="0"/>
-          <a:chExt cx="0" cy="0"/>
-        </a:xfrm>
-      </p:grpSpPr>
-      <p:sp>
-        <p:nvSpPr>
-          <p:cNvPr id="2" name="제목 1">
-            <a:extLst>
-              <a:ext uri="{FF2B5EF4-FFF2-40B4-BE49-F238E27FC236}">
-                <a16:creationId xmlns:a16="http://schemas.microsoft.com/office/drawing/2014/main" id="{CDF07F89-B45A-DE24-F54C-3DB294E6105A}"/>
-              </a:ext>
-            </a:extLst>
-          </p:cNvPr>
-          <p:cNvSpPr>
-            <a:spLocks noGrp="1"/>
-          </p:cNvSpPr>
-          <p:nvPr>
-            <p:ph type="title"/>
-          </p:nvPr>
-        </p:nvSpPr>
-        <p:spPr/>
-        <p:txBody>
-          <a:bodyPr/>
-          <a:lstStyle/>
-          <a:p>
-            <a:r>
-              <a:rPr lang="ko-KR" altLang="en-US"/>
-              <a:t>상전이 현상 </a:t>
-            </a:r>
-            <a:r>
-              <a:rPr lang="en-US" altLang="ko-KR"/>
-              <a:t>: </a:t>
-            </a:r>
-            <a:r>
-              <a:rPr lang="ko-KR" altLang="en-US"/>
-              <a:t>증명</a:t>
-            </a:r>
-          </a:p>
-        </p:txBody>
-      </p:sp>
-      <mc:AlternateContent xmlns:mc="http://schemas.openxmlformats.org/markup-compatibility/2006" xmlns:a14="http://schemas.microsoft.com/office/drawing/2010/main">
-        <mc:Choice Requires="a14">
-          <p:sp>
-            <p:nvSpPr>
-              <p:cNvPr id="3" name="내용 개체 틀 2">
-                <a:extLst>
-                  <a:ext uri="{FF2B5EF4-FFF2-40B4-BE49-F238E27FC236}">
-                    <a16:creationId xmlns:a16="http://schemas.microsoft.com/office/drawing/2014/main" id="{0AE7480B-9CDC-553B-8F34-0F6E92A7E7DA}"/>
-                  </a:ext>
-                </a:extLst>
-              </p:cNvPr>
-              <p:cNvSpPr>
-                <a:spLocks noGrp="1"/>
-              </p:cNvSpPr>
-              <p:nvPr>
-                <p:ph idx="1"/>
-              </p:nvPr>
-            </p:nvSpPr>
-            <p:spPr/>
-            <p:txBody>
-              <a:bodyPr/>
-              <a:lstStyle/>
-              <a:p>
-                <a:r>
-                  <a:rPr lang="ko-KR" altLang="en-US"/>
-                  <a:t>만약 </a:t>
-                </a:r>
-                <a14:m>
-                  <m:oMath xmlns:m="http://schemas.openxmlformats.org/officeDocument/2006/math">
-                    <m:r>
-                      <a:rPr lang="en-US" altLang="ko-KR" i="1">
-                        <a:latin typeface="Cambria Math" panose="02040503050406030204" pitchFamily="18" charset="0"/>
-                      </a:rPr>
-                      <m:t>𝑝</m:t>
-                    </m:r>
-                    <m:r>
-                      <a:rPr lang="en-US" altLang="ko-KR" i="1">
-                        <a:latin typeface="Cambria Math" panose="02040503050406030204" pitchFamily="18" charset="0"/>
-                      </a:rPr>
-                      <m:t>=1</m:t>
-                    </m:r>
-                  </m:oMath>
-                </a14:m>
-                <a:r>
-                  <a:rPr lang="ko-KR" altLang="en-US"/>
-                  <a:t>이라면</a:t>
-                </a:r>
-                <a:r>
-                  <a:rPr lang="en-US" altLang="ko-KR"/>
-                  <a:t>, </a:t>
-                </a:r>
-                <a:r>
-                  <a:rPr lang="ko-KR" altLang="en-US"/>
-                  <a:t>그래프 내의 모든 간선이 존재하므로 그래프 자체가 하나의 무한 클러스터가 된다</a:t>
-                </a:r>
-                <a:r>
-                  <a:rPr lang="en-US" altLang="ko-KR"/>
-                  <a:t>. </a:t>
-                </a:r>
-                <a14:m>
-                  <m:oMath xmlns:m="http://schemas.openxmlformats.org/officeDocument/2006/math">
-                    <m:r>
-                      <a:rPr lang="en-US" altLang="ko-KR" i="1">
-                        <a:latin typeface="Cambria Math" panose="02040503050406030204" pitchFamily="18" charset="0"/>
-                      </a:rPr>
-                      <m:t>𝑝</m:t>
-                    </m:r>
-                    <m:r>
-                      <a:rPr lang="en-US" altLang="ko-KR" i="1">
-                        <a:latin typeface="Cambria Math" panose="02040503050406030204" pitchFamily="18" charset="0"/>
-                      </a:rPr>
-                      <m:t>=0</m:t>
-                    </m:r>
-                  </m:oMath>
-                </a14:m>
-                <a:r>
-                  <a:rPr lang="ko-KR" altLang="en-US"/>
-                  <a:t>이면 각 점들이 독립적으로 클러스터가 되므로 무한 클러스터는 존재하지 않는다</a:t>
-                </a:r>
-                <a:r>
-                  <a:rPr lang="en-US" altLang="ko-KR"/>
-                  <a:t>.</a:t>
-                </a:r>
-              </a:p>
-              <a:p>
-                <a14:m>
-                  <m:oMath xmlns:m="http://schemas.openxmlformats.org/officeDocument/2006/math">
-                    <m:sSub>
-                      <m:sSubPr>
-                        <m:ctrlPr>
-                          <a:rPr lang="en-US" altLang="ko-KR" b="0" i="1" smtClean="0">
-                            <a:latin typeface="Cambria Math" panose="02040503050406030204" pitchFamily="18" charset="0"/>
-                          </a:rPr>
-                        </m:ctrlPr>
-                      </m:sSubPr>
-                      <m:e>
-                        <m:r>
-                          <a:rPr lang="en-US" altLang="ko-KR" b="0" i="1" smtClean="0">
-                            <a:latin typeface="Cambria Math" panose="02040503050406030204" pitchFamily="18" charset="0"/>
-                          </a:rPr>
-                          <m:t>𝑝</m:t>
-                        </m:r>
-                      </m:e>
-                      <m:sub>
-                        <m:r>
-                          <a:rPr lang="en-US" altLang="ko-KR" b="0" i="1" smtClean="0">
-                            <a:latin typeface="Cambria Math" panose="02040503050406030204" pitchFamily="18" charset="0"/>
-                          </a:rPr>
-                          <m:t>1</m:t>
-                        </m:r>
-                      </m:sub>
-                    </m:sSub>
-                    <m:r>
-                      <a:rPr lang="en-US" altLang="ko-KR" b="0" i="1" smtClean="0">
-                        <a:latin typeface="Cambria Math" panose="02040503050406030204" pitchFamily="18" charset="0"/>
-                      </a:rPr>
-                      <m:t>&lt;</m:t>
-                    </m:r>
-                    <m:sSub>
-                      <m:sSubPr>
-                        <m:ctrlPr>
-                          <a:rPr lang="en-US" altLang="ko-KR" b="0" i="1" smtClean="0">
-                            <a:latin typeface="Cambria Math" panose="02040503050406030204" pitchFamily="18" charset="0"/>
-                          </a:rPr>
-                        </m:ctrlPr>
-                      </m:sSubPr>
-                      <m:e>
-                        <m:r>
-                          <a:rPr lang="en-US" altLang="ko-KR" b="0" i="1" smtClean="0">
-                            <a:latin typeface="Cambria Math" panose="02040503050406030204" pitchFamily="18" charset="0"/>
-                          </a:rPr>
-                          <m:t>𝑝</m:t>
-                        </m:r>
-                      </m:e>
-                      <m:sub>
-                        <m:r>
-                          <a:rPr lang="en-US" altLang="ko-KR" b="0" i="1" smtClean="0">
-                            <a:latin typeface="Cambria Math" panose="02040503050406030204" pitchFamily="18" charset="0"/>
-                          </a:rPr>
-                          <m:t>2</m:t>
-                        </m:r>
-                      </m:sub>
-                    </m:sSub>
-                  </m:oMath>
-                </a14:m>
-                <a:r>
-                  <a:rPr lang="ko-KR" altLang="en-US"/>
-                  <a:t>에 대해서 </a:t>
-                </a:r>
-                <a14:m>
-                  <m:oMath xmlns:m="http://schemas.openxmlformats.org/officeDocument/2006/math">
-                    <m:r>
-                      <a:rPr lang="en-US" altLang="ko-KR" b="0" i="1" smtClean="0">
-                        <a:latin typeface="Cambria Math" panose="02040503050406030204" pitchFamily="18" charset="0"/>
-                      </a:rPr>
-                      <m:t>𝐺</m:t>
-                    </m:r>
-                    <m:r>
-                      <a:rPr lang="en-US" altLang="ko-KR" b="0" i="1" smtClean="0">
-                        <a:latin typeface="Cambria Math" panose="02040503050406030204" pitchFamily="18" charset="0"/>
-                      </a:rPr>
-                      <m:t>(</m:t>
-                    </m:r>
-                    <m:sSub>
-                      <m:sSubPr>
-                        <m:ctrlPr>
-                          <a:rPr lang="en-US" altLang="ko-KR" b="0" i="1" smtClean="0">
-                            <a:latin typeface="Cambria Math" panose="02040503050406030204" pitchFamily="18" charset="0"/>
-                          </a:rPr>
-                        </m:ctrlPr>
-                      </m:sSubPr>
-                      <m:e>
-                        <m:r>
-                          <a:rPr lang="en-US" altLang="ko-KR" b="0" i="1" smtClean="0">
-                            <a:latin typeface="Cambria Math" panose="02040503050406030204" pitchFamily="18" charset="0"/>
-                          </a:rPr>
-                          <m:t>𝑝</m:t>
-                        </m:r>
-                      </m:e>
-                      <m:sub>
-                        <m:r>
-                          <a:rPr lang="en-US" altLang="ko-KR" b="0" i="1" smtClean="0">
-                            <a:latin typeface="Cambria Math" panose="02040503050406030204" pitchFamily="18" charset="0"/>
-                          </a:rPr>
-                          <m:t>1</m:t>
-                        </m:r>
-                      </m:sub>
-                    </m:sSub>
-                    <m:r>
-                      <a:rPr lang="en-US" altLang="ko-KR" b="0" i="1" smtClean="0">
-                        <a:latin typeface="Cambria Math" panose="02040503050406030204" pitchFamily="18" charset="0"/>
-                      </a:rPr>
-                      <m:t>)</m:t>
-                    </m:r>
-                    <m:r>
-                      <a:rPr lang="ko-KR" altLang="en-US" i="1">
-                        <a:latin typeface="Cambria Math" panose="02040503050406030204" pitchFamily="18" charset="0"/>
-                      </a:rPr>
-                      <m:t>이</m:t>
-                    </m:r>
-                  </m:oMath>
-                </a14:m>
-                <a:r>
-                  <a:rPr lang="ko-KR" altLang="en-US"/>
-                  <a:t> </a:t>
-                </a:r>
-                <a14:m>
-                  <m:oMath xmlns:m="http://schemas.openxmlformats.org/officeDocument/2006/math">
-                    <m:r>
-                      <a:rPr lang="en-US" altLang="ko-KR" b="0" i="1" smtClean="0">
-                        <a:latin typeface="Cambria Math" panose="02040503050406030204" pitchFamily="18" charset="0"/>
-                      </a:rPr>
-                      <m:t>𝐺</m:t>
-                    </m:r>
-                    <m:r>
-                      <a:rPr lang="en-US" altLang="ko-KR" b="0" i="1" smtClean="0">
-                        <a:latin typeface="Cambria Math" panose="02040503050406030204" pitchFamily="18" charset="0"/>
-                      </a:rPr>
-                      <m:t>(</m:t>
-                    </m:r>
-                    <m:sSub>
-                      <m:sSubPr>
-                        <m:ctrlPr>
-                          <a:rPr lang="en-US" altLang="ko-KR" b="0" i="1" smtClean="0">
-                            <a:latin typeface="Cambria Math" panose="02040503050406030204" pitchFamily="18" charset="0"/>
-                          </a:rPr>
-                        </m:ctrlPr>
-                      </m:sSubPr>
-                      <m:e>
-                        <m:r>
-                          <a:rPr lang="en-US" altLang="ko-KR" b="0" i="1" smtClean="0">
-                            <a:latin typeface="Cambria Math" panose="02040503050406030204" pitchFamily="18" charset="0"/>
-                          </a:rPr>
-                          <m:t>𝑝</m:t>
-                        </m:r>
-                      </m:e>
-                      <m:sub>
-                        <m:r>
-                          <a:rPr lang="en-US" altLang="ko-KR" b="0" i="1" smtClean="0">
-                            <a:latin typeface="Cambria Math" panose="02040503050406030204" pitchFamily="18" charset="0"/>
-                          </a:rPr>
-                          <m:t>2</m:t>
-                        </m:r>
-                      </m:sub>
-                    </m:sSub>
-                    <m:r>
-                      <a:rPr lang="en-US" altLang="ko-KR" b="0" i="1" smtClean="0">
-                        <a:latin typeface="Cambria Math" panose="02040503050406030204" pitchFamily="18" charset="0"/>
-                      </a:rPr>
-                      <m:t>)</m:t>
-                    </m:r>
-                  </m:oMath>
-                </a14:m>
-                <a:r>
-                  <a:rPr lang="ko-KR" altLang="en-US"/>
-                  <a:t>의 부분 그래프이므로 </a:t>
-                </a:r>
-                <a14:m>
-                  <m:oMath xmlns:m="http://schemas.openxmlformats.org/officeDocument/2006/math">
-                    <m:sSub>
-                      <m:sSubPr>
-                        <m:ctrlPr>
-                          <a:rPr lang="en-US" altLang="ko-KR" b="0" i="1" smtClean="0">
-                            <a:latin typeface="Cambria Math" panose="02040503050406030204" pitchFamily="18" charset="0"/>
-                          </a:rPr>
-                        </m:ctrlPr>
-                      </m:sSubPr>
-                      <m:e>
-                        <m:r>
-                          <a:rPr lang="en-US" altLang="ko-KR" b="0" i="1" smtClean="0">
-                            <a:latin typeface="Cambria Math" panose="02040503050406030204" pitchFamily="18" charset="0"/>
-                          </a:rPr>
-                          <m:t>𝑝</m:t>
-                        </m:r>
-                      </m:e>
-                      <m:sub>
-                        <m:r>
-                          <a:rPr lang="en-US" altLang="ko-KR" b="0" i="1" smtClean="0">
-                            <a:latin typeface="Cambria Math" panose="02040503050406030204" pitchFamily="18" charset="0"/>
-                          </a:rPr>
-                          <m:t>1</m:t>
-                        </m:r>
-                      </m:sub>
-                    </m:sSub>
-                  </m:oMath>
-                </a14:m>
-                <a:r>
-                  <a:rPr lang="ko-KR" altLang="en-US"/>
-                  <a:t>일 때 무한 클러스터가 존재하면 </a:t>
-                </a:r>
-                <a14:m>
-                  <m:oMath xmlns:m="http://schemas.openxmlformats.org/officeDocument/2006/math">
-                    <m:sSub>
-                      <m:sSubPr>
-                        <m:ctrlPr>
-                          <a:rPr lang="en-US" altLang="ko-KR" b="0" i="1" smtClean="0">
-                            <a:latin typeface="Cambria Math" panose="02040503050406030204" pitchFamily="18" charset="0"/>
-                          </a:rPr>
-                        </m:ctrlPr>
-                      </m:sSubPr>
-                      <m:e>
-                        <m:r>
-                          <a:rPr lang="en-US" altLang="ko-KR" b="0" i="1" smtClean="0">
-                            <a:latin typeface="Cambria Math" panose="02040503050406030204" pitchFamily="18" charset="0"/>
-                          </a:rPr>
-                          <m:t>𝑝</m:t>
-                        </m:r>
-                      </m:e>
-                      <m:sub>
-                        <m:r>
-                          <a:rPr lang="en-US" altLang="ko-KR" b="0" i="1" smtClean="0">
-                            <a:latin typeface="Cambria Math" panose="02040503050406030204" pitchFamily="18" charset="0"/>
-                          </a:rPr>
-                          <m:t>2</m:t>
-                        </m:r>
-                      </m:sub>
-                    </m:sSub>
-                  </m:oMath>
-                </a14:m>
-                <a:r>
-                  <a:rPr lang="ko-KR" altLang="en-US"/>
-                  <a:t>일 때도 존재한다</a:t>
-                </a:r>
-                <a:r>
-                  <a:rPr lang="en-US" altLang="ko-KR"/>
-                  <a:t>.</a:t>
-                </a:r>
-              </a:p>
-              <a:p>
-                <a:r>
-                  <a:rPr lang="ko-KR" altLang="en-US"/>
-                  <a:t>따라서 중간에 무한클러스터의 존재여부가 바뀌는 지점 </a:t>
-                </a:r>
-                <a14:m>
-                  <m:oMath xmlns:m="http://schemas.openxmlformats.org/officeDocument/2006/math">
-                    <m:sSub>
-                      <m:sSubPr>
-                        <m:ctrlPr>
-                          <a:rPr lang="en-US" altLang="ko-KR" b="0" i="1" smtClean="0">
-                            <a:latin typeface="Cambria Math" panose="02040503050406030204" pitchFamily="18" charset="0"/>
-                          </a:rPr>
-                        </m:ctrlPr>
-                      </m:sSubPr>
-                      <m:e>
-                        <m:r>
-                          <a:rPr lang="en-US" altLang="ko-KR" b="0" i="1" smtClean="0">
-                            <a:latin typeface="Cambria Math" panose="02040503050406030204" pitchFamily="18" charset="0"/>
-                          </a:rPr>
-                          <m:t>𝑝</m:t>
-                        </m:r>
-                      </m:e>
-                      <m:sub>
-                        <m:r>
-                          <a:rPr lang="en-US" altLang="ko-KR" b="0" i="1" smtClean="0">
-                            <a:latin typeface="Cambria Math" panose="02040503050406030204" pitchFamily="18" charset="0"/>
-                          </a:rPr>
-                          <m:t>𝑐</m:t>
-                        </m:r>
-                      </m:sub>
-                    </m:sSub>
-                  </m:oMath>
-                </a14:m>
-                <a:r>
-                  <a:rPr lang="ko-KR" altLang="en-US"/>
-                  <a:t>가 반드시 존재한다</a:t>
-                </a:r>
-                <a:r>
-                  <a:rPr lang="en-US" altLang="ko-KR"/>
-                  <a:t>.</a:t>
-                </a:r>
-                <a:endParaRPr lang="ko-KR" altLang="en-US"/>
-              </a:p>
-            </p:txBody>
-          </p:sp>
-        </mc:Choice>
-        <mc:Fallback xmlns="">
-          <p:sp>
-            <p:nvSpPr>
-              <p:cNvPr id="3" name="내용 개체 틀 2">
-                <a:extLst>
-                  <a:ext uri="{FF2B5EF4-FFF2-40B4-BE49-F238E27FC236}">
-                    <a16:creationId xmlns:a16="http://schemas.microsoft.com/office/drawing/2014/main" id="{0AE7480B-9CDC-553B-8F34-0F6E92A7E7DA}"/>
-                  </a:ext>
-                </a:extLst>
-              </p:cNvPr>
-              <p:cNvSpPr>
-                <a:spLocks noGrp="1" noRot="1" noChangeAspect="1" noMove="1" noResize="1" noEditPoints="1" noAdjustHandles="1" noChangeArrowheads="1" noChangeShapeType="1" noTextEdit="1"/>
-              </p:cNvSpPr>
-              <p:nvPr>
-                <p:ph idx="1"/>
-              </p:nvPr>
-            </p:nvSpPr>
-            <p:spPr>
-              <a:blipFill>
-                <a:blip r:embed="rId2"/>
-                <a:stretch>
-                  <a:fillRect l="-1043" t="-2661" r="-1101"/>
-                </a:stretch>
-              </a:blipFill>
-            </p:spPr>
-            <p:txBody>
-              <a:bodyPr/>
-              <a:lstStyle/>
-              <a:p>
-                <a:r>
-                  <a:rPr lang="ko-KR" altLang="en-US">
-                    <a:noFill/>
-                  </a:rPr>
-                  <a:t> </a:t>
-                </a:r>
-              </a:p>
-            </p:txBody>
-          </p:sp>
-        </mc:Fallback>
-      </mc:AlternateContent>
-      <p:cxnSp>
-        <p:nvCxnSpPr>
-          <p:cNvPr id="5" name="직선 연결선 4">
-            <a:extLst>
-              <a:ext uri="{FF2B5EF4-FFF2-40B4-BE49-F238E27FC236}">
-                <a16:creationId xmlns:a16="http://schemas.microsoft.com/office/drawing/2014/main" id="{6C213882-96A3-5320-F309-E42B3A16D49A}"/>
-              </a:ext>
-            </a:extLst>
-          </p:cNvPr>
-          <p:cNvCxnSpPr>
-            <a:cxnSpLocks/>
-          </p:cNvCxnSpPr>
-          <p:nvPr/>
-        </p:nvCxnSpPr>
-        <p:spPr>
-          <a:xfrm>
-            <a:off x="3324045" y="5543909"/>
-            <a:ext cx="2937024" cy="0"/>
-          </a:xfrm>
-          <a:prstGeom prst="line">
-            <a:avLst/>
-          </a:prstGeom>
-          <a:ln w="57150">
-            <a:solidFill>
-              <a:srgbClr val="FF0000"/>
-            </a:solidFill>
-            <a:headEnd type="oval" w="lg" len="lg"/>
-            <a:tailEnd type="none" w="lg" len="lg"/>
-          </a:ln>
-        </p:spPr>
-        <p:style>
-          <a:lnRef idx="2">
-            <a:schemeClr val="accent1"/>
-          </a:lnRef>
-          <a:fillRef idx="0">
-            <a:schemeClr val="accent1"/>
-          </a:fillRef>
-          <a:effectRef idx="1">
-            <a:schemeClr val="accent1"/>
-          </a:effectRef>
-          <a:fontRef idx="minor">
-            <a:schemeClr val="tx1"/>
-          </a:fontRef>
-        </p:style>
-      </p:cxnSp>
-      <mc:AlternateContent xmlns:mc="http://schemas.openxmlformats.org/markup-compatibility/2006" xmlns:a14="http://schemas.microsoft.com/office/drawing/2010/main">
-        <mc:Choice Requires="a14">
-          <p:sp>
-            <p:nvSpPr>
-              <p:cNvPr id="8" name="TextBox 7">
-                <a:extLst>
-                  <a:ext uri="{FF2B5EF4-FFF2-40B4-BE49-F238E27FC236}">
-                    <a16:creationId xmlns:a16="http://schemas.microsoft.com/office/drawing/2014/main" id="{3D36C083-D83B-0CA5-A50D-1F4728B94727}"/>
-                  </a:ext>
-                </a:extLst>
-              </p:cNvPr>
-              <p:cNvSpPr txBox="1"/>
-              <p:nvPr/>
-            </p:nvSpPr>
-            <p:spPr>
-              <a:xfrm>
-                <a:off x="2827755" y="5800992"/>
-                <a:ext cx="992579" cy="461665"/>
-              </a:xfrm>
-              <a:prstGeom prst="rect">
-                <a:avLst/>
-              </a:prstGeom>
-              <a:noFill/>
-            </p:spPr>
-            <p:txBody>
-              <a:bodyPr wrap="none" rtlCol="0">
-                <a:spAutoFit/>
-              </a:bodyPr>
-              <a:lstStyle/>
-              <a:p>
-                <a:pPr/>
-                <a14:m>
-                  <m:oMathPara xmlns:m="http://schemas.openxmlformats.org/officeDocument/2006/math">
-                    <m:oMathParaPr>
-                      <m:jc m:val="centerGroup"/>
-                    </m:oMathParaPr>
-                    <m:oMath xmlns:m="http://schemas.openxmlformats.org/officeDocument/2006/math">
-                      <m:r>
-                        <a:rPr lang="en-US" altLang="ko-KR" sz="2400" b="0" i="1" smtClean="0">
-                          <a:latin typeface="Cambria Math" panose="02040503050406030204" pitchFamily="18" charset="0"/>
-                        </a:rPr>
-                        <m:t>𝑝</m:t>
-                      </m:r>
-                      <m:r>
-                        <a:rPr lang="en-US" altLang="ko-KR" sz="2400" b="0" i="1" smtClean="0">
-                          <a:latin typeface="Cambria Math" panose="02040503050406030204" pitchFamily="18" charset="0"/>
-                        </a:rPr>
-                        <m:t>=0</m:t>
-                      </m:r>
-                    </m:oMath>
-                  </m:oMathPara>
-                </a14:m>
-                <a:endParaRPr lang="ko-KR" altLang="en-US" sz="2400"/>
-              </a:p>
-            </p:txBody>
-          </p:sp>
-        </mc:Choice>
-        <mc:Fallback xmlns="">
-          <p:sp>
-            <p:nvSpPr>
-              <p:cNvPr id="8" name="TextBox 7">
-                <a:extLst>
-                  <a:ext uri="{FF2B5EF4-FFF2-40B4-BE49-F238E27FC236}">
-                    <a16:creationId xmlns:a16="http://schemas.microsoft.com/office/drawing/2014/main" id="{3D36C083-D83B-0CA5-A50D-1F4728B94727}"/>
-                  </a:ext>
-                </a:extLst>
-              </p:cNvPr>
-              <p:cNvSpPr txBox="1">
-                <a:spLocks noRot="1" noChangeAspect="1" noMove="1" noResize="1" noEditPoints="1" noAdjustHandles="1" noChangeArrowheads="1" noChangeShapeType="1" noTextEdit="1"/>
-              </p:cNvSpPr>
-              <p:nvPr/>
-            </p:nvSpPr>
-            <p:spPr>
-              <a:xfrm>
-                <a:off x="2827755" y="5800992"/>
-                <a:ext cx="992579" cy="461665"/>
-              </a:xfrm>
-              <a:prstGeom prst="rect">
-                <a:avLst/>
-              </a:prstGeom>
-              <a:blipFill>
-                <a:blip r:embed="rId3"/>
-                <a:stretch>
-                  <a:fillRect b="-9333"/>
-                </a:stretch>
-              </a:blipFill>
-            </p:spPr>
-            <p:txBody>
-              <a:bodyPr/>
-              <a:lstStyle/>
-              <a:p>
-                <a:r>
-                  <a:rPr lang="ko-KR" altLang="en-US">
-                    <a:noFill/>
-                  </a:rPr>
-                  <a:t> </a:t>
-                </a:r>
-              </a:p>
-            </p:txBody>
-          </p:sp>
-        </mc:Fallback>
-      </mc:AlternateContent>
-      <mc:AlternateContent xmlns:mc="http://schemas.openxmlformats.org/markup-compatibility/2006" xmlns:a14="http://schemas.microsoft.com/office/drawing/2010/main">
-        <mc:Choice Requires="a14">
-          <p:sp>
-            <p:nvSpPr>
-              <p:cNvPr id="9" name="TextBox 8">
-                <a:extLst>
-                  <a:ext uri="{FF2B5EF4-FFF2-40B4-BE49-F238E27FC236}">
-                    <a16:creationId xmlns:a16="http://schemas.microsoft.com/office/drawing/2014/main" id="{6DD145FD-2BDC-8F0B-983D-73ED68DA8D64}"/>
-                  </a:ext>
-                </a:extLst>
-              </p:cNvPr>
-              <p:cNvSpPr txBox="1"/>
-              <p:nvPr/>
-            </p:nvSpPr>
-            <p:spPr>
-              <a:xfrm>
-                <a:off x="8388918" y="5800992"/>
-                <a:ext cx="992579" cy="461665"/>
-              </a:xfrm>
-              <a:prstGeom prst="rect">
-                <a:avLst/>
-              </a:prstGeom>
-              <a:noFill/>
-            </p:spPr>
-            <p:txBody>
-              <a:bodyPr wrap="none" rtlCol="0">
-                <a:spAutoFit/>
-              </a:bodyPr>
-              <a:lstStyle/>
-              <a:p>
-                <a:pPr/>
-                <a14:m>
-                  <m:oMathPara xmlns:m="http://schemas.openxmlformats.org/officeDocument/2006/math">
-                    <m:oMathParaPr>
-                      <m:jc m:val="centerGroup"/>
-                    </m:oMathParaPr>
-                    <m:oMath xmlns:m="http://schemas.openxmlformats.org/officeDocument/2006/math">
-                      <m:r>
-                        <a:rPr lang="en-US" altLang="ko-KR" sz="2400" b="0" i="1" smtClean="0">
-                          <a:latin typeface="Cambria Math" panose="02040503050406030204" pitchFamily="18" charset="0"/>
-                        </a:rPr>
-                        <m:t>𝑝</m:t>
-                      </m:r>
-                      <m:r>
-                        <a:rPr lang="en-US" altLang="ko-KR" sz="2400" b="0" i="1" smtClean="0">
-                          <a:latin typeface="Cambria Math" panose="02040503050406030204" pitchFamily="18" charset="0"/>
-                        </a:rPr>
-                        <m:t>=1</m:t>
-                      </m:r>
-                    </m:oMath>
-                  </m:oMathPara>
-                </a14:m>
-                <a:endParaRPr lang="ko-KR" altLang="en-US" sz="2400"/>
-              </a:p>
-            </p:txBody>
-          </p:sp>
-        </mc:Choice>
-        <mc:Fallback xmlns="">
-          <p:sp>
-            <p:nvSpPr>
-              <p:cNvPr id="9" name="TextBox 8">
-                <a:extLst>
-                  <a:ext uri="{FF2B5EF4-FFF2-40B4-BE49-F238E27FC236}">
-                    <a16:creationId xmlns:a16="http://schemas.microsoft.com/office/drawing/2014/main" id="{6DD145FD-2BDC-8F0B-983D-73ED68DA8D64}"/>
-                  </a:ext>
-                </a:extLst>
-              </p:cNvPr>
-              <p:cNvSpPr txBox="1">
-                <a:spLocks noRot="1" noChangeAspect="1" noMove="1" noResize="1" noEditPoints="1" noAdjustHandles="1" noChangeArrowheads="1" noChangeShapeType="1" noTextEdit="1"/>
-              </p:cNvSpPr>
-              <p:nvPr/>
-            </p:nvSpPr>
-            <p:spPr>
-              <a:xfrm>
-                <a:off x="8388918" y="5800992"/>
-                <a:ext cx="992579" cy="461665"/>
-              </a:xfrm>
-              <a:prstGeom prst="rect">
-                <a:avLst/>
-              </a:prstGeom>
-              <a:blipFill>
-                <a:blip r:embed="rId4"/>
-                <a:stretch>
-                  <a:fillRect b="-9333"/>
-                </a:stretch>
-              </a:blipFill>
-            </p:spPr>
-            <p:txBody>
-              <a:bodyPr/>
-              <a:lstStyle/>
-              <a:p>
-                <a:r>
-                  <a:rPr lang="ko-KR" altLang="en-US">
-                    <a:noFill/>
-                  </a:rPr>
-                  <a:t> </a:t>
-                </a:r>
-              </a:p>
-            </p:txBody>
-          </p:sp>
-        </mc:Fallback>
-      </mc:AlternateContent>
-      <p:cxnSp>
-        <p:nvCxnSpPr>
-          <p:cNvPr id="11" name="직선 연결선 10">
-            <a:extLst>
-              <a:ext uri="{FF2B5EF4-FFF2-40B4-BE49-F238E27FC236}">
-                <a16:creationId xmlns:a16="http://schemas.microsoft.com/office/drawing/2014/main" id="{AF80973B-7B54-29A6-DA1A-73C0086CBF77}"/>
-              </a:ext>
-            </a:extLst>
-          </p:cNvPr>
-          <p:cNvCxnSpPr>
-            <a:cxnSpLocks/>
-          </p:cNvCxnSpPr>
-          <p:nvPr/>
-        </p:nvCxnSpPr>
-        <p:spPr>
-          <a:xfrm>
-            <a:off x="6261069" y="5543909"/>
-            <a:ext cx="2536166" cy="0"/>
-          </a:xfrm>
-          <a:prstGeom prst="line">
-            <a:avLst/>
-          </a:prstGeom>
-          <a:ln w="57150">
-            <a:solidFill>
-              <a:srgbClr val="0070C0"/>
-            </a:solidFill>
-            <a:headEnd type="none" w="lg" len="lg"/>
-            <a:tailEnd type="oval" w="lg" len="lg"/>
-          </a:ln>
-        </p:spPr>
-        <p:style>
-          <a:lnRef idx="2">
-            <a:schemeClr val="accent1"/>
-          </a:lnRef>
-          <a:fillRef idx="0">
-            <a:schemeClr val="accent1"/>
-          </a:fillRef>
-          <a:effectRef idx="1">
-            <a:schemeClr val="accent1"/>
-          </a:effectRef>
-          <a:fontRef idx="minor">
-            <a:schemeClr val="tx1"/>
-          </a:fontRef>
-        </p:style>
-      </p:cxnSp>
-      <p:cxnSp>
-        <p:nvCxnSpPr>
-          <p:cNvPr id="14" name="직선 연결선 13">
-            <a:extLst>
-              <a:ext uri="{FF2B5EF4-FFF2-40B4-BE49-F238E27FC236}">
-                <a16:creationId xmlns:a16="http://schemas.microsoft.com/office/drawing/2014/main" id="{56B8CED6-BDA6-EEA4-63F6-31FD3ACF2FF7}"/>
-              </a:ext>
-            </a:extLst>
-          </p:cNvPr>
-          <p:cNvCxnSpPr>
-            <a:cxnSpLocks/>
-          </p:cNvCxnSpPr>
-          <p:nvPr/>
-        </p:nvCxnSpPr>
-        <p:spPr>
-          <a:xfrm>
-            <a:off x="6261069" y="4856446"/>
-            <a:ext cx="0" cy="1374925"/>
-          </a:xfrm>
-          <a:prstGeom prst="line">
-            <a:avLst/>
-          </a:prstGeom>
-        </p:spPr>
-        <p:style>
-          <a:lnRef idx="2">
-            <a:schemeClr val="accent1"/>
-          </a:lnRef>
-          <a:fillRef idx="0">
-            <a:schemeClr val="accent1"/>
-          </a:fillRef>
-          <a:effectRef idx="1">
-            <a:schemeClr val="accent1"/>
-          </a:effectRef>
-          <a:fontRef idx="minor">
-            <a:schemeClr val="tx1"/>
-          </a:fontRef>
-        </p:style>
-      </p:cxnSp>
-      <p:sp>
-        <p:nvSpPr>
-          <p:cNvPr id="17" name="TextBox 16">
-            <a:extLst>
-              <a:ext uri="{FF2B5EF4-FFF2-40B4-BE49-F238E27FC236}">
-                <a16:creationId xmlns:a16="http://schemas.microsoft.com/office/drawing/2014/main" id="{70B8268B-81B7-BA28-BB9E-D7B62FE66C41}"/>
-              </a:ext>
-            </a:extLst>
-          </p:cNvPr>
-          <p:cNvSpPr txBox="1"/>
-          <p:nvPr/>
-        </p:nvSpPr>
-        <p:spPr>
-          <a:xfrm>
-            <a:off x="4026267" y="5692863"/>
-            <a:ext cx="2124299" cy="646331"/>
-          </a:xfrm>
-          <a:prstGeom prst="rect">
-            <a:avLst/>
-          </a:prstGeom>
-          <a:noFill/>
-        </p:spPr>
-        <p:txBody>
-          <a:bodyPr wrap="none" rtlCol="0">
-            <a:spAutoFit/>
-          </a:bodyPr>
-          <a:lstStyle/>
-          <a:p>
-            <a:r>
-              <a:rPr lang="ko-KR" altLang="en-US"/>
-              <a:t>무한 클러스터 존재</a:t>
-            </a:r>
-            <a:endParaRPr lang="en-US" altLang="ko-KR"/>
-          </a:p>
-          <a:p>
-            <a:r>
-              <a:rPr lang="ko-KR" altLang="en-US"/>
-              <a:t>안 함</a:t>
-            </a:r>
-          </a:p>
-        </p:txBody>
-      </p:sp>
-      <p:sp>
-        <p:nvSpPr>
-          <p:cNvPr id="18" name="TextBox 17">
-            <a:extLst>
-              <a:ext uri="{FF2B5EF4-FFF2-40B4-BE49-F238E27FC236}">
-                <a16:creationId xmlns:a16="http://schemas.microsoft.com/office/drawing/2014/main" id="{92946729-DE40-4DED-CD63-EE2BB217C6AB}"/>
-              </a:ext>
-            </a:extLst>
-          </p:cNvPr>
-          <p:cNvSpPr txBox="1"/>
-          <p:nvPr/>
-        </p:nvSpPr>
-        <p:spPr>
-          <a:xfrm>
-            <a:off x="6356499" y="5692863"/>
-            <a:ext cx="2355132" cy="369332"/>
-          </a:xfrm>
-          <a:prstGeom prst="rect">
-            <a:avLst/>
-          </a:prstGeom>
-          <a:noFill/>
-        </p:spPr>
-        <p:txBody>
-          <a:bodyPr wrap="none" rtlCol="0">
-            <a:spAutoFit/>
-          </a:bodyPr>
-          <a:lstStyle/>
-          <a:p>
-            <a:r>
-              <a:rPr lang="ko-KR" altLang="en-US"/>
-              <a:t>무한 클러스터 존재함</a:t>
-            </a:r>
-          </a:p>
-        </p:txBody>
-      </p:sp>
-      <mc:AlternateContent xmlns:mc="http://schemas.openxmlformats.org/markup-compatibility/2006" xmlns:a14="http://schemas.microsoft.com/office/drawing/2010/main">
-        <mc:Choice Requires="a14">
-          <p:sp>
-            <p:nvSpPr>
-              <p:cNvPr id="19" name="TextBox 18">
-                <a:extLst>
-                  <a:ext uri="{FF2B5EF4-FFF2-40B4-BE49-F238E27FC236}">
-                    <a16:creationId xmlns:a16="http://schemas.microsoft.com/office/drawing/2014/main" id="{10B4AFA9-0C39-62B0-FFD3-63C9EDD8D59F}"/>
-                  </a:ext>
-                </a:extLst>
-              </p:cNvPr>
-              <p:cNvSpPr txBox="1"/>
-              <p:nvPr/>
-            </p:nvSpPr>
-            <p:spPr>
-              <a:xfrm>
-                <a:off x="6096000" y="6325916"/>
-                <a:ext cx="450188" cy="369332"/>
-              </a:xfrm>
-              <a:prstGeom prst="rect">
-                <a:avLst/>
-              </a:prstGeom>
-              <a:noFill/>
-            </p:spPr>
-            <p:txBody>
-              <a:bodyPr wrap="none" rtlCol="0">
-                <a:spAutoFit/>
-              </a:bodyPr>
-              <a:lstStyle/>
-              <a:p>
-                <a:pPr/>
-                <a14:m>
-                  <m:oMathPara xmlns:m="http://schemas.openxmlformats.org/officeDocument/2006/math">
-                    <m:oMathParaPr>
-                      <m:jc m:val="centerGroup"/>
-                    </m:oMathParaPr>
-                    <m:oMath xmlns:m="http://schemas.openxmlformats.org/officeDocument/2006/math">
-                      <m:sSub>
-                        <m:sSubPr>
-                          <m:ctrlPr>
-                            <a:rPr lang="en-US" altLang="ko-KR" b="0" i="1" smtClean="0">
-                              <a:latin typeface="Cambria Math" panose="02040503050406030204" pitchFamily="18" charset="0"/>
-                            </a:rPr>
-                          </m:ctrlPr>
-                        </m:sSubPr>
-                        <m:e>
-                          <m:r>
-                            <a:rPr lang="en-US" altLang="ko-KR" b="0" i="1" smtClean="0">
-                              <a:latin typeface="Cambria Math" panose="02040503050406030204" pitchFamily="18" charset="0"/>
-                            </a:rPr>
-                            <m:t>𝑝</m:t>
-                          </m:r>
-                        </m:e>
-                        <m:sub>
-                          <m:r>
-                            <a:rPr lang="en-US" altLang="ko-KR" b="0" i="1" smtClean="0">
-                              <a:latin typeface="Cambria Math" panose="02040503050406030204" pitchFamily="18" charset="0"/>
-                            </a:rPr>
-                            <m:t>𝑐</m:t>
-                          </m:r>
-                        </m:sub>
-                      </m:sSub>
-                    </m:oMath>
-                  </m:oMathPara>
-                </a14:m>
-                <a:endParaRPr lang="ko-KR" altLang="en-US"/>
-              </a:p>
-            </p:txBody>
-          </p:sp>
-        </mc:Choice>
-        <mc:Fallback xmlns="">
-          <p:sp>
-            <p:nvSpPr>
-              <p:cNvPr id="19" name="TextBox 18">
-                <a:extLst>
-                  <a:ext uri="{FF2B5EF4-FFF2-40B4-BE49-F238E27FC236}">
-                    <a16:creationId xmlns:a16="http://schemas.microsoft.com/office/drawing/2014/main" id="{10B4AFA9-0C39-62B0-FFD3-63C9EDD8D59F}"/>
-                  </a:ext>
-                </a:extLst>
-              </p:cNvPr>
-              <p:cNvSpPr txBox="1">
-                <a:spLocks noRot="1" noChangeAspect="1" noMove="1" noResize="1" noEditPoints="1" noAdjustHandles="1" noChangeArrowheads="1" noChangeShapeType="1" noTextEdit="1"/>
-              </p:cNvSpPr>
-              <p:nvPr/>
-            </p:nvSpPr>
-            <p:spPr>
-              <a:xfrm>
-                <a:off x="6096000" y="6325916"/>
-                <a:ext cx="450188" cy="369332"/>
-              </a:xfrm>
-              <a:prstGeom prst="rect">
-                <a:avLst/>
-              </a:prstGeom>
-              <a:blipFill>
-                <a:blip r:embed="rId5"/>
-                <a:stretch>
-                  <a:fillRect b="-6667"/>
-                </a:stretch>
-              </a:blipFill>
-            </p:spPr>
-            <p:txBody>
-              <a:bodyPr/>
-              <a:lstStyle/>
-              <a:p>
-                <a:r>
-                  <a:rPr lang="ko-KR" altLang="en-US">
-                    <a:noFill/>
-                  </a:rPr>
-                  <a:t> </a:t>
-                </a:r>
-              </a:p>
-            </p:txBody>
-          </p:sp>
-        </mc:Fallback>
-      </mc:AlternateContent>
-    </p:spTree>
-    <p:extLst>
-      <p:ext uri="{BB962C8B-B14F-4D97-AF65-F5344CB8AC3E}">
-        <p14:creationId xmlns:p14="http://schemas.microsoft.com/office/powerpoint/2010/main" val="2141899415"/>
-      </p:ext>
-    </p:extLst>
-  </p:cSld>
-  <p:clrMapOvr>
-    <a:masterClrMapping/>
-  </p:clrMapOvr>
-</p:sld>
-</file>
-
-<file path=ppt/slides/slide12.xml><?xml version="1.0" encoding="utf-8"?>
-<p:sld xmlns:a="http://schemas.openxmlformats.org/drawingml/2006/main" xmlns:r="http://schemas.openxmlformats.org/officeDocument/2006/relationships" xmlns:p="http://schemas.openxmlformats.org/presentationml/2006/main">
-  <p:cSld>
-    <p:spTree>
-      <p:nvGrpSpPr>
-        <p:cNvPr id="1" name=""/>
-        <p:cNvGrpSpPr/>
-        <p:nvPr/>
-      </p:nvGrpSpPr>
-      <p:grpSpPr>
-        <a:xfrm>
-          <a:off x="0" y="0"/>
-          <a:ext cx="0" cy="0"/>
-          <a:chOff x="0" y="0"/>
-          <a:chExt cx="0" cy="0"/>
-        </a:xfrm>
-      </p:grpSpPr>
-      <mc:AlternateContent xmlns:mc="http://schemas.openxmlformats.org/markup-compatibility/2006">
-        <mc:Choice xmlns:a14="http://schemas.microsoft.com/office/drawing/2010/main" Requires="a14">
-          <p:sp>
-            <p:nvSpPr>
-              <p:cNvPr id="2" name="제목 1">
-                <a:extLst>
-                  <a:ext uri="{FF2B5EF4-FFF2-40B4-BE49-F238E27FC236}">
-                    <a16:creationId xmlns:a16="http://schemas.microsoft.com/office/drawing/2014/main" id="{07B7B829-9A14-14C5-6B1D-6D8B128B6164}"/>
-                  </a:ext>
-                </a:extLst>
-              </p:cNvPr>
-              <p:cNvSpPr>
-                <a:spLocks noGrp="1"/>
-              </p:cNvSpPr>
-              <p:nvPr>
-                <p:ph type="title"/>
-              </p:nvPr>
-            </p:nvSpPr>
-            <p:spPr/>
-            <p:txBody>
-              <a:bodyPr/>
-              <a:lstStyle/>
-              <a:p>
-                <a14:m>
-                  <m:oMath xmlns:m="http://schemas.openxmlformats.org/officeDocument/2006/math">
-                    <m:sSub>
-                      <m:sSubPr>
-                        <m:ctrlPr>
-                          <a:rPr lang="en-US" altLang="ko-KR" b="0" i="1" smtClean="0">
-                            <a:latin typeface="Cambria Math" panose="02040503050406030204" pitchFamily="18" charset="0"/>
-                          </a:rPr>
-                        </m:ctrlPr>
-                      </m:sSubPr>
-                      <m:e>
-                        <m:r>
-                          <a:rPr lang="en-US" altLang="ko-KR" b="0" i="1" smtClean="0">
-                            <a:latin typeface="Cambria Math" panose="02040503050406030204" pitchFamily="18" charset="0"/>
-                          </a:rPr>
-                          <m:t>𝑝</m:t>
-                        </m:r>
-                      </m:e>
-                      <m:sub>
-                        <m:r>
-                          <a:rPr lang="en-US" altLang="ko-KR" b="0" i="1" smtClean="0">
-                            <a:latin typeface="Cambria Math" panose="02040503050406030204" pitchFamily="18" charset="0"/>
-                          </a:rPr>
-                          <m:t>𝑐</m:t>
-                        </m:r>
-                      </m:sub>
-                    </m:sSub>
-                    <m:r>
-                      <a:rPr lang="en-US" altLang="ko-KR" b="0" i="1" smtClean="0">
-                        <a:latin typeface="Cambria Math" panose="02040503050406030204" pitchFamily="18" charset="0"/>
-                      </a:rPr>
-                      <m:t>=0.5</m:t>
-                    </m:r>
-                    <m:r>
-                      <a:rPr lang="en-US" altLang="ko-KR" b="0" i="0" smtClean="0">
-                        <a:latin typeface="Cambria Math" panose="02040503050406030204" pitchFamily="18" charset="0"/>
-                      </a:rPr>
-                      <m:t> </m:t>
-                    </m:r>
-                    <m:r>
-                      <a:rPr lang="ko-KR" altLang="en-US" i="1">
-                        <a:latin typeface="Cambria Math" panose="02040503050406030204" pitchFamily="18" charset="0"/>
-                      </a:rPr>
-                      <m:t>증</m:t>
-                    </m:r>
-                  </m:oMath>
-                </a14:m>
-                <a:r>
-                  <a:rPr lang="ko-KR" altLang="en-US"/>
-                  <a:t>명</a:t>
-                </a:r>
-                <a:r>
-                  <a:rPr lang="en-US" altLang="ko-KR"/>
-                  <a:t> – </a:t>
-                </a:r>
-                <a:r>
-                  <a:rPr lang="ko-KR" altLang="en-US"/>
-                  <a:t>듀얼 그래프 정의</a:t>
-                </a:r>
-              </a:p>
-            </p:txBody>
-          </p:sp>
-        </mc:Choice>
-        <mc:Fallback>
-          <p:sp>
-            <p:nvSpPr>
-              <p:cNvPr id="2" name="제목 1">
-                <a:extLst>
-                  <a:ext uri="{FF2B5EF4-FFF2-40B4-BE49-F238E27FC236}">
-                    <a16:creationId xmlns:a16="http://schemas.microsoft.com/office/drawing/2014/main" id="{07B7B829-9A14-14C5-6B1D-6D8B128B6164}"/>
-                  </a:ext>
-                </a:extLst>
-              </p:cNvPr>
-              <p:cNvSpPr>
-                <a:spLocks noGrp="1" noRot="1" noChangeAspect="1" noMove="1" noResize="1" noEditPoints="1" noAdjustHandles="1" noChangeArrowheads="1" noChangeShapeType="1" noTextEdit="1"/>
-              </p:cNvSpPr>
-              <p:nvPr>
-                <p:ph type="title"/>
-              </p:nvPr>
-            </p:nvSpPr>
-            <p:spPr>
-              <a:blipFill>
-                <a:blip r:embed="rId2"/>
-                <a:stretch>
-                  <a:fillRect/>
-                </a:stretch>
-              </a:blipFill>
-            </p:spPr>
-            <p:txBody>
-              <a:bodyPr/>
-              <a:lstStyle/>
-              <a:p>
-                <a:r>
-                  <a:rPr lang="ko-KR" altLang="en-US">
-                    <a:noFill/>
-                  </a:rPr>
-                  <a:t> </a:t>
-                </a:r>
-              </a:p>
-            </p:txBody>
-          </p:sp>
-        </mc:Fallback>
-      </mc:AlternateContent>
-      <p:sp>
-        <p:nvSpPr>
-          <p:cNvPr id="3" name="내용 개체 틀 2">
-            <a:extLst>
-              <a:ext uri="{FF2B5EF4-FFF2-40B4-BE49-F238E27FC236}">
-                <a16:creationId xmlns:a16="http://schemas.microsoft.com/office/drawing/2014/main" id="{BD8E0D52-218C-31D2-7DCD-2F6707F2420B}"/>
-              </a:ext>
-            </a:extLst>
-          </p:cNvPr>
-          <p:cNvSpPr>
-            <a:spLocks noGrp="1"/>
-          </p:cNvSpPr>
-          <p:nvPr>
-            <p:ph idx="1"/>
-          </p:nvPr>
-        </p:nvSpPr>
-        <p:spPr>
-          <a:xfrm>
-            <a:off x="838200" y="1825624"/>
-            <a:ext cx="10515600" cy="2974975"/>
-          </a:xfrm>
-        </p:spPr>
-        <p:txBody>
-          <a:bodyPr>
-            <a:normAutofit/>
-          </a:bodyPr>
-          <a:lstStyle/>
-          <a:p>
-            <a:r>
-              <a:rPr lang="ko-KR" altLang="en-US"/>
-              <a:t>상전이가 발생하는 임계값이 </a:t>
-            </a:r>
-            <a:r>
-              <a:rPr lang="en-US" altLang="ko-KR"/>
-              <a:t>0.5</a:t>
-            </a:r>
-            <a:r>
-              <a:rPr lang="ko-KR" altLang="en-US"/>
-              <a:t>임을 증명하기 위해 </a:t>
-            </a:r>
-            <a:r>
-              <a:rPr lang="en-US" altLang="ko-KR"/>
-              <a:t>“</a:t>
-            </a:r>
-            <a:r>
-              <a:rPr lang="ko-KR" altLang="en-US"/>
-              <a:t>듀얼 그래프</a:t>
-            </a:r>
-            <a:r>
-              <a:rPr lang="en-US" altLang="ko-KR"/>
-              <a:t>”</a:t>
-            </a:r>
-            <a:r>
-              <a:rPr lang="ko-KR" altLang="en-US"/>
-              <a:t>를 정의한다</a:t>
-            </a:r>
-            <a:r>
-              <a:rPr lang="en-US" altLang="ko-KR"/>
-              <a:t>.</a:t>
-            </a:r>
-          </a:p>
-          <a:p>
-            <a:r>
-              <a:rPr lang="ko-KR" altLang="en-US"/>
-              <a:t>듀얼 그래프 </a:t>
-            </a:r>
-            <a:r>
-              <a:rPr lang="en-US" altLang="ko-KR"/>
-              <a:t>: </a:t>
-            </a:r>
-            <a:r>
-              <a:rPr lang="ko-KR" altLang="en-US"/>
-              <a:t>기존 그래프 </a:t>
-            </a:r>
-            <a:r>
-              <a:rPr lang="en-US" altLang="ko-KR"/>
-              <a:t>G</a:t>
-            </a:r>
-            <a:r>
-              <a:rPr lang="ko-KR" altLang="en-US"/>
-              <a:t>에 대해 정점과 간선을 다음과 같이 정의한 그래프</a:t>
-            </a:r>
-            <a:endParaRPr lang="en-US" altLang="ko-KR"/>
-          </a:p>
-          <a:p>
-            <a:pPr lvl="1"/>
-            <a:r>
-              <a:rPr lang="en-US" altLang="ko-KR"/>
-              <a:t>G*</a:t>
-            </a:r>
-            <a:r>
-              <a:rPr lang="ko-KR" altLang="en-US"/>
-              <a:t>의 정점 </a:t>
-            </a:r>
-            <a:r>
-              <a:rPr lang="en-US" altLang="ko-KR">
-                <a:sym typeface="Wingdings" panose="05000000000000000000" pitchFamily="2" charset="2"/>
-              </a:rPr>
-              <a:t> </a:t>
-            </a:r>
-            <a:r>
-              <a:rPr lang="en-US" altLang="ko-KR"/>
-              <a:t>G</a:t>
-            </a:r>
-            <a:r>
-              <a:rPr lang="ko-KR" altLang="en-US"/>
-              <a:t>의 </a:t>
-            </a:r>
-            <a:r>
-              <a:rPr lang="en-US" altLang="ko-KR"/>
-              <a:t>1*1 </a:t>
-            </a:r>
-            <a:r>
-              <a:rPr lang="ko-KR" altLang="en-US"/>
-              <a:t>격자면</a:t>
-            </a:r>
-            <a:endParaRPr lang="en-US" altLang="ko-KR"/>
-          </a:p>
-          <a:p>
-            <a:pPr lvl="1"/>
-            <a:r>
-              <a:rPr lang="en-US" altLang="ko-KR"/>
-              <a:t>G*</a:t>
-            </a:r>
-            <a:r>
-              <a:rPr lang="ko-KR" altLang="en-US"/>
-              <a:t>의 간선 </a:t>
-            </a:r>
-            <a:r>
-              <a:rPr lang="en-US" altLang="ko-KR">
-                <a:sym typeface="Wingdings" panose="05000000000000000000" pitchFamily="2" charset="2"/>
-              </a:rPr>
-              <a:t> G</a:t>
-            </a:r>
-            <a:r>
-              <a:rPr lang="ko-KR" altLang="en-US">
-                <a:sym typeface="Wingdings" panose="05000000000000000000" pitchFamily="2" charset="2"/>
-              </a:rPr>
-              <a:t>에서 인접한 면 사이에 간선이 없을 때 </a:t>
-            </a:r>
-            <a:r>
-              <a:rPr lang="en-US" altLang="ko-KR">
-                <a:sym typeface="Wingdings" panose="05000000000000000000" pitchFamily="2" charset="2"/>
-              </a:rPr>
-              <a:t>G*</a:t>
-            </a:r>
-            <a:r>
-              <a:rPr lang="ko-KR" altLang="en-US">
-                <a:sym typeface="Wingdings" panose="05000000000000000000" pitchFamily="2" charset="2"/>
-              </a:rPr>
-              <a:t>에 간선 존재</a:t>
-            </a:r>
-            <a:endParaRPr lang="en-US" altLang="ko-KR">
-              <a:sym typeface="Wingdings" panose="05000000000000000000" pitchFamily="2" charset="2"/>
-            </a:endParaRPr>
-          </a:p>
-          <a:p>
-            <a:pPr lvl="1"/>
-            <a:r>
-              <a:rPr lang="ko-KR" altLang="en-US">
-                <a:sym typeface="Wingdings" panose="05000000000000000000" pitchFamily="2" charset="2"/>
-              </a:rPr>
-              <a:t>간선 </a:t>
-            </a:r>
-            <a:r>
-              <a:rPr lang="en-US" altLang="ko-KR">
-                <a:sym typeface="Wingdings" panose="05000000000000000000" pitchFamily="2" charset="2"/>
-              </a:rPr>
-              <a:t>e* </a:t>
-            </a:r>
-            <a:r>
-              <a:rPr lang="ko-KR" altLang="en-US">
-                <a:sym typeface="Wingdings" panose="05000000000000000000" pitchFamily="2" charset="2"/>
-              </a:rPr>
-              <a:t>의 가중치 </a:t>
-            </a:r>
-            <a:r>
-              <a:rPr lang="en-US" altLang="ko-KR">
-                <a:sym typeface="Wingdings" panose="05000000000000000000" pitchFamily="2" charset="2"/>
-              </a:rPr>
-              <a:t>= 1 – (e</a:t>
-            </a:r>
-            <a:r>
-              <a:rPr lang="ko-KR" altLang="en-US">
-                <a:sym typeface="Wingdings" panose="05000000000000000000" pitchFamily="2" charset="2"/>
-              </a:rPr>
-              <a:t>의 가중치</a:t>
-            </a:r>
-            <a:r>
-              <a:rPr lang="en-US" altLang="ko-KR">
-                <a:sym typeface="Wingdings" panose="05000000000000000000" pitchFamily="2" charset="2"/>
-              </a:rPr>
-              <a:t>)</a:t>
-            </a:r>
-            <a:endParaRPr lang="en-US" altLang="ko-KR"/>
-          </a:p>
-          <a:p>
-            <a:endParaRPr lang="en-US" altLang="ko-KR"/>
-          </a:p>
-        </p:txBody>
-      </p:sp>
-    </p:spTree>
-    <p:extLst>
-      <p:ext uri="{BB962C8B-B14F-4D97-AF65-F5344CB8AC3E}">
-        <p14:creationId xmlns:p14="http://schemas.microsoft.com/office/powerpoint/2010/main" val="1746490200"/>
-      </p:ext>
-    </p:extLst>
-  </p:cSld>
-  <p:clrMapOvr>
-    <a:masterClrMapping/>
-  </p:clrMapOvr>
-</p:sld>
-</file>
-
-<file path=ppt/slides/slide13.xml><?xml version="1.0" encoding="utf-8"?>
-<p:sld xmlns:a="http://schemas.openxmlformats.org/drawingml/2006/main" xmlns:r="http://schemas.openxmlformats.org/officeDocument/2006/relationships" xmlns:p="http://schemas.openxmlformats.org/presentationml/2006/main">
-  <p:cSld>
-    <p:spTree>
-      <p:nvGrpSpPr>
         <p:cNvPr id="1" name=""/>
         <p:cNvGrpSpPr/>
         <p:nvPr/>
@@ -5239,7 +3638,7 @@
         </p:nvGrpSpPr>
         <p:grpSpPr>
           <a:xfrm>
-            <a:off x="1466546" y="1940445"/>
+            <a:off x="2149367" y="1146814"/>
             <a:ext cx="3404105" cy="3417350"/>
             <a:chOff x="1548384" y="2894550"/>
             <a:chExt cx="3404105" cy="3417350"/>
@@ -6746,7 +5145,7 @@
         </p:nvGrpSpPr>
         <p:grpSpPr>
           <a:xfrm>
-            <a:off x="1945344" y="2440014"/>
+            <a:off x="2628165" y="1646383"/>
             <a:ext cx="2395726" cy="2361111"/>
             <a:chOff x="4993765" y="2317945"/>
             <a:chExt cx="2395726" cy="2361111"/>
@@ -7503,9 +5902,9 @@
         </p:nvGrpSpPr>
         <p:grpSpPr>
           <a:xfrm>
-            <a:off x="2117210" y="2593307"/>
+            <a:off x="2800031" y="1799676"/>
             <a:ext cx="2051994" cy="2054525"/>
-            <a:chOff x="2117210" y="2593307"/>
+            <a:chOff x="2800031" y="1799676"/>
             <a:chExt cx="2051994" cy="2054525"/>
           </a:xfrm>
         </p:grpSpPr>
@@ -7527,7 +5926,7 @@
           </p:nvCxnSpPr>
           <p:spPr>
             <a:xfrm>
-              <a:off x="2309895" y="2593307"/>
+              <a:off x="2992716" y="1799676"/>
               <a:ext cx="330872" cy="0"/>
             </a:xfrm>
             <a:prstGeom prst="line">
@@ -7567,7 +5966,7 @@
           </p:nvCxnSpPr>
           <p:spPr>
             <a:xfrm>
-              <a:off x="2838798" y="3462774"/>
+              <a:off x="3521619" y="2669143"/>
               <a:ext cx="0" cy="417836"/>
             </a:xfrm>
             <a:prstGeom prst="line">
@@ -7607,7 +6006,7 @@
           </p:nvCxnSpPr>
           <p:spPr>
             <a:xfrm>
-              <a:off x="2117210" y="4161278"/>
+              <a:off x="2800031" y="3367647"/>
               <a:ext cx="0" cy="333261"/>
             </a:xfrm>
             <a:prstGeom prst="line">
@@ -7647,7 +6046,7 @@
           </p:nvCxnSpPr>
           <p:spPr>
             <a:xfrm>
-              <a:off x="2289076" y="4647832"/>
+              <a:off x="2971897" y="3854201"/>
               <a:ext cx="388279" cy="0"/>
             </a:xfrm>
             <a:prstGeom prst="line">
@@ -7687,7 +6086,7 @@
           </p:nvCxnSpPr>
           <p:spPr>
             <a:xfrm>
-              <a:off x="2838798" y="4187196"/>
+              <a:off x="3521619" y="3393565"/>
               <a:ext cx="10423" cy="307343"/>
             </a:xfrm>
             <a:prstGeom prst="line">
@@ -7727,7 +6126,7 @@
           </p:nvCxnSpPr>
           <p:spPr>
             <a:xfrm>
-              <a:off x="3021087" y="4647832"/>
+              <a:off x="3703908" y="3854201"/>
               <a:ext cx="337506" cy="0"/>
             </a:xfrm>
             <a:prstGeom prst="line">
@@ -7767,7 +6166,7 @@
           </p:nvCxnSpPr>
           <p:spPr>
             <a:xfrm>
-              <a:off x="3702325" y="4647832"/>
+              <a:off x="4385146" y="3854201"/>
               <a:ext cx="295013" cy="0"/>
             </a:xfrm>
             <a:prstGeom prst="line">
@@ -7807,7 +6206,7 @@
           </p:nvCxnSpPr>
           <p:spPr>
             <a:xfrm>
-              <a:off x="4169204" y="2746600"/>
+              <a:off x="4852025" y="1952969"/>
               <a:ext cx="0" cy="393476"/>
             </a:xfrm>
             <a:prstGeom prst="line">
@@ -7845,7 +6244,7 @@
         </p:nvSpPr>
         <p:spPr>
           <a:xfrm>
-            <a:off x="7835900" y="2498960"/>
+            <a:off x="9020282" y="2351490"/>
             <a:ext cx="241300" cy="241300"/>
           </a:xfrm>
           <a:prstGeom prst="ellipse">
@@ -7897,7 +6296,7 @@
         </p:nvSpPr>
         <p:spPr>
           <a:xfrm>
-            <a:off x="7835900" y="4119030"/>
+            <a:off x="9020282" y="3971560"/>
             <a:ext cx="241300" cy="241300"/>
           </a:xfrm>
           <a:prstGeom prst="ellipse">
@@ -7952,7 +6351,7 @@
         </p:nvCxnSpPr>
         <p:spPr>
           <a:xfrm>
-            <a:off x="7956550" y="2740260"/>
+            <a:off x="9140932" y="2592790"/>
             <a:ext cx="0" cy="1378770"/>
           </a:xfrm>
           <a:prstGeom prst="line">
@@ -7993,7 +6392,7 @@
         </p:nvSpPr>
         <p:spPr>
           <a:xfrm>
-            <a:off x="7013804" y="3359059"/>
+            <a:off x="8198186" y="3211589"/>
             <a:ext cx="241300" cy="241300"/>
           </a:xfrm>
           <a:prstGeom prst="ellipse">
@@ -8051,7 +6450,7 @@
         </p:nvSpPr>
         <p:spPr>
           <a:xfrm>
-            <a:off x="8616951" y="3359059"/>
+            <a:off x="9801333" y="3211589"/>
             <a:ext cx="241300" cy="241300"/>
           </a:xfrm>
           <a:prstGeom prst="ellipse">
@@ -8113,7 +6512,7 @@
         </p:nvCxnSpPr>
         <p:spPr>
           <a:xfrm>
-            <a:off x="7255104" y="3479709"/>
+            <a:off x="8439486" y="3332239"/>
             <a:ext cx="1361847" cy="0"/>
           </a:xfrm>
           <a:prstGeom prst="line">
@@ -8142,8 +6541,8 @@
           </a:fontRef>
         </p:style>
       </p:cxnSp>
-      <mc:AlternateContent xmlns:mc="http://schemas.openxmlformats.org/markup-compatibility/2006">
-        <mc:Choice xmlns:a14="http://schemas.microsoft.com/office/drawing/2010/main" Requires="a14">
+      <mc:AlternateContent xmlns:mc="http://schemas.openxmlformats.org/markup-compatibility/2006" xmlns:a14="http://schemas.microsoft.com/office/drawing/2010/main">
+        <mc:Choice Requires="a14">
           <p:sp>
             <p:nvSpPr>
               <p:cNvPr id="143" name="TextBox 142">
@@ -8158,7 +6557,7 @@
             </p:nvSpPr>
             <p:spPr>
               <a:xfrm>
-                <a:off x="7936027" y="2858272"/>
+                <a:off x="9120409" y="2710802"/>
                 <a:ext cx="483850" cy="461665"/>
               </a:xfrm>
               <a:prstGeom prst="rect">
@@ -8193,7 +6592,7 @@
             </p:txBody>
           </p:sp>
         </mc:Choice>
-        <mc:Fallback>
+        <mc:Fallback xmlns="">
           <p:sp>
             <p:nvSpPr>
               <p:cNvPr id="143" name="TextBox 142">
@@ -8210,7 +6609,7 @@
             </p:nvSpPr>
             <p:spPr>
               <a:xfrm>
-                <a:off x="7936027" y="2858272"/>
+                <a:off x="9120409" y="2710802"/>
                 <a:ext cx="483850" cy="461665"/>
               </a:xfrm>
               <a:prstGeom prst="rect">
@@ -8238,8 +6637,8 @@
           </p:sp>
         </mc:Fallback>
       </mc:AlternateContent>
-      <mc:AlternateContent xmlns:mc="http://schemas.openxmlformats.org/markup-compatibility/2006">
-        <mc:Choice xmlns:a14="http://schemas.microsoft.com/office/drawing/2010/main" Requires="a14">
+      <mc:AlternateContent xmlns:mc="http://schemas.openxmlformats.org/markup-compatibility/2006" xmlns:a14="http://schemas.microsoft.com/office/drawing/2010/main">
+        <mc:Choice Requires="a14">
           <p:sp>
             <p:nvSpPr>
               <p:cNvPr id="144" name="TextBox 143">
@@ -8254,7 +6653,7 @@
             </p:nvSpPr>
             <p:spPr>
               <a:xfrm>
-                <a:off x="8021624" y="3462774"/>
+                <a:off x="9206006" y="3315304"/>
                 <a:ext cx="1019831" cy="461665"/>
               </a:xfrm>
               <a:prstGeom prst="rect">
@@ -8298,7 +6697,7 @@
             </p:txBody>
           </p:sp>
         </mc:Choice>
-        <mc:Fallback>
+        <mc:Fallback xmlns="">
           <p:sp>
             <p:nvSpPr>
               <p:cNvPr id="144" name="TextBox 143">
@@ -8315,7 +6714,7 @@
             </p:nvSpPr>
             <p:spPr>
               <a:xfrm>
-                <a:off x="8021624" y="3462774"/>
+                <a:off x="9206006" y="3315304"/>
                 <a:ext cx="1019831" cy="461665"/>
               </a:xfrm>
               <a:prstGeom prst="rect">
@@ -8360,7 +6759,7 @@
         </p:nvSpPr>
         <p:spPr>
           <a:xfrm>
-            <a:off x="2023595" y="1317103"/>
+            <a:off x="2706416" y="523472"/>
             <a:ext cx="1731564" cy="369332"/>
           </a:xfrm>
           <a:prstGeom prst="rect">
@@ -8403,7 +6802,7 @@
         </p:nvSpPr>
         <p:spPr>
           <a:xfrm>
-            <a:off x="7426449" y="1335764"/>
+            <a:off x="8610831" y="1188294"/>
             <a:ext cx="1431802" cy="369332"/>
           </a:xfrm>
           <a:prstGeom prst="rect">
@@ -8421,6 +6820,176 @@
               <a:rPr lang="ko-KR" altLang="en-US" b="1"/>
               <a:t>가중치 정의</a:t>
             </a:r>
+          </a:p>
+        </p:txBody>
+      </p:sp>
+      <p:sp>
+        <p:nvSpPr>
+          <p:cNvPr id="5" name="TextBox 4">
+            <a:extLst>
+              <a:ext uri="{FF2B5EF4-FFF2-40B4-BE49-F238E27FC236}">
+                <a16:creationId xmlns:a16="http://schemas.microsoft.com/office/drawing/2014/main" id="{5DAA0E42-A3E9-861F-E529-944D8659E395}"/>
+              </a:ext>
+            </a:extLst>
+          </p:cNvPr>
+          <p:cNvSpPr txBox="1"/>
+          <p:nvPr/>
+        </p:nvSpPr>
+        <p:spPr>
+          <a:xfrm>
+            <a:off x="777270" y="4926445"/>
+            <a:ext cx="6096000" cy="923330"/>
+          </a:xfrm>
+          <a:prstGeom prst="rect">
+            <a:avLst/>
+          </a:prstGeom>
+          <a:noFill/>
+        </p:spPr>
+        <p:txBody>
+          <a:bodyPr wrap="square">
+            <a:spAutoFit/>
+          </a:bodyPr>
+          <a:lstStyle/>
+          <a:p>
+            <a:pPr lvl="1"/>
+            <a:r>
+              <a:rPr lang="en-US" altLang="ko-KR"/>
+              <a:t>G*</a:t>
+            </a:r>
+            <a:r>
+              <a:rPr lang="ko-KR" altLang="en-US"/>
+              <a:t>의 정점 </a:t>
+            </a:r>
+            <a:r>
+              <a:rPr lang="en-US" altLang="ko-KR">
+                <a:sym typeface="Wingdings" panose="05000000000000000000" pitchFamily="2" charset="2"/>
+              </a:rPr>
+              <a:t> </a:t>
+            </a:r>
+            <a:r>
+              <a:rPr lang="en-US" altLang="ko-KR"/>
+              <a:t>G</a:t>
+            </a:r>
+            <a:r>
+              <a:rPr lang="ko-KR" altLang="en-US"/>
+              <a:t>의 </a:t>
+            </a:r>
+            <a:r>
+              <a:rPr lang="en-US" altLang="ko-KR"/>
+              <a:t>1*1 </a:t>
+            </a:r>
+            <a:r>
+              <a:rPr lang="ko-KR" altLang="en-US"/>
+              <a:t>격자면</a:t>
+            </a:r>
+            <a:endParaRPr lang="en-US" altLang="ko-KR"/>
+          </a:p>
+          <a:p>
+            <a:pPr lvl="1"/>
+            <a:r>
+              <a:rPr lang="en-US" altLang="ko-KR"/>
+              <a:t>G*</a:t>
+            </a:r>
+            <a:r>
+              <a:rPr lang="ko-KR" altLang="en-US"/>
+              <a:t>의 간선 </a:t>
+            </a:r>
+            <a:r>
+              <a:rPr lang="en-US" altLang="ko-KR">
+                <a:sym typeface="Wingdings" panose="05000000000000000000" pitchFamily="2" charset="2"/>
+              </a:rPr>
+              <a:t> G</a:t>
+            </a:r>
+            <a:r>
+              <a:rPr lang="ko-KR" altLang="en-US">
+                <a:sym typeface="Wingdings" panose="05000000000000000000" pitchFamily="2" charset="2"/>
+              </a:rPr>
+              <a:t>에서 인접한 면 사이에 간선이 없을 때 </a:t>
+            </a:r>
+            <a:r>
+              <a:rPr lang="en-US" altLang="ko-KR">
+                <a:sym typeface="Wingdings" panose="05000000000000000000" pitchFamily="2" charset="2"/>
+              </a:rPr>
+              <a:t>G*</a:t>
+            </a:r>
+            <a:r>
+              <a:rPr lang="ko-KR" altLang="en-US">
+                <a:sym typeface="Wingdings" panose="05000000000000000000" pitchFamily="2" charset="2"/>
+              </a:rPr>
+              <a:t>에 간선 존재</a:t>
+            </a:r>
+            <a:endParaRPr lang="en-US" altLang="ko-KR">
+              <a:sym typeface="Wingdings" panose="05000000000000000000" pitchFamily="2" charset="2"/>
+            </a:endParaRPr>
+          </a:p>
+        </p:txBody>
+      </p:sp>
+      <p:sp>
+        <p:nvSpPr>
+          <p:cNvPr id="7" name="TextBox 6">
+            <a:extLst>
+              <a:ext uri="{FF2B5EF4-FFF2-40B4-BE49-F238E27FC236}">
+                <a16:creationId xmlns:a16="http://schemas.microsoft.com/office/drawing/2014/main" id="{15294CB3-11C1-03BB-F7D9-3A6BD5F9CE26}"/>
+              </a:ext>
+            </a:extLst>
+          </p:cNvPr>
+          <p:cNvSpPr txBox="1"/>
+          <p:nvPr/>
+        </p:nvSpPr>
+        <p:spPr>
+          <a:xfrm>
+            <a:off x="6935637" y="5203444"/>
+            <a:ext cx="6096000" cy="369332"/>
+          </a:xfrm>
+          <a:prstGeom prst="rect">
+            <a:avLst/>
+          </a:prstGeom>
+          <a:noFill/>
+        </p:spPr>
+        <p:txBody>
+          <a:bodyPr wrap="square">
+            <a:spAutoFit/>
+          </a:bodyPr>
+          <a:lstStyle/>
+          <a:p>
+            <a:pPr lvl="1"/>
+            <a:r>
+              <a:rPr lang="ko-KR" altLang="en-US">
+                <a:sym typeface="Wingdings" panose="05000000000000000000" pitchFamily="2" charset="2"/>
+              </a:rPr>
+              <a:t>간선 </a:t>
+            </a:r>
+            <a:r>
+              <a:rPr lang="en-US" altLang="ko-KR">
+                <a:sym typeface="Wingdings" panose="05000000000000000000" pitchFamily="2" charset="2"/>
+              </a:rPr>
+              <a:t>e* </a:t>
+            </a:r>
+            <a:r>
+              <a:rPr lang="ko-KR" altLang="en-US">
+                <a:sym typeface="Wingdings" panose="05000000000000000000" pitchFamily="2" charset="2"/>
+              </a:rPr>
+              <a:t>의 가중치 </a:t>
+            </a:r>
+            <a:r>
+              <a:rPr lang="en-US" altLang="ko-KR">
+                <a:sym typeface="Wingdings" panose="05000000000000000000" pitchFamily="2" charset="2"/>
+              </a:rPr>
+              <a:t>= 1 – (e</a:t>
+            </a:r>
+            <a:r>
+              <a:rPr lang="ko-KR" altLang="en-US">
+                <a:sym typeface="Wingdings" panose="05000000000000000000" pitchFamily="2" charset="2"/>
+              </a:rPr>
+              <a:t>의 가중치</a:t>
+            </a:r>
+            <a:r>
+              <a:rPr lang="en-US" altLang="ko-KR">
+                <a:sym typeface="Wingdings" panose="05000000000000000000" pitchFamily="2" charset="2"/>
+              </a:rPr>
+              <a:t>)</a:t>
+            </a:r>
+            <a:endParaRPr lang="en-US" altLang="ko-KR"/>
           </a:p>
         </p:txBody>
       </p:sp>
@@ -8626,7 +7195,7 @@
 </p:sld>
 </file>
 
-<file path=ppt/slides/slide14.xml><?xml version="1.0" encoding="utf-8"?>
+<file path=ppt/slides/slide11.xml><?xml version="1.0" encoding="utf-8"?>
 <p:sld xmlns:a="http://schemas.openxmlformats.org/drawingml/2006/main" xmlns:r="http://schemas.openxmlformats.org/officeDocument/2006/relationships" xmlns:p="http://schemas.openxmlformats.org/presentationml/2006/main">
   <p:cSld>
     <p:spTree>
@@ -8643,8 +7212,8 @@
           <a:chExt cx="0" cy="0"/>
         </a:xfrm>
       </p:grpSpPr>
-      <mc:AlternateContent xmlns:mc="http://schemas.openxmlformats.org/markup-compatibility/2006">
-        <mc:Choice xmlns:a14="http://schemas.microsoft.com/office/drawing/2010/main" Requires="a14">
+      <mc:AlternateContent xmlns:mc="http://schemas.openxmlformats.org/markup-compatibility/2006" xmlns:a14="http://schemas.microsoft.com/office/drawing/2010/main">
+        <mc:Choice Requires="a14">
           <p:sp>
             <p:nvSpPr>
               <p:cNvPr id="2" name="제목 1">
@@ -8707,7 +7276,7 @@
             </p:txBody>
           </p:sp>
         </mc:Choice>
-        <mc:Fallback>
+        <mc:Fallback xmlns="">
           <p:sp>
             <p:nvSpPr>
               <p:cNvPr id="2" name="제목 1">
@@ -8747,8 +7316,8 @@
           </p:sp>
         </mc:Fallback>
       </mc:AlternateContent>
-      <mc:AlternateContent xmlns:mc="http://schemas.openxmlformats.org/markup-compatibility/2006">
-        <mc:Choice xmlns:a14="http://schemas.microsoft.com/office/drawing/2010/main" Requires="a14">
+      <mc:AlternateContent xmlns:mc="http://schemas.openxmlformats.org/markup-compatibility/2006" xmlns:a14="http://schemas.microsoft.com/office/drawing/2010/main">
+        <mc:Choice Requires="a14">
           <p:sp>
             <p:nvSpPr>
               <p:cNvPr id="3" name="내용 개체 틀 2">
@@ -8960,6 +7529,9 @@
                   <a:rPr lang="en-US" altLang="ko-KR"/>
                   <a:t>..</a:t>
                 </a:r>
+              </a:p>
+              <a:p>
+                <a:endParaRPr lang="en-US" altLang="ko-KR"/>
               </a:p>
               <a:p>
                 <a:r>
@@ -9038,41 +7610,17 @@
                 </a14:m>
                 <a:r>
                   <a:rPr lang="ko-KR" altLang="en-US"/>
-                  <a:t>가 된다는 것을 알 수 있다</a:t>
+                  <a:t>의 분포와 동일하다</a:t>
                 </a:r>
                 <a:r>
                   <a:rPr lang="en-US" altLang="ko-KR"/>
                   <a:t>.</a:t>
                 </a:r>
-              </a:p>
-              <a:p>
-                <a:r>
-                  <a:rPr lang="ko-KR" altLang="en-US"/>
-                  <a:t>그런데 앞서 본 </a:t>
-                </a:r>
-                <a:r>
-                  <a:rPr lang="en-US" altLang="ko-KR"/>
-                  <a:t>Zero-One Law</a:t>
-                </a:r>
-                <a:r>
-                  <a:rPr lang="ko-KR" altLang="en-US"/>
-                  <a:t>에 따르면 무한 클러스터의 거동은 가중치의 값에 관계 없으므로 큰 문제가 되지 않는다</a:t>
-                </a:r>
-                <a:r>
-                  <a:rPr lang="en-US" altLang="ko-KR"/>
-                  <a:t>.</a:t>
-                </a:r>
-              </a:p>
-              <a:p>
-                <a:pPr marL="0" indent="0">
-                  <a:buNone/>
-                </a:pPr>
-                <a:endParaRPr lang="en-US" altLang="ko-KR"/>
               </a:p>
             </p:txBody>
           </p:sp>
         </mc:Choice>
-        <mc:Fallback>
+        <mc:Fallback xmlns="">
           <p:sp>
             <p:nvSpPr>
               <p:cNvPr id="3" name="내용 개체 틀 2">
@@ -9112,6 +7660,48 @@
           </p:sp>
         </mc:Fallback>
       </mc:AlternateContent>
+      <p:sp>
+        <p:nvSpPr>
+          <p:cNvPr id="5" name="TextBox 4">
+            <a:extLst>
+              <a:ext uri="{FF2B5EF4-FFF2-40B4-BE49-F238E27FC236}">
+                <a16:creationId xmlns:a16="http://schemas.microsoft.com/office/drawing/2014/main" id="{08A8774B-5628-13EF-91A9-F4A35CF967B8}"/>
+              </a:ext>
+            </a:extLst>
+          </p:cNvPr>
+          <p:cNvSpPr txBox="1"/>
+          <p:nvPr/>
+        </p:nvSpPr>
+        <p:spPr>
+          <a:xfrm>
+            <a:off x="8718430" y="843240"/>
+            <a:ext cx="1685026" cy="369332"/>
+          </a:xfrm>
+          <a:prstGeom prst="rect">
+            <a:avLst/>
+          </a:prstGeom>
+          <a:noFill/>
+        </p:spPr>
+        <p:txBody>
+          <a:bodyPr wrap="square">
+            <a:spAutoFit/>
+          </a:bodyPr>
+          <a:lstStyle/>
+          <a:p>
+            <a:pPr marL="0" indent="0">
+              <a:buNone/>
+            </a:pPr>
+            <a:r>
+              <a:rPr lang="ko-KR" altLang="en-US" sz="1800" b="1"/>
+              <a:t>코드 실행</a:t>
+            </a:r>
+            <a:r>
+              <a:rPr lang="en-US" altLang="ko-KR" sz="1800" b="1"/>
+              <a:t>(3)</a:t>
+            </a:r>
+          </a:p>
+        </p:txBody>
+      </p:sp>
     </p:spTree>
     <p:extLst>
       <p:ext uri="{BB962C8B-B14F-4D97-AF65-F5344CB8AC3E}">
@@ -9125,7 +7715,7 @@
 </p:sld>
 </file>
 
-<file path=ppt/slides/slide15.xml><?xml version="1.0" encoding="utf-8"?>
+<file path=ppt/slides/slide12.xml><?xml version="1.0" encoding="utf-8"?>
 <p:sld xmlns:a="http://schemas.openxmlformats.org/drawingml/2006/main" xmlns:r="http://schemas.openxmlformats.org/officeDocument/2006/relationships" xmlns:p="http://schemas.openxmlformats.org/presentationml/2006/main">
   <p:cSld>
     <p:spTree>
@@ -9148,8 +7738,8 @@
           <a:chExt cx="0" cy="0"/>
         </a:xfrm>
       </p:grpSpPr>
-      <mc:AlternateContent xmlns:mc="http://schemas.openxmlformats.org/markup-compatibility/2006">
-        <mc:Choice xmlns:a14="http://schemas.microsoft.com/office/drawing/2010/main" Requires="a14">
+      <mc:AlternateContent xmlns:mc="http://schemas.openxmlformats.org/markup-compatibility/2006" xmlns:a14="http://schemas.microsoft.com/office/drawing/2010/main">
+        <mc:Choice Requires="a14">
           <p:sp>
             <p:nvSpPr>
               <p:cNvPr id="2" name="제목 1">
@@ -9231,7 +7821,7 @@
             </p:txBody>
           </p:sp>
         </mc:Choice>
-        <mc:Fallback>
+        <mc:Fallback xmlns="">
           <p:sp>
             <p:nvSpPr>
               <p:cNvPr id="2" name="제목 1">
@@ -9275,8 +7865,8 @@
           </p:sp>
         </mc:Fallback>
       </mc:AlternateContent>
-      <mc:AlternateContent xmlns:mc="http://schemas.openxmlformats.org/markup-compatibility/2006">
-        <mc:Choice xmlns:a14="http://schemas.microsoft.com/office/drawing/2010/main" Requires="a14">
+      <mc:AlternateContent xmlns:mc="http://schemas.openxmlformats.org/markup-compatibility/2006" xmlns:a14="http://schemas.microsoft.com/office/drawing/2010/main">
+        <mc:Choice Requires="a14">
           <p:sp>
             <p:nvSpPr>
               <p:cNvPr id="3" name="내용 개체 틀 2">
@@ -9737,7 +8327,7 @@
             </p:txBody>
           </p:sp>
         </mc:Choice>
-        <mc:Fallback>
+        <mc:Fallback xmlns="">
           <p:sp>
             <p:nvSpPr>
               <p:cNvPr id="3" name="내용 개체 틀 2">
@@ -9794,7 +8384,7 @@
 </p:sld>
 </file>
 
-<file path=ppt/slides/slide16.xml><?xml version="1.0" encoding="utf-8"?>
+<file path=ppt/slides/slide13.xml><?xml version="1.0" encoding="utf-8"?>
 <p:sld xmlns:a="http://schemas.openxmlformats.org/drawingml/2006/main" xmlns:r="http://schemas.openxmlformats.org/officeDocument/2006/relationships" xmlns:p="http://schemas.openxmlformats.org/presentationml/2006/main">
   <p:cSld>
     <p:spTree>
@@ -10042,7 +8632,7 @@
 </p:sld>
 </file>
 
-<file path=ppt/slides/slide17.xml><?xml version="1.0" encoding="utf-8"?>
+<file path=ppt/slides/slide14.xml><?xml version="1.0" encoding="utf-8"?>
 <p:sld xmlns:a="http://schemas.openxmlformats.org/drawingml/2006/main" xmlns:r="http://schemas.openxmlformats.org/officeDocument/2006/relationships" xmlns:p="http://schemas.openxmlformats.org/presentationml/2006/main">
   <p:cSld>
     <p:spTree>
@@ -10332,7 +8922,7 @@
 </p:sld>
 </file>
 
-<file path=ppt/slides/slide18.xml><?xml version="1.0" encoding="utf-8"?>
+<file path=ppt/slides/slide15.xml><?xml version="1.0" encoding="utf-8"?>
 <p:sld xmlns:a="http://schemas.openxmlformats.org/drawingml/2006/main" xmlns:r="http://schemas.openxmlformats.org/officeDocument/2006/relationships" xmlns:p="http://schemas.openxmlformats.org/presentationml/2006/main">
   <p:cSld>
     <p:spTree>
@@ -10547,7 +9137,7 @@
 </p:sld>
 </file>
 
-<file path=ppt/slides/slide19.xml><?xml version="1.0" encoding="utf-8"?>
+<file path=ppt/slides/slide16.xml><?xml version="1.0" encoding="utf-8"?>
 <p:sld xmlns:a="http://schemas.openxmlformats.org/drawingml/2006/main" xmlns:r="http://schemas.openxmlformats.org/officeDocument/2006/relationships" xmlns:p="http://schemas.openxmlformats.org/presentationml/2006/main">
   <p:cSld>
     <p:spTree>
@@ -10829,200 +9419,7 @@
 </p:sld>
 </file>
 
-<file path=ppt/slides/slide2.xml><?xml version="1.0" encoding="utf-8"?>
-<p:sld xmlns:a="http://schemas.openxmlformats.org/drawingml/2006/main" xmlns:r="http://schemas.openxmlformats.org/officeDocument/2006/relationships" xmlns:p="http://schemas.openxmlformats.org/presentationml/2006/main">
-  <p:cSld>
-    <p:spTree>
-      <p:nvGrpSpPr>
-        <p:cNvPr id="1" name=""/>
-        <p:cNvGrpSpPr/>
-        <p:nvPr/>
-      </p:nvGrpSpPr>
-      <p:grpSpPr>
-        <a:xfrm>
-          <a:off x="0" y="0"/>
-          <a:ext cx="0" cy="0"/>
-          <a:chOff x="0" y="0"/>
-          <a:chExt cx="0" cy="0"/>
-        </a:xfrm>
-      </p:grpSpPr>
-      <p:sp>
-        <p:nvSpPr>
-          <p:cNvPr id="2" name="제목 1">
-            <a:extLst>
-              <a:ext uri="{FF2B5EF4-FFF2-40B4-BE49-F238E27FC236}">
-                <a16:creationId xmlns:a16="http://schemas.microsoft.com/office/drawing/2014/main" id="{F0D37EF7-FEB3-D587-B8E1-FAC25DF769A4}"/>
-              </a:ext>
-            </a:extLst>
-          </p:cNvPr>
-          <p:cNvSpPr>
-            <a:spLocks noGrp="1"/>
-          </p:cNvSpPr>
-          <p:nvPr>
-            <p:ph type="title"/>
-          </p:nvPr>
-        </p:nvSpPr>
-        <p:spPr/>
-        <p:txBody>
-          <a:bodyPr/>
-          <a:lstStyle/>
-          <a:p>
-            <a:r>
-              <a:rPr lang="ko-KR" altLang="en-US"/>
-              <a:t>이론적 배경 </a:t>
-            </a:r>
-            <a:r>
-              <a:rPr lang="en-US" altLang="ko-KR"/>
-              <a:t>: </a:t>
-            </a:r>
-            <a:r>
-              <a:rPr lang="ko-KR" altLang="en-US"/>
-              <a:t>그래프</a:t>
-            </a:r>
-          </a:p>
-        </p:txBody>
-      </p:sp>
-      <p:sp>
-        <p:nvSpPr>
-          <p:cNvPr id="3" name="내용 개체 틀 2">
-            <a:extLst>
-              <a:ext uri="{FF2B5EF4-FFF2-40B4-BE49-F238E27FC236}">
-                <a16:creationId xmlns:a16="http://schemas.microsoft.com/office/drawing/2014/main" id="{06430841-A4BB-A2E5-4355-C7DB1CBA342E}"/>
-              </a:ext>
-            </a:extLst>
-          </p:cNvPr>
-          <p:cNvSpPr>
-            <a:spLocks noGrp="1"/>
-          </p:cNvSpPr>
-          <p:nvPr>
-            <p:ph idx="1"/>
-          </p:nvPr>
-        </p:nvSpPr>
-        <p:spPr/>
-        <p:txBody>
-          <a:bodyPr/>
-          <a:lstStyle/>
-          <a:p>
-            <a:r>
-              <a:rPr lang="ko-KR" altLang="en-US"/>
-              <a:t>점들의 집합과</a:t>
-            </a:r>
-            <a:r>
-              <a:rPr lang="en-US" altLang="ko-KR"/>
-              <a:t>, </a:t>
-            </a:r>
-            <a:r>
-              <a:rPr lang="ko-KR" altLang="en-US"/>
-              <a:t>그 점들을 잇는 간선들의 집합의 순서쌍을 </a:t>
-            </a:r>
-            <a:r>
-              <a:rPr lang="ko-KR" altLang="en-US" b="1"/>
-              <a:t>그래프</a:t>
-            </a:r>
-            <a:r>
-              <a:rPr lang="ko-KR" altLang="en-US"/>
-              <a:t>라고 한다</a:t>
-            </a:r>
-            <a:r>
-              <a:rPr lang="en-US" altLang="ko-KR"/>
-              <a:t>.</a:t>
-            </a:r>
-          </a:p>
-          <a:p>
-            <a:endParaRPr lang="en-US" altLang="ko-KR"/>
-          </a:p>
-          <a:p>
-            <a:r>
-              <a:rPr lang="ko-KR" altLang="en-US"/>
-              <a:t>예시</a:t>
-            </a:r>
-            <a:endParaRPr lang="en-US" altLang="ko-KR"/>
-          </a:p>
-          <a:p>
-            <a:pPr marL="0" indent="0">
-              <a:buNone/>
-            </a:pPr>
-            <a:r>
-              <a:rPr lang="ko-KR" altLang="en-US"/>
-              <a:t>점 집합 </a:t>
-            </a:r>
-            <a:r>
-              <a:rPr lang="en-US" altLang="ko-KR"/>
-              <a:t>V = {1,2,3,4,5}</a:t>
-            </a:r>
-          </a:p>
-          <a:p>
-            <a:pPr marL="0" indent="0">
-              <a:buNone/>
-            </a:pPr>
-            <a:r>
-              <a:rPr lang="ko-KR" altLang="en-US"/>
-              <a:t>간선 집합 </a:t>
-            </a:r>
-            <a:r>
-              <a:rPr lang="en-US" altLang="ko-KR"/>
-              <a:t>E = {{1,2}, {2,3}, {3,4}, {1,5}, {2,5}, {3,5}}</a:t>
-            </a:r>
-          </a:p>
-          <a:p>
-            <a:pPr marL="0" indent="0">
-              <a:buNone/>
-            </a:pPr>
-            <a:r>
-              <a:rPr lang="ko-KR" altLang="en-US"/>
-              <a:t>그래프 </a:t>
-            </a:r>
-            <a:r>
-              <a:rPr lang="en-US" altLang="ko-KR"/>
-              <a:t>G = (V,E)</a:t>
-            </a:r>
-          </a:p>
-        </p:txBody>
-      </p:sp>
-      <p:pic>
-        <p:nvPicPr>
-          <p:cNvPr id="23" name="그림 22">
-            <a:extLst>
-              <a:ext uri="{FF2B5EF4-FFF2-40B4-BE49-F238E27FC236}">
-                <a16:creationId xmlns:a16="http://schemas.microsoft.com/office/drawing/2014/main" id="{F8F474B8-D829-0A05-B248-F897D710F52E}"/>
-              </a:ext>
-            </a:extLst>
-          </p:cNvPr>
-          <p:cNvPicPr>
-            <a:picLocks noChangeAspect="1"/>
-          </p:cNvPicPr>
-          <p:nvPr/>
-        </p:nvPicPr>
-        <p:blipFill>
-          <a:blip r:embed="rId2"/>
-          <a:stretch>
-            <a:fillRect/>
-          </a:stretch>
-        </p:blipFill>
-        <p:spPr>
-          <a:xfrm>
-            <a:off x="8479206" y="2800689"/>
-            <a:ext cx="3186744" cy="3197546"/>
-          </a:xfrm>
-          <a:prstGeom prst="rect">
-            <a:avLst/>
-          </a:prstGeom>
-        </p:spPr>
-      </p:pic>
-    </p:spTree>
-    <p:extLst>
-      <p:ext uri="{BB962C8B-B14F-4D97-AF65-F5344CB8AC3E}">
-        <p14:creationId xmlns:p14="http://schemas.microsoft.com/office/powerpoint/2010/main" val="2835969559"/>
-      </p:ext>
-    </p:extLst>
-  </p:cSld>
-  <p:clrMapOvr>
-    <a:masterClrMapping/>
-  </p:clrMapOvr>
-</p:sld>
-</file>
-
-<file path=ppt/slides/slide20.xml><?xml version="1.0" encoding="utf-8"?>
+<file path=ppt/slides/slide17.xml><?xml version="1.0" encoding="utf-8"?>
 <p:sld xmlns:a="http://schemas.openxmlformats.org/drawingml/2006/main" xmlns:r="http://schemas.openxmlformats.org/officeDocument/2006/relationships" xmlns:p="http://schemas.openxmlformats.org/presentationml/2006/main">
   <p:cSld>
     <p:spTree>
@@ -11144,1058 +9541,7 @@
 </p:sld>
 </file>
 
-<file path=ppt/slides/slide3.xml><?xml version="1.0" encoding="utf-8"?>
-<p:sld xmlns:a="http://schemas.openxmlformats.org/drawingml/2006/main" xmlns:r="http://schemas.openxmlformats.org/officeDocument/2006/relationships" xmlns:p="http://schemas.openxmlformats.org/presentationml/2006/main">
-  <p:cSld>
-    <p:spTree>
-      <p:nvGrpSpPr>
-        <p:cNvPr id="1" name=""/>
-        <p:cNvGrpSpPr/>
-        <p:nvPr/>
-      </p:nvGrpSpPr>
-      <p:grpSpPr>
-        <a:xfrm>
-          <a:off x="0" y="0"/>
-          <a:ext cx="0" cy="0"/>
-          <a:chOff x="0" y="0"/>
-          <a:chExt cx="0" cy="0"/>
-        </a:xfrm>
-      </p:grpSpPr>
-      <p:sp>
-        <p:nvSpPr>
-          <p:cNvPr id="2" name="제목 1">
-            <a:extLst>
-              <a:ext uri="{FF2B5EF4-FFF2-40B4-BE49-F238E27FC236}">
-                <a16:creationId xmlns:a16="http://schemas.microsoft.com/office/drawing/2014/main" id="{7E1FCDD9-DA03-733A-A7AC-D4F7B9895652}"/>
-              </a:ext>
-            </a:extLst>
-          </p:cNvPr>
-          <p:cNvSpPr>
-            <a:spLocks noGrp="1"/>
-          </p:cNvSpPr>
-          <p:nvPr>
-            <p:ph type="title"/>
-          </p:nvPr>
-        </p:nvSpPr>
-        <p:spPr/>
-        <p:txBody>
-          <a:bodyPr/>
-          <a:lstStyle/>
-          <a:p>
-            <a:r>
-              <a:rPr lang="ko-KR" altLang="en-US"/>
-              <a:t>이론적 배경 </a:t>
-            </a:r>
-            <a:r>
-              <a:rPr lang="en-US" altLang="ko-KR"/>
-              <a:t>: </a:t>
-            </a:r>
-            <a:r>
-              <a:rPr lang="ko-KR" altLang="en-US"/>
-              <a:t>격자 그래프</a:t>
-            </a:r>
-          </a:p>
-        </p:txBody>
-      </p:sp>
-      <p:sp>
-        <p:nvSpPr>
-          <p:cNvPr id="3" name="내용 개체 틀 2">
-            <a:extLst>
-              <a:ext uri="{FF2B5EF4-FFF2-40B4-BE49-F238E27FC236}">
-                <a16:creationId xmlns:a16="http://schemas.microsoft.com/office/drawing/2014/main" id="{9E2E1033-E06C-F1D4-AF2E-AE39982ED87F}"/>
-              </a:ext>
-            </a:extLst>
-          </p:cNvPr>
-          <p:cNvSpPr>
-            <a:spLocks noGrp="1"/>
-          </p:cNvSpPr>
-          <p:nvPr>
-            <p:ph idx="1"/>
-          </p:nvPr>
-        </p:nvSpPr>
-        <p:spPr>
-          <a:xfrm>
-            <a:off x="838200" y="1768117"/>
-            <a:ext cx="10515600" cy="4351338"/>
-          </a:xfrm>
-        </p:spPr>
-        <p:txBody>
-          <a:bodyPr/>
-          <a:lstStyle/>
-          <a:p>
-            <a:r>
-              <a:rPr lang="ko-KR" altLang="en-US"/>
-              <a:t>정사각형 격자처럼 점들이 규칙적으로 배열되어 있고</a:t>
-            </a:r>
-            <a:r>
-              <a:rPr lang="en-US" altLang="ko-KR"/>
-              <a:t>, </a:t>
-            </a:r>
-            <a:r>
-              <a:rPr lang="ko-KR" altLang="en-US"/>
-              <a:t>각 점이 상하좌우로 인접한 점들과</a:t>
-            </a:r>
-            <a:r>
-              <a:rPr lang="en-US" altLang="ko-KR"/>
-              <a:t> </a:t>
-            </a:r>
-            <a:r>
-              <a:rPr lang="ko-KR" altLang="en-US"/>
-              <a:t>간선으로 연결된 그래프</a:t>
-            </a:r>
-          </a:p>
-        </p:txBody>
-      </p:sp>
-      <p:pic>
-        <p:nvPicPr>
-          <p:cNvPr id="5" name="그림 4">
-            <a:extLst>
-              <a:ext uri="{FF2B5EF4-FFF2-40B4-BE49-F238E27FC236}">
-                <a16:creationId xmlns:a16="http://schemas.microsoft.com/office/drawing/2014/main" id="{FD9208C1-AD94-04CC-6A4F-F88B90206836}"/>
-              </a:ext>
-            </a:extLst>
-          </p:cNvPr>
-          <p:cNvPicPr>
-            <a:picLocks noChangeAspect="1"/>
-          </p:cNvPicPr>
-          <p:nvPr/>
-        </p:nvPicPr>
-        <p:blipFill>
-          <a:blip r:embed="rId2"/>
-          <a:stretch>
-            <a:fillRect/>
-          </a:stretch>
-        </p:blipFill>
-        <p:spPr>
-          <a:xfrm>
-            <a:off x="6830309" y="3045807"/>
-            <a:ext cx="2445964" cy="1812828"/>
-          </a:xfrm>
-          <a:prstGeom prst="rect">
-            <a:avLst/>
-          </a:prstGeom>
-        </p:spPr>
-      </p:pic>
-      <p:sp>
-        <p:nvSpPr>
-          <p:cNvPr id="6" name="TextBox 5">
-            <a:extLst>
-              <a:ext uri="{FF2B5EF4-FFF2-40B4-BE49-F238E27FC236}">
-                <a16:creationId xmlns:a16="http://schemas.microsoft.com/office/drawing/2014/main" id="{41C64403-2E6D-E429-E6B1-F36AD3247BBF}"/>
-              </a:ext>
-            </a:extLst>
-          </p:cNvPr>
-          <p:cNvSpPr txBox="1"/>
-          <p:nvPr/>
-        </p:nvSpPr>
-        <p:spPr>
-          <a:xfrm>
-            <a:off x="1856007" y="3682176"/>
-            <a:ext cx="3203121" cy="523220"/>
-          </a:xfrm>
-          <a:prstGeom prst="rect">
-            <a:avLst/>
-          </a:prstGeom>
-          <a:noFill/>
-        </p:spPr>
-        <p:txBody>
-          <a:bodyPr wrap="none" rtlCol="0">
-            <a:spAutoFit/>
-          </a:bodyPr>
-          <a:lstStyle/>
-          <a:p>
-            <a:r>
-              <a:rPr lang="en-US" altLang="ko-KR" sz="2800"/>
-              <a:t>10 x 10 </a:t>
-            </a:r>
-            <a:r>
-              <a:rPr lang="ko-KR" altLang="en-US" sz="2800"/>
-              <a:t>격자 그래프</a:t>
-            </a:r>
-          </a:p>
-        </p:txBody>
-      </p:sp>
-      <p:cxnSp>
-        <p:nvCxnSpPr>
-          <p:cNvPr id="7" name="직선 화살표 연결선 6">
-            <a:extLst>
-              <a:ext uri="{FF2B5EF4-FFF2-40B4-BE49-F238E27FC236}">
-                <a16:creationId xmlns:a16="http://schemas.microsoft.com/office/drawing/2014/main" id="{B80B8A72-D12A-CE4C-CBDA-EF77385575E8}"/>
-              </a:ext>
-            </a:extLst>
-          </p:cNvPr>
-          <p:cNvCxnSpPr/>
-          <p:nvPr/>
-        </p:nvCxnSpPr>
-        <p:spPr>
-          <a:xfrm>
-            <a:off x="5750944" y="3887638"/>
-            <a:ext cx="644105" cy="0"/>
-          </a:xfrm>
-          <a:prstGeom prst="straightConnector1">
-            <a:avLst/>
-          </a:prstGeom>
-          <a:ln w="38100">
-            <a:tailEnd type="triangle"/>
-          </a:ln>
-        </p:spPr>
-        <p:style>
-          <a:lnRef idx="2">
-            <a:schemeClr val="accent1"/>
-          </a:lnRef>
-          <a:fillRef idx="0">
-            <a:schemeClr val="accent1"/>
-          </a:fillRef>
-          <a:effectRef idx="1">
-            <a:schemeClr val="accent1"/>
-          </a:effectRef>
-          <a:fontRef idx="minor">
-            <a:schemeClr val="tx1"/>
-          </a:fontRef>
-        </p:style>
-      </p:cxnSp>
-      <p:sp>
-        <p:nvSpPr>
-          <p:cNvPr id="8" name="TextBox 7">
-            <a:extLst>
-              <a:ext uri="{FF2B5EF4-FFF2-40B4-BE49-F238E27FC236}">
-                <a16:creationId xmlns:a16="http://schemas.microsoft.com/office/drawing/2014/main" id="{E8F3F99A-CB27-F17A-3ACA-B3C5055D577D}"/>
-              </a:ext>
-            </a:extLst>
-          </p:cNvPr>
-          <p:cNvSpPr txBox="1"/>
-          <p:nvPr/>
-        </p:nvSpPr>
-        <p:spPr>
-          <a:xfrm>
-            <a:off x="1138207" y="5451323"/>
-            <a:ext cx="9225474" cy="523220"/>
-          </a:xfrm>
-          <a:prstGeom prst="rect">
-            <a:avLst/>
-          </a:prstGeom>
-          <a:noFill/>
-        </p:spPr>
-        <p:txBody>
-          <a:bodyPr wrap="none" rtlCol="0">
-            <a:spAutoFit/>
-          </a:bodyPr>
-          <a:lstStyle/>
-          <a:p>
-            <a:r>
-              <a:rPr lang="en-US" altLang="ko-KR" sz="2800"/>
-              <a:t>Percolation</a:t>
-            </a:r>
-            <a:r>
-              <a:rPr lang="ko-KR" altLang="en-US" sz="2800"/>
-              <a:t> </a:t>
-            </a:r>
-            <a:r>
-              <a:rPr lang="en-US" altLang="ko-KR" sz="2800"/>
-              <a:t>theory</a:t>
-            </a:r>
-            <a:r>
-              <a:rPr lang="ko-KR" altLang="en-US" sz="2800"/>
-              <a:t>는 무한한 크기의 격자 그래프를 다룬다</a:t>
-            </a:r>
-            <a:r>
-              <a:rPr lang="en-US" altLang="ko-KR" sz="2800"/>
-              <a:t>.</a:t>
-            </a:r>
-            <a:endParaRPr lang="ko-KR" altLang="en-US" sz="2800"/>
-          </a:p>
-        </p:txBody>
-      </p:sp>
-    </p:spTree>
-    <p:extLst>
-      <p:ext uri="{BB962C8B-B14F-4D97-AF65-F5344CB8AC3E}">
-        <p14:creationId xmlns:p14="http://schemas.microsoft.com/office/powerpoint/2010/main" val="1369900044"/>
-      </p:ext>
-    </p:extLst>
-  </p:cSld>
-  <p:clrMapOvr>
-    <a:masterClrMapping/>
-  </p:clrMapOvr>
-</p:sld>
-</file>
-
-<file path=ppt/slides/slide4.xml><?xml version="1.0" encoding="utf-8"?>
-<p:sld xmlns:a="http://schemas.openxmlformats.org/drawingml/2006/main" xmlns:r="http://schemas.openxmlformats.org/officeDocument/2006/relationships" xmlns:p="http://schemas.openxmlformats.org/presentationml/2006/main">
-  <p:cSld>
-    <p:spTree>
-      <p:nvGrpSpPr>
-        <p:cNvPr id="1" name=""/>
-        <p:cNvGrpSpPr/>
-        <p:nvPr/>
-      </p:nvGrpSpPr>
-      <p:grpSpPr>
-        <a:xfrm>
-          <a:off x="0" y="0"/>
-          <a:ext cx="0" cy="0"/>
-          <a:chOff x="0" y="0"/>
-          <a:chExt cx="0" cy="0"/>
-        </a:xfrm>
-      </p:grpSpPr>
-      <p:sp>
-        <p:nvSpPr>
-          <p:cNvPr id="2" name="제목 1">
-            <a:extLst>
-              <a:ext uri="{FF2B5EF4-FFF2-40B4-BE49-F238E27FC236}">
-                <a16:creationId xmlns:a16="http://schemas.microsoft.com/office/drawing/2014/main" id="{067C6870-840F-56ED-8100-7DCE0BEA890C}"/>
-              </a:ext>
-            </a:extLst>
-          </p:cNvPr>
-          <p:cNvSpPr>
-            <a:spLocks noGrp="1"/>
-          </p:cNvSpPr>
-          <p:nvPr>
-            <p:ph type="title"/>
-          </p:nvPr>
-        </p:nvSpPr>
-        <p:spPr/>
-        <p:txBody>
-          <a:bodyPr/>
-          <a:lstStyle/>
-          <a:p>
-            <a:r>
-              <a:rPr lang="ko-KR" altLang="en-US"/>
-              <a:t>이론적 배경 </a:t>
-            </a:r>
-            <a:r>
-              <a:rPr lang="en-US" altLang="ko-KR"/>
-              <a:t>: </a:t>
-            </a:r>
-            <a:r>
-              <a:rPr lang="ko-KR" altLang="en-US"/>
-              <a:t>클러스터</a:t>
-            </a:r>
-          </a:p>
-        </p:txBody>
-      </p:sp>
-      <p:pic>
-        <p:nvPicPr>
-          <p:cNvPr id="5" name="그림 4">
-            <a:extLst>
-              <a:ext uri="{FF2B5EF4-FFF2-40B4-BE49-F238E27FC236}">
-                <a16:creationId xmlns:a16="http://schemas.microsoft.com/office/drawing/2014/main" id="{4BA38F02-1F2A-73BD-B6A4-39AE757A9159}"/>
-              </a:ext>
-            </a:extLst>
-          </p:cNvPr>
-          <p:cNvPicPr>
-            <a:picLocks noChangeAspect="1"/>
-          </p:cNvPicPr>
-          <p:nvPr/>
-        </p:nvPicPr>
-        <p:blipFill>
-          <a:blip r:embed="rId2"/>
-          <a:stretch>
-            <a:fillRect/>
-          </a:stretch>
-        </p:blipFill>
-        <p:spPr>
-          <a:xfrm>
-            <a:off x="6533508" y="1967924"/>
-            <a:ext cx="3885941" cy="3747651"/>
-          </a:xfrm>
-          <a:prstGeom prst="rect">
-            <a:avLst/>
-          </a:prstGeom>
-        </p:spPr>
-      </p:pic>
-      <p:sp>
-        <p:nvSpPr>
-          <p:cNvPr id="6" name="TextBox 5">
-            <a:extLst>
-              <a:ext uri="{FF2B5EF4-FFF2-40B4-BE49-F238E27FC236}">
-                <a16:creationId xmlns:a16="http://schemas.microsoft.com/office/drawing/2014/main" id="{181CDAF8-31FE-C52A-0F9E-372B5FCC8A1B}"/>
-              </a:ext>
-            </a:extLst>
-          </p:cNvPr>
-          <p:cNvSpPr txBox="1"/>
-          <p:nvPr/>
-        </p:nvSpPr>
-        <p:spPr>
-          <a:xfrm>
-            <a:off x="523336" y="2886973"/>
-            <a:ext cx="5179950" cy="1938992"/>
-          </a:xfrm>
-          <a:prstGeom prst="rect">
-            <a:avLst/>
-          </a:prstGeom>
-          <a:noFill/>
-        </p:spPr>
-        <p:txBody>
-          <a:bodyPr wrap="square" rtlCol="0">
-            <a:spAutoFit/>
-          </a:bodyPr>
-          <a:lstStyle/>
-          <a:p>
-            <a:r>
-              <a:rPr lang="ko-KR" altLang="en-US" sz="2400"/>
-              <a:t>그래프내에서 연결된</a:t>
-            </a:r>
-            <a:r>
-              <a:rPr lang="en-US" altLang="ko-KR" sz="2400"/>
-              <a:t> </a:t>
-            </a:r>
-            <a:r>
-              <a:rPr lang="ko-KR" altLang="en-US" sz="2400"/>
-              <a:t>정점들끼리 모은 것을 클러스터라고 한다</a:t>
-            </a:r>
-            <a:r>
-              <a:rPr lang="en-US" altLang="ko-KR" sz="2400"/>
-              <a:t>.</a:t>
-            </a:r>
-          </a:p>
-          <a:p>
-            <a:endParaRPr lang="en-US" altLang="ko-KR" sz="2400"/>
-          </a:p>
-          <a:p>
-            <a:r>
-              <a:rPr lang="ko-KR" altLang="en-US" sz="2400"/>
-              <a:t>옆의 그림에서는 </a:t>
-            </a:r>
-            <a:r>
-              <a:rPr lang="en-US" altLang="ko-KR" sz="2400"/>
-              <a:t>3</a:t>
-            </a:r>
-            <a:r>
-              <a:rPr lang="ko-KR" altLang="en-US" sz="2400"/>
-              <a:t>개의 클러스터가 존재한다</a:t>
-            </a:r>
-            <a:r>
-              <a:rPr lang="en-US" altLang="ko-KR" sz="2400"/>
-              <a:t>.</a:t>
-            </a:r>
-          </a:p>
-        </p:txBody>
-      </p:sp>
-      <p:sp>
-        <p:nvSpPr>
-          <p:cNvPr id="7" name="타원 6">
-            <a:extLst>
-              <a:ext uri="{FF2B5EF4-FFF2-40B4-BE49-F238E27FC236}">
-                <a16:creationId xmlns:a16="http://schemas.microsoft.com/office/drawing/2014/main" id="{FF6507B1-58B9-A0B0-FA4B-4D7256697986}"/>
-              </a:ext>
-            </a:extLst>
-          </p:cNvPr>
-          <p:cNvSpPr/>
-          <p:nvPr/>
-        </p:nvSpPr>
-        <p:spPr>
-          <a:xfrm>
-            <a:off x="6418052" y="1815922"/>
-            <a:ext cx="1236453" cy="1200329"/>
-          </a:xfrm>
-          <a:prstGeom prst="ellipse">
-            <a:avLst/>
-          </a:prstGeom>
-          <a:noFill/>
-          <a:ln w="57150">
-            <a:solidFill>
-              <a:srgbClr val="FF0000"/>
-            </a:solidFill>
-          </a:ln>
-        </p:spPr>
-        <p:style>
-          <a:lnRef idx="2">
-            <a:schemeClr val="accent1">
-              <a:shade val="15000"/>
-            </a:schemeClr>
-          </a:lnRef>
-          <a:fillRef idx="1">
-            <a:schemeClr val="accent1"/>
-          </a:fillRef>
-          <a:effectRef idx="0">
-            <a:schemeClr val="accent1"/>
-          </a:effectRef>
-          <a:fontRef idx="minor">
-            <a:schemeClr val="lt1"/>
-          </a:fontRef>
-        </p:style>
-        <p:txBody>
-          <a:bodyPr rtlCol="0" anchor="ctr"/>
-          <a:lstStyle/>
-          <a:p>
-            <a:pPr algn="ctr"/>
-            <a:endParaRPr lang="ko-KR" altLang="en-US"/>
-          </a:p>
-        </p:txBody>
-      </p:sp>
-      <p:sp>
-        <p:nvSpPr>
-          <p:cNvPr id="8" name="자유형: 도형 7">
-            <a:extLst>
-              <a:ext uri="{FF2B5EF4-FFF2-40B4-BE49-F238E27FC236}">
-                <a16:creationId xmlns:a16="http://schemas.microsoft.com/office/drawing/2014/main" id="{C3324756-637F-9A78-693B-4D88BED40FB4}"/>
-              </a:ext>
-            </a:extLst>
-          </p:cNvPr>
-          <p:cNvSpPr/>
-          <p:nvPr/>
-        </p:nvSpPr>
-        <p:spPr>
-          <a:xfrm>
-            <a:off x="6417840" y="1566456"/>
-            <a:ext cx="4221405" cy="3026888"/>
-          </a:xfrm>
-          <a:custGeom>
-            <a:avLst/>
-            <a:gdLst>
-              <a:gd name="connsiteX0" fmla="*/ 213 w 4221405"/>
-              <a:gd name="connsiteY0" fmla="*/ 1740336 h 3026888"/>
-              <a:gd name="connsiteX1" fmla="*/ 282009 w 4221405"/>
-              <a:gd name="connsiteY1" fmla="*/ 1510299 h 3026888"/>
-              <a:gd name="connsiteX2" fmla="*/ 1144651 w 4221405"/>
-              <a:gd name="connsiteY2" fmla="*/ 1464291 h 3026888"/>
-              <a:gd name="connsiteX3" fmla="*/ 1357435 w 4221405"/>
-              <a:gd name="connsiteY3" fmla="*/ 1055974 h 3026888"/>
-              <a:gd name="connsiteX4" fmla="*/ 1299926 w 4221405"/>
-              <a:gd name="connsiteY4" fmla="*/ 337106 h 3026888"/>
-              <a:gd name="connsiteX5" fmla="*/ 1736998 w 4221405"/>
-              <a:gd name="connsiteY5" fmla="*/ 130072 h 3026888"/>
-              <a:gd name="connsiteX6" fmla="*/ 3761330 w 4221405"/>
-              <a:gd name="connsiteY6" fmla="*/ 84065 h 3026888"/>
-              <a:gd name="connsiteX7" fmla="*/ 4221405 w 4221405"/>
-              <a:gd name="connsiteY7" fmla="*/ 1297514 h 3026888"/>
-              <a:gd name="connsiteX8" fmla="*/ 3761330 w 4221405"/>
-              <a:gd name="connsiteY8" fmla="*/ 2602978 h 3026888"/>
-              <a:gd name="connsiteX9" fmla="*/ 2766417 w 4221405"/>
-              <a:gd name="connsiteY9" fmla="*/ 2769755 h 3026888"/>
-              <a:gd name="connsiteX10" fmla="*/ 2116560 w 4221405"/>
-              <a:gd name="connsiteY10" fmla="*/ 2234918 h 3026888"/>
-              <a:gd name="connsiteX11" fmla="*/ 1593224 w 4221405"/>
-              <a:gd name="connsiteY11" fmla="*/ 2637484 h 3026888"/>
-              <a:gd name="connsiteX12" fmla="*/ 1098643 w 4221405"/>
-              <a:gd name="connsiteY12" fmla="*/ 2896276 h 3026888"/>
-              <a:gd name="connsiteX13" fmla="*/ 253254 w 4221405"/>
-              <a:gd name="connsiteY13" fmla="*/ 2942284 h 3026888"/>
-              <a:gd name="connsiteX14" fmla="*/ 213 w 4221405"/>
-              <a:gd name="connsiteY14" fmla="*/ 1740336 h 3026888"/>
-            </a:gdLst>
-            <a:ahLst/>
-            <a:cxnLst>
-              <a:cxn ang="0">
-                <a:pos x="connsiteX0" y="connsiteY0"/>
-              </a:cxn>
-              <a:cxn ang="0">
-                <a:pos x="connsiteX1" y="connsiteY1"/>
-              </a:cxn>
-              <a:cxn ang="0">
-                <a:pos x="connsiteX2" y="connsiteY2"/>
-              </a:cxn>
-              <a:cxn ang="0">
-                <a:pos x="connsiteX3" y="connsiteY3"/>
-              </a:cxn>
-              <a:cxn ang="0">
-                <a:pos x="connsiteX4" y="connsiteY4"/>
-              </a:cxn>
-              <a:cxn ang="0">
-                <a:pos x="connsiteX5" y="connsiteY5"/>
-              </a:cxn>
-              <a:cxn ang="0">
-                <a:pos x="connsiteX6" y="connsiteY6"/>
-              </a:cxn>
-              <a:cxn ang="0">
-                <a:pos x="connsiteX7" y="connsiteY7"/>
-              </a:cxn>
-              <a:cxn ang="0">
-                <a:pos x="connsiteX8" y="connsiteY8"/>
-              </a:cxn>
-              <a:cxn ang="0">
-                <a:pos x="connsiteX9" y="connsiteY9"/>
-              </a:cxn>
-              <a:cxn ang="0">
-                <a:pos x="connsiteX10" y="connsiteY10"/>
-              </a:cxn>
-              <a:cxn ang="0">
-                <a:pos x="connsiteX11" y="connsiteY11"/>
-              </a:cxn>
-              <a:cxn ang="0">
-                <a:pos x="connsiteX12" y="connsiteY12"/>
-              </a:cxn>
-              <a:cxn ang="0">
-                <a:pos x="connsiteX13" y="connsiteY13"/>
-              </a:cxn>
-              <a:cxn ang="0">
-                <a:pos x="connsiteX14" y="connsiteY14"/>
-              </a:cxn>
-            </a:cxnLst>
-            <a:rect l="l" t="t" r="r" b="b"/>
-            <a:pathLst>
-              <a:path w="4221405" h="3026888">
-                <a:moveTo>
-                  <a:pt x="213" y="1740336"/>
-                </a:moveTo>
-                <a:cubicBezTo>
-                  <a:pt x="5005" y="1501672"/>
-                  <a:pt x="91269" y="1556306"/>
-                  <a:pt x="282009" y="1510299"/>
-                </a:cubicBezTo>
-                <a:cubicBezTo>
-                  <a:pt x="472749" y="1464292"/>
-                  <a:pt x="965413" y="1540012"/>
-                  <a:pt x="1144651" y="1464291"/>
-                </a:cubicBezTo>
-                <a:cubicBezTo>
-                  <a:pt x="1323889" y="1388570"/>
-                  <a:pt x="1331556" y="1243838"/>
-                  <a:pt x="1357435" y="1055974"/>
-                </a:cubicBezTo>
-                <a:cubicBezTo>
-                  <a:pt x="1383314" y="868110"/>
-                  <a:pt x="1236666" y="491423"/>
-                  <a:pt x="1299926" y="337106"/>
-                </a:cubicBezTo>
-                <a:cubicBezTo>
-                  <a:pt x="1363186" y="182789"/>
-                  <a:pt x="1326764" y="172245"/>
-                  <a:pt x="1736998" y="130072"/>
-                </a:cubicBezTo>
-                <a:cubicBezTo>
-                  <a:pt x="2147232" y="87899"/>
-                  <a:pt x="3347262" y="-110509"/>
-                  <a:pt x="3761330" y="84065"/>
-                </a:cubicBezTo>
-                <a:cubicBezTo>
-                  <a:pt x="4175398" y="278639"/>
-                  <a:pt x="4221405" y="877695"/>
-                  <a:pt x="4221405" y="1297514"/>
-                </a:cubicBezTo>
-                <a:cubicBezTo>
-                  <a:pt x="4221405" y="1717333"/>
-                  <a:pt x="4003828" y="2357605"/>
-                  <a:pt x="3761330" y="2602978"/>
-                </a:cubicBezTo>
-                <a:cubicBezTo>
-                  <a:pt x="3518832" y="2848351"/>
-                  <a:pt x="3040545" y="2831098"/>
-                  <a:pt x="2766417" y="2769755"/>
-                </a:cubicBezTo>
-                <a:cubicBezTo>
-                  <a:pt x="2492289" y="2708412"/>
-                  <a:pt x="2312092" y="2256963"/>
-                  <a:pt x="2116560" y="2234918"/>
-                </a:cubicBezTo>
-                <a:cubicBezTo>
-                  <a:pt x="1921028" y="2212873"/>
-                  <a:pt x="1762877" y="2527258"/>
-                  <a:pt x="1593224" y="2637484"/>
-                </a:cubicBezTo>
-                <a:cubicBezTo>
-                  <a:pt x="1423571" y="2747710"/>
-                  <a:pt x="1321971" y="2845476"/>
-                  <a:pt x="1098643" y="2896276"/>
-                </a:cubicBezTo>
-                <a:cubicBezTo>
-                  <a:pt x="875315" y="2947076"/>
-                  <a:pt x="435367" y="3133982"/>
-                  <a:pt x="253254" y="2942284"/>
-                </a:cubicBezTo>
-                <a:cubicBezTo>
-                  <a:pt x="71141" y="2750586"/>
-                  <a:pt x="-4579" y="1979000"/>
-                  <a:pt x="213" y="1740336"/>
-                </a:cubicBezTo>
-                <a:close/>
-              </a:path>
-            </a:pathLst>
-          </a:custGeom>
-          <a:noFill/>
-          <a:ln w="57150">
-            <a:solidFill>
-              <a:srgbClr val="0070C0"/>
-            </a:solidFill>
-          </a:ln>
-        </p:spPr>
-        <p:style>
-          <a:lnRef idx="2">
-            <a:schemeClr val="accent1">
-              <a:shade val="15000"/>
-            </a:schemeClr>
-          </a:lnRef>
-          <a:fillRef idx="1">
-            <a:schemeClr val="accent1"/>
-          </a:fillRef>
-          <a:effectRef idx="0">
-            <a:schemeClr val="accent1"/>
-          </a:effectRef>
-          <a:fontRef idx="minor">
-            <a:schemeClr val="lt1"/>
-          </a:fontRef>
-        </p:style>
-        <p:txBody>
-          <a:bodyPr rtlCol="0" anchor="ctr"/>
-          <a:lstStyle/>
-          <a:p>
-            <a:pPr algn="ctr"/>
-            <a:endParaRPr lang="ko-KR" altLang="en-US"/>
-          </a:p>
-        </p:txBody>
-      </p:sp>
-      <p:sp>
-        <p:nvSpPr>
-          <p:cNvPr id="9" name="자유형: 도형 8">
-            <a:extLst>
-              <a:ext uri="{FF2B5EF4-FFF2-40B4-BE49-F238E27FC236}">
-                <a16:creationId xmlns:a16="http://schemas.microsoft.com/office/drawing/2014/main" id="{8F8B2B15-EEB4-F30F-7CFB-1E73BBC7A277}"/>
-              </a:ext>
-            </a:extLst>
-          </p:cNvPr>
-          <p:cNvSpPr/>
-          <p:nvPr/>
-        </p:nvSpPr>
-        <p:spPr>
-          <a:xfrm>
-            <a:off x="6466581" y="3884892"/>
-            <a:ext cx="3748344" cy="1550454"/>
-          </a:xfrm>
-          <a:custGeom>
-            <a:avLst/>
-            <a:gdLst>
-              <a:gd name="connsiteX0" fmla="*/ 14732 w 3748344"/>
-              <a:gd name="connsiteY0" fmla="*/ 1210444 h 1550454"/>
-              <a:gd name="connsiteX1" fmla="*/ 181510 w 3748344"/>
-              <a:gd name="connsiteY1" fmla="*/ 825131 h 1550454"/>
-              <a:gd name="connsiteX2" fmla="*/ 854370 w 3748344"/>
-              <a:gd name="connsiteY2" fmla="*/ 825131 h 1550454"/>
-              <a:gd name="connsiteX3" fmla="*/ 1515728 w 3748344"/>
-              <a:gd name="connsiteY3" fmla="*/ 652602 h 1550454"/>
-              <a:gd name="connsiteX4" fmla="*/ 1786023 w 3748344"/>
-              <a:gd name="connsiteY4" fmla="*/ 273040 h 1550454"/>
-              <a:gd name="connsiteX5" fmla="*/ 2113827 w 3748344"/>
-              <a:gd name="connsiteY5" fmla="*/ 2746 h 1550454"/>
-              <a:gd name="connsiteX6" fmla="*/ 2384121 w 3748344"/>
-              <a:gd name="connsiteY6" fmla="*/ 439817 h 1550454"/>
-              <a:gd name="connsiteX7" fmla="*/ 2844196 w 3748344"/>
-              <a:gd name="connsiteY7" fmla="*/ 595093 h 1550454"/>
-              <a:gd name="connsiteX8" fmla="*/ 3626325 w 3748344"/>
-              <a:gd name="connsiteY8" fmla="*/ 658353 h 1550454"/>
-              <a:gd name="connsiteX9" fmla="*/ 3683834 w 3748344"/>
-              <a:gd name="connsiteY9" fmla="*/ 1095425 h 1550454"/>
-              <a:gd name="connsiteX10" fmla="*/ 3010974 w 3748344"/>
-              <a:gd name="connsiteY10" fmla="*/ 1526746 h 1550454"/>
-              <a:gd name="connsiteX11" fmla="*/ 348287 w 3748344"/>
-              <a:gd name="connsiteY11" fmla="*/ 1463485 h 1550454"/>
-              <a:gd name="connsiteX12" fmla="*/ 14732 w 3748344"/>
-              <a:gd name="connsiteY12" fmla="*/ 1210444 h 1550454"/>
-            </a:gdLst>
-            <a:ahLst/>
-            <a:cxnLst>
-              <a:cxn ang="0">
-                <a:pos x="connsiteX0" y="connsiteY0"/>
-              </a:cxn>
-              <a:cxn ang="0">
-                <a:pos x="connsiteX1" y="connsiteY1"/>
-              </a:cxn>
-              <a:cxn ang="0">
-                <a:pos x="connsiteX2" y="connsiteY2"/>
-              </a:cxn>
-              <a:cxn ang="0">
-                <a:pos x="connsiteX3" y="connsiteY3"/>
-              </a:cxn>
-              <a:cxn ang="0">
-                <a:pos x="connsiteX4" y="connsiteY4"/>
-              </a:cxn>
-              <a:cxn ang="0">
-                <a:pos x="connsiteX5" y="connsiteY5"/>
-              </a:cxn>
-              <a:cxn ang="0">
-                <a:pos x="connsiteX6" y="connsiteY6"/>
-              </a:cxn>
-              <a:cxn ang="0">
-                <a:pos x="connsiteX7" y="connsiteY7"/>
-              </a:cxn>
-              <a:cxn ang="0">
-                <a:pos x="connsiteX8" y="connsiteY8"/>
-              </a:cxn>
-              <a:cxn ang="0">
-                <a:pos x="connsiteX9" y="connsiteY9"/>
-              </a:cxn>
-              <a:cxn ang="0">
-                <a:pos x="connsiteX10" y="connsiteY10"/>
-              </a:cxn>
-              <a:cxn ang="0">
-                <a:pos x="connsiteX11" y="connsiteY11"/>
-              </a:cxn>
-              <a:cxn ang="0">
-                <a:pos x="connsiteX12" y="connsiteY12"/>
-              </a:cxn>
-            </a:cxnLst>
-            <a:rect l="l" t="t" r="r" b="b"/>
-            <a:pathLst>
-              <a:path w="3748344" h="1550454">
-                <a:moveTo>
-                  <a:pt x="14732" y="1210444"/>
-                </a:moveTo>
-                <a:cubicBezTo>
-                  <a:pt x="-13064" y="1104052"/>
-                  <a:pt x="41570" y="889350"/>
-                  <a:pt x="181510" y="825131"/>
-                </a:cubicBezTo>
-                <a:cubicBezTo>
-                  <a:pt x="321450" y="760912"/>
-                  <a:pt x="632001" y="853886"/>
-                  <a:pt x="854370" y="825131"/>
-                </a:cubicBezTo>
-                <a:cubicBezTo>
-                  <a:pt x="1076739" y="796376"/>
-                  <a:pt x="1360453" y="744617"/>
-                  <a:pt x="1515728" y="652602"/>
-                </a:cubicBezTo>
-                <a:cubicBezTo>
-                  <a:pt x="1671004" y="560587"/>
-                  <a:pt x="1686340" y="381349"/>
-                  <a:pt x="1786023" y="273040"/>
-                </a:cubicBezTo>
-                <a:cubicBezTo>
-                  <a:pt x="1885706" y="164731"/>
-                  <a:pt x="2014144" y="-25050"/>
-                  <a:pt x="2113827" y="2746"/>
-                </a:cubicBezTo>
-                <a:cubicBezTo>
-                  <a:pt x="2213510" y="30542"/>
-                  <a:pt x="2262393" y="341092"/>
-                  <a:pt x="2384121" y="439817"/>
-                </a:cubicBezTo>
-                <a:cubicBezTo>
-                  <a:pt x="2505849" y="538541"/>
-                  <a:pt x="2637162" y="558670"/>
-                  <a:pt x="2844196" y="595093"/>
-                </a:cubicBezTo>
-                <a:cubicBezTo>
-                  <a:pt x="3051230" y="631516"/>
-                  <a:pt x="3486385" y="574964"/>
-                  <a:pt x="3626325" y="658353"/>
-                </a:cubicBezTo>
-                <a:cubicBezTo>
-                  <a:pt x="3766265" y="741742"/>
-                  <a:pt x="3786392" y="950693"/>
-                  <a:pt x="3683834" y="1095425"/>
-                </a:cubicBezTo>
-                <a:cubicBezTo>
-                  <a:pt x="3581276" y="1240157"/>
-                  <a:pt x="3566899" y="1465403"/>
-                  <a:pt x="3010974" y="1526746"/>
-                </a:cubicBezTo>
-                <a:cubicBezTo>
-                  <a:pt x="2455049" y="1588089"/>
-                  <a:pt x="848619" y="1517160"/>
-                  <a:pt x="348287" y="1463485"/>
-                </a:cubicBezTo>
-                <a:cubicBezTo>
-                  <a:pt x="-152045" y="1409810"/>
-                  <a:pt x="42528" y="1316836"/>
-                  <a:pt x="14732" y="1210444"/>
-                </a:cubicBezTo>
-                <a:close/>
-              </a:path>
-            </a:pathLst>
-          </a:custGeom>
-          <a:noFill/>
-          <a:ln w="57150">
-            <a:solidFill>
-              <a:schemeClr val="accent3"/>
-            </a:solidFill>
-          </a:ln>
-        </p:spPr>
-        <p:style>
-          <a:lnRef idx="2">
-            <a:schemeClr val="accent1">
-              <a:shade val="15000"/>
-            </a:schemeClr>
-          </a:lnRef>
-          <a:fillRef idx="1">
-            <a:schemeClr val="accent1"/>
-          </a:fillRef>
-          <a:effectRef idx="0">
-            <a:schemeClr val="accent1"/>
-          </a:effectRef>
-          <a:fontRef idx="minor">
-            <a:schemeClr val="lt1"/>
-          </a:fontRef>
-        </p:style>
-        <p:txBody>
-          <a:bodyPr rtlCol="0" anchor="ctr"/>
-          <a:lstStyle/>
-          <a:p>
-            <a:pPr algn="ctr"/>
-            <a:endParaRPr lang="ko-KR" altLang="en-US"/>
-          </a:p>
-        </p:txBody>
-      </p:sp>
-    </p:spTree>
-    <p:extLst>
-      <p:ext uri="{BB962C8B-B14F-4D97-AF65-F5344CB8AC3E}">
-        <p14:creationId xmlns:p14="http://schemas.microsoft.com/office/powerpoint/2010/main" val="3488259488"/>
-      </p:ext>
-    </p:extLst>
-  </p:cSld>
-  <p:clrMapOvr>
-    <a:masterClrMapping/>
-  </p:clrMapOvr>
-  <p:timing>
-    <p:tnLst>
-      <p:par>
-        <p:cTn id="1" dur="indefinite" restart="never" nodeType="tmRoot">
-          <p:childTnLst>
-            <p:seq concurrent="1" nextAc="seek">
-              <p:cTn id="2" dur="indefinite" nodeType="mainSeq">
-                <p:childTnLst>
-                  <p:par>
-                    <p:cTn id="3" fill="hold">
-                      <p:stCondLst>
-                        <p:cond delay="indefinite"/>
-                      </p:stCondLst>
-                      <p:childTnLst>
-                        <p:par>
-                          <p:cTn id="4" fill="hold">
-                            <p:stCondLst>
-                              <p:cond delay="0"/>
-                            </p:stCondLst>
-                            <p:childTnLst>
-                              <p:par>
-                                <p:cTn id="5" presetID="10" presetClass="entr" presetSubtype="0" fill="hold" grpId="0" nodeType="clickEffect">
-                                  <p:stCondLst>
-                                    <p:cond delay="0"/>
-                                  </p:stCondLst>
-                                  <p:childTnLst>
-                                    <p:set>
-                                      <p:cBhvr>
-                                        <p:cTn id="6" dur="1" fill="hold">
-                                          <p:stCondLst>
-                                            <p:cond delay="0"/>
-                                          </p:stCondLst>
-                                        </p:cTn>
-                                        <p:tgtEl>
-                                          <p:spTgt spid="7"/>
-                                        </p:tgtEl>
-                                        <p:attrNameLst>
-                                          <p:attrName>style.visibility</p:attrName>
-                                        </p:attrNameLst>
-                                      </p:cBhvr>
-                                      <p:to>
-                                        <p:strVal val="visible"/>
-                                      </p:to>
-                                    </p:set>
-                                    <p:animEffect transition="in" filter="fade">
-                                      <p:cBhvr>
-                                        <p:cTn id="7" dur="500"/>
-                                        <p:tgtEl>
-                                          <p:spTgt spid="7"/>
-                                        </p:tgtEl>
-                                      </p:cBhvr>
-                                    </p:animEffect>
-                                  </p:childTnLst>
-                                </p:cTn>
-                              </p:par>
-                              <p:par>
-                                <p:cTn id="8" presetID="10" presetClass="entr" presetSubtype="0" fill="hold" grpId="0" nodeType="withEffect">
-                                  <p:stCondLst>
-                                    <p:cond delay="0"/>
-                                  </p:stCondLst>
-                                  <p:childTnLst>
-                                    <p:set>
-                                      <p:cBhvr>
-                                        <p:cTn id="9" dur="1" fill="hold">
-                                          <p:stCondLst>
-                                            <p:cond delay="0"/>
-                                          </p:stCondLst>
-                                        </p:cTn>
-                                        <p:tgtEl>
-                                          <p:spTgt spid="8"/>
-                                        </p:tgtEl>
-                                        <p:attrNameLst>
-                                          <p:attrName>style.visibility</p:attrName>
-                                        </p:attrNameLst>
-                                      </p:cBhvr>
-                                      <p:to>
-                                        <p:strVal val="visible"/>
-                                      </p:to>
-                                    </p:set>
-                                    <p:animEffect transition="in" filter="fade">
-                                      <p:cBhvr>
-                                        <p:cTn id="10" dur="500"/>
-                                        <p:tgtEl>
-                                          <p:spTgt spid="8"/>
-                                        </p:tgtEl>
-                                      </p:cBhvr>
-                                    </p:animEffect>
-                                  </p:childTnLst>
-                                </p:cTn>
-                              </p:par>
-                              <p:par>
-                                <p:cTn id="11" presetID="10" presetClass="entr" presetSubtype="0" fill="hold" grpId="0" nodeType="withEffect">
-                                  <p:stCondLst>
-                                    <p:cond delay="0"/>
-                                  </p:stCondLst>
-                                  <p:childTnLst>
-                                    <p:set>
-                                      <p:cBhvr>
-                                        <p:cTn id="12" dur="1" fill="hold">
-                                          <p:stCondLst>
-                                            <p:cond delay="0"/>
-                                          </p:stCondLst>
-                                        </p:cTn>
-                                        <p:tgtEl>
-                                          <p:spTgt spid="9"/>
-                                        </p:tgtEl>
-                                        <p:attrNameLst>
-                                          <p:attrName>style.visibility</p:attrName>
-                                        </p:attrNameLst>
-                                      </p:cBhvr>
-                                      <p:to>
-                                        <p:strVal val="visible"/>
-                                      </p:to>
-                                    </p:set>
-                                    <p:animEffect transition="in" filter="fade">
-                                      <p:cBhvr>
-                                        <p:cTn id="13" dur="500"/>
-                                        <p:tgtEl>
-                                          <p:spTgt spid="9"/>
-                                        </p:tgtEl>
-                                      </p:cBhvr>
-                                    </p:animEffect>
-                                  </p:childTnLst>
-                                </p:cTn>
-                              </p:par>
-                            </p:childTnLst>
-                          </p:cTn>
-                        </p:par>
-                      </p:childTnLst>
-                    </p:cTn>
-                  </p:par>
-                </p:childTnLst>
-              </p:cTn>
-              <p:prevCondLst>
-                <p:cond evt="onPrev" delay="0">
-                  <p:tgtEl>
-                    <p:sldTgt/>
-                  </p:tgtEl>
-                </p:cond>
-              </p:prevCondLst>
-              <p:nextCondLst>
-                <p:cond evt="onNext" delay="0">
-                  <p:tgtEl>
-                    <p:sldTgt/>
-                  </p:tgtEl>
-                </p:cond>
-              </p:nextCondLst>
-            </p:seq>
-          </p:childTnLst>
-        </p:cTn>
-      </p:par>
-    </p:tnLst>
-    <p:bldLst>
-      <p:bldP spid="7" grpId="0" animBg="1"/>
-      <p:bldP spid="8" grpId="0" animBg="1"/>
-      <p:bldP spid="9" grpId="0" animBg="1"/>
-    </p:bldLst>
-  </p:timing>
-</p:sld>
-</file>
-
-<file path=ppt/slides/slide5.xml><?xml version="1.0" encoding="utf-8"?>
+<file path=ppt/slides/slide2.xml><?xml version="1.0" encoding="utf-8"?>
 <p:sld xmlns:a="http://schemas.openxmlformats.org/drawingml/2006/main" xmlns:r="http://schemas.openxmlformats.org/officeDocument/2006/relationships" xmlns:p="http://schemas.openxmlformats.org/presentationml/2006/main">
   <p:cSld>
     <p:spTree>
@@ -12245,8 +9591,8 @@
           </a:p>
         </p:txBody>
       </p:sp>
-      <mc:AlternateContent xmlns:mc="http://schemas.openxmlformats.org/markup-compatibility/2006">
-        <mc:Choice xmlns:a14="http://schemas.microsoft.com/office/drawing/2010/main" Requires="a14">
+      <mc:AlternateContent xmlns:mc="http://schemas.openxmlformats.org/markup-compatibility/2006" xmlns:a14="http://schemas.microsoft.com/office/drawing/2010/main">
+        <mc:Choice Requires="a14">
           <p:sp>
             <p:nvSpPr>
               <p:cNvPr id="3" name="내용 개체 틀 2">
@@ -12286,7 +9632,9 @@
                 <a14:m>
                   <m:oMath xmlns:m="http://schemas.openxmlformats.org/officeDocument/2006/math">
                     <m:r>
-                      <a:rPr lang="ko-KR" altLang="en-US" i="1"/>
+                      <a:rPr lang="ko-KR" altLang="en-US" i="1">
+                        <a:latin typeface="Cambria Math" panose="02040503050406030204" pitchFamily="18" charset="0"/>
+                      </a:rPr>
                       <m:t>𝑝</m:t>
                     </m:r>
                   </m:oMath>
@@ -12298,15 +9646,21 @@
                 <a14:m>
                   <m:oMath xmlns:m="http://schemas.openxmlformats.org/officeDocument/2006/math">
                     <m:r>
-                      <a:rPr lang="en-US" altLang="ko-KR"/>
+                      <a:rPr lang="en-US" altLang="ko-KR">
+                        <a:latin typeface="Cambria Math" panose="02040503050406030204" pitchFamily="18" charset="0"/>
+                      </a:rPr>
                       <m:t>1</m:t>
                     </m:r>
                     <m:r>
-                      <a:rPr lang="ko-KR" altLang="en-US"/>
+                      <a:rPr lang="ko-KR" altLang="en-US">
+                        <a:latin typeface="Cambria Math" panose="02040503050406030204" pitchFamily="18" charset="0"/>
+                      </a:rPr>
                       <m:t>−</m:t>
                     </m:r>
                     <m:r>
-                      <a:rPr lang="ko-KR" altLang="en-US" i="1"/>
+                      <a:rPr lang="ko-KR" altLang="en-US" i="1">
+                        <a:latin typeface="Cambria Math" panose="02040503050406030204" pitchFamily="18" charset="0"/>
+                      </a:rPr>
                       <m:t>𝑝</m:t>
                     </m:r>
                   </m:oMath>
@@ -12332,7 +9686,7 @@
             </p:txBody>
           </p:sp>
         </mc:Choice>
-        <mc:Fallback>
+        <mc:Fallback xmlns="">
           <p:sp>
             <p:nvSpPr>
               <p:cNvPr id="3" name="내용 개체 틀 2">
@@ -12623,7 +9977,7 @@
 </p:sld>
 </file>
 
-<file path=ppt/slides/slide6.xml><?xml version="1.0" encoding="utf-8"?>
+<file path=ppt/slides/slide3.xml><?xml version="1.0" encoding="utf-8"?>
 <p:sld xmlns:a="http://schemas.openxmlformats.org/drawingml/2006/main" xmlns:r="http://schemas.openxmlformats.org/officeDocument/2006/relationships" xmlns:p="http://schemas.openxmlformats.org/presentationml/2006/main">
   <p:cSld>
     <p:spTree>
@@ -12700,7 +10054,15 @@
             </a:r>
             <a:r>
               <a:rPr lang="ko-KR" altLang="en-US"/>
-              <a:t>에 따라서 그래프 내 클러스터가 보이는 양상에 관한 이론을 침투 이론이라고 한다</a:t>
+              <a:t>에 따라서 그래프 내 </a:t>
+            </a:r>
+            <a:r>
+              <a:rPr lang="ko-KR" altLang="en-US" b="1"/>
+              <a:t>클러스터</a:t>
+            </a:r>
+            <a:r>
+              <a:rPr lang="ko-KR" altLang="en-US"/>
+              <a:t>가 보이는 양상에 관한 이론을 침투 이론이라고 한다</a:t>
             </a:r>
             <a:r>
               <a:rPr lang="en-US" altLang="ko-KR"/>
@@ -12865,7 +10227,7 @@
 </p:sld>
 </file>
 
-<file path=ppt/slides/slide7.xml><?xml version="1.0" encoding="utf-8"?>
+<file path=ppt/slides/slide4.xml><?xml version="1.0" encoding="utf-8"?>
 <p:sld xmlns:a="http://schemas.openxmlformats.org/drawingml/2006/main" xmlns:r="http://schemas.openxmlformats.org/officeDocument/2006/relationships" xmlns:p="http://schemas.openxmlformats.org/presentationml/2006/main">
   <p:cSld>
     <p:spTree>
@@ -12905,7 +10267,7 @@
           <a:p>
             <a:r>
               <a:rPr lang="ko-KR" altLang="en-US"/>
-              <a:t>침투 이론 모델링 </a:t>
+              <a:t>침투 모델링 </a:t>
             </a:r>
             <a:r>
               <a:rPr lang="en-US" altLang="ko-KR"/>
@@ -12946,7 +10308,23 @@
             </a:pPr>
             <a:r>
               <a:rPr lang="ko-KR" altLang="en-US"/>
-              <a:t>모든 간선의 존재 여부가 </a:t>
+              <a:t>각 간선에 </a:t>
+            </a:r>
+            <a:r>
+              <a:rPr lang="en-US" altLang="ko-KR"/>
+              <a:t>0~1 </a:t>
+            </a:r>
+            <a:r>
+              <a:rPr lang="ko-KR" altLang="en-US"/>
+              <a:t>사이의 랜덤 가중치를 할당하고</a:t>
+            </a:r>
+            <a:r>
+              <a:rPr lang="en-US" altLang="ko-KR"/>
+              <a:t>, </a:t>
+            </a:r>
+            <a:r>
+              <a:rPr lang="ko-KR" altLang="en-US"/>
+              <a:t>가중치가 </a:t>
             </a:r>
             <a:r>
               <a:rPr lang="en-US" altLang="ko-KR"/>
@@ -12954,7 +10332,39 @@
             </a:r>
             <a:r>
               <a:rPr lang="ko-KR" altLang="en-US"/>
-              <a:t>로 결정된다는 것을 좀 더 스마트하게 구현하면 다음과 같다</a:t>
+              <a:t>보다 작으면 간선을 넣고</a:t>
+            </a:r>
+            <a:r>
+              <a:rPr lang="en-US" altLang="ko-KR"/>
+              <a:t>, p</a:t>
+            </a:r>
+            <a:r>
+              <a:rPr lang="ko-KR" altLang="en-US"/>
+              <a:t>보다 크면 넣지 않는다</a:t>
+            </a:r>
+            <a:r>
+              <a:rPr lang="en-US" altLang="ko-KR"/>
+              <a:t>. </a:t>
+            </a:r>
+            <a:r>
+              <a:rPr lang="ko-KR" altLang="en-US"/>
+              <a:t>이렇게 하면 각 간선이 존재할 확률은 </a:t>
+            </a:r>
+            <a:r>
+              <a:rPr lang="en-US" altLang="ko-KR"/>
+              <a:t>p</a:t>
+            </a:r>
+            <a:r>
+              <a:rPr lang="ko-KR" altLang="en-US"/>
+              <a:t>가 되므로</a:t>
+            </a:r>
+            <a:r>
+              <a:rPr lang="en-US" altLang="ko-KR"/>
+              <a:t> </a:t>
+            </a:r>
+            <a:r>
+              <a:rPr lang="ko-KR" altLang="en-US"/>
+              <a:t>올바르게 구현한 것이 된다</a:t>
             </a:r>
             <a:r>
               <a:rPr lang="en-US" altLang="ko-KR"/>
@@ -12968,40 +10378,20 @@
               </a:lnSpc>
             </a:pPr>
             <a:r>
+              <a:rPr lang="en-US" altLang="ko-KR"/>
+              <a:t>(</a:t>
+            </a:r>
+            <a:r>
               <a:rPr lang="ko-KR" altLang="en-US"/>
-              <a:t>각 간선에 </a:t>
+              <a:t>이러한 구현 방법을 </a:t>
             </a:r>
             <a:r>
               <a:rPr lang="en-US" altLang="ko-KR"/>
-              <a:t>0~1 </a:t>
+              <a:t>Coupling </a:t>
             </a:r>
             <a:r>
               <a:rPr lang="ko-KR" altLang="en-US"/>
-              <a:t>사이의 가중치를 할당하고</a:t>
-            </a:r>
-            <a:r>
-              <a:rPr lang="en-US" altLang="ko-KR"/>
-              <a:t>, </a:t>
-            </a:r>
-            <a:r>
-              <a:rPr lang="ko-KR" altLang="en-US"/>
-              <a:t>가중치가 </a:t>
-            </a:r>
-            <a:r>
-              <a:rPr lang="en-US" altLang="ko-KR"/>
-              <a:t>p</a:t>
-            </a:r>
-            <a:r>
-              <a:rPr lang="ko-KR" altLang="en-US"/>
-              <a:t>보다 작으면 간선을 넣고</a:t>
-            </a:r>
-            <a:r>
-              <a:rPr lang="en-US" altLang="ko-KR"/>
-              <a:t>, p</a:t>
-            </a:r>
-            <a:r>
-              <a:rPr lang="ko-KR" altLang="en-US"/>
-              <a:t>보다 크면 넣지 않는다</a:t>
+              <a:t>이라고 한다</a:t>
             </a:r>
             <a:r>
               <a:rPr lang="en-US" altLang="ko-KR"/>
@@ -13009,70 +10399,11 @@
             </a:r>
             <a:r>
               <a:rPr lang="ko-KR" altLang="en-US"/>
-              <a:t>이렇게 하면 각 간선이 존재할 확률은 </a:t>
+              <a:t>여러 개의 확률 변수를 하나의 확률 변수에 종속 시키는 방법</a:t>
             </a:r>
             <a:r>
               <a:rPr lang="en-US" altLang="ko-KR"/>
-              <a:t>p</a:t>
-            </a:r>
-            <a:r>
-              <a:rPr lang="ko-KR" altLang="en-US"/>
-              <a:t>가 되므로</a:t>
-            </a:r>
-            <a:r>
-              <a:rPr lang="en-US" altLang="ko-KR"/>
-              <a:t> </a:t>
-            </a:r>
-            <a:r>
-              <a:rPr lang="ko-KR" altLang="en-US"/>
-              <a:t>올바르게 구현한 것이 된다</a:t>
-            </a:r>
-            <a:r>
-              <a:rPr lang="en-US" altLang="ko-KR"/>
-              <a:t>.</a:t>
-            </a:r>
-          </a:p>
-          <a:p>
-            <a:pPr>
-              <a:lnSpc>
-                <a:spcPct val="100000"/>
-              </a:lnSpc>
-            </a:pPr>
-            <a:r>
-              <a:rPr lang="en-US" altLang="ko-KR"/>
-              <a:t>(</a:t>
-            </a:r>
-            <a:r>
-              <a:rPr lang="ko-KR" altLang="en-US"/>
-              <a:t>이러한 구현 방법을 </a:t>
-            </a:r>
-            <a:r>
-              <a:rPr lang="en-US" altLang="ko-KR"/>
-              <a:t>Coupling </a:t>
-            </a:r>
-            <a:r>
-              <a:rPr lang="ko-KR" altLang="en-US"/>
-              <a:t>이라고 한다</a:t>
-            </a:r>
-            <a:r>
-              <a:rPr lang="en-US" altLang="ko-KR"/>
-              <a:t>. </a:t>
-            </a:r>
-            <a:r>
-              <a:rPr lang="ko-KR" altLang="en-US"/>
-              <a:t>여러 개의 확률 변수를 하나의 확률 변수에 종속 시키는 방법</a:t>
-            </a:r>
-            <a:r>
-              <a:rPr lang="en-US" altLang="ko-KR"/>
-              <a:t>. </a:t>
-            </a:r>
-            <a:r>
-              <a:rPr lang="ko-KR" altLang="en-US"/>
-              <a:t>나중에 또 나온다</a:t>
-            </a:r>
-            <a:r>
-              <a:rPr lang="en-US" altLang="ko-KR"/>
-              <a:t>.)</a:t>
+              <a:t> )</a:t>
             </a:r>
           </a:p>
         </p:txBody>
@@ -13090,7 +10421,7 @@
 </p:sld>
 </file>
 
-<file path=ppt/slides/slide8.xml><?xml version="1.0" encoding="utf-8"?>
+<file path=ppt/slides/slide5.xml><?xml version="1.0" encoding="utf-8"?>
 <p:sld xmlns:a="http://schemas.openxmlformats.org/drawingml/2006/main" xmlns:r="http://schemas.openxmlformats.org/officeDocument/2006/relationships" xmlns:p="http://schemas.openxmlformats.org/presentationml/2006/main">
   <p:cSld>
     <p:spTree>
@@ -13546,7 +10877,7 @@
 </p:sld>
 </file>
 
-<file path=ppt/slides/slide9.xml><?xml version="1.0" encoding="utf-8"?>
+<file path=ppt/slides/slide6.xml><?xml version="1.0" encoding="utf-8"?>
 <p:sld xmlns:a="http://schemas.openxmlformats.org/drawingml/2006/main" xmlns:r="http://schemas.openxmlformats.org/officeDocument/2006/relationships" xmlns:p="http://schemas.openxmlformats.org/presentationml/2006/main">
   <p:cSld>
     <p:spTree>
@@ -13609,40 +10940,17 @@
                 <p:ph idx="1"/>
               </p:nvPr>
             </p:nvSpPr>
-            <p:spPr/>
+            <p:spPr>
+              <a:xfrm>
+                <a:off x="838200" y="2622312"/>
+                <a:ext cx="10515600" cy="4351338"/>
+              </a:xfrm>
+            </p:spPr>
             <p:txBody>
               <a:bodyPr>
                 <a:normAutofit/>
               </a:bodyPr>
               <a:lstStyle/>
-              <a:p>
-                <a:r>
-                  <a:rPr lang="ko-KR" altLang="en-US"/>
-                  <a:t>이징 모델과 비슷하게 퍼콜레이션 모델에서도 </a:t>
-                </a:r>
-                <a:r>
-                  <a:rPr lang="en-US" altLang="ko-KR"/>
-                  <a:t>p</a:t>
-                </a:r>
-                <a:r>
-                  <a:rPr lang="ko-KR" altLang="en-US"/>
-                  <a:t>가 특정 값을 넘어가면 거대한 클러스터가 나오기 시작한다</a:t>
-                </a:r>
-                <a:r>
-                  <a:rPr lang="en-US" altLang="ko-KR"/>
-                  <a:t>.</a:t>
-                </a:r>
-              </a:p>
-              <a:p>
-                <a:r>
-                  <a:rPr lang="ko-KR" altLang="en-US"/>
-                  <a:t>이러한 상전이 현상은 다음과 같이 서술할 수 있다</a:t>
-                </a:r>
-                <a:r>
-                  <a:rPr lang="en-US" altLang="ko-KR"/>
-                  <a:t>.</a:t>
-                </a:r>
-              </a:p>
               <a:p>
                 <a:pPr marL="0" indent="0">
                   <a:buNone/>
@@ -13919,10 +11227,14 @@
               </p:nvPr>
             </p:nvSpPr>
             <p:spPr>
+              <a:xfrm>
+                <a:off x="838200" y="2622312"/>
+                <a:ext cx="10515600" cy="4351338"/>
+              </a:xfrm>
               <a:blipFill>
                 <a:blip r:embed="rId3"/>
                 <a:stretch>
-                  <a:fillRect l="-1043" t="-2661" r="-464"/>
+                  <a:fillRect l="-1043"/>
                 </a:stretch>
               </a:blipFill>
             </p:spPr>
@@ -13955,7 +11267,7 @@
         </p:nvSpPr>
         <p:spPr>
           <a:xfrm>
-            <a:off x="8424533" y="2244770"/>
+            <a:off x="838200" y="1690688"/>
             <a:ext cx="1459054" cy="369332"/>
           </a:xfrm>
           <a:prstGeom prst="rect">
@@ -13985,6 +11297,1437 @@
     <p:extLst>
       <p:ext uri="{BB962C8B-B14F-4D97-AF65-F5344CB8AC3E}">
         <p14:creationId xmlns:p14="http://schemas.microsoft.com/office/powerpoint/2010/main" val="3286185719"/>
+      </p:ext>
+    </p:extLst>
+  </p:cSld>
+  <p:clrMapOvr>
+    <a:masterClrMapping/>
+  </p:clrMapOvr>
+</p:sld>
+</file>
+
+<file path=ppt/slides/slide7.xml><?xml version="1.0" encoding="utf-8"?>
+<p:sld xmlns:a="http://schemas.openxmlformats.org/drawingml/2006/main" xmlns:r="http://schemas.openxmlformats.org/officeDocument/2006/relationships" xmlns:p="http://schemas.openxmlformats.org/presentationml/2006/main">
+  <p:cSld>
+    <p:spTree>
+      <p:nvGrpSpPr>
+        <p:cNvPr id="1" name="">
+          <a:extLst>
+            <a:ext uri="{FF2B5EF4-FFF2-40B4-BE49-F238E27FC236}">
+              <a16:creationId xmlns:a16="http://schemas.microsoft.com/office/drawing/2014/main" id="{AC4C5F22-7DF4-2A49-E158-3A176E89B6BE}"/>
+            </a:ext>
+          </a:extLst>
+        </p:cNvPr>
+        <p:cNvGrpSpPr/>
+        <p:nvPr/>
+      </p:nvGrpSpPr>
+      <p:grpSpPr>
+        <a:xfrm>
+          <a:off x="0" y="0"/>
+          <a:ext cx="0" cy="0"/>
+          <a:chOff x="0" y="0"/>
+          <a:chExt cx="0" cy="0"/>
+        </a:xfrm>
+      </p:grpSpPr>
+      <p:sp>
+        <p:nvSpPr>
+          <p:cNvPr id="2" name="제목 1">
+            <a:extLst>
+              <a:ext uri="{FF2B5EF4-FFF2-40B4-BE49-F238E27FC236}">
+                <a16:creationId xmlns:a16="http://schemas.microsoft.com/office/drawing/2014/main" id="{4B5FB6D1-89FF-531B-11DB-966DB06DC471}"/>
+              </a:ext>
+            </a:extLst>
+          </p:cNvPr>
+          <p:cNvSpPr>
+            <a:spLocks noGrp="1"/>
+          </p:cNvSpPr>
+          <p:nvPr>
+            <p:ph type="title"/>
+          </p:nvPr>
+        </p:nvSpPr>
+        <p:spPr/>
+        <p:txBody>
+          <a:bodyPr/>
+          <a:lstStyle/>
+          <a:p>
+            <a:r>
+              <a:rPr lang="ko-KR" altLang="en-US"/>
+              <a:t>상전이 현상 </a:t>
+            </a:r>
+            <a:r>
+              <a:rPr lang="en-US" altLang="ko-KR"/>
+              <a:t>: </a:t>
+            </a:r>
+            <a:r>
+              <a:rPr lang="ko-KR" altLang="en-US"/>
+              <a:t>증명</a:t>
+            </a:r>
+          </a:p>
+        </p:txBody>
+      </p:sp>
+      <p:sp>
+        <p:nvSpPr>
+          <p:cNvPr id="3" name="내용 개체 틀 2">
+            <a:extLst>
+              <a:ext uri="{FF2B5EF4-FFF2-40B4-BE49-F238E27FC236}">
+                <a16:creationId xmlns:a16="http://schemas.microsoft.com/office/drawing/2014/main" id="{C7A852A6-B040-2325-27A1-D371BAD16C72}"/>
+              </a:ext>
+            </a:extLst>
+          </p:cNvPr>
+          <p:cNvSpPr>
+            <a:spLocks noGrp="1"/>
+          </p:cNvSpPr>
+          <p:nvPr>
+            <p:ph idx="1"/>
+          </p:nvPr>
+        </p:nvSpPr>
+        <p:spPr/>
+        <p:txBody>
+          <a:bodyPr>
+            <a:normAutofit/>
+          </a:bodyPr>
+          <a:lstStyle/>
+          <a:p>
+            <a:pPr marL="0" indent="0">
+              <a:buNone/>
+            </a:pPr>
+            <a:endParaRPr lang="en-US" altLang="ko-KR"/>
+          </a:p>
+          <a:p>
+            <a:r>
+              <a:rPr lang="en-US" altLang="ko-KR"/>
+              <a:t>Kolmogorov's zero–one law  : </a:t>
+            </a:r>
+            <a:r>
+              <a:rPr lang="ko-KR" altLang="en-US"/>
+              <a:t>무한한 독립 과정에서 장기적 특성이 나타날 확률은 </a:t>
+            </a:r>
+            <a:r>
+              <a:rPr lang="en-US" altLang="ko-KR"/>
+              <a:t>0</a:t>
+            </a:r>
+            <a:r>
+              <a:rPr lang="ko-KR" altLang="en-US"/>
+              <a:t>또는 </a:t>
+            </a:r>
+            <a:r>
+              <a:rPr lang="en-US" altLang="ko-KR"/>
+              <a:t>1</a:t>
+            </a:r>
+            <a:r>
+              <a:rPr lang="ko-KR" altLang="en-US"/>
+              <a:t>이다</a:t>
+            </a:r>
+            <a:r>
+              <a:rPr lang="en-US" altLang="ko-KR"/>
+              <a:t>.</a:t>
+            </a:r>
+          </a:p>
+          <a:p>
+            <a:r>
+              <a:rPr lang="ko-KR" altLang="en-US"/>
+              <a:t>따라서 </a:t>
+            </a:r>
+            <a:r>
+              <a:rPr lang="en-US" altLang="ko-KR"/>
+              <a:t>“</a:t>
+            </a:r>
+            <a:r>
+              <a:rPr lang="ko-KR" altLang="en-US"/>
+              <a:t>무한한 클러스터가 존재하는</a:t>
+            </a:r>
+            <a:r>
+              <a:rPr lang="en-US" altLang="ko-KR"/>
+              <a:t> </a:t>
+            </a:r>
+            <a:r>
+              <a:rPr lang="ko-KR" altLang="en-US"/>
+              <a:t>사건</a:t>
+            </a:r>
+            <a:r>
+              <a:rPr lang="en-US" altLang="ko-KR"/>
+              <a:t>”</a:t>
+            </a:r>
+            <a:r>
+              <a:rPr lang="ko-KR" altLang="en-US"/>
+              <a:t>이 발생할 확률은 </a:t>
+            </a:r>
+            <a:r>
+              <a:rPr lang="en-US" altLang="ko-KR"/>
+              <a:t>0 </a:t>
+            </a:r>
+            <a:r>
+              <a:rPr lang="ko-KR" altLang="en-US"/>
+              <a:t>또는 </a:t>
+            </a:r>
+            <a:r>
+              <a:rPr lang="en-US" altLang="ko-KR"/>
+              <a:t>1</a:t>
+            </a:r>
+            <a:r>
+              <a:rPr lang="ko-KR" altLang="en-US"/>
+              <a:t>이다</a:t>
+            </a:r>
+            <a:r>
+              <a:rPr lang="en-US" altLang="ko-KR"/>
+              <a:t>. </a:t>
+            </a:r>
+          </a:p>
+          <a:p>
+            <a:endParaRPr lang="en-US" altLang="ko-KR"/>
+          </a:p>
+          <a:p>
+            <a:endParaRPr lang="en-US" altLang="ko-KR"/>
+          </a:p>
+          <a:p>
+            <a:endParaRPr lang="en-US" altLang="ko-KR"/>
+          </a:p>
+          <a:p>
+            <a:endParaRPr lang="en-US" altLang="ko-KR"/>
+          </a:p>
+        </p:txBody>
+      </p:sp>
+    </p:spTree>
+    <p:extLst>
+      <p:ext uri="{BB962C8B-B14F-4D97-AF65-F5344CB8AC3E}">
+        <p14:creationId xmlns:p14="http://schemas.microsoft.com/office/powerpoint/2010/main" val="3262323319"/>
+      </p:ext>
+    </p:extLst>
+  </p:cSld>
+  <p:clrMapOvr>
+    <a:masterClrMapping/>
+  </p:clrMapOvr>
+</p:sld>
+</file>
+
+<file path=ppt/slides/slide8.xml><?xml version="1.0" encoding="utf-8"?>
+<p:sld xmlns:a="http://schemas.openxmlformats.org/drawingml/2006/main" xmlns:r="http://schemas.openxmlformats.org/officeDocument/2006/relationships" xmlns:p="http://schemas.openxmlformats.org/presentationml/2006/main">
+  <p:cSld>
+    <p:spTree>
+      <p:nvGrpSpPr>
+        <p:cNvPr id="1" name=""/>
+        <p:cNvGrpSpPr/>
+        <p:nvPr/>
+      </p:nvGrpSpPr>
+      <p:grpSpPr>
+        <a:xfrm>
+          <a:off x="0" y="0"/>
+          <a:ext cx="0" cy="0"/>
+          <a:chOff x="0" y="0"/>
+          <a:chExt cx="0" cy="0"/>
+        </a:xfrm>
+      </p:grpSpPr>
+      <p:sp>
+        <p:nvSpPr>
+          <p:cNvPr id="2" name="제목 1">
+            <a:extLst>
+              <a:ext uri="{FF2B5EF4-FFF2-40B4-BE49-F238E27FC236}">
+                <a16:creationId xmlns:a16="http://schemas.microsoft.com/office/drawing/2014/main" id="{CDF07F89-B45A-DE24-F54C-3DB294E6105A}"/>
+              </a:ext>
+            </a:extLst>
+          </p:cNvPr>
+          <p:cNvSpPr>
+            <a:spLocks noGrp="1"/>
+          </p:cNvSpPr>
+          <p:nvPr>
+            <p:ph type="title"/>
+          </p:nvPr>
+        </p:nvSpPr>
+        <p:spPr/>
+        <p:txBody>
+          <a:bodyPr/>
+          <a:lstStyle/>
+          <a:p>
+            <a:r>
+              <a:rPr lang="ko-KR" altLang="en-US"/>
+              <a:t>상전이 현상 </a:t>
+            </a:r>
+            <a:r>
+              <a:rPr lang="en-US" altLang="ko-KR"/>
+              <a:t>: </a:t>
+            </a:r>
+            <a:r>
+              <a:rPr lang="ko-KR" altLang="en-US"/>
+              <a:t>증명</a:t>
+            </a:r>
+          </a:p>
+        </p:txBody>
+      </p:sp>
+      <mc:AlternateContent xmlns:mc="http://schemas.openxmlformats.org/markup-compatibility/2006" xmlns:a14="http://schemas.microsoft.com/office/drawing/2010/main">
+        <mc:Choice Requires="a14">
+          <p:sp>
+            <p:nvSpPr>
+              <p:cNvPr id="3" name="내용 개체 틀 2">
+                <a:extLst>
+                  <a:ext uri="{FF2B5EF4-FFF2-40B4-BE49-F238E27FC236}">
+                    <a16:creationId xmlns:a16="http://schemas.microsoft.com/office/drawing/2014/main" id="{0AE7480B-9CDC-553B-8F34-0F6E92A7E7DA}"/>
+                  </a:ext>
+                </a:extLst>
+              </p:cNvPr>
+              <p:cNvSpPr>
+                <a:spLocks noGrp="1"/>
+              </p:cNvSpPr>
+              <p:nvPr>
+                <p:ph idx="1"/>
+              </p:nvPr>
+            </p:nvSpPr>
+            <p:spPr>
+              <a:xfrm>
+                <a:off x="838200" y="1618524"/>
+                <a:ext cx="10515600" cy="4351338"/>
+              </a:xfrm>
+            </p:spPr>
+            <p:txBody>
+              <a:bodyPr/>
+              <a:lstStyle/>
+              <a:p>
+                <a14:m>
+                  <m:oMath xmlns:m="http://schemas.openxmlformats.org/officeDocument/2006/math">
+                    <m:r>
+                      <a:rPr lang="en-US" altLang="ko-KR" i="1">
+                        <a:latin typeface="Cambria Math" panose="02040503050406030204" pitchFamily="18" charset="0"/>
+                      </a:rPr>
+                      <m:t>𝑝</m:t>
+                    </m:r>
+                    <m:r>
+                      <a:rPr lang="en-US" altLang="ko-KR" i="1">
+                        <a:latin typeface="Cambria Math" panose="02040503050406030204" pitchFamily="18" charset="0"/>
+                      </a:rPr>
+                      <m:t>=0</m:t>
+                    </m:r>
+                  </m:oMath>
+                </a14:m>
+                <a:r>
+                  <a:rPr lang="ko-KR" altLang="en-US"/>
+                  <a:t>이면 각 점들이 독립적으로 클러스터가 되므로 무한 클러스터는 존재하지 않는다</a:t>
+                </a:r>
+                <a:r>
+                  <a:rPr lang="en-US" altLang="ko-KR"/>
+                  <a:t>.</a:t>
+                </a:r>
+              </a:p>
+              <a:p>
+                <a14:m>
+                  <m:oMath xmlns:m="http://schemas.openxmlformats.org/officeDocument/2006/math">
+                    <m:r>
+                      <a:rPr lang="en-US" altLang="ko-KR" i="1">
+                        <a:latin typeface="Cambria Math" panose="02040503050406030204" pitchFamily="18" charset="0"/>
+                      </a:rPr>
+                      <m:t>𝑝</m:t>
+                    </m:r>
+                    <m:r>
+                      <a:rPr lang="en-US" altLang="ko-KR" i="1">
+                        <a:latin typeface="Cambria Math" panose="02040503050406030204" pitchFamily="18" charset="0"/>
+                      </a:rPr>
+                      <m:t>=1</m:t>
+                    </m:r>
+                  </m:oMath>
+                </a14:m>
+                <a:r>
+                  <a:rPr lang="ko-KR" altLang="en-US"/>
+                  <a:t>이면</a:t>
+                </a:r>
+                <a:r>
+                  <a:rPr lang="en-US" altLang="ko-KR"/>
+                  <a:t>, </a:t>
+                </a:r>
+                <a:r>
+                  <a:rPr lang="ko-KR" altLang="en-US"/>
+                  <a:t>그래프 내의 모든 간선이 존재하므로 그래프 자체가 하나의 무한 클러스터가 된다</a:t>
+                </a:r>
+                <a:r>
+                  <a:rPr lang="en-US" altLang="ko-KR"/>
+                  <a:t>. </a:t>
+                </a:r>
+                <a:endParaRPr lang="en-US" altLang="ko-KR" b="0" i="1">
+                  <a:latin typeface="Cambria Math" panose="02040503050406030204" pitchFamily="18" charset="0"/>
+                </a:endParaRPr>
+              </a:p>
+              <a:p>
+                <a14:m>
+                  <m:oMath xmlns:m="http://schemas.openxmlformats.org/officeDocument/2006/math">
+                    <m:sSub>
+                      <m:sSubPr>
+                        <m:ctrlPr>
+                          <a:rPr lang="en-US" altLang="ko-KR" b="0" i="1" smtClean="0">
+                            <a:latin typeface="Cambria Math" panose="02040503050406030204" pitchFamily="18" charset="0"/>
+                          </a:rPr>
+                        </m:ctrlPr>
+                      </m:sSubPr>
+                      <m:e>
+                        <m:r>
+                          <a:rPr lang="en-US" altLang="ko-KR" b="0" i="1" smtClean="0">
+                            <a:latin typeface="Cambria Math" panose="02040503050406030204" pitchFamily="18" charset="0"/>
+                          </a:rPr>
+                          <m:t>𝑝</m:t>
+                        </m:r>
+                      </m:e>
+                      <m:sub>
+                        <m:r>
+                          <a:rPr lang="en-US" altLang="ko-KR" b="0" i="1" smtClean="0">
+                            <a:latin typeface="Cambria Math" panose="02040503050406030204" pitchFamily="18" charset="0"/>
+                          </a:rPr>
+                          <m:t>1</m:t>
+                        </m:r>
+                      </m:sub>
+                    </m:sSub>
+                    <m:r>
+                      <a:rPr lang="en-US" altLang="ko-KR" b="0" i="1" smtClean="0">
+                        <a:latin typeface="Cambria Math" panose="02040503050406030204" pitchFamily="18" charset="0"/>
+                      </a:rPr>
+                      <m:t>&lt;</m:t>
+                    </m:r>
+                    <m:sSub>
+                      <m:sSubPr>
+                        <m:ctrlPr>
+                          <a:rPr lang="en-US" altLang="ko-KR" b="0" i="1" smtClean="0">
+                            <a:latin typeface="Cambria Math" panose="02040503050406030204" pitchFamily="18" charset="0"/>
+                          </a:rPr>
+                        </m:ctrlPr>
+                      </m:sSubPr>
+                      <m:e>
+                        <m:r>
+                          <a:rPr lang="en-US" altLang="ko-KR" b="0" i="1" smtClean="0">
+                            <a:latin typeface="Cambria Math" panose="02040503050406030204" pitchFamily="18" charset="0"/>
+                          </a:rPr>
+                          <m:t>𝑝</m:t>
+                        </m:r>
+                      </m:e>
+                      <m:sub>
+                        <m:r>
+                          <a:rPr lang="en-US" altLang="ko-KR" b="0" i="1" smtClean="0">
+                            <a:latin typeface="Cambria Math" panose="02040503050406030204" pitchFamily="18" charset="0"/>
+                          </a:rPr>
+                          <m:t>2</m:t>
+                        </m:r>
+                      </m:sub>
+                    </m:sSub>
+                  </m:oMath>
+                </a14:m>
+                <a:r>
+                  <a:rPr lang="ko-KR" altLang="en-US"/>
+                  <a:t>에 대해서 </a:t>
+                </a:r>
+                <a14:m>
+                  <m:oMath xmlns:m="http://schemas.openxmlformats.org/officeDocument/2006/math">
+                    <m:r>
+                      <a:rPr lang="en-US" altLang="ko-KR" b="0" i="1" smtClean="0">
+                        <a:latin typeface="Cambria Math" panose="02040503050406030204" pitchFamily="18" charset="0"/>
+                      </a:rPr>
+                      <m:t>𝐺</m:t>
+                    </m:r>
+                    <m:r>
+                      <a:rPr lang="en-US" altLang="ko-KR" b="0" i="1" smtClean="0">
+                        <a:latin typeface="Cambria Math" panose="02040503050406030204" pitchFamily="18" charset="0"/>
+                      </a:rPr>
+                      <m:t>(</m:t>
+                    </m:r>
+                    <m:sSub>
+                      <m:sSubPr>
+                        <m:ctrlPr>
+                          <a:rPr lang="en-US" altLang="ko-KR" b="0" i="1" smtClean="0">
+                            <a:latin typeface="Cambria Math" panose="02040503050406030204" pitchFamily="18" charset="0"/>
+                          </a:rPr>
+                        </m:ctrlPr>
+                      </m:sSubPr>
+                      <m:e>
+                        <m:r>
+                          <a:rPr lang="en-US" altLang="ko-KR" b="0" i="1" smtClean="0">
+                            <a:latin typeface="Cambria Math" panose="02040503050406030204" pitchFamily="18" charset="0"/>
+                          </a:rPr>
+                          <m:t>𝑝</m:t>
+                        </m:r>
+                      </m:e>
+                      <m:sub>
+                        <m:r>
+                          <a:rPr lang="en-US" altLang="ko-KR" b="0" i="1" smtClean="0">
+                            <a:latin typeface="Cambria Math" panose="02040503050406030204" pitchFamily="18" charset="0"/>
+                          </a:rPr>
+                          <m:t>1</m:t>
+                        </m:r>
+                      </m:sub>
+                    </m:sSub>
+                    <m:r>
+                      <a:rPr lang="en-US" altLang="ko-KR" b="0" i="1" smtClean="0">
+                        <a:latin typeface="Cambria Math" panose="02040503050406030204" pitchFamily="18" charset="0"/>
+                      </a:rPr>
+                      <m:t>)</m:t>
+                    </m:r>
+                    <m:r>
+                      <a:rPr lang="ko-KR" altLang="en-US" i="1">
+                        <a:latin typeface="Cambria Math" panose="02040503050406030204" pitchFamily="18" charset="0"/>
+                      </a:rPr>
+                      <m:t>이</m:t>
+                    </m:r>
+                  </m:oMath>
+                </a14:m>
+                <a:r>
+                  <a:rPr lang="ko-KR" altLang="en-US"/>
+                  <a:t> </a:t>
+                </a:r>
+                <a14:m>
+                  <m:oMath xmlns:m="http://schemas.openxmlformats.org/officeDocument/2006/math">
+                    <m:r>
+                      <a:rPr lang="en-US" altLang="ko-KR" b="0" i="1" smtClean="0">
+                        <a:latin typeface="Cambria Math" panose="02040503050406030204" pitchFamily="18" charset="0"/>
+                      </a:rPr>
+                      <m:t>𝐺</m:t>
+                    </m:r>
+                    <m:r>
+                      <a:rPr lang="en-US" altLang="ko-KR" b="0" i="1" smtClean="0">
+                        <a:latin typeface="Cambria Math" panose="02040503050406030204" pitchFamily="18" charset="0"/>
+                      </a:rPr>
+                      <m:t>(</m:t>
+                    </m:r>
+                    <m:sSub>
+                      <m:sSubPr>
+                        <m:ctrlPr>
+                          <a:rPr lang="en-US" altLang="ko-KR" b="0" i="1" smtClean="0">
+                            <a:latin typeface="Cambria Math" panose="02040503050406030204" pitchFamily="18" charset="0"/>
+                          </a:rPr>
+                        </m:ctrlPr>
+                      </m:sSubPr>
+                      <m:e>
+                        <m:r>
+                          <a:rPr lang="en-US" altLang="ko-KR" b="0" i="1" smtClean="0">
+                            <a:latin typeface="Cambria Math" panose="02040503050406030204" pitchFamily="18" charset="0"/>
+                          </a:rPr>
+                          <m:t>𝑝</m:t>
+                        </m:r>
+                      </m:e>
+                      <m:sub>
+                        <m:r>
+                          <a:rPr lang="en-US" altLang="ko-KR" b="0" i="1" smtClean="0">
+                            <a:latin typeface="Cambria Math" panose="02040503050406030204" pitchFamily="18" charset="0"/>
+                          </a:rPr>
+                          <m:t>2</m:t>
+                        </m:r>
+                      </m:sub>
+                    </m:sSub>
+                    <m:r>
+                      <a:rPr lang="en-US" altLang="ko-KR" b="0" i="1" smtClean="0">
+                        <a:latin typeface="Cambria Math" panose="02040503050406030204" pitchFamily="18" charset="0"/>
+                      </a:rPr>
+                      <m:t>)</m:t>
+                    </m:r>
+                  </m:oMath>
+                </a14:m>
+                <a:r>
+                  <a:rPr lang="ko-KR" altLang="en-US"/>
+                  <a:t>의 부분 그래프이므로 </a:t>
+                </a:r>
+                <a14:m>
+                  <m:oMath xmlns:m="http://schemas.openxmlformats.org/officeDocument/2006/math">
+                    <m:sSub>
+                      <m:sSubPr>
+                        <m:ctrlPr>
+                          <a:rPr lang="en-US" altLang="ko-KR" b="0" i="1" smtClean="0">
+                            <a:latin typeface="Cambria Math" panose="02040503050406030204" pitchFamily="18" charset="0"/>
+                          </a:rPr>
+                        </m:ctrlPr>
+                      </m:sSubPr>
+                      <m:e>
+                        <m:r>
+                          <a:rPr lang="en-US" altLang="ko-KR" b="0" i="1" smtClean="0">
+                            <a:latin typeface="Cambria Math" panose="02040503050406030204" pitchFamily="18" charset="0"/>
+                          </a:rPr>
+                          <m:t>𝑝</m:t>
+                        </m:r>
+                      </m:e>
+                      <m:sub>
+                        <m:r>
+                          <a:rPr lang="en-US" altLang="ko-KR" b="0" i="1" smtClean="0">
+                            <a:latin typeface="Cambria Math" panose="02040503050406030204" pitchFamily="18" charset="0"/>
+                          </a:rPr>
+                          <m:t>1</m:t>
+                        </m:r>
+                      </m:sub>
+                    </m:sSub>
+                  </m:oMath>
+                </a14:m>
+                <a:r>
+                  <a:rPr lang="ko-KR" altLang="en-US"/>
+                  <a:t>일 때 무한 클러스터가 존재하면 </a:t>
+                </a:r>
+                <a14:m>
+                  <m:oMath xmlns:m="http://schemas.openxmlformats.org/officeDocument/2006/math">
+                    <m:sSub>
+                      <m:sSubPr>
+                        <m:ctrlPr>
+                          <a:rPr lang="en-US" altLang="ko-KR" b="0" i="1" smtClean="0">
+                            <a:latin typeface="Cambria Math" panose="02040503050406030204" pitchFamily="18" charset="0"/>
+                          </a:rPr>
+                        </m:ctrlPr>
+                      </m:sSubPr>
+                      <m:e>
+                        <m:r>
+                          <a:rPr lang="en-US" altLang="ko-KR" b="0" i="1" smtClean="0">
+                            <a:latin typeface="Cambria Math" panose="02040503050406030204" pitchFamily="18" charset="0"/>
+                          </a:rPr>
+                          <m:t>𝑝</m:t>
+                        </m:r>
+                      </m:e>
+                      <m:sub>
+                        <m:r>
+                          <a:rPr lang="en-US" altLang="ko-KR" b="0" i="1" smtClean="0">
+                            <a:latin typeface="Cambria Math" panose="02040503050406030204" pitchFamily="18" charset="0"/>
+                          </a:rPr>
+                          <m:t>2</m:t>
+                        </m:r>
+                      </m:sub>
+                    </m:sSub>
+                  </m:oMath>
+                </a14:m>
+                <a:r>
+                  <a:rPr lang="ko-KR" altLang="en-US"/>
+                  <a:t>일 때도 존재한다</a:t>
+                </a:r>
+                <a:r>
+                  <a:rPr lang="en-US" altLang="ko-KR"/>
+                  <a:t>.</a:t>
+                </a:r>
+              </a:p>
+              <a:p>
+                <a:r>
+                  <a:rPr lang="ko-KR" altLang="en-US"/>
+                  <a:t>따라서 중간에 무한클러스터의 존재여부가 바뀌는 지점 </a:t>
+                </a:r>
+                <a14:m>
+                  <m:oMath xmlns:m="http://schemas.openxmlformats.org/officeDocument/2006/math">
+                    <m:sSub>
+                      <m:sSubPr>
+                        <m:ctrlPr>
+                          <a:rPr lang="en-US" altLang="ko-KR" b="0" i="1" smtClean="0">
+                            <a:latin typeface="Cambria Math" panose="02040503050406030204" pitchFamily="18" charset="0"/>
+                          </a:rPr>
+                        </m:ctrlPr>
+                      </m:sSubPr>
+                      <m:e>
+                        <m:r>
+                          <a:rPr lang="en-US" altLang="ko-KR" b="0" i="1" smtClean="0">
+                            <a:latin typeface="Cambria Math" panose="02040503050406030204" pitchFamily="18" charset="0"/>
+                          </a:rPr>
+                          <m:t>𝑝</m:t>
+                        </m:r>
+                      </m:e>
+                      <m:sub>
+                        <m:r>
+                          <a:rPr lang="en-US" altLang="ko-KR" b="0" i="1" smtClean="0">
+                            <a:latin typeface="Cambria Math" panose="02040503050406030204" pitchFamily="18" charset="0"/>
+                          </a:rPr>
+                          <m:t>𝑐</m:t>
+                        </m:r>
+                      </m:sub>
+                    </m:sSub>
+                  </m:oMath>
+                </a14:m>
+                <a:r>
+                  <a:rPr lang="ko-KR" altLang="en-US"/>
+                  <a:t>가 반드시 존재한다</a:t>
+                </a:r>
+                <a:r>
+                  <a:rPr lang="en-US" altLang="ko-KR"/>
+                  <a:t>.</a:t>
+                </a:r>
+                <a:endParaRPr lang="ko-KR" altLang="en-US"/>
+              </a:p>
+            </p:txBody>
+          </p:sp>
+        </mc:Choice>
+        <mc:Fallback xmlns="">
+          <p:sp>
+            <p:nvSpPr>
+              <p:cNvPr id="3" name="내용 개체 틀 2">
+                <a:extLst>
+                  <a:ext uri="{FF2B5EF4-FFF2-40B4-BE49-F238E27FC236}">
+                    <a16:creationId xmlns:a16="http://schemas.microsoft.com/office/drawing/2014/main" id="{0AE7480B-9CDC-553B-8F34-0F6E92A7E7DA}"/>
+                  </a:ext>
+                </a:extLst>
+              </p:cNvPr>
+              <p:cNvSpPr>
+                <a:spLocks noGrp="1" noRot="1" noChangeAspect="1" noMove="1" noResize="1" noEditPoints="1" noAdjustHandles="1" noChangeArrowheads="1" noChangeShapeType="1" noTextEdit="1"/>
+              </p:cNvSpPr>
+              <p:nvPr>
+                <p:ph idx="1"/>
+              </p:nvPr>
+            </p:nvSpPr>
+            <p:spPr>
+              <a:xfrm>
+                <a:off x="838200" y="1618524"/>
+                <a:ext cx="10515600" cy="4351338"/>
+              </a:xfrm>
+              <a:blipFill>
+                <a:blip r:embed="rId2"/>
+                <a:stretch>
+                  <a:fillRect l="-1043" t="-2805" r="-1101"/>
+                </a:stretch>
+              </a:blipFill>
+            </p:spPr>
+            <p:txBody>
+              <a:bodyPr/>
+              <a:lstStyle/>
+              <a:p>
+                <a:r>
+                  <a:rPr lang="ko-KR" altLang="en-US">
+                    <a:noFill/>
+                  </a:rPr>
+                  <a:t> </a:t>
+                </a:r>
+              </a:p>
+            </p:txBody>
+          </p:sp>
+        </mc:Fallback>
+      </mc:AlternateContent>
+      <p:cxnSp>
+        <p:nvCxnSpPr>
+          <p:cNvPr id="5" name="직선 연결선 4">
+            <a:extLst>
+              <a:ext uri="{FF2B5EF4-FFF2-40B4-BE49-F238E27FC236}">
+                <a16:creationId xmlns:a16="http://schemas.microsoft.com/office/drawing/2014/main" id="{6C213882-96A3-5320-F309-E42B3A16D49A}"/>
+              </a:ext>
+            </a:extLst>
+          </p:cNvPr>
+          <p:cNvCxnSpPr>
+            <a:cxnSpLocks/>
+          </p:cNvCxnSpPr>
+          <p:nvPr/>
+        </p:nvCxnSpPr>
+        <p:spPr>
+          <a:xfrm>
+            <a:off x="3324045" y="5543909"/>
+            <a:ext cx="2937024" cy="0"/>
+          </a:xfrm>
+          <a:prstGeom prst="line">
+            <a:avLst/>
+          </a:prstGeom>
+          <a:ln w="57150">
+            <a:solidFill>
+              <a:srgbClr val="FF0000"/>
+            </a:solidFill>
+            <a:headEnd type="oval" w="lg" len="lg"/>
+            <a:tailEnd type="none" w="lg" len="lg"/>
+          </a:ln>
+        </p:spPr>
+        <p:style>
+          <a:lnRef idx="2">
+            <a:schemeClr val="accent1"/>
+          </a:lnRef>
+          <a:fillRef idx="0">
+            <a:schemeClr val="accent1"/>
+          </a:fillRef>
+          <a:effectRef idx="1">
+            <a:schemeClr val="accent1"/>
+          </a:effectRef>
+          <a:fontRef idx="minor">
+            <a:schemeClr val="tx1"/>
+          </a:fontRef>
+        </p:style>
+      </p:cxnSp>
+      <mc:AlternateContent xmlns:mc="http://schemas.openxmlformats.org/markup-compatibility/2006" xmlns:a14="http://schemas.microsoft.com/office/drawing/2010/main">
+        <mc:Choice Requires="a14">
+          <p:sp>
+            <p:nvSpPr>
+              <p:cNvPr id="8" name="TextBox 7">
+                <a:extLst>
+                  <a:ext uri="{FF2B5EF4-FFF2-40B4-BE49-F238E27FC236}">
+                    <a16:creationId xmlns:a16="http://schemas.microsoft.com/office/drawing/2014/main" id="{3D36C083-D83B-0CA5-A50D-1F4728B94727}"/>
+                  </a:ext>
+                </a:extLst>
+              </p:cNvPr>
+              <p:cNvSpPr txBox="1"/>
+              <p:nvPr/>
+            </p:nvSpPr>
+            <p:spPr>
+              <a:xfrm>
+                <a:off x="2827755" y="5800992"/>
+                <a:ext cx="992579" cy="461665"/>
+              </a:xfrm>
+              <a:prstGeom prst="rect">
+                <a:avLst/>
+              </a:prstGeom>
+              <a:noFill/>
+            </p:spPr>
+            <p:txBody>
+              <a:bodyPr wrap="none" rtlCol="0">
+                <a:spAutoFit/>
+              </a:bodyPr>
+              <a:lstStyle/>
+              <a:p>
+                <a:pPr/>
+                <a14:m>
+                  <m:oMathPara xmlns:m="http://schemas.openxmlformats.org/officeDocument/2006/math">
+                    <m:oMathParaPr>
+                      <m:jc m:val="centerGroup"/>
+                    </m:oMathParaPr>
+                    <m:oMath xmlns:m="http://schemas.openxmlformats.org/officeDocument/2006/math">
+                      <m:r>
+                        <a:rPr lang="en-US" altLang="ko-KR" sz="2400" b="0" i="1" smtClean="0">
+                          <a:latin typeface="Cambria Math" panose="02040503050406030204" pitchFamily="18" charset="0"/>
+                        </a:rPr>
+                        <m:t>𝑝</m:t>
+                      </m:r>
+                      <m:r>
+                        <a:rPr lang="en-US" altLang="ko-KR" sz="2400" b="0" i="1" smtClean="0">
+                          <a:latin typeface="Cambria Math" panose="02040503050406030204" pitchFamily="18" charset="0"/>
+                        </a:rPr>
+                        <m:t>=0</m:t>
+                      </m:r>
+                    </m:oMath>
+                  </m:oMathPara>
+                </a14:m>
+                <a:endParaRPr lang="ko-KR" altLang="en-US" sz="2400"/>
+              </a:p>
+            </p:txBody>
+          </p:sp>
+        </mc:Choice>
+        <mc:Fallback xmlns="">
+          <p:sp>
+            <p:nvSpPr>
+              <p:cNvPr id="8" name="TextBox 7">
+                <a:extLst>
+                  <a:ext uri="{FF2B5EF4-FFF2-40B4-BE49-F238E27FC236}">
+                    <a16:creationId xmlns:a16="http://schemas.microsoft.com/office/drawing/2014/main" id="{3D36C083-D83B-0CA5-A50D-1F4728B94727}"/>
+                  </a:ext>
+                </a:extLst>
+              </p:cNvPr>
+              <p:cNvSpPr txBox="1">
+                <a:spLocks noRot="1" noChangeAspect="1" noMove="1" noResize="1" noEditPoints="1" noAdjustHandles="1" noChangeArrowheads="1" noChangeShapeType="1" noTextEdit="1"/>
+              </p:cNvSpPr>
+              <p:nvPr/>
+            </p:nvSpPr>
+            <p:spPr>
+              <a:xfrm>
+                <a:off x="2827755" y="5800992"/>
+                <a:ext cx="992579" cy="461665"/>
+              </a:xfrm>
+              <a:prstGeom prst="rect">
+                <a:avLst/>
+              </a:prstGeom>
+              <a:blipFill>
+                <a:blip r:embed="rId3"/>
+                <a:stretch>
+                  <a:fillRect b="-9333"/>
+                </a:stretch>
+              </a:blipFill>
+            </p:spPr>
+            <p:txBody>
+              <a:bodyPr/>
+              <a:lstStyle/>
+              <a:p>
+                <a:r>
+                  <a:rPr lang="ko-KR" altLang="en-US">
+                    <a:noFill/>
+                  </a:rPr>
+                  <a:t> </a:t>
+                </a:r>
+              </a:p>
+            </p:txBody>
+          </p:sp>
+        </mc:Fallback>
+      </mc:AlternateContent>
+      <mc:AlternateContent xmlns:mc="http://schemas.openxmlformats.org/markup-compatibility/2006" xmlns:a14="http://schemas.microsoft.com/office/drawing/2010/main">
+        <mc:Choice Requires="a14">
+          <p:sp>
+            <p:nvSpPr>
+              <p:cNvPr id="9" name="TextBox 8">
+                <a:extLst>
+                  <a:ext uri="{FF2B5EF4-FFF2-40B4-BE49-F238E27FC236}">
+                    <a16:creationId xmlns:a16="http://schemas.microsoft.com/office/drawing/2014/main" id="{6DD145FD-2BDC-8F0B-983D-73ED68DA8D64}"/>
+                  </a:ext>
+                </a:extLst>
+              </p:cNvPr>
+              <p:cNvSpPr txBox="1"/>
+              <p:nvPr/>
+            </p:nvSpPr>
+            <p:spPr>
+              <a:xfrm>
+                <a:off x="8388918" y="5800992"/>
+                <a:ext cx="992579" cy="461665"/>
+              </a:xfrm>
+              <a:prstGeom prst="rect">
+                <a:avLst/>
+              </a:prstGeom>
+              <a:noFill/>
+            </p:spPr>
+            <p:txBody>
+              <a:bodyPr wrap="none" rtlCol="0">
+                <a:spAutoFit/>
+              </a:bodyPr>
+              <a:lstStyle/>
+              <a:p>
+                <a:pPr/>
+                <a14:m>
+                  <m:oMathPara xmlns:m="http://schemas.openxmlformats.org/officeDocument/2006/math">
+                    <m:oMathParaPr>
+                      <m:jc m:val="centerGroup"/>
+                    </m:oMathParaPr>
+                    <m:oMath xmlns:m="http://schemas.openxmlformats.org/officeDocument/2006/math">
+                      <m:r>
+                        <a:rPr lang="en-US" altLang="ko-KR" sz="2400" b="0" i="1" smtClean="0">
+                          <a:latin typeface="Cambria Math" panose="02040503050406030204" pitchFamily="18" charset="0"/>
+                        </a:rPr>
+                        <m:t>𝑝</m:t>
+                      </m:r>
+                      <m:r>
+                        <a:rPr lang="en-US" altLang="ko-KR" sz="2400" b="0" i="1" smtClean="0">
+                          <a:latin typeface="Cambria Math" panose="02040503050406030204" pitchFamily="18" charset="0"/>
+                        </a:rPr>
+                        <m:t>=1</m:t>
+                      </m:r>
+                    </m:oMath>
+                  </m:oMathPara>
+                </a14:m>
+                <a:endParaRPr lang="ko-KR" altLang="en-US" sz="2400"/>
+              </a:p>
+            </p:txBody>
+          </p:sp>
+        </mc:Choice>
+        <mc:Fallback xmlns="">
+          <p:sp>
+            <p:nvSpPr>
+              <p:cNvPr id="9" name="TextBox 8">
+                <a:extLst>
+                  <a:ext uri="{FF2B5EF4-FFF2-40B4-BE49-F238E27FC236}">
+                    <a16:creationId xmlns:a16="http://schemas.microsoft.com/office/drawing/2014/main" id="{6DD145FD-2BDC-8F0B-983D-73ED68DA8D64}"/>
+                  </a:ext>
+                </a:extLst>
+              </p:cNvPr>
+              <p:cNvSpPr txBox="1">
+                <a:spLocks noRot="1" noChangeAspect="1" noMove="1" noResize="1" noEditPoints="1" noAdjustHandles="1" noChangeArrowheads="1" noChangeShapeType="1" noTextEdit="1"/>
+              </p:cNvSpPr>
+              <p:nvPr/>
+            </p:nvSpPr>
+            <p:spPr>
+              <a:xfrm>
+                <a:off x="8388918" y="5800992"/>
+                <a:ext cx="992579" cy="461665"/>
+              </a:xfrm>
+              <a:prstGeom prst="rect">
+                <a:avLst/>
+              </a:prstGeom>
+              <a:blipFill>
+                <a:blip r:embed="rId4"/>
+                <a:stretch>
+                  <a:fillRect b="-9333"/>
+                </a:stretch>
+              </a:blipFill>
+            </p:spPr>
+            <p:txBody>
+              <a:bodyPr/>
+              <a:lstStyle/>
+              <a:p>
+                <a:r>
+                  <a:rPr lang="ko-KR" altLang="en-US">
+                    <a:noFill/>
+                  </a:rPr>
+                  <a:t> </a:t>
+                </a:r>
+              </a:p>
+            </p:txBody>
+          </p:sp>
+        </mc:Fallback>
+      </mc:AlternateContent>
+      <p:cxnSp>
+        <p:nvCxnSpPr>
+          <p:cNvPr id="11" name="직선 연결선 10">
+            <a:extLst>
+              <a:ext uri="{FF2B5EF4-FFF2-40B4-BE49-F238E27FC236}">
+                <a16:creationId xmlns:a16="http://schemas.microsoft.com/office/drawing/2014/main" id="{AF80973B-7B54-29A6-DA1A-73C0086CBF77}"/>
+              </a:ext>
+            </a:extLst>
+          </p:cNvPr>
+          <p:cNvCxnSpPr>
+            <a:cxnSpLocks/>
+          </p:cNvCxnSpPr>
+          <p:nvPr/>
+        </p:nvCxnSpPr>
+        <p:spPr>
+          <a:xfrm>
+            <a:off x="6261069" y="5543909"/>
+            <a:ext cx="2536166" cy="0"/>
+          </a:xfrm>
+          <a:prstGeom prst="line">
+            <a:avLst/>
+          </a:prstGeom>
+          <a:ln w="57150">
+            <a:solidFill>
+              <a:srgbClr val="0070C0"/>
+            </a:solidFill>
+            <a:headEnd type="none" w="lg" len="lg"/>
+            <a:tailEnd type="oval" w="lg" len="lg"/>
+          </a:ln>
+        </p:spPr>
+        <p:style>
+          <a:lnRef idx="2">
+            <a:schemeClr val="accent1"/>
+          </a:lnRef>
+          <a:fillRef idx="0">
+            <a:schemeClr val="accent1"/>
+          </a:fillRef>
+          <a:effectRef idx="1">
+            <a:schemeClr val="accent1"/>
+          </a:effectRef>
+          <a:fontRef idx="minor">
+            <a:schemeClr val="tx1"/>
+          </a:fontRef>
+        </p:style>
+      </p:cxnSp>
+      <p:cxnSp>
+        <p:nvCxnSpPr>
+          <p:cNvPr id="14" name="직선 연결선 13">
+            <a:extLst>
+              <a:ext uri="{FF2B5EF4-FFF2-40B4-BE49-F238E27FC236}">
+                <a16:creationId xmlns:a16="http://schemas.microsoft.com/office/drawing/2014/main" id="{56B8CED6-BDA6-EEA4-63F6-31FD3ACF2FF7}"/>
+              </a:ext>
+            </a:extLst>
+          </p:cNvPr>
+          <p:cNvCxnSpPr>
+            <a:cxnSpLocks/>
+          </p:cNvCxnSpPr>
+          <p:nvPr/>
+        </p:nvCxnSpPr>
+        <p:spPr>
+          <a:xfrm>
+            <a:off x="6261069" y="4856446"/>
+            <a:ext cx="0" cy="1374925"/>
+          </a:xfrm>
+          <a:prstGeom prst="line">
+            <a:avLst/>
+          </a:prstGeom>
+        </p:spPr>
+        <p:style>
+          <a:lnRef idx="2">
+            <a:schemeClr val="accent1"/>
+          </a:lnRef>
+          <a:fillRef idx="0">
+            <a:schemeClr val="accent1"/>
+          </a:fillRef>
+          <a:effectRef idx="1">
+            <a:schemeClr val="accent1"/>
+          </a:effectRef>
+          <a:fontRef idx="minor">
+            <a:schemeClr val="tx1"/>
+          </a:fontRef>
+        </p:style>
+      </p:cxnSp>
+      <p:sp>
+        <p:nvSpPr>
+          <p:cNvPr id="17" name="TextBox 16">
+            <a:extLst>
+              <a:ext uri="{FF2B5EF4-FFF2-40B4-BE49-F238E27FC236}">
+                <a16:creationId xmlns:a16="http://schemas.microsoft.com/office/drawing/2014/main" id="{70B8268B-81B7-BA28-BB9E-D7B62FE66C41}"/>
+              </a:ext>
+            </a:extLst>
+          </p:cNvPr>
+          <p:cNvSpPr txBox="1"/>
+          <p:nvPr/>
+        </p:nvSpPr>
+        <p:spPr>
+          <a:xfrm>
+            <a:off x="4026267" y="5692863"/>
+            <a:ext cx="2124299" cy="646331"/>
+          </a:xfrm>
+          <a:prstGeom prst="rect">
+            <a:avLst/>
+          </a:prstGeom>
+          <a:noFill/>
+        </p:spPr>
+        <p:txBody>
+          <a:bodyPr wrap="none" rtlCol="0">
+            <a:spAutoFit/>
+          </a:bodyPr>
+          <a:lstStyle/>
+          <a:p>
+            <a:r>
+              <a:rPr lang="ko-KR" altLang="en-US"/>
+              <a:t>무한 클러스터 존재</a:t>
+            </a:r>
+            <a:endParaRPr lang="en-US" altLang="ko-KR"/>
+          </a:p>
+          <a:p>
+            <a:r>
+              <a:rPr lang="ko-KR" altLang="en-US"/>
+              <a:t>안 함</a:t>
+            </a:r>
+          </a:p>
+        </p:txBody>
+      </p:sp>
+      <p:sp>
+        <p:nvSpPr>
+          <p:cNvPr id="18" name="TextBox 17">
+            <a:extLst>
+              <a:ext uri="{FF2B5EF4-FFF2-40B4-BE49-F238E27FC236}">
+                <a16:creationId xmlns:a16="http://schemas.microsoft.com/office/drawing/2014/main" id="{92946729-DE40-4DED-CD63-EE2BB217C6AB}"/>
+              </a:ext>
+            </a:extLst>
+          </p:cNvPr>
+          <p:cNvSpPr txBox="1"/>
+          <p:nvPr/>
+        </p:nvSpPr>
+        <p:spPr>
+          <a:xfrm>
+            <a:off x="6356499" y="5692863"/>
+            <a:ext cx="2355132" cy="369332"/>
+          </a:xfrm>
+          <a:prstGeom prst="rect">
+            <a:avLst/>
+          </a:prstGeom>
+          <a:noFill/>
+        </p:spPr>
+        <p:txBody>
+          <a:bodyPr wrap="none" rtlCol="0">
+            <a:spAutoFit/>
+          </a:bodyPr>
+          <a:lstStyle/>
+          <a:p>
+            <a:r>
+              <a:rPr lang="ko-KR" altLang="en-US"/>
+              <a:t>무한 클러스터 존재함</a:t>
+            </a:r>
+          </a:p>
+        </p:txBody>
+      </p:sp>
+      <mc:AlternateContent xmlns:mc="http://schemas.openxmlformats.org/markup-compatibility/2006" xmlns:a14="http://schemas.microsoft.com/office/drawing/2010/main">
+        <mc:Choice Requires="a14">
+          <p:sp>
+            <p:nvSpPr>
+              <p:cNvPr id="19" name="TextBox 18">
+                <a:extLst>
+                  <a:ext uri="{FF2B5EF4-FFF2-40B4-BE49-F238E27FC236}">
+                    <a16:creationId xmlns:a16="http://schemas.microsoft.com/office/drawing/2014/main" id="{10B4AFA9-0C39-62B0-FFD3-63C9EDD8D59F}"/>
+                  </a:ext>
+                </a:extLst>
+              </p:cNvPr>
+              <p:cNvSpPr txBox="1"/>
+              <p:nvPr/>
+            </p:nvSpPr>
+            <p:spPr>
+              <a:xfrm>
+                <a:off x="6096000" y="6325916"/>
+                <a:ext cx="450188" cy="369332"/>
+              </a:xfrm>
+              <a:prstGeom prst="rect">
+                <a:avLst/>
+              </a:prstGeom>
+              <a:noFill/>
+            </p:spPr>
+            <p:txBody>
+              <a:bodyPr wrap="none" rtlCol="0">
+                <a:spAutoFit/>
+              </a:bodyPr>
+              <a:lstStyle/>
+              <a:p>
+                <a:pPr/>
+                <a14:m>
+                  <m:oMathPara xmlns:m="http://schemas.openxmlformats.org/officeDocument/2006/math">
+                    <m:oMathParaPr>
+                      <m:jc m:val="centerGroup"/>
+                    </m:oMathParaPr>
+                    <m:oMath xmlns:m="http://schemas.openxmlformats.org/officeDocument/2006/math">
+                      <m:sSub>
+                        <m:sSubPr>
+                          <m:ctrlPr>
+                            <a:rPr lang="en-US" altLang="ko-KR" b="0" i="1" smtClean="0">
+                              <a:latin typeface="Cambria Math" panose="02040503050406030204" pitchFamily="18" charset="0"/>
+                            </a:rPr>
+                          </m:ctrlPr>
+                        </m:sSubPr>
+                        <m:e>
+                          <m:r>
+                            <a:rPr lang="en-US" altLang="ko-KR" b="0" i="1" smtClean="0">
+                              <a:latin typeface="Cambria Math" panose="02040503050406030204" pitchFamily="18" charset="0"/>
+                            </a:rPr>
+                            <m:t>𝑝</m:t>
+                          </m:r>
+                        </m:e>
+                        <m:sub>
+                          <m:r>
+                            <a:rPr lang="en-US" altLang="ko-KR" b="0" i="1" smtClean="0">
+                              <a:latin typeface="Cambria Math" panose="02040503050406030204" pitchFamily="18" charset="0"/>
+                            </a:rPr>
+                            <m:t>𝑐</m:t>
+                          </m:r>
+                        </m:sub>
+                      </m:sSub>
+                    </m:oMath>
+                  </m:oMathPara>
+                </a14:m>
+                <a:endParaRPr lang="ko-KR" altLang="en-US"/>
+              </a:p>
+            </p:txBody>
+          </p:sp>
+        </mc:Choice>
+        <mc:Fallback xmlns="">
+          <p:sp>
+            <p:nvSpPr>
+              <p:cNvPr id="19" name="TextBox 18">
+                <a:extLst>
+                  <a:ext uri="{FF2B5EF4-FFF2-40B4-BE49-F238E27FC236}">
+                    <a16:creationId xmlns:a16="http://schemas.microsoft.com/office/drawing/2014/main" id="{10B4AFA9-0C39-62B0-FFD3-63C9EDD8D59F}"/>
+                  </a:ext>
+                </a:extLst>
+              </p:cNvPr>
+              <p:cNvSpPr txBox="1">
+                <a:spLocks noRot="1" noChangeAspect="1" noMove="1" noResize="1" noEditPoints="1" noAdjustHandles="1" noChangeArrowheads="1" noChangeShapeType="1" noTextEdit="1"/>
+              </p:cNvSpPr>
+              <p:nvPr/>
+            </p:nvSpPr>
+            <p:spPr>
+              <a:xfrm>
+                <a:off x="6096000" y="6325916"/>
+                <a:ext cx="450188" cy="369332"/>
+              </a:xfrm>
+              <a:prstGeom prst="rect">
+                <a:avLst/>
+              </a:prstGeom>
+              <a:blipFill>
+                <a:blip r:embed="rId5"/>
+                <a:stretch>
+                  <a:fillRect b="-6667"/>
+                </a:stretch>
+              </a:blipFill>
+            </p:spPr>
+            <p:txBody>
+              <a:bodyPr/>
+              <a:lstStyle/>
+              <a:p>
+                <a:r>
+                  <a:rPr lang="ko-KR" altLang="en-US">
+                    <a:noFill/>
+                  </a:rPr>
+                  <a:t> </a:t>
+                </a:r>
+              </a:p>
+            </p:txBody>
+          </p:sp>
+        </mc:Fallback>
+      </mc:AlternateContent>
+    </p:spTree>
+    <p:extLst>
+      <p:ext uri="{BB962C8B-B14F-4D97-AF65-F5344CB8AC3E}">
+        <p14:creationId xmlns:p14="http://schemas.microsoft.com/office/powerpoint/2010/main" val="2141899415"/>
+      </p:ext>
+    </p:extLst>
+  </p:cSld>
+  <p:clrMapOvr>
+    <a:masterClrMapping/>
+  </p:clrMapOvr>
+</p:sld>
+</file>
+
+<file path=ppt/slides/slide9.xml><?xml version="1.0" encoding="utf-8"?>
+<p:sld xmlns:a="http://schemas.openxmlformats.org/drawingml/2006/main" xmlns:r="http://schemas.openxmlformats.org/officeDocument/2006/relationships" xmlns:p="http://schemas.openxmlformats.org/presentationml/2006/main">
+  <p:cSld>
+    <p:spTree>
+      <p:nvGrpSpPr>
+        <p:cNvPr id="1" name=""/>
+        <p:cNvGrpSpPr/>
+        <p:nvPr/>
+      </p:nvGrpSpPr>
+      <p:grpSpPr>
+        <a:xfrm>
+          <a:off x="0" y="0"/>
+          <a:ext cx="0" cy="0"/>
+          <a:chOff x="0" y="0"/>
+          <a:chExt cx="0" cy="0"/>
+        </a:xfrm>
+      </p:grpSpPr>
+      <mc:AlternateContent xmlns:mc="http://schemas.openxmlformats.org/markup-compatibility/2006" xmlns:a14="http://schemas.microsoft.com/office/drawing/2010/main">
+        <mc:Choice Requires="a14">
+          <p:sp>
+            <p:nvSpPr>
+              <p:cNvPr id="2" name="제목 1">
+                <a:extLst>
+                  <a:ext uri="{FF2B5EF4-FFF2-40B4-BE49-F238E27FC236}">
+                    <a16:creationId xmlns:a16="http://schemas.microsoft.com/office/drawing/2014/main" id="{07B7B829-9A14-14C5-6B1D-6D8B128B6164}"/>
+                  </a:ext>
+                </a:extLst>
+              </p:cNvPr>
+              <p:cNvSpPr>
+                <a:spLocks noGrp="1"/>
+              </p:cNvSpPr>
+              <p:nvPr>
+                <p:ph type="title"/>
+              </p:nvPr>
+            </p:nvSpPr>
+            <p:spPr/>
+            <p:txBody>
+              <a:bodyPr/>
+              <a:lstStyle/>
+              <a:p>
+                <a14:m>
+                  <m:oMath xmlns:m="http://schemas.openxmlformats.org/officeDocument/2006/math">
+                    <m:sSub>
+                      <m:sSubPr>
+                        <m:ctrlPr>
+                          <a:rPr lang="en-US" altLang="ko-KR" b="0" i="1" smtClean="0">
+                            <a:latin typeface="Cambria Math" panose="02040503050406030204" pitchFamily="18" charset="0"/>
+                          </a:rPr>
+                        </m:ctrlPr>
+                      </m:sSubPr>
+                      <m:e>
+                        <m:r>
+                          <a:rPr lang="en-US" altLang="ko-KR" b="0" i="1" smtClean="0">
+                            <a:latin typeface="Cambria Math" panose="02040503050406030204" pitchFamily="18" charset="0"/>
+                          </a:rPr>
+                          <m:t>𝑝</m:t>
+                        </m:r>
+                      </m:e>
+                      <m:sub>
+                        <m:r>
+                          <a:rPr lang="en-US" altLang="ko-KR" b="0" i="1" smtClean="0">
+                            <a:latin typeface="Cambria Math" panose="02040503050406030204" pitchFamily="18" charset="0"/>
+                          </a:rPr>
+                          <m:t>𝑐</m:t>
+                        </m:r>
+                      </m:sub>
+                    </m:sSub>
+                    <m:r>
+                      <a:rPr lang="en-US" altLang="ko-KR" b="0" i="1" smtClean="0">
+                        <a:latin typeface="Cambria Math" panose="02040503050406030204" pitchFamily="18" charset="0"/>
+                      </a:rPr>
+                      <m:t>=0.5</m:t>
+                    </m:r>
+                    <m:r>
+                      <a:rPr lang="en-US" altLang="ko-KR" b="0" i="0" smtClean="0">
+                        <a:latin typeface="Cambria Math" panose="02040503050406030204" pitchFamily="18" charset="0"/>
+                      </a:rPr>
+                      <m:t> </m:t>
+                    </m:r>
+                    <m:r>
+                      <a:rPr lang="ko-KR" altLang="en-US" i="1">
+                        <a:latin typeface="Cambria Math" panose="02040503050406030204" pitchFamily="18" charset="0"/>
+                      </a:rPr>
+                      <m:t>증</m:t>
+                    </m:r>
+                  </m:oMath>
+                </a14:m>
+                <a:r>
+                  <a:rPr lang="ko-KR" altLang="en-US"/>
+                  <a:t>명</a:t>
+                </a:r>
+                <a:r>
+                  <a:rPr lang="en-US" altLang="ko-KR"/>
+                  <a:t> – </a:t>
+                </a:r>
+                <a:r>
+                  <a:rPr lang="ko-KR" altLang="en-US"/>
+                  <a:t>듀얼 그래프 정의</a:t>
+                </a:r>
+              </a:p>
+            </p:txBody>
+          </p:sp>
+        </mc:Choice>
+        <mc:Fallback xmlns="">
+          <p:sp>
+            <p:nvSpPr>
+              <p:cNvPr id="2" name="제목 1">
+                <a:extLst>
+                  <a:ext uri="{FF2B5EF4-FFF2-40B4-BE49-F238E27FC236}">
+                    <a16:creationId xmlns:a16="http://schemas.microsoft.com/office/drawing/2014/main" id="{07B7B829-9A14-14C5-6B1D-6D8B128B6164}"/>
+                  </a:ext>
+                </a:extLst>
+              </p:cNvPr>
+              <p:cNvSpPr>
+                <a:spLocks noGrp="1" noRot="1" noChangeAspect="1" noMove="1" noResize="1" noEditPoints="1" noAdjustHandles="1" noChangeArrowheads="1" noChangeShapeType="1" noTextEdit="1"/>
+              </p:cNvSpPr>
+              <p:nvPr>
+                <p:ph type="title"/>
+              </p:nvPr>
+            </p:nvSpPr>
+            <p:spPr>
+              <a:blipFill>
+                <a:blip r:embed="rId2"/>
+                <a:stretch>
+                  <a:fillRect/>
+                </a:stretch>
+              </a:blipFill>
+            </p:spPr>
+            <p:txBody>
+              <a:bodyPr/>
+              <a:lstStyle/>
+              <a:p>
+                <a:r>
+                  <a:rPr lang="ko-KR" altLang="en-US">
+                    <a:noFill/>
+                  </a:rPr>
+                  <a:t> </a:t>
+                </a:r>
+              </a:p>
+            </p:txBody>
+          </p:sp>
+        </mc:Fallback>
+      </mc:AlternateContent>
+      <p:sp>
+        <p:nvSpPr>
+          <p:cNvPr id="3" name="내용 개체 틀 2">
+            <a:extLst>
+              <a:ext uri="{FF2B5EF4-FFF2-40B4-BE49-F238E27FC236}">
+                <a16:creationId xmlns:a16="http://schemas.microsoft.com/office/drawing/2014/main" id="{BD8E0D52-218C-31D2-7DCD-2F6707F2420B}"/>
+              </a:ext>
+            </a:extLst>
+          </p:cNvPr>
+          <p:cNvSpPr>
+            <a:spLocks noGrp="1"/>
+          </p:cNvSpPr>
+          <p:nvPr>
+            <p:ph idx="1"/>
+          </p:nvPr>
+        </p:nvSpPr>
+        <p:spPr>
+          <a:xfrm>
+            <a:off x="838200" y="3108084"/>
+            <a:ext cx="10515600" cy="2974975"/>
+          </a:xfrm>
+        </p:spPr>
+        <p:txBody>
+          <a:bodyPr>
+            <a:normAutofit/>
+          </a:bodyPr>
+          <a:lstStyle/>
+          <a:p>
+            <a:r>
+              <a:rPr lang="ko-KR" altLang="en-US"/>
+              <a:t>상전이가 발생하는 임계값이 </a:t>
+            </a:r>
+            <a:r>
+              <a:rPr lang="en-US" altLang="ko-KR"/>
+              <a:t>0.5</a:t>
+            </a:r>
+            <a:r>
+              <a:rPr lang="ko-KR" altLang="en-US"/>
+              <a:t>임을 증명하기 위해 </a:t>
+            </a:r>
+            <a:r>
+              <a:rPr lang="en-US" altLang="ko-KR"/>
+              <a:t>“</a:t>
+            </a:r>
+            <a:r>
+              <a:rPr lang="ko-KR" altLang="en-US"/>
+              <a:t>듀얼 그래프</a:t>
+            </a:r>
+            <a:r>
+              <a:rPr lang="en-US" altLang="ko-KR"/>
+              <a:t>”</a:t>
+            </a:r>
+            <a:r>
+              <a:rPr lang="ko-KR" altLang="en-US"/>
+              <a:t>를 다음과 같이 정의한다</a:t>
+            </a:r>
+            <a:r>
+              <a:rPr lang="en-US" altLang="ko-KR"/>
+              <a:t>.</a:t>
+            </a:r>
+          </a:p>
+          <a:p>
+            <a:endParaRPr lang="en-US" altLang="ko-KR"/>
+          </a:p>
+        </p:txBody>
+      </p:sp>
+    </p:spTree>
+    <p:extLst>
+      <p:ext uri="{BB962C8B-B14F-4D97-AF65-F5344CB8AC3E}">
+        <p14:creationId xmlns:p14="http://schemas.microsoft.com/office/powerpoint/2010/main" val="1746490200"/>
       </p:ext>
     </p:extLst>
   </p:cSld>
